--- a/csharp_application_with_entity_framework.pptx
+++ b/csharp_application_with_entity_framework.pptx
@@ -3,12 +3,15 @@
 <p:presentation xmlns:a="http://schemas.openxmlformats.org/drawingml/2006/main" xmlns:p="http://schemas.openxmlformats.org/presentationml/2006/main" xmlns:r="http://schemas.openxmlformats.org/officeDocument/2006/relationships" xmlns:p14="http://schemas.microsoft.com/office/powerpoint/2010/main" xmlns:p15="http://schemas.microsoft.com/office/powerpoint/2012/main" xmlns:mc="http://schemas.openxmlformats.org/markup-compatibility/2006">
   <p:sldMasterIdLst>
     <p:sldMasterId id="2147483648" r:id="rId2"/>
+    <p:sldMasterId id="2147483661" r:id="rId3"/>
   </p:sldMasterIdLst>
   <p:sldIdLst>
-    <p:sldId id="256" r:id="rId3"/>
-    <p:sldId id="257" r:id="rId4"/>
-    <p:sldId id="258" r:id="rId5"/>
-    <p:sldId id="259" r:id="rId6"/>
+    <p:sldId id="256" r:id="rId4"/>
+    <p:sldId id="257" r:id="rId5"/>
+    <p:sldId id="258" r:id="rId6"/>
+    <p:sldId id="259" r:id="rId7"/>
+    <p:sldId id="260" r:id="rId8"/>
+    <p:sldId id="261" r:id="rId9"/>
   </p:sldIdLst>
   <p:sldSz cx="10080625" cy="7559675"/>
   <p:notesSz cx="7559675" cy="10691812"/>
@@ -56,7 +59,7 @@
       </p:grpSpPr>
       <p:sp>
         <p:nvSpPr>
-          <p:cNvPr id="27" name="PlaceHolder 1"/>
+          <p:cNvPr id="24" name="PlaceHolder 1"/>
           <p:cNvSpPr>
             <a:spLocks noGrp="1"/>
           </p:cNvSpPr>
@@ -66,8 +69,8 @@
         </p:nvSpPr>
         <p:spPr>
           <a:xfrm>
-            <a:off x="504000" y="576000"/>
-            <a:ext cx="7200000" cy="720000"/>
+            <a:off x="504000" y="304920"/>
+            <a:ext cx="7199640" cy="1262160"/>
           </a:xfrm>
           <a:prstGeom prst="rect">
             <a:avLst/>
@@ -78,15 +81,16 @@
             <a:spAutoFit/>
           </a:bodyPr>
           <a:p>
-            <a:endParaRPr b="0" lang="en-US" sz="3600" spc="-1" strike="noStrike">
-              <a:latin typeface="Arial"/>
-            </a:endParaRPr>
-          </a:p>
-        </p:txBody>
-      </p:sp>
-      <p:sp>
-        <p:nvSpPr>
-          <p:cNvPr id="28" name="PlaceHolder 2"/>
+            <a:pPr algn="ctr"/>
+            <a:endParaRPr b="0" lang="en-US" sz="4400" spc="-1" strike="noStrike">
+              <a:latin typeface="Arial"/>
+            </a:endParaRPr>
+          </a:p>
+        </p:txBody>
+      </p:sp>
+      <p:sp>
+        <p:nvSpPr>
+          <p:cNvPr id="25" name="PlaceHolder 2"/>
           <p:cNvSpPr>
             <a:spLocks noGrp="1"/>
           </p:cNvSpPr>
@@ -97,48 +101,48 @@
         <p:spPr>
           <a:xfrm>
             <a:off x="504000" y="1800000"/>
-            <a:ext cx="9072000" cy="2091240"/>
-          </a:xfrm>
-          <a:prstGeom prst="rect">
-            <a:avLst/>
-          </a:prstGeom>
-        </p:spPr>
-        <p:txBody>
-          <a:bodyPr lIns="0" rIns="0" tIns="0" bIns="0">
-            <a:normAutofit/>
-          </a:bodyPr>
-          <a:p>
-            <a:endParaRPr b="0" lang="en-US" sz="2600" spc="-1" strike="noStrike">
-              <a:latin typeface="Arial"/>
-            </a:endParaRPr>
-          </a:p>
-        </p:txBody>
-      </p:sp>
-      <p:sp>
-        <p:nvSpPr>
-          <p:cNvPr id="29" name="PlaceHolder 3"/>
-          <p:cNvSpPr>
-            <a:spLocks noGrp="1"/>
-          </p:cNvSpPr>
-          <p:nvPr>
-            <p:ph type="body"/>
-          </p:nvPr>
-        </p:nvSpPr>
-        <p:spPr>
-          <a:xfrm>
-            <a:off x="504000" y="4090320"/>
-            <a:ext cx="9072000" cy="2091240"/>
-          </a:xfrm>
-          <a:prstGeom prst="rect">
-            <a:avLst/>
-          </a:prstGeom>
-        </p:spPr>
-        <p:txBody>
-          <a:bodyPr lIns="0" rIns="0" tIns="0" bIns="0">
-            <a:normAutofit/>
-          </a:bodyPr>
-          <a:p>
-            <a:endParaRPr b="0" lang="en-US" sz="2600" spc="-1" strike="noStrike">
+            <a:ext cx="9071640" cy="2090880"/>
+          </a:xfrm>
+          <a:prstGeom prst="rect">
+            <a:avLst/>
+          </a:prstGeom>
+        </p:spPr>
+        <p:txBody>
+          <a:bodyPr lIns="0" rIns="0" tIns="0" bIns="0">
+            <a:normAutofit/>
+          </a:bodyPr>
+          <a:p>
+            <a:endParaRPr b="0" lang="en-US" sz="3200" spc="-1" strike="noStrike">
+              <a:latin typeface="Arial"/>
+            </a:endParaRPr>
+          </a:p>
+        </p:txBody>
+      </p:sp>
+      <p:sp>
+        <p:nvSpPr>
+          <p:cNvPr id="26" name="PlaceHolder 3"/>
+          <p:cNvSpPr>
+            <a:spLocks noGrp="1"/>
+          </p:cNvSpPr>
+          <p:nvPr>
+            <p:ph type="body"/>
+          </p:nvPr>
+        </p:nvSpPr>
+        <p:spPr>
+          <a:xfrm>
+            <a:off x="504000" y="4089960"/>
+            <a:ext cx="9071640" cy="2090880"/>
+          </a:xfrm>
+          <a:prstGeom prst="rect">
+            <a:avLst/>
+          </a:prstGeom>
+        </p:spPr>
+        <p:txBody>
+          <a:bodyPr lIns="0" rIns="0" tIns="0" bIns="0">
+            <a:normAutofit/>
+          </a:bodyPr>
+          <a:p>
+            <a:endParaRPr b="0" lang="en-US" sz="3200" spc="-1" strike="noStrike">
               <a:latin typeface="Arial"/>
             </a:endParaRPr>
           </a:p>
@@ -168,7 +172,7 @@
       </p:grpSpPr>
       <p:sp>
         <p:nvSpPr>
-          <p:cNvPr id="30" name="PlaceHolder 1"/>
+          <p:cNvPr id="27" name="PlaceHolder 1"/>
           <p:cNvSpPr>
             <a:spLocks noGrp="1"/>
           </p:cNvSpPr>
@@ -178,8 +182,8 @@
         </p:nvSpPr>
         <p:spPr>
           <a:xfrm>
-            <a:off x="504000" y="576000"/>
-            <a:ext cx="7200000" cy="720000"/>
+            <a:off x="504000" y="304920"/>
+            <a:ext cx="7199640" cy="1262160"/>
           </a:xfrm>
           <a:prstGeom prst="rect">
             <a:avLst/>
@@ -190,15 +194,16 @@
             <a:spAutoFit/>
           </a:bodyPr>
           <a:p>
-            <a:endParaRPr b="0" lang="en-US" sz="3600" spc="-1" strike="noStrike">
-              <a:latin typeface="Arial"/>
-            </a:endParaRPr>
-          </a:p>
-        </p:txBody>
-      </p:sp>
-      <p:sp>
-        <p:nvSpPr>
-          <p:cNvPr id="31" name="PlaceHolder 2"/>
+            <a:pPr algn="ctr"/>
+            <a:endParaRPr b="0" lang="en-US" sz="4400" spc="-1" strike="noStrike">
+              <a:latin typeface="Arial"/>
+            </a:endParaRPr>
+          </a:p>
+        </p:txBody>
+      </p:sp>
+      <p:sp>
+        <p:nvSpPr>
+          <p:cNvPr id="28" name="PlaceHolder 2"/>
           <p:cNvSpPr>
             <a:spLocks noGrp="1"/>
           </p:cNvSpPr>
@@ -209,26 +214,26 @@
         <p:spPr>
           <a:xfrm>
             <a:off x="504000" y="1800000"/>
-            <a:ext cx="4426920" cy="2091240"/>
-          </a:xfrm>
-          <a:prstGeom prst="rect">
-            <a:avLst/>
-          </a:prstGeom>
-        </p:spPr>
-        <p:txBody>
-          <a:bodyPr lIns="0" rIns="0" tIns="0" bIns="0">
-            <a:normAutofit/>
-          </a:bodyPr>
-          <a:p>
-            <a:endParaRPr b="0" lang="en-US" sz="2600" spc="-1" strike="noStrike">
-              <a:latin typeface="Arial"/>
-            </a:endParaRPr>
-          </a:p>
-        </p:txBody>
-      </p:sp>
-      <p:sp>
-        <p:nvSpPr>
-          <p:cNvPr id="32" name="PlaceHolder 3"/>
+            <a:ext cx="4426920" cy="2090880"/>
+          </a:xfrm>
+          <a:prstGeom prst="rect">
+            <a:avLst/>
+          </a:prstGeom>
+        </p:spPr>
+        <p:txBody>
+          <a:bodyPr lIns="0" rIns="0" tIns="0" bIns="0">
+            <a:normAutofit/>
+          </a:bodyPr>
+          <a:p>
+            <a:endParaRPr b="0" lang="en-US" sz="3200" spc="-1" strike="noStrike">
+              <a:latin typeface="Arial"/>
+            </a:endParaRPr>
+          </a:p>
+        </p:txBody>
+      </p:sp>
+      <p:sp>
+        <p:nvSpPr>
+          <p:cNvPr id="29" name="PlaceHolder 3"/>
           <p:cNvSpPr>
             <a:spLocks noGrp="1"/>
           </p:cNvSpPr>
@@ -239,78 +244,78 @@
         <p:spPr>
           <a:xfrm>
             <a:off x="5152680" y="1800000"/>
-            <a:ext cx="4426920" cy="2091240"/>
-          </a:xfrm>
-          <a:prstGeom prst="rect">
-            <a:avLst/>
-          </a:prstGeom>
-        </p:spPr>
-        <p:txBody>
-          <a:bodyPr lIns="0" rIns="0" tIns="0" bIns="0">
-            <a:normAutofit/>
-          </a:bodyPr>
-          <a:p>
-            <a:endParaRPr b="0" lang="en-US" sz="2600" spc="-1" strike="noStrike">
-              <a:latin typeface="Arial"/>
-            </a:endParaRPr>
-          </a:p>
-        </p:txBody>
-      </p:sp>
-      <p:sp>
-        <p:nvSpPr>
-          <p:cNvPr id="33" name="PlaceHolder 4"/>
-          <p:cNvSpPr>
-            <a:spLocks noGrp="1"/>
-          </p:cNvSpPr>
-          <p:nvPr>
-            <p:ph type="body"/>
-          </p:nvPr>
-        </p:nvSpPr>
-        <p:spPr>
-          <a:xfrm>
-            <a:off x="504000" y="4090320"/>
-            <a:ext cx="4426920" cy="2091240"/>
-          </a:xfrm>
-          <a:prstGeom prst="rect">
-            <a:avLst/>
-          </a:prstGeom>
-        </p:spPr>
-        <p:txBody>
-          <a:bodyPr lIns="0" rIns="0" tIns="0" bIns="0">
-            <a:normAutofit/>
-          </a:bodyPr>
-          <a:p>
-            <a:endParaRPr b="0" lang="en-US" sz="2600" spc="-1" strike="noStrike">
-              <a:latin typeface="Arial"/>
-            </a:endParaRPr>
-          </a:p>
-        </p:txBody>
-      </p:sp>
-      <p:sp>
-        <p:nvSpPr>
-          <p:cNvPr id="34" name="PlaceHolder 5"/>
-          <p:cNvSpPr>
-            <a:spLocks noGrp="1"/>
-          </p:cNvSpPr>
-          <p:nvPr>
-            <p:ph type="body"/>
-          </p:nvPr>
-        </p:nvSpPr>
-        <p:spPr>
-          <a:xfrm>
-            <a:off x="5152680" y="4090320"/>
-            <a:ext cx="4426920" cy="2091240"/>
-          </a:xfrm>
-          <a:prstGeom prst="rect">
-            <a:avLst/>
-          </a:prstGeom>
-        </p:spPr>
-        <p:txBody>
-          <a:bodyPr lIns="0" rIns="0" tIns="0" bIns="0">
-            <a:normAutofit/>
-          </a:bodyPr>
-          <a:p>
-            <a:endParaRPr b="0" lang="en-US" sz="2600" spc="-1" strike="noStrike">
+            <a:ext cx="4426920" cy="2090880"/>
+          </a:xfrm>
+          <a:prstGeom prst="rect">
+            <a:avLst/>
+          </a:prstGeom>
+        </p:spPr>
+        <p:txBody>
+          <a:bodyPr lIns="0" rIns="0" tIns="0" bIns="0">
+            <a:normAutofit/>
+          </a:bodyPr>
+          <a:p>
+            <a:endParaRPr b="0" lang="en-US" sz="3200" spc="-1" strike="noStrike">
+              <a:latin typeface="Arial"/>
+            </a:endParaRPr>
+          </a:p>
+        </p:txBody>
+      </p:sp>
+      <p:sp>
+        <p:nvSpPr>
+          <p:cNvPr id="30" name="PlaceHolder 4"/>
+          <p:cNvSpPr>
+            <a:spLocks noGrp="1"/>
+          </p:cNvSpPr>
+          <p:nvPr>
+            <p:ph type="body"/>
+          </p:nvPr>
+        </p:nvSpPr>
+        <p:spPr>
+          <a:xfrm>
+            <a:off x="504000" y="4089960"/>
+            <a:ext cx="4426920" cy="2090880"/>
+          </a:xfrm>
+          <a:prstGeom prst="rect">
+            <a:avLst/>
+          </a:prstGeom>
+        </p:spPr>
+        <p:txBody>
+          <a:bodyPr lIns="0" rIns="0" tIns="0" bIns="0">
+            <a:normAutofit/>
+          </a:bodyPr>
+          <a:p>
+            <a:endParaRPr b="0" lang="en-US" sz="3200" spc="-1" strike="noStrike">
+              <a:latin typeface="Arial"/>
+            </a:endParaRPr>
+          </a:p>
+        </p:txBody>
+      </p:sp>
+      <p:sp>
+        <p:nvSpPr>
+          <p:cNvPr id="31" name="PlaceHolder 5"/>
+          <p:cNvSpPr>
+            <a:spLocks noGrp="1"/>
+          </p:cNvSpPr>
+          <p:nvPr>
+            <p:ph type="body"/>
+          </p:nvPr>
+        </p:nvSpPr>
+        <p:spPr>
+          <a:xfrm>
+            <a:off x="5152680" y="4089960"/>
+            <a:ext cx="4426920" cy="2090880"/>
+          </a:xfrm>
+          <a:prstGeom prst="rect">
+            <a:avLst/>
+          </a:prstGeom>
+        </p:spPr>
+        <p:txBody>
+          <a:bodyPr lIns="0" rIns="0" tIns="0" bIns="0">
+            <a:normAutofit/>
+          </a:bodyPr>
+          <a:p>
+            <a:endParaRPr b="0" lang="en-US" sz="3200" spc="-1" strike="noStrike">
               <a:latin typeface="Arial"/>
             </a:endParaRPr>
           </a:p>
@@ -340,7 +345,7 @@
       </p:grpSpPr>
       <p:sp>
         <p:nvSpPr>
-          <p:cNvPr id="35" name="PlaceHolder 1"/>
+          <p:cNvPr id="32" name="PlaceHolder 1"/>
           <p:cNvSpPr>
             <a:spLocks noGrp="1"/>
           </p:cNvSpPr>
@@ -350,8 +355,8 @@
         </p:nvSpPr>
         <p:spPr>
           <a:xfrm>
-            <a:off x="504000" y="576000"/>
-            <a:ext cx="7200000" cy="720000"/>
+            <a:off x="504000" y="304920"/>
+            <a:ext cx="7199640" cy="1262160"/>
           </a:xfrm>
           <a:prstGeom prst="rect">
             <a:avLst/>
@@ -362,15 +367,16 @@
             <a:spAutoFit/>
           </a:bodyPr>
           <a:p>
-            <a:endParaRPr b="0" lang="en-US" sz="3600" spc="-1" strike="noStrike">
-              <a:latin typeface="Arial"/>
-            </a:endParaRPr>
-          </a:p>
-        </p:txBody>
-      </p:sp>
-      <p:sp>
-        <p:nvSpPr>
-          <p:cNvPr id="36" name="PlaceHolder 2"/>
+            <a:pPr algn="ctr"/>
+            <a:endParaRPr b="0" lang="en-US" sz="4400" spc="-1" strike="noStrike">
+              <a:latin typeface="Arial"/>
+            </a:endParaRPr>
+          </a:p>
+        </p:txBody>
+      </p:sp>
+      <p:sp>
+        <p:nvSpPr>
+          <p:cNvPr id="33" name="PlaceHolder 2"/>
           <p:cNvSpPr>
             <a:spLocks noGrp="1"/>
           </p:cNvSpPr>
@@ -381,168 +387,719 @@
         <p:spPr>
           <a:xfrm>
             <a:off x="504000" y="1800000"/>
-            <a:ext cx="2921040" cy="2091240"/>
-          </a:xfrm>
-          <a:prstGeom prst="rect">
-            <a:avLst/>
-          </a:prstGeom>
-        </p:spPr>
-        <p:txBody>
-          <a:bodyPr lIns="0" rIns="0" tIns="0" bIns="0">
-            <a:normAutofit/>
-          </a:bodyPr>
-          <a:p>
-            <a:endParaRPr b="0" lang="en-US" sz="2600" spc="-1" strike="noStrike">
-              <a:latin typeface="Arial"/>
-            </a:endParaRPr>
-          </a:p>
-        </p:txBody>
-      </p:sp>
-      <p:sp>
-        <p:nvSpPr>
-          <p:cNvPr id="37" name="PlaceHolder 3"/>
-          <p:cNvSpPr>
-            <a:spLocks noGrp="1"/>
-          </p:cNvSpPr>
-          <p:nvPr>
-            <p:ph type="body"/>
-          </p:nvPr>
-        </p:nvSpPr>
-        <p:spPr>
-          <a:xfrm>
-            <a:off x="3571560" y="1800000"/>
-            <a:ext cx="2921040" cy="2091240"/>
-          </a:xfrm>
-          <a:prstGeom prst="rect">
-            <a:avLst/>
-          </a:prstGeom>
-        </p:spPr>
-        <p:txBody>
-          <a:bodyPr lIns="0" rIns="0" tIns="0" bIns="0">
-            <a:normAutofit/>
-          </a:bodyPr>
-          <a:p>
-            <a:endParaRPr b="0" lang="en-US" sz="2600" spc="-1" strike="noStrike">
-              <a:latin typeface="Arial"/>
-            </a:endParaRPr>
-          </a:p>
-        </p:txBody>
-      </p:sp>
-      <p:sp>
-        <p:nvSpPr>
-          <p:cNvPr id="38" name="PlaceHolder 4"/>
-          <p:cNvSpPr>
-            <a:spLocks noGrp="1"/>
-          </p:cNvSpPr>
-          <p:nvPr>
-            <p:ph type="body"/>
-          </p:nvPr>
-        </p:nvSpPr>
-        <p:spPr>
-          <a:xfrm>
-            <a:off x="6639120" y="1800000"/>
-            <a:ext cx="2921040" cy="2091240"/>
-          </a:xfrm>
-          <a:prstGeom prst="rect">
-            <a:avLst/>
-          </a:prstGeom>
-        </p:spPr>
-        <p:txBody>
-          <a:bodyPr lIns="0" rIns="0" tIns="0" bIns="0">
-            <a:normAutofit/>
-          </a:bodyPr>
-          <a:p>
-            <a:endParaRPr b="0" lang="en-US" sz="2600" spc="-1" strike="noStrike">
-              <a:latin typeface="Arial"/>
-            </a:endParaRPr>
-          </a:p>
-        </p:txBody>
-      </p:sp>
-      <p:sp>
-        <p:nvSpPr>
-          <p:cNvPr id="39" name="PlaceHolder 5"/>
-          <p:cNvSpPr>
-            <a:spLocks noGrp="1"/>
-          </p:cNvSpPr>
-          <p:nvPr>
-            <p:ph type="body"/>
-          </p:nvPr>
-        </p:nvSpPr>
-        <p:spPr>
-          <a:xfrm>
-            <a:off x="504000" y="4090320"/>
-            <a:ext cx="2921040" cy="2091240"/>
-          </a:xfrm>
-          <a:prstGeom prst="rect">
-            <a:avLst/>
-          </a:prstGeom>
-        </p:spPr>
-        <p:txBody>
-          <a:bodyPr lIns="0" rIns="0" tIns="0" bIns="0">
-            <a:normAutofit/>
-          </a:bodyPr>
-          <a:p>
-            <a:endParaRPr b="0" lang="en-US" sz="2600" spc="-1" strike="noStrike">
-              <a:latin typeface="Arial"/>
-            </a:endParaRPr>
-          </a:p>
-        </p:txBody>
-      </p:sp>
-      <p:sp>
-        <p:nvSpPr>
-          <p:cNvPr id="40" name="PlaceHolder 6"/>
-          <p:cNvSpPr>
-            <a:spLocks noGrp="1"/>
-          </p:cNvSpPr>
-          <p:nvPr>
-            <p:ph type="body"/>
-          </p:nvPr>
-        </p:nvSpPr>
-        <p:spPr>
-          <a:xfrm>
-            <a:off x="3571560" y="4090320"/>
-            <a:ext cx="2921040" cy="2091240"/>
-          </a:xfrm>
-          <a:prstGeom prst="rect">
-            <a:avLst/>
-          </a:prstGeom>
-        </p:spPr>
-        <p:txBody>
-          <a:bodyPr lIns="0" rIns="0" tIns="0" bIns="0">
-            <a:normAutofit/>
-          </a:bodyPr>
-          <a:p>
-            <a:endParaRPr b="0" lang="en-US" sz="2600" spc="-1" strike="noStrike">
-              <a:latin typeface="Arial"/>
-            </a:endParaRPr>
-          </a:p>
-        </p:txBody>
-      </p:sp>
-      <p:sp>
-        <p:nvSpPr>
-          <p:cNvPr id="41" name="PlaceHolder 7"/>
-          <p:cNvSpPr>
-            <a:spLocks noGrp="1"/>
-          </p:cNvSpPr>
-          <p:nvPr>
-            <p:ph type="body"/>
-          </p:nvPr>
-        </p:nvSpPr>
-        <p:spPr>
-          <a:xfrm>
-            <a:off x="6639120" y="4090320"/>
-            <a:ext cx="2921040" cy="2091240"/>
-          </a:xfrm>
-          <a:prstGeom prst="rect">
-            <a:avLst/>
-          </a:prstGeom>
-        </p:spPr>
-        <p:txBody>
-          <a:bodyPr lIns="0" rIns="0" tIns="0" bIns="0">
-            <a:normAutofit/>
-          </a:bodyPr>
-          <a:p>
-            <a:endParaRPr b="0" lang="en-US" sz="2600" spc="-1" strike="noStrike">
+            <a:ext cx="2920680" cy="2090880"/>
+          </a:xfrm>
+          <a:prstGeom prst="rect">
+            <a:avLst/>
+          </a:prstGeom>
+        </p:spPr>
+        <p:txBody>
+          <a:bodyPr lIns="0" rIns="0" tIns="0" bIns="0">
+            <a:normAutofit/>
+          </a:bodyPr>
+          <a:p>
+            <a:endParaRPr b="0" lang="en-US" sz="3200" spc="-1" strike="noStrike">
+              <a:latin typeface="Arial"/>
+            </a:endParaRPr>
+          </a:p>
+        </p:txBody>
+      </p:sp>
+      <p:sp>
+        <p:nvSpPr>
+          <p:cNvPr id="34" name="PlaceHolder 3"/>
+          <p:cNvSpPr>
+            <a:spLocks noGrp="1"/>
+          </p:cNvSpPr>
+          <p:nvPr>
+            <p:ph type="body"/>
+          </p:nvPr>
+        </p:nvSpPr>
+        <p:spPr>
+          <a:xfrm>
+            <a:off x="3571200" y="1800000"/>
+            <a:ext cx="2920680" cy="2090880"/>
+          </a:xfrm>
+          <a:prstGeom prst="rect">
+            <a:avLst/>
+          </a:prstGeom>
+        </p:spPr>
+        <p:txBody>
+          <a:bodyPr lIns="0" rIns="0" tIns="0" bIns="0">
+            <a:normAutofit/>
+          </a:bodyPr>
+          <a:p>
+            <a:endParaRPr b="0" lang="en-US" sz="3200" spc="-1" strike="noStrike">
+              <a:latin typeface="Arial"/>
+            </a:endParaRPr>
+          </a:p>
+        </p:txBody>
+      </p:sp>
+      <p:sp>
+        <p:nvSpPr>
+          <p:cNvPr id="35" name="PlaceHolder 4"/>
+          <p:cNvSpPr>
+            <a:spLocks noGrp="1"/>
+          </p:cNvSpPr>
+          <p:nvPr>
+            <p:ph type="body"/>
+          </p:nvPr>
+        </p:nvSpPr>
+        <p:spPr>
+          <a:xfrm>
+            <a:off x="6638040" y="1800000"/>
+            <a:ext cx="2920680" cy="2090880"/>
+          </a:xfrm>
+          <a:prstGeom prst="rect">
+            <a:avLst/>
+          </a:prstGeom>
+        </p:spPr>
+        <p:txBody>
+          <a:bodyPr lIns="0" rIns="0" tIns="0" bIns="0">
+            <a:normAutofit/>
+          </a:bodyPr>
+          <a:p>
+            <a:endParaRPr b="0" lang="en-US" sz="3200" spc="-1" strike="noStrike">
+              <a:latin typeface="Arial"/>
+            </a:endParaRPr>
+          </a:p>
+        </p:txBody>
+      </p:sp>
+      <p:sp>
+        <p:nvSpPr>
+          <p:cNvPr id="36" name="PlaceHolder 5"/>
+          <p:cNvSpPr>
+            <a:spLocks noGrp="1"/>
+          </p:cNvSpPr>
+          <p:nvPr>
+            <p:ph type="body"/>
+          </p:nvPr>
+        </p:nvSpPr>
+        <p:spPr>
+          <a:xfrm>
+            <a:off x="504000" y="4089960"/>
+            <a:ext cx="2920680" cy="2090880"/>
+          </a:xfrm>
+          <a:prstGeom prst="rect">
+            <a:avLst/>
+          </a:prstGeom>
+        </p:spPr>
+        <p:txBody>
+          <a:bodyPr lIns="0" rIns="0" tIns="0" bIns="0">
+            <a:normAutofit/>
+          </a:bodyPr>
+          <a:p>
+            <a:endParaRPr b="0" lang="en-US" sz="3200" spc="-1" strike="noStrike">
+              <a:latin typeface="Arial"/>
+            </a:endParaRPr>
+          </a:p>
+        </p:txBody>
+      </p:sp>
+      <p:sp>
+        <p:nvSpPr>
+          <p:cNvPr id="37" name="PlaceHolder 6"/>
+          <p:cNvSpPr>
+            <a:spLocks noGrp="1"/>
+          </p:cNvSpPr>
+          <p:nvPr>
+            <p:ph type="body"/>
+          </p:nvPr>
+        </p:nvSpPr>
+        <p:spPr>
+          <a:xfrm>
+            <a:off x="3571200" y="4089960"/>
+            <a:ext cx="2920680" cy="2090880"/>
+          </a:xfrm>
+          <a:prstGeom prst="rect">
+            <a:avLst/>
+          </a:prstGeom>
+        </p:spPr>
+        <p:txBody>
+          <a:bodyPr lIns="0" rIns="0" tIns="0" bIns="0">
+            <a:normAutofit/>
+          </a:bodyPr>
+          <a:p>
+            <a:endParaRPr b="0" lang="en-US" sz="3200" spc="-1" strike="noStrike">
+              <a:latin typeface="Arial"/>
+            </a:endParaRPr>
+          </a:p>
+        </p:txBody>
+      </p:sp>
+      <p:sp>
+        <p:nvSpPr>
+          <p:cNvPr id="38" name="PlaceHolder 7"/>
+          <p:cNvSpPr>
+            <a:spLocks noGrp="1"/>
+          </p:cNvSpPr>
+          <p:nvPr>
+            <p:ph type="body"/>
+          </p:nvPr>
+        </p:nvSpPr>
+        <p:spPr>
+          <a:xfrm>
+            <a:off x="6638040" y="4089960"/>
+            <a:ext cx="2920680" cy="2090880"/>
+          </a:xfrm>
+          <a:prstGeom prst="rect">
+            <a:avLst/>
+          </a:prstGeom>
+        </p:spPr>
+        <p:txBody>
+          <a:bodyPr lIns="0" rIns="0" tIns="0" bIns="0">
+            <a:normAutofit/>
+          </a:bodyPr>
+          <a:p>
+            <a:endParaRPr b="0" lang="en-US" sz="3200" spc="-1" strike="noStrike">
+              <a:latin typeface="Arial"/>
+            </a:endParaRPr>
+          </a:p>
+        </p:txBody>
+      </p:sp>
+    </p:spTree>
+  </p:cSld>
+</p:sldLayout>
+</file>
+
+<file path=ppt/slideLayouts/slideLayout13.xml><?xml version="1.0" encoding="utf-8"?>
+<p:sldLayout xmlns:a="http://schemas.openxmlformats.org/drawingml/2006/main" xmlns:p="http://schemas.openxmlformats.org/presentationml/2006/main" xmlns:r="http://schemas.openxmlformats.org/officeDocument/2006/relationships" xmlns:p14="http://schemas.microsoft.com/office/powerpoint/2010/main" xmlns:p15="http://schemas.microsoft.com/office/powerpoint/2012/main" xmlns:mc="http://schemas.openxmlformats.org/markup-compatibility/2006" type="blank" preserve="1">
+  <p:cSld name="Blank Slide">
+    <p:spTree>
+      <p:nvGrpSpPr>
+        <p:cNvPr id="1" name=""/>
+        <p:cNvGrpSpPr/>
+        <p:nvPr/>
+      </p:nvGrpSpPr>
+      <p:grpSpPr>
+        <a:xfrm>
+          <a:off x="0" y="0"/>
+          <a:ext cx="0" cy="0"/>
+          <a:chOff x="0" y="0"/>
+          <a:chExt cx="0" cy="0"/>
+        </a:xfrm>
+      </p:grpSpPr>
+    </p:spTree>
+  </p:cSld>
+</p:sldLayout>
+</file>
+
+<file path=ppt/slideLayouts/slideLayout14.xml><?xml version="1.0" encoding="utf-8"?>
+<p:sldLayout xmlns:a="http://schemas.openxmlformats.org/drawingml/2006/main" xmlns:p="http://schemas.openxmlformats.org/presentationml/2006/main" xmlns:r="http://schemas.openxmlformats.org/officeDocument/2006/relationships" xmlns:p14="http://schemas.microsoft.com/office/powerpoint/2010/main" xmlns:p15="http://schemas.microsoft.com/office/powerpoint/2012/main" xmlns:mc="http://schemas.openxmlformats.org/markup-compatibility/2006" type="tx" preserve="1">
+  <p:cSld name="Title Slide">
+    <p:spTree>
+      <p:nvGrpSpPr>
+        <p:cNvPr id="1" name=""/>
+        <p:cNvGrpSpPr/>
+        <p:nvPr/>
+      </p:nvGrpSpPr>
+      <p:grpSpPr>
+        <a:xfrm>
+          <a:off x="0" y="0"/>
+          <a:ext cx="0" cy="0"/>
+          <a:chOff x="0" y="0"/>
+          <a:chExt cx="0" cy="0"/>
+        </a:xfrm>
+      </p:grpSpPr>
+      <p:sp>
+        <p:nvSpPr>
+          <p:cNvPr id="42" name="PlaceHolder 1"/>
+          <p:cNvSpPr>
+            <a:spLocks noGrp="1"/>
+          </p:cNvSpPr>
+          <p:nvPr>
+            <p:ph type="title"/>
+          </p:nvPr>
+        </p:nvSpPr>
+        <p:spPr>
+          <a:xfrm>
+            <a:off x="504000" y="304920"/>
+            <a:ext cx="7199640" cy="1262160"/>
+          </a:xfrm>
+          <a:prstGeom prst="rect">
+            <a:avLst/>
+          </a:prstGeom>
+        </p:spPr>
+        <p:txBody>
+          <a:bodyPr lIns="0" rIns="0" tIns="0" bIns="0" anchor="ctr">
+            <a:spAutoFit/>
+          </a:bodyPr>
+          <a:p>
+            <a:pPr algn="ctr"/>
+            <a:endParaRPr b="0" lang="en-US" sz="4400" spc="-1" strike="noStrike">
+              <a:latin typeface="Arial"/>
+            </a:endParaRPr>
+          </a:p>
+        </p:txBody>
+      </p:sp>
+      <p:sp>
+        <p:nvSpPr>
+          <p:cNvPr id="43" name="PlaceHolder 2"/>
+          <p:cNvSpPr>
+            <a:spLocks noGrp="1"/>
+          </p:cNvSpPr>
+          <p:nvPr>
+            <p:ph type="subTitle"/>
+          </p:nvPr>
+        </p:nvSpPr>
+        <p:spPr>
+          <a:xfrm>
+            <a:off x="504000" y="1800000"/>
+            <a:ext cx="9071640" cy="4384080"/>
+          </a:xfrm>
+          <a:prstGeom prst="rect">
+            <a:avLst/>
+          </a:prstGeom>
+        </p:spPr>
+        <p:txBody>
+          <a:bodyPr lIns="0" rIns="0" tIns="0" bIns="0" anchor="ctr">
+            <a:spAutoFit/>
+          </a:bodyPr>
+          <a:p>
+            <a:pPr algn="ctr"/>
+            <a:endParaRPr b="0" lang="en-US" sz="3200" spc="-1" strike="noStrike">
+              <a:latin typeface="Arial"/>
+            </a:endParaRPr>
+          </a:p>
+        </p:txBody>
+      </p:sp>
+    </p:spTree>
+  </p:cSld>
+</p:sldLayout>
+</file>
+
+<file path=ppt/slideLayouts/slideLayout15.xml><?xml version="1.0" encoding="utf-8"?>
+<p:sldLayout xmlns:a="http://schemas.openxmlformats.org/drawingml/2006/main" xmlns:p="http://schemas.openxmlformats.org/presentationml/2006/main" xmlns:r="http://schemas.openxmlformats.org/officeDocument/2006/relationships" xmlns:p14="http://schemas.microsoft.com/office/powerpoint/2010/main" xmlns:p15="http://schemas.microsoft.com/office/powerpoint/2012/main" xmlns:mc="http://schemas.openxmlformats.org/markup-compatibility/2006" type="obj" preserve="1">
+  <p:cSld name="Title, Content">
+    <p:spTree>
+      <p:nvGrpSpPr>
+        <p:cNvPr id="1" name=""/>
+        <p:cNvGrpSpPr/>
+        <p:nvPr/>
+      </p:nvGrpSpPr>
+      <p:grpSpPr>
+        <a:xfrm>
+          <a:off x="0" y="0"/>
+          <a:ext cx="0" cy="0"/>
+          <a:chOff x="0" y="0"/>
+          <a:chExt cx="0" cy="0"/>
+        </a:xfrm>
+      </p:grpSpPr>
+      <p:sp>
+        <p:nvSpPr>
+          <p:cNvPr id="44" name="PlaceHolder 1"/>
+          <p:cNvSpPr>
+            <a:spLocks noGrp="1"/>
+          </p:cNvSpPr>
+          <p:nvPr>
+            <p:ph type="title"/>
+          </p:nvPr>
+        </p:nvSpPr>
+        <p:spPr>
+          <a:xfrm>
+            <a:off x="504000" y="304920"/>
+            <a:ext cx="7199640" cy="1262160"/>
+          </a:xfrm>
+          <a:prstGeom prst="rect">
+            <a:avLst/>
+          </a:prstGeom>
+        </p:spPr>
+        <p:txBody>
+          <a:bodyPr lIns="0" rIns="0" tIns="0" bIns="0" anchor="ctr">
+            <a:spAutoFit/>
+          </a:bodyPr>
+          <a:p>
+            <a:pPr algn="ctr"/>
+            <a:endParaRPr b="0" lang="en-US" sz="4400" spc="-1" strike="noStrike">
+              <a:latin typeface="Arial"/>
+            </a:endParaRPr>
+          </a:p>
+        </p:txBody>
+      </p:sp>
+      <p:sp>
+        <p:nvSpPr>
+          <p:cNvPr id="45" name="PlaceHolder 2"/>
+          <p:cNvSpPr>
+            <a:spLocks noGrp="1"/>
+          </p:cNvSpPr>
+          <p:nvPr>
+            <p:ph type="body"/>
+          </p:nvPr>
+        </p:nvSpPr>
+        <p:spPr>
+          <a:xfrm>
+            <a:off x="504000" y="1800000"/>
+            <a:ext cx="9071640" cy="4384080"/>
+          </a:xfrm>
+          <a:prstGeom prst="rect">
+            <a:avLst/>
+          </a:prstGeom>
+        </p:spPr>
+        <p:txBody>
+          <a:bodyPr lIns="0" rIns="0" tIns="0" bIns="0">
+            <a:normAutofit/>
+          </a:bodyPr>
+          <a:p>
+            <a:endParaRPr b="0" lang="en-US" sz="3200" spc="-1" strike="noStrike">
+              <a:latin typeface="Arial"/>
+            </a:endParaRPr>
+          </a:p>
+        </p:txBody>
+      </p:sp>
+    </p:spTree>
+  </p:cSld>
+</p:sldLayout>
+</file>
+
+<file path=ppt/slideLayouts/slideLayout16.xml><?xml version="1.0" encoding="utf-8"?>
+<p:sldLayout xmlns:a="http://schemas.openxmlformats.org/drawingml/2006/main" xmlns:p="http://schemas.openxmlformats.org/presentationml/2006/main" xmlns:r="http://schemas.openxmlformats.org/officeDocument/2006/relationships" xmlns:p14="http://schemas.microsoft.com/office/powerpoint/2010/main" xmlns:p15="http://schemas.microsoft.com/office/powerpoint/2012/main" xmlns:mc="http://schemas.openxmlformats.org/markup-compatibility/2006" type="twoObj" preserve="1">
+  <p:cSld name="Title, 2 Content">
+    <p:spTree>
+      <p:nvGrpSpPr>
+        <p:cNvPr id="1" name=""/>
+        <p:cNvGrpSpPr/>
+        <p:nvPr/>
+      </p:nvGrpSpPr>
+      <p:grpSpPr>
+        <a:xfrm>
+          <a:off x="0" y="0"/>
+          <a:ext cx="0" cy="0"/>
+          <a:chOff x="0" y="0"/>
+          <a:chExt cx="0" cy="0"/>
+        </a:xfrm>
+      </p:grpSpPr>
+      <p:sp>
+        <p:nvSpPr>
+          <p:cNvPr id="46" name="PlaceHolder 1"/>
+          <p:cNvSpPr>
+            <a:spLocks noGrp="1"/>
+          </p:cNvSpPr>
+          <p:nvPr>
+            <p:ph type="title"/>
+          </p:nvPr>
+        </p:nvSpPr>
+        <p:spPr>
+          <a:xfrm>
+            <a:off x="504000" y="304920"/>
+            <a:ext cx="7199640" cy="1262160"/>
+          </a:xfrm>
+          <a:prstGeom prst="rect">
+            <a:avLst/>
+          </a:prstGeom>
+        </p:spPr>
+        <p:txBody>
+          <a:bodyPr lIns="0" rIns="0" tIns="0" bIns="0" anchor="ctr">
+            <a:spAutoFit/>
+          </a:bodyPr>
+          <a:p>
+            <a:pPr algn="ctr"/>
+            <a:endParaRPr b="0" lang="en-US" sz="4400" spc="-1" strike="noStrike">
+              <a:latin typeface="Arial"/>
+            </a:endParaRPr>
+          </a:p>
+        </p:txBody>
+      </p:sp>
+      <p:sp>
+        <p:nvSpPr>
+          <p:cNvPr id="47" name="PlaceHolder 2"/>
+          <p:cNvSpPr>
+            <a:spLocks noGrp="1"/>
+          </p:cNvSpPr>
+          <p:nvPr>
+            <p:ph type="body"/>
+          </p:nvPr>
+        </p:nvSpPr>
+        <p:spPr>
+          <a:xfrm>
+            <a:off x="504000" y="1800000"/>
+            <a:ext cx="4426920" cy="4384080"/>
+          </a:xfrm>
+          <a:prstGeom prst="rect">
+            <a:avLst/>
+          </a:prstGeom>
+        </p:spPr>
+        <p:txBody>
+          <a:bodyPr lIns="0" rIns="0" tIns="0" bIns="0">
+            <a:normAutofit/>
+          </a:bodyPr>
+          <a:p>
+            <a:endParaRPr b="0" lang="en-US" sz="3200" spc="-1" strike="noStrike">
+              <a:latin typeface="Arial"/>
+            </a:endParaRPr>
+          </a:p>
+        </p:txBody>
+      </p:sp>
+      <p:sp>
+        <p:nvSpPr>
+          <p:cNvPr id="48" name="PlaceHolder 3"/>
+          <p:cNvSpPr>
+            <a:spLocks noGrp="1"/>
+          </p:cNvSpPr>
+          <p:nvPr>
+            <p:ph type="body"/>
+          </p:nvPr>
+        </p:nvSpPr>
+        <p:spPr>
+          <a:xfrm>
+            <a:off x="5152680" y="1800000"/>
+            <a:ext cx="4426920" cy="4384080"/>
+          </a:xfrm>
+          <a:prstGeom prst="rect">
+            <a:avLst/>
+          </a:prstGeom>
+        </p:spPr>
+        <p:txBody>
+          <a:bodyPr lIns="0" rIns="0" tIns="0" bIns="0">
+            <a:normAutofit/>
+          </a:bodyPr>
+          <a:p>
+            <a:endParaRPr b="0" lang="en-US" sz="3200" spc="-1" strike="noStrike">
+              <a:latin typeface="Arial"/>
+            </a:endParaRPr>
+          </a:p>
+        </p:txBody>
+      </p:sp>
+    </p:spTree>
+  </p:cSld>
+</p:sldLayout>
+</file>
+
+<file path=ppt/slideLayouts/slideLayout17.xml><?xml version="1.0" encoding="utf-8"?>
+<p:sldLayout xmlns:a="http://schemas.openxmlformats.org/drawingml/2006/main" xmlns:p="http://schemas.openxmlformats.org/presentationml/2006/main" xmlns:r="http://schemas.openxmlformats.org/officeDocument/2006/relationships" xmlns:p14="http://schemas.microsoft.com/office/powerpoint/2010/main" xmlns:p15="http://schemas.microsoft.com/office/powerpoint/2012/main" xmlns:mc="http://schemas.openxmlformats.org/markup-compatibility/2006" type="titleOnly" preserve="1">
+  <p:cSld name="Title Only">
+    <p:spTree>
+      <p:nvGrpSpPr>
+        <p:cNvPr id="1" name=""/>
+        <p:cNvGrpSpPr/>
+        <p:nvPr/>
+      </p:nvGrpSpPr>
+      <p:grpSpPr>
+        <a:xfrm>
+          <a:off x="0" y="0"/>
+          <a:ext cx="0" cy="0"/>
+          <a:chOff x="0" y="0"/>
+          <a:chExt cx="0" cy="0"/>
+        </a:xfrm>
+      </p:grpSpPr>
+      <p:sp>
+        <p:nvSpPr>
+          <p:cNvPr id="49" name="PlaceHolder 1"/>
+          <p:cNvSpPr>
+            <a:spLocks noGrp="1"/>
+          </p:cNvSpPr>
+          <p:nvPr>
+            <p:ph type="title"/>
+          </p:nvPr>
+        </p:nvSpPr>
+        <p:spPr>
+          <a:xfrm>
+            <a:off x="504000" y="304920"/>
+            <a:ext cx="7199640" cy="1262160"/>
+          </a:xfrm>
+          <a:prstGeom prst="rect">
+            <a:avLst/>
+          </a:prstGeom>
+        </p:spPr>
+        <p:txBody>
+          <a:bodyPr lIns="0" rIns="0" tIns="0" bIns="0" anchor="ctr">
+            <a:spAutoFit/>
+          </a:bodyPr>
+          <a:p>
+            <a:pPr algn="ctr"/>
+            <a:endParaRPr b="0" lang="en-US" sz="4400" spc="-1" strike="noStrike">
+              <a:latin typeface="Arial"/>
+            </a:endParaRPr>
+          </a:p>
+        </p:txBody>
+      </p:sp>
+    </p:spTree>
+  </p:cSld>
+</p:sldLayout>
+</file>
+
+<file path=ppt/slideLayouts/slideLayout18.xml><?xml version="1.0" encoding="utf-8"?>
+<p:sldLayout xmlns:a="http://schemas.openxmlformats.org/drawingml/2006/main" xmlns:p="http://schemas.openxmlformats.org/presentationml/2006/main" xmlns:r="http://schemas.openxmlformats.org/officeDocument/2006/relationships" xmlns:p14="http://schemas.microsoft.com/office/powerpoint/2010/main" xmlns:p15="http://schemas.microsoft.com/office/powerpoint/2012/main" xmlns:mc="http://schemas.openxmlformats.org/markup-compatibility/2006" type="objOnly" preserve="1">
+  <p:cSld name="Centered Text">
+    <p:spTree>
+      <p:nvGrpSpPr>
+        <p:cNvPr id="1" name=""/>
+        <p:cNvGrpSpPr/>
+        <p:nvPr/>
+      </p:nvGrpSpPr>
+      <p:grpSpPr>
+        <a:xfrm>
+          <a:off x="0" y="0"/>
+          <a:ext cx="0" cy="0"/>
+          <a:chOff x="0" y="0"/>
+          <a:chExt cx="0" cy="0"/>
+        </a:xfrm>
+      </p:grpSpPr>
+      <p:sp>
+        <p:nvSpPr>
+          <p:cNvPr id="50" name="PlaceHolder 1"/>
+          <p:cNvSpPr>
+            <a:spLocks noGrp="1"/>
+          </p:cNvSpPr>
+          <p:nvPr>
+            <p:ph type="subTitle"/>
+          </p:nvPr>
+        </p:nvSpPr>
+        <p:spPr>
+          <a:xfrm>
+            <a:off x="504000" y="304920"/>
+            <a:ext cx="7199640" cy="5851800"/>
+          </a:xfrm>
+          <a:prstGeom prst="rect">
+            <a:avLst/>
+          </a:prstGeom>
+        </p:spPr>
+        <p:txBody>
+          <a:bodyPr lIns="0" rIns="0" tIns="0" bIns="0" anchor="ctr">
+            <a:spAutoFit/>
+          </a:bodyPr>
+          <a:p>
+            <a:pPr algn="ctr"/>
+            <a:endParaRPr b="0" lang="en-US" sz="3200" spc="-1" strike="noStrike">
+              <a:latin typeface="Arial"/>
+            </a:endParaRPr>
+          </a:p>
+        </p:txBody>
+      </p:sp>
+    </p:spTree>
+  </p:cSld>
+</p:sldLayout>
+</file>
+
+<file path=ppt/slideLayouts/slideLayout19.xml><?xml version="1.0" encoding="utf-8"?>
+<p:sldLayout xmlns:a="http://schemas.openxmlformats.org/drawingml/2006/main" xmlns:p="http://schemas.openxmlformats.org/presentationml/2006/main" xmlns:r="http://schemas.openxmlformats.org/officeDocument/2006/relationships" xmlns:p14="http://schemas.microsoft.com/office/powerpoint/2010/main" xmlns:p15="http://schemas.microsoft.com/office/powerpoint/2012/main" xmlns:mc="http://schemas.openxmlformats.org/markup-compatibility/2006" type="twoObjAndObj" preserve="1">
+  <p:cSld name="Title, 2 Content and Content">
+    <p:spTree>
+      <p:nvGrpSpPr>
+        <p:cNvPr id="1" name=""/>
+        <p:cNvGrpSpPr/>
+        <p:nvPr/>
+      </p:nvGrpSpPr>
+      <p:grpSpPr>
+        <a:xfrm>
+          <a:off x="0" y="0"/>
+          <a:ext cx="0" cy="0"/>
+          <a:chOff x="0" y="0"/>
+          <a:chExt cx="0" cy="0"/>
+        </a:xfrm>
+      </p:grpSpPr>
+      <p:sp>
+        <p:nvSpPr>
+          <p:cNvPr id="51" name="PlaceHolder 1"/>
+          <p:cNvSpPr>
+            <a:spLocks noGrp="1"/>
+          </p:cNvSpPr>
+          <p:nvPr>
+            <p:ph type="title"/>
+          </p:nvPr>
+        </p:nvSpPr>
+        <p:spPr>
+          <a:xfrm>
+            <a:off x="504000" y="304920"/>
+            <a:ext cx="7199640" cy="1262160"/>
+          </a:xfrm>
+          <a:prstGeom prst="rect">
+            <a:avLst/>
+          </a:prstGeom>
+        </p:spPr>
+        <p:txBody>
+          <a:bodyPr lIns="0" rIns="0" tIns="0" bIns="0" anchor="ctr">
+            <a:spAutoFit/>
+          </a:bodyPr>
+          <a:p>
+            <a:pPr algn="ctr"/>
+            <a:endParaRPr b="0" lang="en-US" sz="4400" spc="-1" strike="noStrike">
+              <a:latin typeface="Arial"/>
+            </a:endParaRPr>
+          </a:p>
+        </p:txBody>
+      </p:sp>
+      <p:sp>
+        <p:nvSpPr>
+          <p:cNvPr id="52" name="PlaceHolder 2"/>
+          <p:cNvSpPr>
+            <a:spLocks noGrp="1"/>
+          </p:cNvSpPr>
+          <p:nvPr>
+            <p:ph type="body"/>
+          </p:nvPr>
+        </p:nvSpPr>
+        <p:spPr>
+          <a:xfrm>
+            <a:off x="504000" y="1800000"/>
+            <a:ext cx="4426920" cy="2090880"/>
+          </a:xfrm>
+          <a:prstGeom prst="rect">
+            <a:avLst/>
+          </a:prstGeom>
+        </p:spPr>
+        <p:txBody>
+          <a:bodyPr lIns="0" rIns="0" tIns="0" bIns="0">
+            <a:normAutofit/>
+          </a:bodyPr>
+          <a:p>
+            <a:endParaRPr b="0" lang="en-US" sz="3200" spc="-1" strike="noStrike">
+              <a:latin typeface="Arial"/>
+            </a:endParaRPr>
+          </a:p>
+        </p:txBody>
+      </p:sp>
+      <p:sp>
+        <p:nvSpPr>
+          <p:cNvPr id="53" name="PlaceHolder 3"/>
+          <p:cNvSpPr>
+            <a:spLocks noGrp="1"/>
+          </p:cNvSpPr>
+          <p:nvPr>
+            <p:ph type="body"/>
+          </p:nvPr>
+        </p:nvSpPr>
+        <p:spPr>
+          <a:xfrm>
+            <a:off x="5152680" y="1800000"/>
+            <a:ext cx="4426920" cy="4384080"/>
+          </a:xfrm>
+          <a:prstGeom prst="rect">
+            <a:avLst/>
+          </a:prstGeom>
+        </p:spPr>
+        <p:txBody>
+          <a:bodyPr lIns="0" rIns="0" tIns="0" bIns="0">
+            <a:normAutofit/>
+          </a:bodyPr>
+          <a:p>
+            <a:endParaRPr b="0" lang="en-US" sz="3200" spc="-1" strike="noStrike">
+              <a:latin typeface="Arial"/>
+            </a:endParaRPr>
+          </a:p>
+        </p:txBody>
+      </p:sp>
+      <p:sp>
+        <p:nvSpPr>
+          <p:cNvPr id="54" name="PlaceHolder 4"/>
+          <p:cNvSpPr>
+            <a:spLocks noGrp="1"/>
+          </p:cNvSpPr>
+          <p:nvPr>
+            <p:ph type="body"/>
+          </p:nvPr>
+        </p:nvSpPr>
+        <p:spPr>
+          <a:xfrm>
+            <a:off x="504000" y="4089960"/>
+            <a:ext cx="4426920" cy="2090880"/>
+          </a:xfrm>
+          <a:prstGeom prst="rect">
+            <a:avLst/>
+          </a:prstGeom>
+        </p:spPr>
+        <p:txBody>
+          <a:bodyPr lIns="0" rIns="0" tIns="0" bIns="0">
+            <a:normAutofit/>
+          </a:bodyPr>
+          <a:p>
+            <a:endParaRPr b="0" lang="en-US" sz="3200" spc="-1" strike="noStrike">
               <a:latin typeface="Arial"/>
             </a:endParaRPr>
           </a:p>
@@ -572,7 +1129,7 @@
       </p:grpSpPr>
       <p:sp>
         <p:nvSpPr>
-          <p:cNvPr id="6" name="PlaceHolder 1"/>
+          <p:cNvPr id="3" name="PlaceHolder 1"/>
           <p:cNvSpPr>
             <a:spLocks noGrp="1"/>
           </p:cNvSpPr>
@@ -582,8 +1139,8 @@
         </p:nvSpPr>
         <p:spPr>
           <a:xfrm>
-            <a:off x="504000" y="576000"/>
-            <a:ext cx="7200000" cy="720000"/>
+            <a:off x="504000" y="304920"/>
+            <a:ext cx="7199640" cy="1262160"/>
           </a:xfrm>
           <a:prstGeom prst="rect">
             <a:avLst/>
@@ -594,15 +1151,16 @@
             <a:spAutoFit/>
           </a:bodyPr>
           <a:p>
-            <a:endParaRPr b="0" lang="en-US" sz="3600" spc="-1" strike="noStrike">
-              <a:latin typeface="Arial"/>
-            </a:endParaRPr>
-          </a:p>
-        </p:txBody>
-      </p:sp>
-      <p:sp>
-        <p:nvSpPr>
-          <p:cNvPr id="7" name="PlaceHolder 2"/>
+            <a:pPr algn="ctr"/>
+            <a:endParaRPr b="0" lang="en-US" sz="4400" spc="-1" strike="noStrike">
+              <a:latin typeface="Arial"/>
+            </a:endParaRPr>
+          </a:p>
+        </p:txBody>
+      </p:sp>
+      <p:sp>
+        <p:nvSpPr>
+          <p:cNvPr id="4" name="PlaceHolder 2"/>
           <p:cNvSpPr>
             <a:spLocks noGrp="1"/>
           </p:cNvSpPr>
@@ -613,7 +1171,7 @@
         <p:spPr>
           <a:xfrm>
             <a:off x="504000" y="1800000"/>
-            <a:ext cx="9072000" cy="4384440"/>
+            <a:ext cx="9071640" cy="4384080"/>
           </a:xfrm>
           <a:prstGeom prst="rect">
             <a:avLst/>
@@ -625,6 +1183,811 @@
           </a:bodyPr>
           <a:p>
             <a:pPr algn="ctr"/>
+            <a:endParaRPr b="0" lang="en-US" sz="3200" spc="-1" strike="noStrike">
+              <a:latin typeface="Arial"/>
+            </a:endParaRPr>
+          </a:p>
+        </p:txBody>
+      </p:sp>
+    </p:spTree>
+  </p:cSld>
+</p:sldLayout>
+</file>
+
+<file path=ppt/slideLayouts/slideLayout20.xml><?xml version="1.0" encoding="utf-8"?>
+<p:sldLayout xmlns:a="http://schemas.openxmlformats.org/drawingml/2006/main" xmlns:p="http://schemas.openxmlformats.org/presentationml/2006/main" xmlns:r="http://schemas.openxmlformats.org/officeDocument/2006/relationships" xmlns:p14="http://schemas.microsoft.com/office/powerpoint/2010/main" xmlns:p15="http://schemas.microsoft.com/office/powerpoint/2012/main" xmlns:mc="http://schemas.openxmlformats.org/markup-compatibility/2006" type="objAndTwoObj" preserve="1">
+  <p:cSld name="Title Content and 2 Content">
+    <p:spTree>
+      <p:nvGrpSpPr>
+        <p:cNvPr id="1" name=""/>
+        <p:cNvGrpSpPr/>
+        <p:nvPr/>
+      </p:nvGrpSpPr>
+      <p:grpSpPr>
+        <a:xfrm>
+          <a:off x="0" y="0"/>
+          <a:ext cx="0" cy="0"/>
+          <a:chOff x="0" y="0"/>
+          <a:chExt cx="0" cy="0"/>
+        </a:xfrm>
+      </p:grpSpPr>
+      <p:sp>
+        <p:nvSpPr>
+          <p:cNvPr id="55" name="PlaceHolder 1"/>
+          <p:cNvSpPr>
+            <a:spLocks noGrp="1"/>
+          </p:cNvSpPr>
+          <p:nvPr>
+            <p:ph type="title"/>
+          </p:nvPr>
+        </p:nvSpPr>
+        <p:spPr>
+          <a:xfrm>
+            <a:off x="504000" y="304920"/>
+            <a:ext cx="7199640" cy="1262160"/>
+          </a:xfrm>
+          <a:prstGeom prst="rect">
+            <a:avLst/>
+          </a:prstGeom>
+        </p:spPr>
+        <p:txBody>
+          <a:bodyPr lIns="0" rIns="0" tIns="0" bIns="0" anchor="ctr">
+            <a:spAutoFit/>
+          </a:bodyPr>
+          <a:p>
+            <a:pPr algn="ctr"/>
+            <a:endParaRPr b="0" lang="en-US" sz="4400" spc="-1" strike="noStrike">
+              <a:latin typeface="Arial"/>
+            </a:endParaRPr>
+          </a:p>
+        </p:txBody>
+      </p:sp>
+      <p:sp>
+        <p:nvSpPr>
+          <p:cNvPr id="56" name="PlaceHolder 2"/>
+          <p:cNvSpPr>
+            <a:spLocks noGrp="1"/>
+          </p:cNvSpPr>
+          <p:nvPr>
+            <p:ph type="body"/>
+          </p:nvPr>
+        </p:nvSpPr>
+        <p:spPr>
+          <a:xfrm>
+            <a:off x="504000" y="1800000"/>
+            <a:ext cx="4426920" cy="4384080"/>
+          </a:xfrm>
+          <a:prstGeom prst="rect">
+            <a:avLst/>
+          </a:prstGeom>
+        </p:spPr>
+        <p:txBody>
+          <a:bodyPr lIns="0" rIns="0" tIns="0" bIns="0">
+            <a:normAutofit/>
+          </a:bodyPr>
+          <a:p>
+            <a:endParaRPr b="0" lang="en-US" sz="3200" spc="-1" strike="noStrike">
+              <a:latin typeface="Arial"/>
+            </a:endParaRPr>
+          </a:p>
+        </p:txBody>
+      </p:sp>
+      <p:sp>
+        <p:nvSpPr>
+          <p:cNvPr id="57" name="PlaceHolder 3"/>
+          <p:cNvSpPr>
+            <a:spLocks noGrp="1"/>
+          </p:cNvSpPr>
+          <p:nvPr>
+            <p:ph type="body"/>
+          </p:nvPr>
+        </p:nvSpPr>
+        <p:spPr>
+          <a:xfrm>
+            <a:off x="5152680" y="1800000"/>
+            <a:ext cx="4426920" cy="2090880"/>
+          </a:xfrm>
+          <a:prstGeom prst="rect">
+            <a:avLst/>
+          </a:prstGeom>
+        </p:spPr>
+        <p:txBody>
+          <a:bodyPr lIns="0" rIns="0" tIns="0" bIns="0">
+            <a:normAutofit/>
+          </a:bodyPr>
+          <a:p>
+            <a:endParaRPr b="0" lang="en-US" sz="3200" spc="-1" strike="noStrike">
+              <a:latin typeface="Arial"/>
+            </a:endParaRPr>
+          </a:p>
+        </p:txBody>
+      </p:sp>
+      <p:sp>
+        <p:nvSpPr>
+          <p:cNvPr id="58" name="PlaceHolder 4"/>
+          <p:cNvSpPr>
+            <a:spLocks noGrp="1"/>
+          </p:cNvSpPr>
+          <p:nvPr>
+            <p:ph type="body"/>
+          </p:nvPr>
+        </p:nvSpPr>
+        <p:spPr>
+          <a:xfrm>
+            <a:off x="5152680" y="4089960"/>
+            <a:ext cx="4426920" cy="2090880"/>
+          </a:xfrm>
+          <a:prstGeom prst="rect">
+            <a:avLst/>
+          </a:prstGeom>
+        </p:spPr>
+        <p:txBody>
+          <a:bodyPr lIns="0" rIns="0" tIns="0" bIns="0">
+            <a:normAutofit/>
+          </a:bodyPr>
+          <a:p>
+            <a:endParaRPr b="0" lang="en-US" sz="3200" spc="-1" strike="noStrike">
+              <a:latin typeface="Arial"/>
+            </a:endParaRPr>
+          </a:p>
+        </p:txBody>
+      </p:sp>
+    </p:spTree>
+  </p:cSld>
+</p:sldLayout>
+</file>
+
+<file path=ppt/slideLayouts/slideLayout21.xml><?xml version="1.0" encoding="utf-8"?>
+<p:sldLayout xmlns:a="http://schemas.openxmlformats.org/drawingml/2006/main" xmlns:p="http://schemas.openxmlformats.org/presentationml/2006/main" xmlns:r="http://schemas.openxmlformats.org/officeDocument/2006/relationships" xmlns:p14="http://schemas.microsoft.com/office/powerpoint/2010/main" xmlns:p15="http://schemas.microsoft.com/office/powerpoint/2012/main" xmlns:mc="http://schemas.openxmlformats.org/markup-compatibility/2006" type="twoObjOverTx" preserve="1">
+  <p:cSld name="Title, 2 Content over Content">
+    <p:spTree>
+      <p:nvGrpSpPr>
+        <p:cNvPr id="1" name=""/>
+        <p:cNvGrpSpPr/>
+        <p:nvPr/>
+      </p:nvGrpSpPr>
+      <p:grpSpPr>
+        <a:xfrm>
+          <a:off x="0" y="0"/>
+          <a:ext cx="0" cy="0"/>
+          <a:chOff x="0" y="0"/>
+          <a:chExt cx="0" cy="0"/>
+        </a:xfrm>
+      </p:grpSpPr>
+      <p:sp>
+        <p:nvSpPr>
+          <p:cNvPr id="59" name="PlaceHolder 1"/>
+          <p:cNvSpPr>
+            <a:spLocks noGrp="1"/>
+          </p:cNvSpPr>
+          <p:nvPr>
+            <p:ph type="title"/>
+          </p:nvPr>
+        </p:nvSpPr>
+        <p:spPr>
+          <a:xfrm>
+            <a:off x="504000" y="304920"/>
+            <a:ext cx="7199640" cy="1262160"/>
+          </a:xfrm>
+          <a:prstGeom prst="rect">
+            <a:avLst/>
+          </a:prstGeom>
+        </p:spPr>
+        <p:txBody>
+          <a:bodyPr lIns="0" rIns="0" tIns="0" bIns="0" anchor="ctr">
+            <a:spAutoFit/>
+          </a:bodyPr>
+          <a:p>
+            <a:pPr algn="ctr"/>
+            <a:endParaRPr b="0" lang="en-US" sz="4400" spc="-1" strike="noStrike">
+              <a:latin typeface="Arial"/>
+            </a:endParaRPr>
+          </a:p>
+        </p:txBody>
+      </p:sp>
+      <p:sp>
+        <p:nvSpPr>
+          <p:cNvPr id="60" name="PlaceHolder 2"/>
+          <p:cNvSpPr>
+            <a:spLocks noGrp="1"/>
+          </p:cNvSpPr>
+          <p:nvPr>
+            <p:ph type="body"/>
+          </p:nvPr>
+        </p:nvSpPr>
+        <p:spPr>
+          <a:xfrm>
+            <a:off x="504000" y="1800000"/>
+            <a:ext cx="4426920" cy="2090880"/>
+          </a:xfrm>
+          <a:prstGeom prst="rect">
+            <a:avLst/>
+          </a:prstGeom>
+        </p:spPr>
+        <p:txBody>
+          <a:bodyPr lIns="0" rIns="0" tIns="0" bIns="0">
+            <a:normAutofit/>
+          </a:bodyPr>
+          <a:p>
+            <a:endParaRPr b="0" lang="en-US" sz="3200" spc="-1" strike="noStrike">
+              <a:latin typeface="Arial"/>
+            </a:endParaRPr>
+          </a:p>
+        </p:txBody>
+      </p:sp>
+      <p:sp>
+        <p:nvSpPr>
+          <p:cNvPr id="61" name="PlaceHolder 3"/>
+          <p:cNvSpPr>
+            <a:spLocks noGrp="1"/>
+          </p:cNvSpPr>
+          <p:nvPr>
+            <p:ph type="body"/>
+          </p:nvPr>
+        </p:nvSpPr>
+        <p:spPr>
+          <a:xfrm>
+            <a:off x="5152680" y="1800000"/>
+            <a:ext cx="4426920" cy="2090880"/>
+          </a:xfrm>
+          <a:prstGeom prst="rect">
+            <a:avLst/>
+          </a:prstGeom>
+        </p:spPr>
+        <p:txBody>
+          <a:bodyPr lIns="0" rIns="0" tIns="0" bIns="0">
+            <a:normAutofit/>
+          </a:bodyPr>
+          <a:p>
+            <a:endParaRPr b="0" lang="en-US" sz="3200" spc="-1" strike="noStrike">
+              <a:latin typeface="Arial"/>
+            </a:endParaRPr>
+          </a:p>
+        </p:txBody>
+      </p:sp>
+      <p:sp>
+        <p:nvSpPr>
+          <p:cNvPr id="62" name="PlaceHolder 4"/>
+          <p:cNvSpPr>
+            <a:spLocks noGrp="1"/>
+          </p:cNvSpPr>
+          <p:nvPr>
+            <p:ph type="body"/>
+          </p:nvPr>
+        </p:nvSpPr>
+        <p:spPr>
+          <a:xfrm>
+            <a:off x="504000" y="4089960"/>
+            <a:ext cx="9071640" cy="2090880"/>
+          </a:xfrm>
+          <a:prstGeom prst="rect">
+            <a:avLst/>
+          </a:prstGeom>
+        </p:spPr>
+        <p:txBody>
+          <a:bodyPr lIns="0" rIns="0" tIns="0" bIns="0">
+            <a:normAutofit/>
+          </a:bodyPr>
+          <a:p>
+            <a:endParaRPr b="0" lang="en-US" sz="3200" spc="-1" strike="noStrike">
+              <a:latin typeface="Arial"/>
+            </a:endParaRPr>
+          </a:p>
+        </p:txBody>
+      </p:sp>
+    </p:spTree>
+  </p:cSld>
+</p:sldLayout>
+</file>
+
+<file path=ppt/slideLayouts/slideLayout22.xml><?xml version="1.0" encoding="utf-8"?>
+<p:sldLayout xmlns:a="http://schemas.openxmlformats.org/drawingml/2006/main" xmlns:p="http://schemas.openxmlformats.org/presentationml/2006/main" xmlns:r="http://schemas.openxmlformats.org/officeDocument/2006/relationships" xmlns:p14="http://schemas.microsoft.com/office/powerpoint/2010/main" xmlns:p15="http://schemas.microsoft.com/office/powerpoint/2012/main" xmlns:mc="http://schemas.openxmlformats.org/markup-compatibility/2006" type="objOverTx" preserve="1">
+  <p:cSld name="Title, Content over Content">
+    <p:spTree>
+      <p:nvGrpSpPr>
+        <p:cNvPr id="1" name=""/>
+        <p:cNvGrpSpPr/>
+        <p:nvPr/>
+      </p:nvGrpSpPr>
+      <p:grpSpPr>
+        <a:xfrm>
+          <a:off x="0" y="0"/>
+          <a:ext cx="0" cy="0"/>
+          <a:chOff x="0" y="0"/>
+          <a:chExt cx="0" cy="0"/>
+        </a:xfrm>
+      </p:grpSpPr>
+      <p:sp>
+        <p:nvSpPr>
+          <p:cNvPr id="63" name="PlaceHolder 1"/>
+          <p:cNvSpPr>
+            <a:spLocks noGrp="1"/>
+          </p:cNvSpPr>
+          <p:nvPr>
+            <p:ph type="title"/>
+          </p:nvPr>
+        </p:nvSpPr>
+        <p:spPr>
+          <a:xfrm>
+            <a:off x="504000" y="304920"/>
+            <a:ext cx="7199640" cy="1262160"/>
+          </a:xfrm>
+          <a:prstGeom prst="rect">
+            <a:avLst/>
+          </a:prstGeom>
+        </p:spPr>
+        <p:txBody>
+          <a:bodyPr lIns="0" rIns="0" tIns="0" bIns="0" anchor="ctr">
+            <a:spAutoFit/>
+          </a:bodyPr>
+          <a:p>
+            <a:pPr algn="ctr"/>
+            <a:endParaRPr b="0" lang="en-US" sz="4400" spc="-1" strike="noStrike">
+              <a:latin typeface="Arial"/>
+            </a:endParaRPr>
+          </a:p>
+        </p:txBody>
+      </p:sp>
+      <p:sp>
+        <p:nvSpPr>
+          <p:cNvPr id="64" name="PlaceHolder 2"/>
+          <p:cNvSpPr>
+            <a:spLocks noGrp="1"/>
+          </p:cNvSpPr>
+          <p:nvPr>
+            <p:ph type="body"/>
+          </p:nvPr>
+        </p:nvSpPr>
+        <p:spPr>
+          <a:xfrm>
+            <a:off x="504000" y="1800000"/>
+            <a:ext cx="9071640" cy="2090880"/>
+          </a:xfrm>
+          <a:prstGeom prst="rect">
+            <a:avLst/>
+          </a:prstGeom>
+        </p:spPr>
+        <p:txBody>
+          <a:bodyPr lIns="0" rIns="0" tIns="0" bIns="0">
+            <a:normAutofit/>
+          </a:bodyPr>
+          <a:p>
+            <a:endParaRPr b="0" lang="en-US" sz="3200" spc="-1" strike="noStrike">
+              <a:latin typeface="Arial"/>
+            </a:endParaRPr>
+          </a:p>
+        </p:txBody>
+      </p:sp>
+      <p:sp>
+        <p:nvSpPr>
+          <p:cNvPr id="65" name="PlaceHolder 3"/>
+          <p:cNvSpPr>
+            <a:spLocks noGrp="1"/>
+          </p:cNvSpPr>
+          <p:nvPr>
+            <p:ph type="body"/>
+          </p:nvPr>
+        </p:nvSpPr>
+        <p:spPr>
+          <a:xfrm>
+            <a:off x="504000" y="4089960"/>
+            <a:ext cx="9071640" cy="2090880"/>
+          </a:xfrm>
+          <a:prstGeom prst="rect">
+            <a:avLst/>
+          </a:prstGeom>
+        </p:spPr>
+        <p:txBody>
+          <a:bodyPr lIns="0" rIns="0" tIns="0" bIns="0">
+            <a:normAutofit/>
+          </a:bodyPr>
+          <a:p>
+            <a:endParaRPr b="0" lang="en-US" sz="3200" spc="-1" strike="noStrike">
+              <a:latin typeface="Arial"/>
+            </a:endParaRPr>
+          </a:p>
+        </p:txBody>
+      </p:sp>
+    </p:spTree>
+  </p:cSld>
+</p:sldLayout>
+</file>
+
+<file path=ppt/slideLayouts/slideLayout23.xml><?xml version="1.0" encoding="utf-8"?>
+<p:sldLayout xmlns:a="http://schemas.openxmlformats.org/drawingml/2006/main" xmlns:p="http://schemas.openxmlformats.org/presentationml/2006/main" xmlns:r="http://schemas.openxmlformats.org/officeDocument/2006/relationships" xmlns:p14="http://schemas.microsoft.com/office/powerpoint/2010/main" xmlns:p15="http://schemas.microsoft.com/office/powerpoint/2012/main" xmlns:mc="http://schemas.openxmlformats.org/markup-compatibility/2006" type="fourObj" preserve="1">
+  <p:cSld name="Title, 4 Content">
+    <p:spTree>
+      <p:nvGrpSpPr>
+        <p:cNvPr id="1" name=""/>
+        <p:cNvGrpSpPr/>
+        <p:nvPr/>
+      </p:nvGrpSpPr>
+      <p:grpSpPr>
+        <a:xfrm>
+          <a:off x="0" y="0"/>
+          <a:ext cx="0" cy="0"/>
+          <a:chOff x="0" y="0"/>
+          <a:chExt cx="0" cy="0"/>
+        </a:xfrm>
+      </p:grpSpPr>
+      <p:sp>
+        <p:nvSpPr>
+          <p:cNvPr id="66" name="PlaceHolder 1"/>
+          <p:cNvSpPr>
+            <a:spLocks noGrp="1"/>
+          </p:cNvSpPr>
+          <p:nvPr>
+            <p:ph type="title"/>
+          </p:nvPr>
+        </p:nvSpPr>
+        <p:spPr>
+          <a:xfrm>
+            <a:off x="504000" y="304920"/>
+            <a:ext cx="7199640" cy="1262160"/>
+          </a:xfrm>
+          <a:prstGeom prst="rect">
+            <a:avLst/>
+          </a:prstGeom>
+        </p:spPr>
+        <p:txBody>
+          <a:bodyPr lIns="0" rIns="0" tIns="0" bIns="0" anchor="ctr">
+            <a:spAutoFit/>
+          </a:bodyPr>
+          <a:p>
+            <a:pPr algn="ctr"/>
+            <a:endParaRPr b="0" lang="en-US" sz="4400" spc="-1" strike="noStrike">
+              <a:latin typeface="Arial"/>
+            </a:endParaRPr>
+          </a:p>
+        </p:txBody>
+      </p:sp>
+      <p:sp>
+        <p:nvSpPr>
+          <p:cNvPr id="67" name="PlaceHolder 2"/>
+          <p:cNvSpPr>
+            <a:spLocks noGrp="1"/>
+          </p:cNvSpPr>
+          <p:nvPr>
+            <p:ph type="body"/>
+          </p:nvPr>
+        </p:nvSpPr>
+        <p:spPr>
+          <a:xfrm>
+            <a:off x="504000" y="1800000"/>
+            <a:ext cx="4426920" cy="2090880"/>
+          </a:xfrm>
+          <a:prstGeom prst="rect">
+            <a:avLst/>
+          </a:prstGeom>
+        </p:spPr>
+        <p:txBody>
+          <a:bodyPr lIns="0" rIns="0" tIns="0" bIns="0">
+            <a:normAutofit/>
+          </a:bodyPr>
+          <a:p>
+            <a:endParaRPr b="0" lang="en-US" sz="3200" spc="-1" strike="noStrike">
+              <a:latin typeface="Arial"/>
+            </a:endParaRPr>
+          </a:p>
+        </p:txBody>
+      </p:sp>
+      <p:sp>
+        <p:nvSpPr>
+          <p:cNvPr id="68" name="PlaceHolder 3"/>
+          <p:cNvSpPr>
+            <a:spLocks noGrp="1"/>
+          </p:cNvSpPr>
+          <p:nvPr>
+            <p:ph type="body"/>
+          </p:nvPr>
+        </p:nvSpPr>
+        <p:spPr>
+          <a:xfrm>
+            <a:off x="5152680" y="1800000"/>
+            <a:ext cx="4426920" cy="2090880"/>
+          </a:xfrm>
+          <a:prstGeom prst="rect">
+            <a:avLst/>
+          </a:prstGeom>
+        </p:spPr>
+        <p:txBody>
+          <a:bodyPr lIns="0" rIns="0" tIns="0" bIns="0">
+            <a:normAutofit/>
+          </a:bodyPr>
+          <a:p>
+            <a:endParaRPr b="0" lang="en-US" sz="3200" spc="-1" strike="noStrike">
+              <a:latin typeface="Arial"/>
+            </a:endParaRPr>
+          </a:p>
+        </p:txBody>
+      </p:sp>
+      <p:sp>
+        <p:nvSpPr>
+          <p:cNvPr id="69" name="PlaceHolder 4"/>
+          <p:cNvSpPr>
+            <a:spLocks noGrp="1"/>
+          </p:cNvSpPr>
+          <p:nvPr>
+            <p:ph type="body"/>
+          </p:nvPr>
+        </p:nvSpPr>
+        <p:spPr>
+          <a:xfrm>
+            <a:off x="504000" y="4089960"/>
+            <a:ext cx="4426920" cy="2090880"/>
+          </a:xfrm>
+          <a:prstGeom prst="rect">
+            <a:avLst/>
+          </a:prstGeom>
+        </p:spPr>
+        <p:txBody>
+          <a:bodyPr lIns="0" rIns="0" tIns="0" bIns="0">
+            <a:normAutofit/>
+          </a:bodyPr>
+          <a:p>
+            <a:endParaRPr b="0" lang="en-US" sz="3200" spc="-1" strike="noStrike">
+              <a:latin typeface="Arial"/>
+            </a:endParaRPr>
+          </a:p>
+        </p:txBody>
+      </p:sp>
+      <p:sp>
+        <p:nvSpPr>
+          <p:cNvPr id="70" name="PlaceHolder 5"/>
+          <p:cNvSpPr>
+            <a:spLocks noGrp="1"/>
+          </p:cNvSpPr>
+          <p:nvPr>
+            <p:ph type="body"/>
+          </p:nvPr>
+        </p:nvSpPr>
+        <p:spPr>
+          <a:xfrm>
+            <a:off x="5152680" y="4089960"/>
+            <a:ext cx="4426920" cy="2090880"/>
+          </a:xfrm>
+          <a:prstGeom prst="rect">
+            <a:avLst/>
+          </a:prstGeom>
+        </p:spPr>
+        <p:txBody>
+          <a:bodyPr lIns="0" rIns="0" tIns="0" bIns="0">
+            <a:normAutofit/>
+          </a:bodyPr>
+          <a:p>
+            <a:endParaRPr b="0" lang="en-US" sz="3200" spc="-1" strike="noStrike">
+              <a:latin typeface="Arial"/>
+            </a:endParaRPr>
+          </a:p>
+        </p:txBody>
+      </p:sp>
+    </p:spTree>
+  </p:cSld>
+</p:sldLayout>
+</file>
+
+<file path=ppt/slideLayouts/slideLayout24.xml><?xml version="1.0" encoding="utf-8"?>
+<p:sldLayout xmlns:a="http://schemas.openxmlformats.org/drawingml/2006/main" xmlns:p="http://schemas.openxmlformats.org/presentationml/2006/main" xmlns:r="http://schemas.openxmlformats.org/officeDocument/2006/relationships" xmlns:p14="http://schemas.microsoft.com/office/powerpoint/2010/main" xmlns:p15="http://schemas.microsoft.com/office/powerpoint/2012/main" xmlns:mc="http://schemas.openxmlformats.org/markup-compatibility/2006" type="blank" preserve="1">
+  <p:cSld name="Title, 6 Content">
+    <p:spTree>
+      <p:nvGrpSpPr>
+        <p:cNvPr id="1" name=""/>
+        <p:cNvGrpSpPr/>
+        <p:nvPr/>
+      </p:nvGrpSpPr>
+      <p:grpSpPr>
+        <a:xfrm>
+          <a:off x="0" y="0"/>
+          <a:ext cx="0" cy="0"/>
+          <a:chOff x="0" y="0"/>
+          <a:chExt cx="0" cy="0"/>
+        </a:xfrm>
+      </p:grpSpPr>
+      <p:sp>
+        <p:nvSpPr>
+          <p:cNvPr id="71" name="PlaceHolder 1"/>
+          <p:cNvSpPr>
+            <a:spLocks noGrp="1"/>
+          </p:cNvSpPr>
+          <p:nvPr>
+            <p:ph type="title"/>
+          </p:nvPr>
+        </p:nvSpPr>
+        <p:spPr>
+          <a:xfrm>
+            <a:off x="504000" y="304920"/>
+            <a:ext cx="7199640" cy="1262160"/>
+          </a:xfrm>
+          <a:prstGeom prst="rect">
+            <a:avLst/>
+          </a:prstGeom>
+        </p:spPr>
+        <p:txBody>
+          <a:bodyPr lIns="0" rIns="0" tIns="0" bIns="0" anchor="ctr">
+            <a:spAutoFit/>
+          </a:bodyPr>
+          <a:p>
+            <a:pPr algn="ctr"/>
+            <a:endParaRPr b="0" lang="en-US" sz="4400" spc="-1" strike="noStrike">
+              <a:latin typeface="Arial"/>
+            </a:endParaRPr>
+          </a:p>
+        </p:txBody>
+      </p:sp>
+      <p:sp>
+        <p:nvSpPr>
+          <p:cNvPr id="72" name="PlaceHolder 2"/>
+          <p:cNvSpPr>
+            <a:spLocks noGrp="1"/>
+          </p:cNvSpPr>
+          <p:nvPr>
+            <p:ph type="body"/>
+          </p:nvPr>
+        </p:nvSpPr>
+        <p:spPr>
+          <a:xfrm>
+            <a:off x="504000" y="1800000"/>
+            <a:ext cx="2920680" cy="2090880"/>
+          </a:xfrm>
+          <a:prstGeom prst="rect">
+            <a:avLst/>
+          </a:prstGeom>
+        </p:spPr>
+        <p:txBody>
+          <a:bodyPr lIns="0" rIns="0" tIns="0" bIns="0">
+            <a:normAutofit/>
+          </a:bodyPr>
+          <a:p>
+            <a:endParaRPr b="0" lang="en-US" sz="3200" spc="-1" strike="noStrike">
+              <a:latin typeface="Arial"/>
+            </a:endParaRPr>
+          </a:p>
+        </p:txBody>
+      </p:sp>
+      <p:sp>
+        <p:nvSpPr>
+          <p:cNvPr id="73" name="PlaceHolder 3"/>
+          <p:cNvSpPr>
+            <a:spLocks noGrp="1"/>
+          </p:cNvSpPr>
+          <p:nvPr>
+            <p:ph type="body"/>
+          </p:nvPr>
+        </p:nvSpPr>
+        <p:spPr>
+          <a:xfrm>
+            <a:off x="3571200" y="1800000"/>
+            <a:ext cx="2920680" cy="2090880"/>
+          </a:xfrm>
+          <a:prstGeom prst="rect">
+            <a:avLst/>
+          </a:prstGeom>
+        </p:spPr>
+        <p:txBody>
+          <a:bodyPr lIns="0" rIns="0" tIns="0" bIns="0">
+            <a:normAutofit/>
+          </a:bodyPr>
+          <a:p>
+            <a:endParaRPr b="0" lang="en-US" sz="3200" spc="-1" strike="noStrike">
+              <a:latin typeface="Arial"/>
+            </a:endParaRPr>
+          </a:p>
+        </p:txBody>
+      </p:sp>
+      <p:sp>
+        <p:nvSpPr>
+          <p:cNvPr id="74" name="PlaceHolder 4"/>
+          <p:cNvSpPr>
+            <a:spLocks noGrp="1"/>
+          </p:cNvSpPr>
+          <p:nvPr>
+            <p:ph type="body"/>
+          </p:nvPr>
+        </p:nvSpPr>
+        <p:spPr>
+          <a:xfrm>
+            <a:off x="6638040" y="1800000"/>
+            <a:ext cx="2920680" cy="2090880"/>
+          </a:xfrm>
+          <a:prstGeom prst="rect">
+            <a:avLst/>
+          </a:prstGeom>
+        </p:spPr>
+        <p:txBody>
+          <a:bodyPr lIns="0" rIns="0" tIns="0" bIns="0">
+            <a:normAutofit/>
+          </a:bodyPr>
+          <a:p>
+            <a:endParaRPr b="0" lang="en-US" sz="3200" spc="-1" strike="noStrike">
+              <a:latin typeface="Arial"/>
+            </a:endParaRPr>
+          </a:p>
+        </p:txBody>
+      </p:sp>
+      <p:sp>
+        <p:nvSpPr>
+          <p:cNvPr id="75" name="PlaceHolder 5"/>
+          <p:cNvSpPr>
+            <a:spLocks noGrp="1"/>
+          </p:cNvSpPr>
+          <p:nvPr>
+            <p:ph type="body"/>
+          </p:nvPr>
+        </p:nvSpPr>
+        <p:spPr>
+          <a:xfrm>
+            <a:off x="504000" y="4089960"/>
+            <a:ext cx="2920680" cy="2090880"/>
+          </a:xfrm>
+          <a:prstGeom prst="rect">
+            <a:avLst/>
+          </a:prstGeom>
+        </p:spPr>
+        <p:txBody>
+          <a:bodyPr lIns="0" rIns="0" tIns="0" bIns="0">
+            <a:normAutofit/>
+          </a:bodyPr>
+          <a:p>
+            <a:endParaRPr b="0" lang="en-US" sz="3200" spc="-1" strike="noStrike">
+              <a:latin typeface="Arial"/>
+            </a:endParaRPr>
+          </a:p>
+        </p:txBody>
+      </p:sp>
+      <p:sp>
+        <p:nvSpPr>
+          <p:cNvPr id="76" name="PlaceHolder 6"/>
+          <p:cNvSpPr>
+            <a:spLocks noGrp="1"/>
+          </p:cNvSpPr>
+          <p:nvPr>
+            <p:ph type="body"/>
+          </p:nvPr>
+        </p:nvSpPr>
+        <p:spPr>
+          <a:xfrm>
+            <a:off x="3571200" y="4089960"/>
+            <a:ext cx="2920680" cy="2090880"/>
+          </a:xfrm>
+          <a:prstGeom prst="rect">
+            <a:avLst/>
+          </a:prstGeom>
+        </p:spPr>
+        <p:txBody>
+          <a:bodyPr lIns="0" rIns="0" tIns="0" bIns="0">
+            <a:normAutofit/>
+          </a:bodyPr>
+          <a:p>
+            <a:endParaRPr b="0" lang="en-US" sz="3200" spc="-1" strike="noStrike">
+              <a:latin typeface="Arial"/>
+            </a:endParaRPr>
+          </a:p>
+        </p:txBody>
+      </p:sp>
+      <p:sp>
+        <p:nvSpPr>
+          <p:cNvPr id="77" name="PlaceHolder 7"/>
+          <p:cNvSpPr>
+            <a:spLocks noGrp="1"/>
+          </p:cNvSpPr>
+          <p:nvPr>
+            <p:ph type="body"/>
+          </p:nvPr>
+        </p:nvSpPr>
+        <p:spPr>
+          <a:xfrm>
+            <a:off x="6638040" y="4089960"/>
+            <a:ext cx="2920680" cy="2090880"/>
+          </a:xfrm>
+          <a:prstGeom prst="rect">
+            <a:avLst/>
+          </a:prstGeom>
+        </p:spPr>
+        <p:txBody>
+          <a:bodyPr lIns="0" rIns="0" tIns="0" bIns="0">
+            <a:normAutofit/>
+          </a:bodyPr>
+          <a:p>
             <a:endParaRPr b="0" lang="en-US" sz="3200" spc="-1" strike="noStrike">
               <a:latin typeface="Arial"/>
             </a:endParaRPr>
@@ -655,7 +2018,7 @@
       </p:grpSpPr>
       <p:sp>
         <p:nvSpPr>
-          <p:cNvPr id="8" name="PlaceHolder 1"/>
+          <p:cNvPr id="5" name="PlaceHolder 1"/>
           <p:cNvSpPr>
             <a:spLocks noGrp="1"/>
           </p:cNvSpPr>
@@ -665,8 +2028,8 @@
         </p:nvSpPr>
         <p:spPr>
           <a:xfrm>
-            <a:off x="504000" y="576000"/>
-            <a:ext cx="7200000" cy="720000"/>
+            <a:off x="504000" y="304920"/>
+            <a:ext cx="7199640" cy="1262160"/>
           </a:xfrm>
           <a:prstGeom prst="rect">
             <a:avLst/>
@@ -677,15 +2040,16 @@
             <a:spAutoFit/>
           </a:bodyPr>
           <a:p>
-            <a:endParaRPr b="0" lang="en-US" sz="3600" spc="-1" strike="noStrike">
-              <a:latin typeface="Arial"/>
-            </a:endParaRPr>
-          </a:p>
-        </p:txBody>
-      </p:sp>
-      <p:sp>
-        <p:nvSpPr>
-          <p:cNvPr id="9" name="PlaceHolder 2"/>
+            <a:pPr algn="ctr"/>
+            <a:endParaRPr b="0" lang="en-US" sz="4400" spc="-1" strike="noStrike">
+              <a:latin typeface="Arial"/>
+            </a:endParaRPr>
+          </a:p>
+        </p:txBody>
+      </p:sp>
+      <p:sp>
+        <p:nvSpPr>
+          <p:cNvPr id="6" name="PlaceHolder 2"/>
           <p:cNvSpPr>
             <a:spLocks noGrp="1"/>
           </p:cNvSpPr>
@@ -696,18 +2060,18 @@
         <p:spPr>
           <a:xfrm>
             <a:off x="504000" y="1800000"/>
-            <a:ext cx="9072000" cy="4384440"/>
-          </a:xfrm>
-          <a:prstGeom prst="rect">
-            <a:avLst/>
-          </a:prstGeom>
-        </p:spPr>
-        <p:txBody>
-          <a:bodyPr lIns="0" rIns="0" tIns="0" bIns="0">
-            <a:normAutofit/>
-          </a:bodyPr>
-          <a:p>
-            <a:endParaRPr b="0" lang="en-US" sz="2600" spc="-1" strike="noStrike">
+            <a:ext cx="9071640" cy="4384080"/>
+          </a:xfrm>
+          <a:prstGeom prst="rect">
+            <a:avLst/>
+          </a:prstGeom>
+        </p:spPr>
+        <p:txBody>
+          <a:bodyPr lIns="0" rIns="0" tIns="0" bIns="0">
+            <a:normAutofit/>
+          </a:bodyPr>
+          <a:p>
+            <a:endParaRPr b="0" lang="en-US" sz="3200" spc="-1" strike="noStrike">
               <a:latin typeface="Arial"/>
             </a:endParaRPr>
           </a:p>
@@ -737,7 +2101,7 @@
       </p:grpSpPr>
       <p:sp>
         <p:nvSpPr>
-          <p:cNvPr id="10" name="PlaceHolder 1"/>
+          <p:cNvPr id="7" name="PlaceHolder 1"/>
           <p:cNvSpPr>
             <a:spLocks noGrp="1"/>
           </p:cNvSpPr>
@@ -747,8 +2111,8 @@
         </p:nvSpPr>
         <p:spPr>
           <a:xfrm>
-            <a:off x="504000" y="576000"/>
-            <a:ext cx="7200000" cy="720000"/>
+            <a:off x="504000" y="304920"/>
+            <a:ext cx="7199640" cy="1262160"/>
           </a:xfrm>
           <a:prstGeom prst="rect">
             <a:avLst/>
@@ -759,15 +2123,16 @@
             <a:spAutoFit/>
           </a:bodyPr>
           <a:p>
-            <a:endParaRPr b="0" lang="en-US" sz="3600" spc="-1" strike="noStrike">
-              <a:latin typeface="Arial"/>
-            </a:endParaRPr>
-          </a:p>
-        </p:txBody>
-      </p:sp>
-      <p:sp>
-        <p:nvSpPr>
-          <p:cNvPr id="11" name="PlaceHolder 2"/>
+            <a:pPr algn="ctr"/>
+            <a:endParaRPr b="0" lang="en-US" sz="4400" spc="-1" strike="noStrike">
+              <a:latin typeface="Arial"/>
+            </a:endParaRPr>
+          </a:p>
+        </p:txBody>
+      </p:sp>
+      <p:sp>
+        <p:nvSpPr>
+          <p:cNvPr id="8" name="PlaceHolder 2"/>
           <p:cNvSpPr>
             <a:spLocks noGrp="1"/>
           </p:cNvSpPr>
@@ -778,26 +2143,26 @@
         <p:spPr>
           <a:xfrm>
             <a:off x="504000" y="1800000"/>
-            <a:ext cx="4426920" cy="4384440"/>
-          </a:xfrm>
-          <a:prstGeom prst="rect">
-            <a:avLst/>
-          </a:prstGeom>
-        </p:spPr>
-        <p:txBody>
-          <a:bodyPr lIns="0" rIns="0" tIns="0" bIns="0">
-            <a:normAutofit/>
-          </a:bodyPr>
-          <a:p>
-            <a:endParaRPr b="0" lang="en-US" sz="2600" spc="-1" strike="noStrike">
-              <a:latin typeface="Arial"/>
-            </a:endParaRPr>
-          </a:p>
-        </p:txBody>
-      </p:sp>
-      <p:sp>
-        <p:nvSpPr>
-          <p:cNvPr id="12" name="PlaceHolder 3"/>
+            <a:ext cx="4426920" cy="4384080"/>
+          </a:xfrm>
+          <a:prstGeom prst="rect">
+            <a:avLst/>
+          </a:prstGeom>
+        </p:spPr>
+        <p:txBody>
+          <a:bodyPr lIns="0" rIns="0" tIns="0" bIns="0">
+            <a:normAutofit/>
+          </a:bodyPr>
+          <a:p>
+            <a:endParaRPr b="0" lang="en-US" sz="3200" spc="-1" strike="noStrike">
+              <a:latin typeface="Arial"/>
+            </a:endParaRPr>
+          </a:p>
+        </p:txBody>
+      </p:sp>
+      <p:sp>
+        <p:nvSpPr>
+          <p:cNvPr id="9" name="PlaceHolder 3"/>
           <p:cNvSpPr>
             <a:spLocks noGrp="1"/>
           </p:cNvSpPr>
@@ -808,18 +2173,18 @@
         <p:spPr>
           <a:xfrm>
             <a:off x="5152680" y="1800000"/>
-            <a:ext cx="4426920" cy="4384440"/>
-          </a:xfrm>
-          <a:prstGeom prst="rect">
-            <a:avLst/>
-          </a:prstGeom>
-        </p:spPr>
-        <p:txBody>
-          <a:bodyPr lIns="0" rIns="0" tIns="0" bIns="0">
-            <a:normAutofit/>
-          </a:bodyPr>
-          <a:p>
-            <a:endParaRPr b="0" lang="en-US" sz="2600" spc="-1" strike="noStrike">
+            <a:ext cx="4426920" cy="4384080"/>
+          </a:xfrm>
+          <a:prstGeom prst="rect">
+            <a:avLst/>
+          </a:prstGeom>
+        </p:spPr>
+        <p:txBody>
+          <a:bodyPr lIns="0" rIns="0" tIns="0" bIns="0">
+            <a:normAutofit/>
+          </a:bodyPr>
+          <a:p>
+            <a:endParaRPr b="0" lang="en-US" sz="3200" spc="-1" strike="noStrike">
               <a:latin typeface="Arial"/>
             </a:endParaRPr>
           </a:p>
@@ -849,7 +2214,7 @@
       </p:grpSpPr>
       <p:sp>
         <p:nvSpPr>
-          <p:cNvPr id="13" name="PlaceHolder 1"/>
+          <p:cNvPr id="10" name="PlaceHolder 1"/>
           <p:cNvSpPr>
             <a:spLocks noGrp="1"/>
           </p:cNvSpPr>
@@ -859,8 +2224,8 @@
         </p:nvSpPr>
         <p:spPr>
           <a:xfrm>
-            <a:off x="504000" y="576000"/>
-            <a:ext cx="7200000" cy="720000"/>
+            <a:off x="504000" y="304920"/>
+            <a:ext cx="7199640" cy="1262160"/>
           </a:xfrm>
           <a:prstGeom prst="rect">
             <a:avLst/>
@@ -871,7 +2236,8 @@
             <a:spAutoFit/>
           </a:bodyPr>
           <a:p>
-            <a:endParaRPr b="0" lang="en-US" sz="3600" spc="-1" strike="noStrike">
+            <a:pPr algn="ctr"/>
+            <a:endParaRPr b="0" lang="en-US" sz="4400" spc="-1" strike="noStrike">
               <a:latin typeface="Arial"/>
             </a:endParaRPr>
           </a:p>
@@ -901,7 +2267,7 @@
       </p:grpSpPr>
       <p:sp>
         <p:nvSpPr>
-          <p:cNvPr id="14" name="PlaceHolder 1"/>
+          <p:cNvPr id="11" name="PlaceHolder 1"/>
           <p:cNvSpPr>
             <a:spLocks noGrp="1"/>
           </p:cNvSpPr>
@@ -911,8 +2277,8 @@
         </p:nvSpPr>
         <p:spPr>
           <a:xfrm>
-            <a:off x="504000" y="576000"/>
-            <a:ext cx="7200000" cy="3338640"/>
+            <a:off x="504000" y="304920"/>
+            <a:ext cx="7199640" cy="5851800"/>
           </a:xfrm>
           <a:prstGeom prst="rect">
             <a:avLst/>
@@ -954,7 +2320,7 @@
       </p:grpSpPr>
       <p:sp>
         <p:nvSpPr>
-          <p:cNvPr id="15" name="PlaceHolder 1"/>
+          <p:cNvPr id="12" name="PlaceHolder 1"/>
           <p:cNvSpPr>
             <a:spLocks noGrp="1"/>
           </p:cNvSpPr>
@@ -964,8 +2330,8 @@
         </p:nvSpPr>
         <p:spPr>
           <a:xfrm>
-            <a:off x="504000" y="576000"/>
-            <a:ext cx="7200000" cy="720000"/>
+            <a:off x="504000" y="304920"/>
+            <a:ext cx="7199640" cy="1262160"/>
           </a:xfrm>
           <a:prstGeom prst="rect">
             <a:avLst/>
@@ -976,15 +2342,16 @@
             <a:spAutoFit/>
           </a:bodyPr>
           <a:p>
-            <a:endParaRPr b="0" lang="en-US" sz="3600" spc="-1" strike="noStrike">
-              <a:latin typeface="Arial"/>
-            </a:endParaRPr>
-          </a:p>
-        </p:txBody>
-      </p:sp>
-      <p:sp>
-        <p:nvSpPr>
-          <p:cNvPr id="16" name="PlaceHolder 2"/>
+            <a:pPr algn="ctr"/>
+            <a:endParaRPr b="0" lang="en-US" sz="4400" spc="-1" strike="noStrike">
+              <a:latin typeface="Arial"/>
+            </a:endParaRPr>
+          </a:p>
+        </p:txBody>
+      </p:sp>
+      <p:sp>
+        <p:nvSpPr>
+          <p:cNvPr id="13" name="PlaceHolder 2"/>
           <p:cNvSpPr>
             <a:spLocks noGrp="1"/>
           </p:cNvSpPr>
@@ -995,26 +2362,26 @@
         <p:spPr>
           <a:xfrm>
             <a:off x="504000" y="1800000"/>
-            <a:ext cx="4426920" cy="2091240"/>
-          </a:xfrm>
-          <a:prstGeom prst="rect">
-            <a:avLst/>
-          </a:prstGeom>
-        </p:spPr>
-        <p:txBody>
-          <a:bodyPr lIns="0" rIns="0" tIns="0" bIns="0">
-            <a:normAutofit/>
-          </a:bodyPr>
-          <a:p>
-            <a:endParaRPr b="0" lang="en-US" sz="2600" spc="-1" strike="noStrike">
-              <a:latin typeface="Arial"/>
-            </a:endParaRPr>
-          </a:p>
-        </p:txBody>
-      </p:sp>
-      <p:sp>
-        <p:nvSpPr>
-          <p:cNvPr id="17" name="PlaceHolder 3"/>
+            <a:ext cx="4426920" cy="2090880"/>
+          </a:xfrm>
+          <a:prstGeom prst="rect">
+            <a:avLst/>
+          </a:prstGeom>
+        </p:spPr>
+        <p:txBody>
+          <a:bodyPr lIns="0" rIns="0" tIns="0" bIns="0">
+            <a:normAutofit/>
+          </a:bodyPr>
+          <a:p>
+            <a:endParaRPr b="0" lang="en-US" sz="3200" spc="-1" strike="noStrike">
+              <a:latin typeface="Arial"/>
+            </a:endParaRPr>
+          </a:p>
+        </p:txBody>
+      </p:sp>
+      <p:sp>
+        <p:nvSpPr>
+          <p:cNvPr id="14" name="PlaceHolder 3"/>
           <p:cNvSpPr>
             <a:spLocks noGrp="1"/>
           </p:cNvSpPr>
@@ -1025,48 +2392,48 @@
         <p:spPr>
           <a:xfrm>
             <a:off x="5152680" y="1800000"/>
-            <a:ext cx="4426920" cy="4384440"/>
-          </a:xfrm>
-          <a:prstGeom prst="rect">
-            <a:avLst/>
-          </a:prstGeom>
-        </p:spPr>
-        <p:txBody>
-          <a:bodyPr lIns="0" rIns="0" tIns="0" bIns="0">
-            <a:normAutofit/>
-          </a:bodyPr>
-          <a:p>
-            <a:endParaRPr b="0" lang="en-US" sz="2600" spc="-1" strike="noStrike">
-              <a:latin typeface="Arial"/>
-            </a:endParaRPr>
-          </a:p>
-        </p:txBody>
-      </p:sp>
-      <p:sp>
-        <p:nvSpPr>
-          <p:cNvPr id="18" name="PlaceHolder 4"/>
-          <p:cNvSpPr>
-            <a:spLocks noGrp="1"/>
-          </p:cNvSpPr>
-          <p:nvPr>
-            <p:ph type="body"/>
-          </p:nvPr>
-        </p:nvSpPr>
-        <p:spPr>
-          <a:xfrm>
-            <a:off x="504000" y="4090320"/>
-            <a:ext cx="4426920" cy="2091240"/>
-          </a:xfrm>
-          <a:prstGeom prst="rect">
-            <a:avLst/>
-          </a:prstGeom>
-        </p:spPr>
-        <p:txBody>
-          <a:bodyPr lIns="0" rIns="0" tIns="0" bIns="0">
-            <a:normAutofit/>
-          </a:bodyPr>
-          <a:p>
-            <a:endParaRPr b="0" lang="en-US" sz="2600" spc="-1" strike="noStrike">
+            <a:ext cx="4426920" cy="4384080"/>
+          </a:xfrm>
+          <a:prstGeom prst="rect">
+            <a:avLst/>
+          </a:prstGeom>
+        </p:spPr>
+        <p:txBody>
+          <a:bodyPr lIns="0" rIns="0" tIns="0" bIns="0">
+            <a:normAutofit/>
+          </a:bodyPr>
+          <a:p>
+            <a:endParaRPr b="0" lang="en-US" sz="3200" spc="-1" strike="noStrike">
+              <a:latin typeface="Arial"/>
+            </a:endParaRPr>
+          </a:p>
+        </p:txBody>
+      </p:sp>
+      <p:sp>
+        <p:nvSpPr>
+          <p:cNvPr id="15" name="PlaceHolder 4"/>
+          <p:cNvSpPr>
+            <a:spLocks noGrp="1"/>
+          </p:cNvSpPr>
+          <p:nvPr>
+            <p:ph type="body"/>
+          </p:nvPr>
+        </p:nvSpPr>
+        <p:spPr>
+          <a:xfrm>
+            <a:off x="504000" y="4089960"/>
+            <a:ext cx="4426920" cy="2090880"/>
+          </a:xfrm>
+          <a:prstGeom prst="rect">
+            <a:avLst/>
+          </a:prstGeom>
+        </p:spPr>
+        <p:txBody>
+          <a:bodyPr lIns="0" rIns="0" tIns="0" bIns="0">
+            <a:normAutofit/>
+          </a:bodyPr>
+          <a:p>
+            <a:endParaRPr b="0" lang="en-US" sz="3200" spc="-1" strike="noStrike">
               <a:latin typeface="Arial"/>
             </a:endParaRPr>
           </a:p>
@@ -1096,7 +2463,7 @@
       </p:grpSpPr>
       <p:sp>
         <p:nvSpPr>
-          <p:cNvPr id="19" name="PlaceHolder 1"/>
+          <p:cNvPr id="16" name="PlaceHolder 1"/>
           <p:cNvSpPr>
             <a:spLocks noGrp="1"/>
           </p:cNvSpPr>
@@ -1106,8 +2473,8 @@
         </p:nvSpPr>
         <p:spPr>
           <a:xfrm>
-            <a:off x="504000" y="576000"/>
-            <a:ext cx="7200000" cy="720000"/>
+            <a:off x="504000" y="304920"/>
+            <a:ext cx="7199640" cy="1262160"/>
           </a:xfrm>
           <a:prstGeom prst="rect">
             <a:avLst/>
@@ -1118,15 +2485,16 @@
             <a:spAutoFit/>
           </a:bodyPr>
           <a:p>
-            <a:endParaRPr b="0" lang="en-US" sz="3600" spc="-1" strike="noStrike">
-              <a:latin typeface="Arial"/>
-            </a:endParaRPr>
-          </a:p>
-        </p:txBody>
-      </p:sp>
-      <p:sp>
-        <p:nvSpPr>
-          <p:cNvPr id="20" name="PlaceHolder 2"/>
+            <a:pPr algn="ctr"/>
+            <a:endParaRPr b="0" lang="en-US" sz="4400" spc="-1" strike="noStrike">
+              <a:latin typeface="Arial"/>
+            </a:endParaRPr>
+          </a:p>
+        </p:txBody>
+      </p:sp>
+      <p:sp>
+        <p:nvSpPr>
+          <p:cNvPr id="17" name="PlaceHolder 2"/>
           <p:cNvSpPr>
             <a:spLocks noGrp="1"/>
           </p:cNvSpPr>
@@ -1137,26 +2505,26 @@
         <p:spPr>
           <a:xfrm>
             <a:off x="504000" y="1800000"/>
-            <a:ext cx="4426920" cy="4384440"/>
-          </a:xfrm>
-          <a:prstGeom prst="rect">
-            <a:avLst/>
-          </a:prstGeom>
-        </p:spPr>
-        <p:txBody>
-          <a:bodyPr lIns="0" rIns="0" tIns="0" bIns="0">
-            <a:normAutofit/>
-          </a:bodyPr>
-          <a:p>
-            <a:endParaRPr b="0" lang="en-US" sz="2600" spc="-1" strike="noStrike">
-              <a:latin typeface="Arial"/>
-            </a:endParaRPr>
-          </a:p>
-        </p:txBody>
-      </p:sp>
-      <p:sp>
-        <p:nvSpPr>
-          <p:cNvPr id="21" name="PlaceHolder 3"/>
+            <a:ext cx="4426920" cy="4384080"/>
+          </a:xfrm>
+          <a:prstGeom prst="rect">
+            <a:avLst/>
+          </a:prstGeom>
+        </p:spPr>
+        <p:txBody>
+          <a:bodyPr lIns="0" rIns="0" tIns="0" bIns="0">
+            <a:normAutofit/>
+          </a:bodyPr>
+          <a:p>
+            <a:endParaRPr b="0" lang="en-US" sz="3200" spc="-1" strike="noStrike">
+              <a:latin typeface="Arial"/>
+            </a:endParaRPr>
+          </a:p>
+        </p:txBody>
+      </p:sp>
+      <p:sp>
+        <p:nvSpPr>
+          <p:cNvPr id="18" name="PlaceHolder 3"/>
           <p:cNvSpPr>
             <a:spLocks noGrp="1"/>
           </p:cNvSpPr>
@@ -1167,48 +2535,48 @@
         <p:spPr>
           <a:xfrm>
             <a:off x="5152680" y="1800000"/>
-            <a:ext cx="4426920" cy="2091240"/>
-          </a:xfrm>
-          <a:prstGeom prst="rect">
-            <a:avLst/>
-          </a:prstGeom>
-        </p:spPr>
-        <p:txBody>
-          <a:bodyPr lIns="0" rIns="0" tIns="0" bIns="0">
-            <a:normAutofit/>
-          </a:bodyPr>
-          <a:p>
-            <a:endParaRPr b="0" lang="en-US" sz="2600" spc="-1" strike="noStrike">
-              <a:latin typeface="Arial"/>
-            </a:endParaRPr>
-          </a:p>
-        </p:txBody>
-      </p:sp>
-      <p:sp>
-        <p:nvSpPr>
-          <p:cNvPr id="22" name="PlaceHolder 4"/>
-          <p:cNvSpPr>
-            <a:spLocks noGrp="1"/>
-          </p:cNvSpPr>
-          <p:nvPr>
-            <p:ph type="body"/>
-          </p:nvPr>
-        </p:nvSpPr>
-        <p:spPr>
-          <a:xfrm>
-            <a:off x="5152680" y="4090320"/>
-            <a:ext cx="4426920" cy="2091240"/>
-          </a:xfrm>
-          <a:prstGeom prst="rect">
-            <a:avLst/>
-          </a:prstGeom>
-        </p:spPr>
-        <p:txBody>
-          <a:bodyPr lIns="0" rIns="0" tIns="0" bIns="0">
-            <a:normAutofit/>
-          </a:bodyPr>
-          <a:p>
-            <a:endParaRPr b="0" lang="en-US" sz="2600" spc="-1" strike="noStrike">
+            <a:ext cx="4426920" cy="2090880"/>
+          </a:xfrm>
+          <a:prstGeom prst="rect">
+            <a:avLst/>
+          </a:prstGeom>
+        </p:spPr>
+        <p:txBody>
+          <a:bodyPr lIns="0" rIns="0" tIns="0" bIns="0">
+            <a:normAutofit/>
+          </a:bodyPr>
+          <a:p>
+            <a:endParaRPr b="0" lang="en-US" sz="3200" spc="-1" strike="noStrike">
+              <a:latin typeface="Arial"/>
+            </a:endParaRPr>
+          </a:p>
+        </p:txBody>
+      </p:sp>
+      <p:sp>
+        <p:nvSpPr>
+          <p:cNvPr id="19" name="PlaceHolder 4"/>
+          <p:cNvSpPr>
+            <a:spLocks noGrp="1"/>
+          </p:cNvSpPr>
+          <p:nvPr>
+            <p:ph type="body"/>
+          </p:nvPr>
+        </p:nvSpPr>
+        <p:spPr>
+          <a:xfrm>
+            <a:off x="5152680" y="4089960"/>
+            <a:ext cx="4426920" cy="2090880"/>
+          </a:xfrm>
+          <a:prstGeom prst="rect">
+            <a:avLst/>
+          </a:prstGeom>
+        </p:spPr>
+        <p:txBody>
+          <a:bodyPr lIns="0" rIns="0" tIns="0" bIns="0">
+            <a:normAutofit/>
+          </a:bodyPr>
+          <a:p>
+            <a:endParaRPr b="0" lang="en-US" sz="3200" spc="-1" strike="noStrike">
               <a:latin typeface="Arial"/>
             </a:endParaRPr>
           </a:p>
@@ -1238,7 +2606,7 @@
       </p:grpSpPr>
       <p:sp>
         <p:nvSpPr>
-          <p:cNvPr id="23" name="PlaceHolder 1"/>
+          <p:cNvPr id="20" name="PlaceHolder 1"/>
           <p:cNvSpPr>
             <a:spLocks noGrp="1"/>
           </p:cNvSpPr>
@@ -1248,8 +2616,8 @@
         </p:nvSpPr>
         <p:spPr>
           <a:xfrm>
-            <a:off x="504000" y="576000"/>
-            <a:ext cx="7200000" cy="720000"/>
+            <a:off x="504000" y="304920"/>
+            <a:ext cx="7199640" cy="1262160"/>
           </a:xfrm>
           <a:prstGeom prst="rect">
             <a:avLst/>
@@ -1260,15 +2628,16 @@
             <a:spAutoFit/>
           </a:bodyPr>
           <a:p>
-            <a:endParaRPr b="0" lang="en-US" sz="3600" spc="-1" strike="noStrike">
-              <a:latin typeface="Arial"/>
-            </a:endParaRPr>
-          </a:p>
-        </p:txBody>
-      </p:sp>
-      <p:sp>
-        <p:nvSpPr>
-          <p:cNvPr id="24" name="PlaceHolder 2"/>
+            <a:pPr algn="ctr"/>
+            <a:endParaRPr b="0" lang="en-US" sz="4400" spc="-1" strike="noStrike">
+              <a:latin typeface="Arial"/>
+            </a:endParaRPr>
+          </a:p>
+        </p:txBody>
+      </p:sp>
+      <p:sp>
+        <p:nvSpPr>
+          <p:cNvPr id="21" name="PlaceHolder 2"/>
           <p:cNvSpPr>
             <a:spLocks noGrp="1"/>
           </p:cNvSpPr>
@@ -1279,26 +2648,26 @@
         <p:spPr>
           <a:xfrm>
             <a:off x="504000" y="1800000"/>
-            <a:ext cx="4426920" cy="2091240"/>
-          </a:xfrm>
-          <a:prstGeom prst="rect">
-            <a:avLst/>
-          </a:prstGeom>
-        </p:spPr>
-        <p:txBody>
-          <a:bodyPr lIns="0" rIns="0" tIns="0" bIns="0">
-            <a:normAutofit/>
-          </a:bodyPr>
-          <a:p>
-            <a:endParaRPr b="0" lang="en-US" sz="2600" spc="-1" strike="noStrike">
-              <a:latin typeface="Arial"/>
-            </a:endParaRPr>
-          </a:p>
-        </p:txBody>
-      </p:sp>
-      <p:sp>
-        <p:nvSpPr>
-          <p:cNvPr id="25" name="PlaceHolder 3"/>
+            <a:ext cx="4426920" cy="2090880"/>
+          </a:xfrm>
+          <a:prstGeom prst="rect">
+            <a:avLst/>
+          </a:prstGeom>
+        </p:spPr>
+        <p:txBody>
+          <a:bodyPr lIns="0" rIns="0" tIns="0" bIns="0">
+            <a:normAutofit/>
+          </a:bodyPr>
+          <a:p>
+            <a:endParaRPr b="0" lang="en-US" sz="3200" spc="-1" strike="noStrike">
+              <a:latin typeface="Arial"/>
+            </a:endParaRPr>
+          </a:p>
+        </p:txBody>
+      </p:sp>
+      <p:sp>
+        <p:nvSpPr>
+          <p:cNvPr id="22" name="PlaceHolder 3"/>
           <p:cNvSpPr>
             <a:spLocks noGrp="1"/>
           </p:cNvSpPr>
@@ -1309,48 +2678,48 @@
         <p:spPr>
           <a:xfrm>
             <a:off x="5152680" y="1800000"/>
-            <a:ext cx="4426920" cy="2091240"/>
-          </a:xfrm>
-          <a:prstGeom prst="rect">
-            <a:avLst/>
-          </a:prstGeom>
-        </p:spPr>
-        <p:txBody>
-          <a:bodyPr lIns="0" rIns="0" tIns="0" bIns="0">
-            <a:normAutofit/>
-          </a:bodyPr>
-          <a:p>
-            <a:endParaRPr b="0" lang="en-US" sz="2600" spc="-1" strike="noStrike">
-              <a:latin typeface="Arial"/>
-            </a:endParaRPr>
-          </a:p>
-        </p:txBody>
-      </p:sp>
-      <p:sp>
-        <p:nvSpPr>
-          <p:cNvPr id="26" name="PlaceHolder 4"/>
-          <p:cNvSpPr>
-            <a:spLocks noGrp="1"/>
-          </p:cNvSpPr>
-          <p:nvPr>
-            <p:ph type="body"/>
-          </p:nvPr>
-        </p:nvSpPr>
-        <p:spPr>
-          <a:xfrm>
-            <a:off x="504000" y="4090320"/>
-            <a:ext cx="9072000" cy="2091240"/>
-          </a:xfrm>
-          <a:prstGeom prst="rect">
-            <a:avLst/>
-          </a:prstGeom>
-        </p:spPr>
-        <p:txBody>
-          <a:bodyPr lIns="0" rIns="0" tIns="0" bIns="0">
-            <a:normAutofit/>
-          </a:bodyPr>
-          <a:p>
-            <a:endParaRPr b="0" lang="en-US" sz="2600" spc="-1" strike="noStrike">
+            <a:ext cx="4426920" cy="2090880"/>
+          </a:xfrm>
+          <a:prstGeom prst="rect">
+            <a:avLst/>
+          </a:prstGeom>
+        </p:spPr>
+        <p:txBody>
+          <a:bodyPr lIns="0" rIns="0" tIns="0" bIns="0">
+            <a:normAutofit/>
+          </a:bodyPr>
+          <a:p>
+            <a:endParaRPr b="0" lang="en-US" sz="3200" spc="-1" strike="noStrike">
+              <a:latin typeface="Arial"/>
+            </a:endParaRPr>
+          </a:p>
+        </p:txBody>
+      </p:sp>
+      <p:sp>
+        <p:nvSpPr>
+          <p:cNvPr id="23" name="PlaceHolder 4"/>
+          <p:cNvSpPr>
+            <a:spLocks noGrp="1"/>
+          </p:cNvSpPr>
+          <p:nvPr>
+            <p:ph type="body"/>
+          </p:nvPr>
+        </p:nvSpPr>
+        <p:spPr>
+          <a:xfrm>
+            <a:off x="504000" y="4089960"/>
+            <a:ext cx="9071640" cy="2090880"/>
+          </a:xfrm>
+          <a:prstGeom prst="rect">
+            <a:avLst/>
+          </a:prstGeom>
+        </p:spPr>
+        <p:txBody>
+          <a:bodyPr lIns="0" rIns="0" tIns="0" bIns="0">
+            <a:normAutofit/>
+          </a:bodyPr>
+          <a:p>
+            <a:endParaRPr b="0" lang="en-US" sz="3200" spc="-1" strike="noStrike">
               <a:latin typeface="Arial"/>
             </a:endParaRPr>
           </a:p>
@@ -1391,7 +2760,7 @@
         <p:spPr>
           <a:xfrm>
             <a:off x="720" y="720"/>
-            <a:ext cx="10079640" cy="7559640"/>
+            <a:ext cx="10079280" cy="7559280"/>
           </a:xfrm>
           <a:prstGeom prst="rect">
             <a:avLst/>
@@ -1413,8 +2782,8 @@
         </p:nvSpPr>
         <p:spPr>
           <a:xfrm>
-            <a:off x="504000" y="576000"/>
-            <a:ext cx="7200000" cy="720000"/>
+            <a:off x="504000" y="304920"/>
+            <a:ext cx="7199640" cy="1262160"/>
           </a:xfrm>
           <a:prstGeom prst="rect">
             <a:avLst/>
@@ -1422,16 +2791,16 @@
         </p:spPr>
         <p:txBody>
           <a:bodyPr lIns="0" rIns="0" tIns="0" bIns="0" anchor="ctr">
-            <a:noAutofit/>
+            <a:spAutoFit/>
           </a:bodyPr>
           <a:p>
             <a:r>
-              <a:rPr b="0" lang="en-US" sz="3600" spc="-1" strike="noStrike">
+              <a:rPr b="0" lang="en-US" sz="1800" spc="-1" strike="noStrike">
                 <a:latin typeface="Arial"/>
               </a:rPr>
               <a:t>Click to edit the title text format</a:t>
             </a:r>
-            <a:endParaRPr b="0" lang="en-US" sz="3600" spc="-1" strike="noStrike">
+            <a:endParaRPr b="0" lang="en-US" sz="1800" spc="-1" strike="noStrike">
               <a:latin typeface="Arial"/>
             </a:endParaRPr>
           </a:p>
@@ -1449,8 +2818,8 @@
         </p:nvSpPr>
         <p:spPr>
           <a:xfrm>
-            <a:off x="504000" y="1800000"/>
-            <a:ext cx="9072000" cy="4384440"/>
+            <a:off x="504000" y="1768680"/>
+            <a:ext cx="9072000" cy="4384080"/>
           </a:xfrm>
           <a:prstGeom prst="rect">
             <a:avLst/>
@@ -1462,265 +2831,155 @@
           </a:bodyPr>
           <a:p>
             <a:pPr marL="432000" indent="-324000">
-              <a:spcAft>
+              <a:spcBef>
                 <a:spcPts val="1417"/>
-              </a:spcAft>
+              </a:spcBef>
               <a:buClr>
-                <a:srgbClr val="99cc66"/>
+                <a:srgbClr val="000000"/>
               </a:buClr>
               <a:buSzPct val="45000"/>
               <a:buFont typeface="Wingdings" charset="2"/>
               <a:buChar char=""/>
             </a:pPr>
             <a:r>
-              <a:rPr b="0" lang="en-US" sz="2600" spc="-1" strike="noStrike">
+              <a:rPr b="0" lang="en-US" sz="3200" spc="-1" strike="noStrike">
                 <a:latin typeface="Arial"/>
               </a:rPr>
               <a:t>Click to edit the outline text format</a:t>
             </a:r>
-            <a:endParaRPr b="0" lang="en-US" sz="2600" spc="-1" strike="noStrike">
+            <a:endParaRPr b="0" lang="en-US" sz="3200" spc="-1" strike="noStrike">
               <a:latin typeface="Arial"/>
             </a:endParaRPr>
           </a:p>
           <a:p>
             <a:pPr lvl="1" marL="864000" indent="-324000">
-              <a:spcAft>
+              <a:spcBef>
                 <a:spcPts val="1134"/>
-              </a:spcAft>
+              </a:spcBef>
               <a:buClr>
-                <a:srgbClr val="99cc66"/>
+                <a:srgbClr val="000000"/>
               </a:buClr>
               <a:buSzPct val="75000"/>
               <a:buFont typeface="Symbol" charset="2"/>
               <a:buChar char=""/>
             </a:pPr>
             <a:r>
-              <a:rPr b="0" lang="en-US" sz="2600" spc="-1" strike="noStrike">
+              <a:rPr b="0" lang="en-US" sz="2800" spc="-1" strike="noStrike">
                 <a:latin typeface="Arial"/>
               </a:rPr>
               <a:t>Second Outline Level</a:t>
             </a:r>
-            <a:endParaRPr b="0" lang="en-US" sz="2600" spc="-1" strike="noStrike">
+            <a:endParaRPr b="0" lang="en-US" sz="2800" spc="-1" strike="noStrike">
               <a:latin typeface="Arial"/>
             </a:endParaRPr>
           </a:p>
           <a:p>
             <a:pPr lvl="2" marL="1296000" indent="-288000">
-              <a:spcAft>
+              <a:spcBef>
                 <a:spcPts val="850"/>
-              </a:spcAft>
+              </a:spcBef>
               <a:buClr>
-                <a:srgbClr val="99cc66"/>
+                <a:srgbClr val="000000"/>
               </a:buClr>
               <a:buSzPct val="45000"/>
               <a:buFont typeface="Wingdings" charset="2"/>
               <a:buChar char=""/>
             </a:pPr>
             <a:r>
-              <a:rPr b="0" lang="en-US" sz="2600" spc="-1" strike="noStrike">
+              <a:rPr b="0" lang="en-US" sz="2400" spc="-1" strike="noStrike">
                 <a:latin typeface="Arial"/>
               </a:rPr>
               <a:t>Third Outline Level</a:t>
             </a:r>
-            <a:endParaRPr b="0" lang="en-US" sz="2600" spc="-1" strike="noStrike">
+            <a:endParaRPr b="0" lang="en-US" sz="2400" spc="-1" strike="noStrike">
               <a:latin typeface="Arial"/>
             </a:endParaRPr>
           </a:p>
           <a:p>
             <a:pPr lvl="3" marL="1728000" indent="-216000">
-              <a:spcAft>
+              <a:spcBef>
                 <a:spcPts val="567"/>
-              </a:spcAft>
+              </a:spcBef>
               <a:buClr>
-                <a:srgbClr val="99cc66"/>
+                <a:srgbClr val="000000"/>
               </a:buClr>
               <a:buSzPct val="75000"/>
               <a:buFont typeface="Symbol" charset="2"/>
               <a:buChar char=""/>
             </a:pPr>
             <a:r>
-              <a:rPr b="0" lang="en-US" sz="2600" spc="-1" strike="noStrike">
+              <a:rPr b="0" lang="en-US" sz="2000" spc="-1" strike="noStrike">
                 <a:latin typeface="Arial"/>
               </a:rPr>
               <a:t>Fourth Outline Level</a:t>
             </a:r>
-            <a:endParaRPr b="0" lang="en-US" sz="2600" spc="-1" strike="noStrike">
+            <a:endParaRPr b="0" lang="en-US" sz="2000" spc="-1" strike="noStrike">
               <a:latin typeface="Arial"/>
             </a:endParaRPr>
           </a:p>
           <a:p>
             <a:pPr lvl="4" marL="2160000" indent="-216000">
-              <a:spcAft>
+              <a:spcBef>
                 <a:spcPts val="283"/>
-              </a:spcAft>
+              </a:spcBef>
               <a:buClr>
-                <a:srgbClr val="99cc66"/>
+                <a:srgbClr val="000000"/>
               </a:buClr>
               <a:buSzPct val="45000"/>
               <a:buFont typeface="Wingdings" charset="2"/>
               <a:buChar char=""/>
             </a:pPr>
             <a:r>
-              <a:rPr b="0" lang="en-US" sz="2600" spc="-1" strike="noStrike">
+              <a:rPr b="0" lang="en-US" sz="2000" spc="-1" strike="noStrike">
                 <a:latin typeface="Arial"/>
               </a:rPr>
               <a:t>Fifth Outline Level</a:t>
             </a:r>
-            <a:endParaRPr b="0" lang="en-US" sz="2600" spc="-1" strike="noStrike">
+            <a:endParaRPr b="0" lang="en-US" sz="2000" spc="-1" strike="noStrike">
               <a:latin typeface="Arial"/>
             </a:endParaRPr>
           </a:p>
           <a:p>
             <a:pPr lvl="5" marL="2592000" indent="-216000">
-              <a:spcAft>
+              <a:spcBef>
                 <a:spcPts val="283"/>
-              </a:spcAft>
+              </a:spcBef>
               <a:buClr>
-                <a:srgbClr val="99cc66"/>
+                <a:srgbClr val="000000"/>
               </a:buClr>
               <a:buSzPct val="45000"/>
               <a:buFont typeface="Wingdings" charset="2"/>
               <a:buChar char=""/>
             </a:pPr>
             <a:r>
-              <a:rPr b="0" lang="en-US" sz="2600" spc="-1" strike="noStrike">
+              <a:rPr b="0" lang="en-US" sz="2000" spc="-1" strike="noStrike">
                 <a:latin typeface="Arial"/>
               </a:rPr>
               <a:t>Sixth Outline Level</a:t>
             </a:r>
-            <a:endParaRPr b="0" lang="en-US" sz="2600" spc="-1" strike="noStrike">
+            <a:endParaRPr b="0" lang="en-US" sz="2000" spc="-1" strike="noStrike">
               <a:latin typeface="Arial"/>
             </a:endParaRPr>
           </a:p>
           <a:p>
             <a:pPr lvl="6" marL="3024000" indent="-216000">
-              <a:spcAft>
+              <a:spcBef>
                 <a:spcPts val="283"/>
-              </a:spcAft>
+              </a:spcBef>
               <a:buClr>
-                <a:srgbClr val="99cc66"/>
+                <a:srgbClr val="000000"/>
               </a:buClr>
               <a:buSzPct val="45000"/>
               <a:buFont typeface="Wingdings" charset="2"/>
               <a:buChar char=""/>
             </a:pPr>
             <a:r>
-              <a:rPr b="0" lang="en-US" sz="2600" spc="-1" strike="noStrike">
+              <a:rPr b="0" lang="en-US" sz="2000" spc="-1" strike="noStrike">
                 <a:latin typeface="Arial"/>
               </a:rPr>
               <a:t>Seventh Outline Level</a:t>
             </a:r>
-            <a:endParaRPr b="0" lang="en-US" sz="2600" spc="-1" strike="noStrike">
-              <a:latin typeface="Arial"/>
-            </a:endParaRPr>
-          </a:p>
-        </p:txBody>
-      </p:sp>
-      <p:sp>
-        <p:nvSpPr>
-          <p:cNvPr id="3" name="PlaceHolder 3"/>
-          <p:cNvSpPr>
-            <a:spLocks noGrp="1"/>
-          </p:cNvSpPr>
-          <p:nvPr>
-            <p:ph type="dt"/>
-          </p:nvPr>
-        </p:nvSpPr>
-        <p:spPr>
-          <a:xfrm>
-            <a:off x="504000" y="6887160"/>
-            <a:ext cx="2348280" cy="521280"/>
-          </a:xfrm>
-          <a:prstGeom prst="rect">
-            <a:avLst/>
-          </a:prstGeom>
-        </p:spPr>
-        <p:txBody>
-          <a:bodyPr lIns="0" rIns="0" tIns="0" bIns="0">
-            <a:noAutofit/>
-          </a:bodyPr>
-          <a:p>
-            <a:r>
-              <a:rPr b="0" lang="en-US" sz="1400" spc="-1" strike="noStrike">
-                <a:latin typeface="Arial"/>
-              </a:rPr>
-              <a:t>&lt;date/time&gt;</a:t>
-            </a:r>
-            <a:endParaRPr b="0" lang="en-US" sz="1400" spc="-1" strike="noStrike">
-              <a:latin typeface="Arial"/>
-            </a:endParaRPr>
-          </a:p>
-        </p:txBody>
-      </p:sp>
-      <p:sp>
-        <p:nvSpPr>
-          <p:cNvPr id="4" name="PlaceHolder 4"/>
-          <p:cNvSpPr>
-            <a:spLocks noGrp="1"/>
-          </p:cNvSpPr>
-          <p:nvPr>
-            <p:ph type="ftr"/>
-          </p:nvPr>
-        </p:nvSpPr>
-        <p:spPr>
-          <a:xfrm>
-            <a:off x="3447360" y="6887160"/>
-            <a:ext cx="3195000" cy="521280"/>
-          </a:xfrm>
-          <a:prstGeom prst="rect">
-            <a:avLst/>
-          </a:prstGeom>
-        </p:spPr>
-        <p:txBody>
-          <a:bodyPr lIns="0" rIns="0" tIns="0" bIns="0">
-            <a:noAutofit/>
-          </a:bodyPr>
-          <a:p>
-            <a:pPr algn="ctr"/>
-            <a:r>
-              <a:rPr b="0" lang="en-US" sz="1400" spc="-1" strike="noStrike">
-                <a:latin typeface="Arial"/>
-              </a:rPr>
-              <a:t>&lt;footer&gt;</a:t>
-            </a:r>
-            <a:endParaRPr b="0" lang="en-US" sz="1400" spc="-1" strike="noStrike">
-              <a:latin typeface="Arial"/>
-            </a:endParaRPr>
-          </a:p>
-        </p:txBody>
-      </p:sp>
-      <p:sp>
-        <p:nvSpPr>
-          <p:cNvPr id="5" name="PlaceHolder 5"/>
-          <p:cNvSpPr>
-            <a:spLocks noGrp="1"/>
-          </p:cNvSpPr>
-          <p:nvPr>
-            <p:ph type="sldNum"/>
-          </p:nvPr>
-        </p:nvSpPr>
-        <p:spPr>
-          <a:xfrm>
-            <a:off x="7227000" y="6887160"/>
-            <a:ext cx="2348280" cy="521280"/>
-          </a:xfrm>
-          <a:prstGeom prst="rect">
-            <a:avLst/>
-          </a:prstGeom>
-        </p:spPr>
-        <p:txBody>
-          <a:bodyPr lIns="0" rIns="0" tIns="0" bIns="0">
-            <a:noAutofit/>
-          </a:bodyPr>
-          <a:p>
-            <a:pPr algn="r"/>
-            <a:fld id="{59EB5F17-74E7-471A-90EC-328FA2848C78}" type="slidenum">
-              <a:rPr b="0" lang="en-US" sz="1400" spc="-1" strike="noStrike">
-                <a:latin typeface="Arial"/>
-              </a:rPr>
-              <a:t>&lt;number&gt;</a:t>
-            </a:fld>
-            <a:endParaRPr b="0" lang="en-US" sz="1400" spc="-1" strike="noStrike">
+            <a:endParaRPr b="0" lang="en-US" sz="2000" spc="-1" strike="noStrike">
               <a:latin typeface="Arial"/>
             </a:endParaRPr>
           </a:p>
@@ -1742,6 +3001,281 @@
     <p:sldLayoutId id="2147483658" r:id="rId12"/>
     <p:sldLayoutId id="2147483659" r:id="rId13"/>
     <p:sldLayoutId id="2147483660" r:id="rId14"/>
+  </p:sldLayoutIdLst>
+</p:sldMaster>
+</file>
+
+<file path=ppt/slideMasters/slideMaster2.xml><?xml version="1.0" encoding="utf-8"?>
+<p:sldMaster xmlns:a="http://schemas.openxmlformats.org/drawingml/2006/main" xmlns:p="http://schemas.openxmlformats.org/presentationml/2006/main" xmlns:r="http://schemas.openxmlformats.org/officeDocument/2006/relationships" xmlns:p14="http://schemas.microsoft.com/office/powerpoint/2010/main" xmlns:p15="http://schemas.microsoft.com/office/powerpoint/2012/main" xmlns:mc="http://schemas.openxmlformats.org/markup-compatibility/2006">
+  <p:cSld>
+    <p:spTree>
+      <p:nvGrpSpPr>
+        <p:cNvPr id="1" name=""/>
+        <p:cNvGrpSpPr/>
+        <p:nvPr/>
+      </p:nvGrpSpPr>
+      <p:grpSpPr>
+        <a:xfrm>
+          <a:off x="0" y="0"/>
+          <a:ext cx="0" cy="0"/>
+          <a:chOff x="0" y="0"/>
+          <a:chExt cx="0" cy="0"/>
+        </a:xfrm>
+      </p:grpSpPr>
+      <p:pic>
+        <p:nvPicPr>
+          <p:cNvPr id="39" name="" descr=""/>
+          <p:cNvPicPr/>
+          <p:nvPr/>
+        </p:nvPicPr>
+        <p:blipFill>
+          <a:blip r:embed="rId2"/>
+          <a:stretch/>
+        </p:blipFill>
+        <p:spPr>
+          <a:xfrm>
+            <a:off x="720" y="720"/>
+            <a:ext cx="10079280" cy="7559280"/>
+          </a:xfrm>
+          <a:prstGeom prst="rect">
+            <a:avLst/>
+          </a:prstGeom>
+          <a:ln>
+            <a:noFill/>
+          </a:ln>
+        </p:spPr>
+      </p:pic>
+      <p:sp>
+        <p:nvSpPr>
+          <p:cNvPr id="40" name="PlaceHolder 1"/>
+          <p:cNvSpPr>
+            <a:spLocks noGrp="1"/>
+          </p:cNvSpPr>
+          <p:nvPr>
+            <p:ph type="title"/>
+          </p:nvPr>
+        </p:nvSpPr>
+        <p:spPr>
+          <a:xfrm>
+            <a:off x="504000" y="304920"/>
+            <a:ext cx="7199640" cy="1262160"/>
+          </a:xfrm>
+          <a:prstGeom prst="rect">
+            <a:avLst/>
+          </a:prstGeom>
+        </p:spPr>
+        <p:txBody>
+          <a:bodyPr lIns="0" rIns="0" tIns="0" bIns="0" anchor="ctr">
+            <a:spAutoFit/>
+          </a:bodyPr>
+          <a:p>
+            <a:r>
+              <a:rPr b="0" lang="en-US" sz="1800" spc="-1" strike="noStrike">
+                <a:latin typeface="Arial"/>
+              </a:rPr>
+              <a:t>Click to edit the title text format</a:t>
+            </a:r>
+            <a:endParaRPr b="0" lang="en-US" sz="1800" spc="-1" strike="noStrike">
+              <a:latin typeface="Arial"/>
+            </a:endParaRPr>
+          </a:p>
+        </p:txBody>
+      </p:sp>
+      <p:sp>
+        <p:nvSpPr>
+          <p:cNvPr id="41" name="PlaceHolder 2"/>
+          <p:cNvSpPr>
+            <a:spLocks noGrp="1"/>
+          </p:cNvSpPr>
+          <p:nvPr>
+            <p:ph type="body"/>
+          </p:nvPr>
+        </p:nvSpPr>
+        <p:spPr>
+          <a:xfrm>
+            <a:off x="504000" y="1800000"/>
+            <a:ext cx="9071640" cy="4384080"/>
+          </a:xfrm>
+          <a:prstGeom prst="rect">
+            <a:avLst/>
+          </a:prstGeom>
+        </p:spPr>
+        <p:txBody>
+          <a:bodyPr lIns="0" rIns="0" tIns="0" bIns="0">
+            <a:normAutofit/>
+          </a:bodyPr>
+          <a:p>
+            <a:pPr marL="432000" indent="-324000">
+              <a:spcBef>
+                <a:spcPts val="1417"/>
+              </a:spcBef>
+              <a:buClr>
+                <a:srgbClr val="000000"/>
+              </a:buClr>
+              <a:buSzPct val="45000"/>
+              <a:buFont typeface="Wingdings" charset="2"/>
+              <a:buChar char=""/>
+            </a:pPr>
+            <a:r>
+              <a:rPr b="0" lang="en-US" sz="1800" spc="-1" strike="noStrike">
+                <a:latin typeface="Arial"/>
+              </a:rPr>
+              <a:t>Click to edit the outline text format</a:t>
+            </a:r>
+            <a:endParaRPr b="0" lang="en-US" sz="1800" spc="-1" strike="noStrike">
+              <a:latin typeface="Arial"/>
+            </a:endParaRPr>
+          </a:p>
+          <a:p>
+            <a:pPr lvl="1" marL="864000" indent="-324000">
+              <a:spcBef>
+                <a:spcPts val="1134"/>
+              </a:spcBef>
+              <a:buClr>
+                <a:srgbClr val="000000"/>
+              </a:buClr>
+              <a:buSzPct val="75000"/>
+              <a:buFont typeface="Symbol" charset="2"/>
+              <a:buChar char=""/>
+            </a:pPr>
+            <a:r>
+              <a:rPr b="0" lang="en-US" sz="1800" spc="-1" strike="noStrike">
+                <a:latin typeface="Arial"/>
+              </a:rPr>
+              <a:t>Second Outline Level</a:t>
+            </a:r>
+            <a:endParaRPr b="0" lang="en-US" sz="1800" spc="-1" strike="noStrike">
+              <a:latin typeface="Arial"/>
+            </a:endParaRPr>
+          </a:p>
+          <a:p>
+            <a:pPr lvl="2" marL="1296000" indent="-288000">
+              <a:spcBef>
+                <a:spcPts val="850"/>
+              </a:spcBef>
+              <a:buClr>
+                <a:srgbClr val="000000"/>
+              </a:buClr>
+              <a:buSzPct val="45000"/>
+              <a:buFont typeface="Wingdings" charset="2"/>
+              <a:buChar char=""/>
+            </a:pPr>
+            <a:r>
+              <a:rPr b="0" lang="en-US" sz="1800" spc="-1" strike="noStrike">
+                <a:latin typeface="Arial"/>
+              </a:rPr>
+              <a:t>Third Outline Level</a:t>
+            </a:r>
+            <a:endParaRPr b="0" lang="en-US" sz="1800" spc="-1" strike="noStrike">
+              <a:latin typeface="Arial"/>
+            </a:endParaRPr>
+          </a:p>
+          <a:p>
+            <a:pPr lvl="3" marL="1728000" indent="-216000">
+              <a:spcBef>
+                <a:spcPts val="567"/>
+              </a:spcBef>
+              <a:buClr>
+                <a:srgbClr val="000000"/>
+              </a:buClr>
+              <a:buSzPct val="75000"/>
+              <a:buFont typeface="Symbol" charset="2"/>
+              <a:buChar char=""/>
+            </a:pPr>
+            <a:r>
+              <a:rPr b="0" lang="en-US" sz="1800" spc="-1" strike="noStrike">
+                <a:latin typeface="Arial"/>
+              </a:rPr>
+              <a:t>Fourth Outline Level</a:t>
+            </a:r>
+            <a:endParaRPr b="0" lang="en-US" sz="1800" spc="-1" strike="noStrike">
+              <a:latin typeface="Arial"/>
+            </a:endParaRPr>
+          </a:p>
+          <a:p>
+            <a:pPr lvl="4" marL="2160000" indent="-216000">
+              <a:spcBef>
+                <a:spcPts val="283"/>
+              </a:spcBef>
+              <a:buClr>
+                <a:srgbClr val="000000"/>
+              </a:buClr>
+              <a:buSzPct val="45000"/>
+              <a:buFont typeface="Wingdings" charset="2"/>
+              <a:buChar char=""/>
+            </a:pPr>
+            <a:r>
+              <a:rPr b="0" lang="en-US" sz="1800" spc="-1" strike="noStrike">
+                <a:latin typeface="Arial"/>
+              </a:rPr>
+              <a:t>Fifth Outline Level</a:t>
+            </a:r>
+            <a:endParaRPr b="0" lang="en-US" sz="1800" spc="-1" strike="noStrike">
+              <a:latin typeface="Arial"/>
+            </a:endParaRPr>
+          </a:p>
+          <a:p>
+            <a:pPr lvl="5" marL="2592000" indent="-216000">
+              <a:spcBef>
+                <a:spcPts val="283"/>
+              </a:spcBef>
+              <a:buClr>
+                <a:srgbClr val="000000"/>
+              </a:buClr>
+              <a:buSzPct val="45000"/>
+              <a:buFont typeface="Wingdings" charset="2"/>
+              <a:buChar char=""/>
+            </a:pPr>
+            <a:r>
+              <a:rPr b="0" lang="en-US" sz="1800" spc="-1" strike="noStrike">
+                <a:latin typeface="Arial"/>
+              </a:rPr>
+              <a:t>Sixth Outline Level</a:t>
+            </a:r>
+            <a:endParaRPr b="0" lang="en-US" sz="1800" spc="-1" strike="noStrike">
+              <a:latin typeface="Arial"/>
+            </a:endParaRPr>
+          </a:p>
+          <a:p>
+            <a:pPr lvl="6" marL="3024000" indent="-216000">
+              <a:spcBef>
+                <a:spcPts val="283"/>
+              </a:spcBef>
+              <a:buClr>
+                <a:srgbClr val="000000"/>
+              </a:buClr>
+              <a:buSzPct val="45000"/>
+              <a:buFont typeface="Wingdings" charset="2"/>
+              <a:buChar char=""/>
+            </a:pPr>
+            <a:r>
+              <a:rPr b="0" lang="en-US" sz="1800" spc="-1" strike="noStrike">
+                <a:latin typeface="Arial"/>
+              </a:rPr>
+              <a:t>Seventh Outline Level</a:t>
+            </a:r>
+            <a:endParaRPr b="0" lang="en-US" sz="1800" spc="-1" strike="noStrike">
+              <a:latin typeface="Arial"/>
+            </a:endParaRPr>
+          </a:p>
+        </p:txBody>
+      </p:sp>
+    </p:spTree>
+  </p:cSld>
+  <p:clrMap bg1="lt1" bg2="lt2" tx1="dk1" tx2="dk2" accent1="accent1" accent2="accent2" accent3="accent3" accent4="accent4" accent5="accent5" accent6="accent6" hlink="hlink" folHlink="folHlink"/>
+  <p:sldLayoutIdLst>
+    <p:sldLayoutId id="2147483662" r:id="rId3"/>
+    <p:sldLayoutId id="2147483663" r:id="rId4"/>
+    <p:sldLayoutId id="2147483664" r:id="rId5"/>
+    <p:sldLayoutId id="2147483665" r:id="rId6"/>
+    <p:sldLayoutId id="2147483666" r:id="rId7"/>
+    <p:sldLayoutId id="2147483667" r:id="rId8"/>
+    <p:sldLayoutId id="2147483668" r:id="rId9"/>
+    <p:sldLayoutId id="2147483669" r:id="rId10"/>
+    <p:sldLayoutId id="2147483670" r:id="rId11"/>
+    <p:sldLayoutId id="2147483671" r:id="rId12"/>
+    <p:sldLayoutId id="2147483672" r:id="rId13"/>
+    <p:sldLayoutId id="2147483673" r:id="rId14"/>
   </p:sldLayoutIdLst>
 </p:sldMaster>
 </file>
@@ -1765,14 +3299,14 @@
       </p:grpSpPr>
       <p:sp>
         <p:nvSpPr>
-          <p:cNvPr id="42" name="TextShape 1"/>
-          <p:cNvSpPr txBox="1"/>
+          <p:cNvPr id="78" name="CustomShape 1"/>
+          <p:cNvSpPr/>
           <p:nvPr/>
         </p:nvSpPr>
         <p:spPr>
           <a:xfrm>
             <a:off x="504000" y="576000"/>
-            <a:ext cx="7200000" cy="720000"/>
+            <a:ext cx="7199640" cy="719640"/>
           </a:xfrm>
           <a:prstGeom prst="rect">
             <a:avLst/>
@@ -1782,27 +3316,23 @@
             <a:noFill/>
           </a:ln>
         </p:spPr>
-        <p:txBody>
-          <a:bodyPr lIns="0" rIns="0" tIns="0" bIns="0" anchor="ctr">
-            <a:spAutoFit/>
-          </a:bodyPr>
-          <a:p>
-            <a:endParaRPr b="0" lang="en-US" sz="3600" spc="-1" strike="noStrike">
-              <a:latin typeface="Arial"/>
-            </a:endParaRPr>
-          </a:p>
-        </p:txBody>
-      </p:sp>
-      <p:sp>
-        <p:nvSpPr>
-          <p:cNvPr id="43" name="TextShape 2"/>
-          <p:cNvSpPr txBox="1"/>
+        <p:style>
+          <a:lnRef idx="0"/>
+          <a:fillRef idx="0"/>
+          <a:effectRef idx="0"/>
+          <a:fontRef idx="minor"/>
+        </p:style>
+      </p:sp>
+      <p:sp>
+        <p:nvSpPr>
+          <p:cNvPr id="79" name="CustomShape 2"/>
+          <p:cNvSpPr/>
           <p:nvPr/>
         </p:nvSpPr>
         <p:spPr>
           <a:xfrm>
-            <a:off x="504000" y="1800000"/>
-            <a:ext cx="9072000" cy="4384440"/>
+            <a:off x="504000" y="3747960"/>
+            <a:ext cx="9071640" cy="488160"/>
           </a:xfrm>
           <a:prstGeom prst="rect">
             <a:avLst/>
@@ -1812,17 +3342,27 @@
             <a:noFill/>
           </a:ln>
         </p:spPr>
+        <p:style>
+          <a:lnRef idx="0"/>
+          <a:fillRef idx="0"/>
+          <a:effectRef idx="0"/>
+          <a:fontRef idx="minor"/>
+        </p:style>
         <p:txBody>
           <a:bodyPr lIns="0" rIns="0" tIns="0" bIns="0" anchor="ctr">
             <a:spAutoFit/>
           </a:bodyPr>
           <a:p>
-            <a:pPr algn="ctr"/>
+            <a:pPr algn="ctr">
+              <a:lnSpc>
+                <a:spcPct val="100000"/>
+              </a:lnSpc>
+            </a:pPr>
             <a:r>
               <a:rPr b="0" lang="en-US" sz="3200" spc="-1" strike="noStrike">
                 <a:latin typeface="Arial"/>
               </a:rPr>
-              <a:t>Databased Application with Entity Framework</a:t>
+              <a:t>C# Application with Entity Framework</a:t>
             </a:r>
             <a:endParaRPr b="0" lang="en-US" sz="3200" spc="-1" strike="noStrike">
               <a:latin typeface="Arial"/>
@@ -1862,14 +3402,14 @@
       </p:grpSpPr>
       <p:sp>
         <p:nvSpPr>
-          <p:cNvPr id="44" name="TextShape 1"/>
-          <p:cNvSpPr txBox="1"/>
+          <p:cNvPr id="80" name="CustomShape 1"/>
+          <p:cNvSpPr/>
           <p:nvPr/>
         </p:nvSpPr>
         <p:spPr>
           <a:xfrm>
             <a:off x="504000" y="576000"/>
-            <a:ext cx="7200000" cy="720000"/>
+            <a:ext cx="7199640" cy="719640"/>
           </a:xfrm>
           <a:prstGeom prst="rect">
             <a:avLst/>
@@ -1879,27 +3419,23 @@
             <a:noFill/>
           </a:ln>
         </p:spPr>
-        <p:txBody>
-          <a:bodyPr lIns="0" rIns="0" tIns="0" bIns="0" anchor="ctr">
-            <a:spAutoFit/>
-          </a:bodyPr>
-          <a:p>
-            <a:endParaRPr b="0" lang="en-US" sz="3600" spc="-1" strike="noStrike">
-              <a:latin typeface="Arial"/>
-            </a:endParaRPr>
-          </a:p>
-        </p:txBody>
-      </p:sp>
-      <p:sp>
-        <p:nvSpPr>
-          <p:cNvPr id="45" name="TextShape 2"/>
-          <p:cNvSpPr txBox="1"/>
+        <p:style>
+          <a:lnRef idx="0"/>
+          <a:fillRef idx="0"/>
+          <a:effectRef idx="0"/>
+          <a:fontRef idx="minor"/>
+        </p:style>
+      </p:sp>
+      <p:sp>
+        <p:nvSpPr>
+          <p:cNvPr id="81" name="CustomShape 2"/>
+          <p:cNvSpPr/>
           <p:nvPr/>
         </p:nvSpPr>
         <p:spPr>
           <a:xfrm>
             <a:off x="504000" y="1800000"/>
-            <a:ext cx="9072000" cy="4384440"/>
+            <a:ext cx="9071640" cy="4384080"/>
           </a:xfrm>
           <a:prstGeom prst="rect">
             <a:avLst/>
@@ -1909,12 +3445,21 @@
             <a:noFill/>
           </a:ln>
         </p:spPr>
-        <p:txBody>
-          <a:bodyPr lIns="0" rIns="0" tIns="0" bIns="0">
-            <a:normAutofit/>
-          </a:bodyPr>
-          <a:p>
-            <a:pPr marL="432000" indent="-324000">
+        <p:style>
+          <a:lnRef idx="0"/>
+          <a:fillRef idx="0"/>
+          <a:effectRef idx="0"/>
+          <a:fontRef idx="minor"/>
+        </p:style>
+        <p:txBody>
+          <a:bodyPr lIns="0" rIns="0" tIns="0" bIns="0">
+            <a:normAutofit/>
+          </a:bodyPr>
+          <a:p>
+            <a:pPr marL="432000" indent="-323640">
+              <a:lnSpc>
+                <a:spcPct val="100000"/>
+              </a:lnSpc>
               <a:spcAft>
                 <a:spcPts val="1417"/>
               </a:spcAft>
@@ -1936,7 +3481,10 @@
             </a:endParaRPr>
           </a:p>
           <a:p>
-            <a:pPr marL="432000" indent="-324000">
+            <a:pPr marL="432000" indent="-323640">
+              <a:lnSpc>
+                <a:spcPct val="100000"/>
+              </a:lnSpc>
               <a:spcAft>
                 <a:spcPts val="1417"/>
               </a:spcAft>
@@ -1958,7 +3506,10 @@
             </a:endParaRPr>
           </a:p>
           <a:p>
-            <a:pPr marL="432000" indent="-324000">
+            <a:pPr marL="432000" indent="-323640">
+              <a:lnSpc>
+                <a:spcPct val="100000"/>
+              </a:lnSpc>
               <a:spcAft>
                 <a:spcPts val="1417"/>
               </a:spcAft>
@@ -1980,7 +3531,10 @@
             </a:endParaRPr>
           </a:p>
           <a:p>
-            <a:pPr marL="432000" indent="-324000">
+            <a:pPr marL="432000" indent="-323640">
+              <a:lnSpc>
+                <a:spcPct val="100000"/>
+              </a:lnSpc>
               <a:spcAft>
                 <a:spcPts val="1417"/>
               </a:spcAft>
@@ -2035,14 +3589,14 @@
       </p:grpSpPr>
       <p:sp>
         <p:nvSpPr>
-          <p:cNvPr id="46" name="TextShape 1"/>
-          <p:cNvSpPr txBox="1"/>
+          <p:cNvPr id="82" name="CustomShape 1"/>
+          <p:cNvSpPr/>
           <p:nvPr/>
         </p:nvSpPr>
         <p:spPr>
           <a:xfrm>
             <a:off x="504000" y="576000"/>
-            <a:ext cx="7200000" cy="720000"/>
+            <a:ext cx="7199640" cy="719640"/>
           </a:xfrm>
           <a:prstGeom prst="rect">
             <a:avLst/>
@@ -2052,27 +3606,23 @@
             <a:noFill/>
           </a:ln>
         </p:spPr>
-        <p:txBody>
-          <a:bodyPr lIns="0" rIns="0" tIns="0" bIns="0" anchor="ctr">
-            <a:spAutoFit/>
-          </a:bodyPr>
-          <a:p>
-            <a:endParaRPr b="0" lang="en-US" sz="3600" spc="-1" strike="noStrike">
-              <a:latin typeface="Arial"/>
-            </a:endParaRPr>
-          </a:p>
-        </p:txBody>
-      </p:sp>
-      <p:sp>
-        <p:nvSpPr>
-          <p:cNvPr id="47" name="TextShape 2"/>
-          <p:cNvSpPr txBox="1"/>
+        <p:style>
+          <a:lnRef idx="0"/>
+          <a:fillRef idx="0"/>
+          <a:effectRef idx="0"/>
+          <a:fontRef idx="minor"/>
+        </p:style>
+      </p:sp>
+      <p:sp>
+        <p:nvSpPr>
+          <p:cNvPr id="83" name="CustomShape 2"/>
+          <p:cNvSpPr/>
           <p:nvPr/>
         </p:nvSpPr>
         <p:spPr>
           <a:xfrm>
             <a:off x="504000" y="1800000"/>
-            <a:ext cx="9072000" cy="4384440"/>
+            <a:ext cx="9071640" cy="4384080"/>
           </a:xfrm>
           <a:prstGeom prst="rect">
             <a:avLst/>
@@ -2082,12 +3632,21 @@
             <a:noFill/>
           </a:ln>
         </p:spPr>
+        <p:style>
+          <a:lnRef idx="0"/>
+          <a:fillRef idx="0"/>
+          <a:effectRef idx="0"/>
+          <a:fontRef idx="minor"/>
+        </p:style>
         <p:txBody>
           <a:bodyPr lIns="0" rIns="0" tIns="0" bIns="0">
             <a:normAutofit fontScale="86000"/>
           </a:bodyPr>
           <a:p>
-            <a:pPr marL="432000" indent="-324000">
+            <a:pPr marL="432000" indent="-323640">
+              <a:lnSpc>
+                <a:spcPct val="100000"/>
+              </a:lnSpc>
               <a:spcAft>
                 <a:spcPts val="1417"/>
               </a:spcAft>
@@ -2109,7 +3668,10 @@
             </a:endParaRPr>
           </a:p>
           <a:p>
-            <a:pPr marL="432000" indent="-324000">
+            <a:pPr marL="432000" indent="-323640">
+              <a:lnSpc>
+                <a:spcPct val="100000"/>
+              </a:lnSpc>
               <a:spcAft>
                 <a:spcPts val="1417"/>
               </a:spcAft>
@@ -2131,7 +3693,10 @@
             </a:endParaRPr>
           </a:p>
           <a:p>
-            <a:pPr marL="432000" indent="-324000">
+            <a:pPr marL="432000" indent="-323640">
+              <a:lnSpc>
+                <a:spcPct val="100000"/>
+              </a:lnSpc>
               <a:spcAft>
                 <a:spcPts val="1417"/>
               </a:spcAft>
@@ -2153,7 +3718,10 @@
             </a:endParaRPr>
           </a:p>
           <a:p>
-            <a:pPr marL="432000" indent="-324000">
+            <a:pPr marL="432000" indent="-323640">
+              <a:lnSpc>
+                <a:spcPct val="100000"/>
+              </a:lnSpc>
               <a:spcAft>
                 <a:spcPts val="1417"/>
               </a:spcAft>
@@ -2175,7 +3743,10 @@
             </a:endParaRPr>
           </a:p>
           <a:p>
-            <a:pPr marL="432000" indent="-324000">
+            <a:pPr marL="432000" indent="-323640">
+              <a:lnSpc>
+                <a:spcPct val="100000"/>
+              </a:lnSpc>
               <a:spcAft>
                 <a:spcPts val="1417"/>
               </a:spcAft>
@@ -2230,14 +3801,14 @@
       </p:grpSpPr>
       <p:sp>
         <p:nvSpPr>
-          <p:cNvPr id="48" name="TextShape 1"/>
-          <p:cNvSpPr txBox="1"/>
+          <p:cNvPr id="84" name="CustomShape 1"/>
+          <p:cNvSpPr/>
           <p:nvPr/>
         </p:nvSpPr>
         <p:spPr>
           <a:xfrm>
             <a:off x="504000" y="576000"/>
-            <a:ext cx="7200000" cy="720000"/>
+            <a:ext cx="7199640" cy="719640"/>
           </a:xfrm>
           <a:prstGeom prst="rect">
             <a:avLst/>
@@ -2247,27 +3818,23 @@
             <a:noFill/>
           </a:ln>
         </p:spPr>
-        <p:txBody>
-          <a:bodyPr lIns="0" rIns="0" tIns="0" bIns="0" anchor="ctr">
-            <a:spAutoFit/>
-          </a:bodyPr>
-          <a:p>
-            <a:endParaRPr b="0" lang="en-US" sz="3600" spc="-1" strike="noStrike">
-              <a:latin typeface="Arial"/>
-            </a:endParaRPr>
-          </a:p>
-        </p:txBody>
-      </p:sp>
-      <p:sp>
-        <p:nvSpPr>
-          <p:cNvPr id="49" name="TextShape 2"/>
-          <p:cNvSpPr txBox="1"/>
+        <p:style>
+          <a:lnRef idx="0"/>
+          <a:fillRef idx="0"/>
+          <a:effectRef idx="0"/>
+          <a:fontRef idx="minor"/>
+        </p:style>
+      </p:sp>
+      <p:sp>
+        <p:nvSpPr>
+          <p:cNvPr id="85" name="CustomShape 2"/>
+          <p:cNvSpPr/>
           <p:nvPr/>
         </p:nvSpPr>
         <p:spPr>
           <a:xfrm>
             <a:off x="504000" y="1800000"/>
-            <a:ext cx="9072000" cy="4384440"/>
+            <a:ext cx="9071640" cy="4384080"/>
           </a:xfrm>
           <a:prstGeom prst="rect">
             <a:avLst/>
@@ -2277,12 +3844,21 @@
             <a:noFill/>
           </a:ln>
         </p:spPr>
-        <p:txBody>
-          <a:bodyPr lIns="0" rIns="0" tIns="0" bIns="0">
-            <a:normAutofit/>
-          </a:bodyPr>
-          <a:p>
-            <a:pPr marL="432000" indent="-324000">
+        <p:style>
+          <a:lnRef idx="0"/>
+          <a:fillRef idx="0"/>
+          <a:effectRef idx="0"/>
+          <a:fontRef idx="minor"/>
+        </p:style>
+        <p:txBody>
+          <a:bodyPr lIns="0" rIns="0" tIns="0" bIns="0">
+            <a:normAutofit/>
+          </a:bodyPr>
+          <a:p>
+            <a:pPr marL="432000" indent="-323640">
+              <a:lnSpc>
+                <a:spcPct val="100000"/>
+              </a:lnSpc>
               <a:spcAft>
                 <a:spcPts val="1417"/>
               </a:spcAft>
@@ -2304,7 +3880,10 @@
             </a:endParaRPr>
           </a:p>
           <a:p>
-            <a:pPr marL="432000" indent="-324000">
+            <a:pPr marL="432000" indent="-323640">
+              <a:lnSpc>
+                <a:spcPct val="100000"/>
+              </a:lnSpc>
               <a:spcAft>
                 <a:spcPts val="1417"/>
               </a:spcAft>
@@ -2326,7 +3905,10 @@
             </a:endParaRPr>
           </a:p>
           <a:p>
-            <a:pPr marL="432000" indent="-324000">
+            <a:pPr marL="432000" indent="-323640">
+              <a:lnSpc>
+                <a:spcPct val="100000"/>
+              </a:lnSpc>
               <a:spcAft>
                 <a:spcPts val="1417"/>
               </a:spcAft>
@@ -2348,7 +3930,10 @@
             </a:endParaRPr>
           </a:p>
           <a:p>
-            <a:pPr marL="432000" indent="-324000">
+            <a:pPr marL="432000" indent="-323640">
+              <a:lnSpc>
+                <a:spcPct val="100000"/>
+              </a:lnSpc>
               <a:spcAft>
                 <a:spcPts val="1417"/>
               </a:spcAft>
@@ -2370,7 +3955,10 @@
             </a:endParaRPr>
           </a:p>
           <a:p>
-            <a:pPr marL="432000" indent="-324000">
+            <a:pPr marL="432000" indent="-323640">
+              <a:lnSpc>
+                <a:spcPct val="100000"/>
+              </a:lnSpc>
               <a:spcAft>
                 <a:spcPts val="1417"/>
               </a:spcAft>
@@ -2388,6 +3976,318 @@
               <a:t>Base Model: Id, CreatedBy, CreatedDate,UpdatedBy, UpdatedDate.</a:t>
             </a:r>
             <a:endParaRPr b="0" lang="en-US" sz="2600" spc="-1" strike="noStrike">
+              <a:latin typeface="Arial"/>
+            </a:endParaRPr>
+          </a:p>
+        </p:txBody>
+      </p:sp>
+    </p:spTree>
+  </p:cSld>
+  <mc:AlternateContent>
+    <mc:Choice Requires="p14">
+      <p:transition spd="slow" p14:dur="2000"/>
+    </mc:Choice>
+    <mc:Fallback>
+      <p:transition spd="slow"/>
+    </mc:Fallback>
+  </mc:AlternateContent>
+</p:sld>
+</file>
+
+<file path=ppt/slides/slide5.xml><?xml version="1.0" encoding="utf-8"?>
+<p:sld xmlns:a="http://schemas.openxmlformats.org/drawingml/2006/main" xmlns:p="http://schemas.openxmlformats.org/presentationml/2006/main" xmlns:r="http://schemas.openxmlformats.org/officeDocument/2006/relationships" xmlns:p14="http://schemas.microsoft.com/office/powerpoint/2010/main" xmlns:p15="http://schemas.microsoft.com/office/powerpoint/2012/main" xmlns:mc="http://schemas.openxmlformats.org/markup-compatibility/2006">
+  <p:cSld>
+    <p:spTree>
+      <p:nvGrpSpPr>
+        <p:cNvPr id="1" name=""/>
+        <p:cNvGrpSpPr/>
+        <p:nvPr/>
+      </p:nvGrpSpPr>
+      <p:grpSpPr>
+        <a:xfrm>
+          <a:off x="0" y="0"/>
+          <a:ext cx="0" cy="0"/>
+          <a:chOff x="0" y="0"/>
+          <a:chExt cx="0" cy="0"/>
+        </a:xfrm>
+      </p:grpSpPr>
+      <p:sp>
+        <p:nvSpPr>
+          <p:cNvPr id="86" name="TextShape 1"/>
+          <p:cNvSpPr txBox="1"/>
+          <p:nvPr/>
+        </p:nvSpPr>
+        <p:spPr>
+          <a:xfrm>
+            <a:off x="504000" y="304920"/>
+            <a:ext cx="7199640" cy="1262160"/>
+          </a:xfrm>
+          <a:prstGeom prst="rect">
+            <a:avLst/>
+          </a:prstGeom>
+          <a:noFill/>
+          <a:ln>
+            <a:noFill/>
+          </a:ln>
+        </p:spPr>
+        <p:txBody>
+          <a:bodyPr lIns="0" rIns="0" tIns="0" bIns="0" anchor="ctr">
+            <a:spAutoFit/>
+          </a:bodyPr>
+          <a:p>
+            <a:pPr algn="ctr"/>
+            <a:endParaRPr b="0" lang="en-US" sz="4400" spc="-1" strike="noStrike">
+              <a:latin typeface="Arial"/>
+            </a:endParaRPr>
+          </a:p>
+        </p:txBody>
+      </p:sp>
+      <p:sp>
+        <p:nvSpPr>
+          <p:cNvPr id="87" name="TextShape 2"/>
+          <p:cNvSpPr txBox="1"/>
+          <p:nvPr/>
+        </p:nvSpPr>
+        <p:spPr>
+          <a:xfrm>
+            <a:off x="548640" y="2194560"/>
+            <a:ext cx="8869680" cy="3657600"/>
+          </a:xfrm>
+          <a:prstGeom prst="rect">
+            <a:avLst/>
+          </a:prstGeom>
+          <a:noFill/>
+          <a:ln>
+            <a:noFill/>
+          </a:ln>
+        </p:spPr>
+        <p:txBody>
+          <a:bodyPr lIns="90000" rIns="90000" tIns="45000" bIns="45000">
+            <a:spAutoFit/>
+          </a:bodyPr>
+          <a:p>
+            <a:r>
+              <a:rPr b="0" lang="en-US" sz="1800" spc="-1" strike="noStrike">
+                <a:latin typeface="Arial"/>
+              </a:rPr>
+              <a:t>Creating a folder named “Model” for the above mentioned 4 classes.</a:t>
+            </a:r>
+            <a:endParaRPr b="0" lang="en-US" sz="1800" spc="-1" strike="noStrike">
+              <a:latin typeface="Arial"/>
+            </a:endParaRPr>
+          </a:p>
+          <a:p>
+            <a:endParaRPr b="0" lang="en-US" sz="1800" spc="-1" strike="noStrike">
+              <a:latin typeface="Arial"/>
+            </a:endParaRPr>
+          </a:p>
+          <a:p>
+            <a:r>
+              <a:rPr b="0" lang="en-US" sz="1800" spc="-1" strike="noStrike">
+                <a:latin typeface="Arial"/>
+              </a:rPr>
+              <a:t>Apply the base model to all other models, so that all models will now have everything that is in base model. </a:t>
+            </a:r>
+            <a:endParaRPr b="0" lang="en-US" sz="1800" spc="-1" strike="noStrike">
+              <a:latin typeface="Arial"/>
+            </a:endParaRPr>
+          </a:p>
+          <a:p>
+            <a:endParaRPr b="0" lang="en-US" sz="1800" spc="-1" strike="noStrike">
+              <a:latin typeface="Arial"/>
+            </a:endParaRPr>
+          </a:p>
+          <a:p>
+            <a:r>
+              <a:rPr b="0" lang="en-US" sz="1800" spc="-1" strike="noStrike">
+                <a:latin typeface="Arial"/>
+              </a:rPr>
+              <a:t>Create interface, with ‘book Active’ in it.</a:t>
+            </a:r>
+            <a:endParaRPr b="0" lang="en-US" sz="1800" spc="-1" strike="noStrike">
+              <a:latin typeface="Arial"/>
+            </a:endParaRPr>
+          </a:p>
+          <a:p>
+            <a:r>
+              <a:rPr b="0" lang="en-US" sz="1800" spc="-1" strike="noStrike">
+                <a:latin typeface="Arial"/>
+              </a:rPr>
+              <a:t>-If true, item is active.</a:t>
+            </a:r>
+            <a:endParaRPr b="0" lang="en-US" sz="1800" spc="-1" strike="noStrike">
+              <a:latin typeface="Arial"/>
+            </a:endParaRPr>
+          </a:p>
+          <a:p>
+            <a:r>
+              <a:rPr b="0" lang="en-US" sz="1800" spc="-1" strike="noStrike">
+                <a:latin typeface="Arial"/>
+              </a:rPr>
+              <a:t>-Else, it is inactive.</a:t>
+            </a:r>
+            <a:endParaRPr b="0" lang="en-US" sz="1800" spc="-1" strike="noStrike">
+              <a:latin typeface="Arial"/>
+            </a:endParaRPr>
+          </a:p>
+          <a:p>
+            <a:endParaRPr b="0" lang="en-US" sz="1800" spc="-1" strike="noStrike">
+              <a:latin typeface="Arial"/>
+            </a:endParaRPr>
+          </a:p>
+          <a:p>
+            <a:r>
+              <a:rPr b="0" lang="en-US" sz="1800" spc="-1" strike="noStrike">
+                <a:latin typeface="Arial"/>
+              </a:rPr>
+              <a:t>SalesPerson and SalesRegion has to be active.</a:t>
+            </a:r>
+            <a:endParaRPr b="0" lang="en-US" sz="1800" spc="-1" strike="noStrike">
+              <a:latin typeface="Arial"/>
+            </a:endParaRPr>
+          </a:p>
+        </p:txBody>
+      </p:sp>
+    </p:spTree>
+  </p:cSld>
+  <mc:AlternateContent>
+    <mc:Choice Requires="p14">
+      <p:transition spd="slow" p14:dur="2000"/>
+    </mc:Choice>
+    <mc:Fallback>
+      <p:transition spd="slow"/>
+    </mc:Fallback>
+  </mc:AlternateContent>
+</p:sld>
+</file>
+
+<file path=ppt/slides/slide6.xml><?xml version="1.0" encoding="utf-8"?>
+<p:sld xmlns:a="http://schemas.openxmlformats.org/drawingml/2006/main" xmlns:p="http://schemas.openxmlformats.org/presentationml/2006/main" xmlns:r="http://schemas.openxmlformats.org/officeDocument/2006/relationships" xmlns:p14="http://schemas.microsoft.com/office/powerpoint/2010/main" xmlns:p15="http://schemas.microsoft.com/office/powerpoint/2012/main" xmlns:mc="http://schemas.openxmlformats.org/markup-compatibility/2006">
+  <p:cSld>
+    <p:spTree>
+      <p:nvGrpSpPr>
+        <p:cNvPr id="1" name=""/>
+        <p:cNvGrpSpPr/>
+        <p:nvPr/>
+      </p:nvGrpSpPr>
+      <p:grpSpPr>
+        <a:xfrm>
+          <a:off x="0" y="0"/>
+          <a:ext cx="0" cy="0"/>
+          <a:chOff x="0" y="0"/>
+          <a:chExt cx="0" cy="0"/>
+        </a:xfrm>
+      </p:grpSpPr>
+      <p:sp>
+        <p:nvSpPr>
+          <p:cNvPr id="88" name="TextShape 1"/>
+          <p:cNvSpPr txBox="1"/>
+          <p:nvPr/>
+        </p:nvSpPr>
+        <p:spPr>
+          <a:xfrm>
+            <a:off x="504000" y="304920"/>
+            <a:ext cx="7199640" cy="1262160"/>
+          </a:xfrm>
+          <a:prstGeom prst="rect">
+            <a:avLst/>
+          </a:prstGeom>
+          <a:noFill/>
+          <a:ln>
+            <a:noFill/>
+          </a:ln>
+        </p:spPr>
+        <p:txBody>
+          <a:bodyPr lIns="0" rIns="0" tIns="0" bIns="0" anchor="ctr">
+            <a:spAutoFit/>
+          </a:bodyPr>
+          <a:p>
+            <a:pPr algn="ctr"/>
+            <a:endParaRPr b="0" lang="en-US" sz="4400" spc="-1" strike="noStrike">
+              <a:latin typeface="Arial"/>
+            </a:endParaRPr>
+          </a:p>
+        </p:txBody>
+      </p:sp>
+      <p:sp>
+        <p:nvSpPr>
+          <p:cNvPr id="89" name="TextShape 2"/>
+          <p:cNvSpPr txBox="1"/>
+          <p:nvPr/>
+        </p:nvSpPr>
+        <p:spPr>
+          <a:xfrm>
+            <a:off x="548640" y="1828800"/>
+            <a:ext cx="8961120" cy="1882080"/>
+          </a:xfrm>
+          <a:prstGeom prst="rect">
+            <a:avLst/>
+          </a:prstGeom>
+          <a:noFill/>
+          <a:ln>
+            <a:noFill/>
+          </a:ln>
+        </p:spPr>
+        <p:txBody>
+          <a:bodyPr lIns="90000" rIns="90000" tIns="45000" bIns="45000">
+            <a:spAutoFit/>
+          </a:bodyPr>
+          <a:p>
+            <a:r>
+              <a:rPr b="0" lang="en-US" sz="1800" spc="-1" strike="noStrike">
+                <a:latin typeface="Arial"/>
+              </a:rPr>
+              <a:t>We now translate the properties to columns in database.</a:t>
+            </a:r>
+            <a:endParaRPr b="0" lang="en-US" sz="1800" spc="-1" strike="noStrike">
+              <a:latin typeface="Arial"/>
+            </a:endParaRPr>
+          </a:p>
+          <a:p>
+            <a:endParaRPr b="0" lang="en-US" sz="1800" spc="-1" strike="noStrike">
+              <a:latin typeface="Arial"/>
+            </a:endParaRPr>
+          </a:p>
+          <a:p>
+            <a:r>
+              <a:rPr b="0" lang="en-US" sz="1800" spc="-1" strike="noStrike">
+                <a:latin typeface="Arial"/>
+              </a:rPr>
+              <a:t>Data annotations are added to provide extra meaning to the properties.</a:t>
+            </a:r>
+            <a:endParaRPr b="0" lang="en-US" sz="1800" spc="-1" strike="noStrike">
+              <a:latin typeface="Arial"/>
+            </a:endParaRPr>
+          </a:p>
+          <a:p>
+            <a:endParaRPr b="0" lang="en-US" sz="1800" spc="-1" strike="noStrike">
+              <a:latin typeface="Arial"/>
+            </a:endParaRPr>
+          </a:p>
+          <a:p>
+            <a:r>
+              <a:rPr b="0" lang="en-US" sz="1800" spc="-1" strike="noStrike">
+                <a:latin typeface="Arial"/>
+              </a:rPr>
+              <a:t>Few of the types of Data annotations are:</a:t>
+            </a:r>
+            <a:endParaRPr b="0" lang="en-US" sz="1800" spc="-1" strike="noStrike">
+              <a:latin typeface="Arial"/>
+            </a:endParaRPr>
+          </a:p>
+          <a:p>
+            <a:endParaRPr b="0" lang="en-US" sz="1800" spc="-1" strike="noStrike">
+              <a:latin typeface="Arial"/>
+            </a:endParaRPr>
+          </a:p>
+          <a:p>
+            <a:r>
+              <a:rPr b="0" lang="en-US" sz="1800" spc="-1" strike="noStrike">
+                <a:latin typeface="Arial"/>
+              </a:rPr>
+              <a:t>Required - </a:t>
+            </a:r>
+            <a:endParaRPr b="0" lang="en-US" sz="1800" spc="-1" strike="noStrike">
               <a:latin typeface="Arial"/>
             </a:endParaRPr>
           </a:p>
@@ -2627,4 +4527,227 @@
     </a:fmtScheme>
   </a:themeElements>
 </a:theme>
+</file>
+
+<file path=ppt/theme/theme2.xml><?xml version="1.0" encoding="utf-8"?>
+<a:theme xmlns:a="http://schemas.openxmlformats.org/drawingml/2006/main" name="Office Theme">
+  <a:themeElements>
+    <a:clrScheme name="Office">
+      <a:dk1>
+        <a:sysClr val="windowText" lastClr="000000"/>
+      </a:dk1>
+      <a:lt1>
+        <a:sysClr val="window" lastClr="FFFFFF"/>
+      </a:lt1>
+      <a:dk2>
+        <a:srgbClr val="1f497d"/>
+      </a:dk2>
+      <a:lt2>
+        <a:srgbClr val="eeece1"/>
+      </a:lt2>
+      <a:accent1>
+        <a:srgbClr val="4f81bd"/>
+      </a:accent1>
+      <a:accent2>
+        <a:srgbClr val="c0504d"/>
+      </a:accent2>
+      <a:accent3>
+        <a:srgbClr val="9bbb59"/>
+      </a:accent3>
+      <a:accent4>
+        <a:srgbClr val="8064a2"/>
+      </a:accent4>
+      <a:accent5>
+        <a:srgbClr val="4bacc6"/>
+      </a:accent5>
+      <a:accent6>
+        <a:srgbClr val="f79646"/>
+      </a:accent6>
+      <a:hlink>
+        <a:srgbClr val="0000ff"/>
+      </a:hlink>
+      <a:folHlink>
+        <a:srgbClr val="800080"/>
+      </a:folHlink>
+    </a:clrScheme>
+    <a:fontScheme name="Office">
+      <a:majorFont>
+        <a:latin typeface="Arial"/>
+        <a:ea typeface="DejaVu Sans"/>
+        <a:cs typeface="DejaVu Sans"/>
+      </a:majorFont>
+      <a:minorFont>
+        <a:latin typeface="Arial"/>
+        <a:ea typeface="DejaVu Sans"/>
+        <a:cs typeface="DejaVu Sans"/>
+      </a:minorFont>
+    </a:fontScheme>
+    <a:fmtScheme name="Office">
+      <a:fillStyleLst>
+        <a:solidFill>
+          <a:schemeClr val="phClr"/>
+        </a:solidFill>
+        <a:gradFill rotWithShape="1">
+          <a:gsLst>
+            <a:gs pos="0">
+              <a:schemeClr val="phClr">
+                <a:tint val="50000"/>
+                <a:satMod val="300000"/>
+              </a:schemeClr>
+            </a:gs>
+            <a:gs pos="35000">
+              <a:schemeClr val="phClr">
+                <a:tint val="37000"/>
+                <a:satMod val="300000"/>
+              </a:schemeClr>
+            </a:gs>
+            <a:gs pos="100000">
+              <a:schemeClr val="phClr">
+                <a:tint val="15000"/>
+                <a:satMod val="350000"/>
+              </a:schemeClr>
+            </a:gs>
+          </a:gsLst>
+          <a:lin ang="16200000" scaled="1"/>
+        </a:gradFill>
+        <a:gradFill rotWithShape="1">
+          <a:gsLst>
+            <a:gs pos="0">
+              <a:schemeClr val="phClr">
+                <a:shade val="51000"/>
+                <a:satMod val="130000"/>
+              </a:schemeClr>
+            </a:gs>
+            <a:gs pos="80000">
+              <a:schemeClr val="phClr">
+                <a:shade val="93000"/>
+                <a:satMod val="130000"/>
+              </a:schemeClr>
+            </a:gs>
+            <a:gs pos="100000">
+              <a:schemeClr val="phClr">
+                <a:shade val="94000"/>
+                <a:satMod val="135000"/>
+              </a:schemeClr>
+            </a:gs>
+          </a:gsLst>
+          <a:lin ang="16200000" scaled="0"/>
+        </a:gradFill>
+      </a:fillStyleLst>
+      <a:lnStyleLst>
+        <a:ln w="9525" cap="flat" cmpd="sng" algn="ctr">
+          <a:solidFill>
+            <a:schemeClr val="phClr">
+              <a:shade val="95000"/>
+              <a:satMod val="105000"/>
+            </a:schemeClr>
+          </a:solidFill>
+          <a:prstDash val="solid"/>
+        </a:ln>
+        <a:ln w="25400" cap="flat" cmpd="sng" algn="ctr">
+          <a:solidFill>
+            <a:schemeClr val="phClr"/>
+          </a:solidFill>
+          <a:prstDash val="solid"/>
+        </a:ln>
+        <a:ln w="38100" cap="flat" cmpd="sng" algn="ctr">
+          <a:solidFill>
+            <a:schemeClr val="phClr"/>
+          </a:solidFill>
+          <a:prstDash val="solid"/>
+        </a:ln>
+      </a:lnStyleLst>
+      <a:effectStyleLst>
+        <a:effectStyle>
+          <a:effectLst>
+            <a:outerShdw blurRad="40000" dist="20000" dir="5400000" rotWithShape="0">
+              <a:srgbClr val="000000">
+                <a:alpha val="38000"/>
+              </a:srgbClr>
+            </a:outerShdw>
+          </a:effectLst>
+        </a:effectStyle>
+        <a:effectStyle>
+          <a:effectLst>
+            <a:outerShdw blurRad="40000" dist="23000" dir="5400000" rotWithShape="0">
+              <a:srgbClr val="000000">
+                <a:alpha val="35000"/>
+              </a:srgbClr>
+            </a:outerShdw>
+          </a:effectLst>
+        </a:effectStyle>
+        <a:effectStyle>
+          <a:effectLst>
+            <a:outerShdw blurRad="40000" dist="23000" dir="5400000" rotWithShape="0">
+              <a:srgbClr val="000000">
+                <a:alpha val="35000"/>
+              </a:srgbClr>
+            </a:outerShdw>
+          </a:effectLst>
+          <a:scene3d>
+            <a:camera prst="orthographicFront">
+              <a:rot lat="0" lon="0" rev="0"/>
+            </a:camera>
+            <a:lightRig rig="threePt" dir="t">
+              <a:rot lat="0" lon="0" rev="1200000"/>
+            </a:lightRig>
+          </a:scene3d>
+          <a:sp3d>
+            <a:bevelT w="63500" h="25400"/>
+          </a:sp3d>
+        </a:effectStyle>
+      </a:effectStyleLst>
+      <a:bgFillStyleLst>
+        <a:solidFill>
+          <a:schemeClr val="phClr"/>
+        </a:solidFill>
+        <a:gradFill rotWithShape="1">
+          <a:gsLst>
+            <a:gs pos="0">
+              <a:schemeClr val="phClr">
+                <a:tint val="40000"/>
+                <a:satMod val="350000"/>
+              </a:schemeClr>
+            </a:gs>
+            <a:gs pos="40000">
+              <a:schemeClr val="phClr">
+                <a:tint val="45000"/>
+                <a:shade val="99000"/>
+                <a:satMod val="350000"/>
+              </a:schemeClr>
+            </a:gs>
+            <a:gs pos="100000">
+              <a:schemeClr val="phClr">
+                <a:shade val="20000"/>
+                <a:satMod val="255000"/>
+              </a:schemeClr>
+            </a:gs>
+          </a:gsLst>
+          <a:path path="circle">
+            <a:fillToRect l="50000" t="-80000" r="50000" b="180000"/>
+          </a:path>
+        </a:gradFill>
+        <a:gradFill rotWithShape="1">
+          <a:gsLst>
+            <a:gs pos="0">
+              <a:schemeClr val="phClr">
+                <a:tint val="80000"/>
+                <a:satMod val="300000"/>
+              </a:schemeClr>
+            </a:gs>
+            <a:gs pos="100000">
+              <a:schemeClr val="phClr">
+                <a:shade val="30000"/>
+                <a:satMod val="200000"/>
+              </a:schemeClr>
+            </a:gs>
+          </a:gsLst>
+          <a:path path="circle">
+            <a:fillToRect l="50000" t="50000" r="50000" b="50000"/>
+          </a:path>
+        </a:gradFill>
+      </a:bgFillStyleLst>
+    </a:fmtScheme>
+  </a:themeElements>
+</a:theme>
 </file>
--- a/csharp_application_with_entity_framework.pptx
+++ b/csharp_application_with_entity_framework.pptx
@@ -12,6 +12,9 @@
     <p:sldId id="259" r:id="rId7"/>
     <p:sldId id="260" r:id="rId8"/>
     <p:sldId id="261" r:id="rId9"/>
+    <p:sldId id="262" r:id="rId10"/>
+    <p:sldId id="263" r:id="rId11"/>
+    <p:sldId id="264" r:id="rId12"/>
   </p:sldIdLst>
   <p:sldSz cx="10080625" cy="7559675"/>
   <p:notesSz cx="7559675" cy="10691812"/>
@@ -69,8 +72,8 @@
         </p:nvSpPr>
         <p:spPr>
           <a:xfrm>
-            <a:off x="504000" y="304920"/>
-            <a:ext cx="7199640" cy="1262160"/>
+            <a:off x="504000" y="301320"/>
+            <a:ext cx="9072000" cy="1261800"/>
           </a:xfrm>
           <a:prstGeom prst="rect">
             <a:avLst/>
@@ -100,8 +103,8 @@
         </p:nvSpPr>
         <p:spPr>
           <a:xfrm>
-            <a:off x="504000" y="1800000"/>
-            <a:ext cx="9071640" cy="2090880"/>
+            <a:off x="504000" y="1768680"/>
+            <a:ext cx="9072000" cy="2090880"/>
           </a:xfrm>
           <a:prstGeom prst="rect">
             <a:avLst/>
@@ -130,8 +133,8 @@
         </p:nvSpPr>
         <p:spPr>
           <a:xfrm>
-            <a:off x="504000" y="4089960"/>
-            <a:ext cx="9071640" cy="2090880"/>
+            <a:off x="504000" y="4058640"/>
+            <a:ext cx="9072000" cy="2090880"/>
           </a:xfrm>
           <a:prstGeom prst="rect">
             <a:avLst/>
@@ -182,8 +185,8 @@
         </p:nvSpPr>
         <p:spPr>
           <a:xfrm>
-            <a:off x="504000" y="304920"/>
-            <a:ext cx="7199640" cy="1262160"/>
+            <a:off x="504000" y="301320"/>
+            <a:ext cx="9072000" cy="1261800"/>
           </a:xfrm>
           <a:prstGeom prst="rect">
             <a:avLst/>
@@ -213,7 +216,7 @@
         </p:nvSpPr>
         <p:spPr>
           <a:xfrm>
-            <a:off x="504000" y="1800000"/>
+            <a:off x="504000" y="1768680"/>
             <a:ext cx="4426920" cy="2090880"/>
           </a:xfrm>
           <a:prstGeom prst="rect">
@@ -243,7 +246,7 @@
         </p:nvSpPr>
         <p:spPr>
           <a:xfrm>
-            <a:off x="5152680" y="1800000"/>
+            <a:off x="5152680" y="1768680"/>
             <a:ext cx="4426920" cy="2090880"/>
           </a:xfrm>
           <a:prstGeom prst="rect">
@@ -273,7 +276,7 @@
         </p:nvSpPr>
         <p:spPr>
           <a:xfrm>
-            <a:off x="504000" y="4089960"/>
+            <a:off x="504000" y="4058640"/>
             <a:ext cx="4426920" cy="2090880"/>
           </a:xfrm>
           <a:prstGeom prst="rect">
@@ -303,7 +306,7 @@
         </p:nvSpPr>
         <p:spPr>
           <a:xfrm>
-            <a:off x="5152680" y="4089960"/>
+            <a:off x="5152680" y="4058640"/>
             <a:ext cx="4426920" cy="2090880"/>
           </a:xfrm>
           <a:prstGeom prst="rect">
@@ -355,8 +358,8 @@
         </p:nvSpPr>
         <p:spPr>
           <a:xfrm>
-            <a:off x="504000" y="304920"/>
-            <a:ext cx="7199640" cy="1262160"/>
+            <a:off x="504000" y="301320"/>
+            <a:ext cx="9072000" cy="1261800"/>
           </a:xfrm>
           <a:prstGeom prst="rect">
             <a:avLst/>
@@ -386,8 +389,8 @@
         </p:nvSpPr>
         <p:spPr>
           <a:xfrm>
-            <a:off x="504000" y="1800000"/>
-            <a:ext cx="2920680" cy="2090880"/>
+            <a:off x="504000" y="1768680"/>
+            <a:ext cx="2921040" cy="2090880"/>
           </a:xfrm>
           <a:prstGeom prst="rect">
             <a:avLst/>
@@ -416,8 +419,8 @@
         </p:nvSpPr>
         <p:spPr>
           <a:xfrm>
-            <a:off x="3571200" y="1800000"/>
-            <a:ext cx="2920680" cy="2090880"/>
+            <a:off x="3571560" y="1768680"/>
+            <a:ext cx="2921040" cy="2090880"/>
           </a:xfrm>
           <a:prstGeom prst="rect">
             <a:avLst/>
@@ -446,8 +449,8 @@
         </p:nvSpPr>
         <p:spPr>
           <a:xfrm>
-            <a:off x="6638040" y="1800000"/>
-            <a:ext cx="2920680" cy="2090880"/>
+            <a:off x="6639120" y="1768680"/>
+            <a:ext cx="2921040" cy="2090880"/>
           </a:xfrm>
           <a:prstGeom prst="rect">
             <a:avLst/>
@@ -476,8 +479,8 @@
         </p:nvSpPr>
         <p:spPr>
           <a:xfrm>
-            <a:off x="504000" y="4089960"/>
-            <a:ext cx="2920680" cy="2090880"/>
+            <a:off x="504000" y="4058640"/>
+            <a:ext cx="2921040" cy="2090880"/>
           </a:xfrm>
           <a:prstGeom prst="rect">
             <a:avLst/>
@@ -506,8 +509,8 @@
         </p:nvSpPr>
         <p:spPr>
           <a:xfrm>
-            <a:off x="3571200" y="4089960"/>
-            <a:ext cx="2920680" cy="2090880"/>
+            <a:off x="3571560" y="4058640"/>
+            <a:ext cx="2921040" cy="2090880"/>
           </a:xfrm>
           <a:prstGeom prst="rect">
             <a:avLst/>
@@ -536,8 +539,8 @@
         </p:nvSpPr>
         <p:spPr>
           <a:xfrm>
-            <a:off x="6638040" y="4089960"/>
-            <a:ext cx="2920680" cy="2090880"/>
+            <a:off x="6639120" y="4058640"/>
+            <a:ext cx="2921040" cy="2090880"/>
           </a:xfrm>
           <a:prstGeom prst="rect">
             <a:avLst/>
@@ -610,8 +613,8 @@
         </p:nvSpPr>
         <p:spPr>
           <a:xfrm>
-            <a:off x="504000" y="304920"/>
-            <a:ext cx="7199640" cy="1262160"/>
+            <a:off x="504000" y="301320"/>
+            <a:ext cx="9072000" cy="1261800"/>
           </a:xfrm>
           <a:prstGeom prst="rect">
             <a:avLst/>
@@ -641,8 +644,8 @@
         </p:nvSpPr>
         <p:spPr>
           <a:xfrm>
-            <a:off x="504000" y="1800000"/>
-            <a:ext cx="9071640" cy="4384080"/>
+            <a:off x="504000" y="1768680"/>
+            <a:ext cx="9072000" cy="4384080"/>
           </a:xfrm>
           <a:prstGeom prst="rect">
             <a:avLst/>
@@ -694,8 +697,8 @@
         </p:nvSpPr>
         <p:spPr>
           <a:xfrm>
-            <a:off x="504000" y="304920"/>
-            <a:ext cx="7199640" cy="1262160"/>
+            <a:off x="504000" y="301320"/>
+            <a:ext cx="9072000" cy="1261800"/>
           </a:xfrm>
           <a:prstGeom prst="rect">
             <a:avLst/>
@@ -725,8 +728,8 @@
         </p:nvSpPr>
         <p:spPr>
           <a:xfrm>
-            <a:off x="504000" y="1800000"/>
-            <a:ext cx="9071640" cy="4384080"/>
+            <a:off x="504000" y="1768680"/>
+            <a:ext cx="9072000" cy="4384080"/>
           </a:xfrm>
           <a:prstGeom prst="rect">
             <a:avLst/>
@@ -777,8 +780,8 @@
         </p:nvSpPr>
         <p:spPr>
           <a:xfrm>
-            <a:off x="504000" y="304920"/>
-            <a:ext cx="7199640" cy="1262160"/>
+            <a:off x="504000" y="301320"/>
+            <a:ext cx="9072000" cy="1261800"/>
           </a:xfrm>
           <a:prstGeom prst="rect">
             <a:avLst/>
@@ -808,7 +811,7 @@
         </p:nvSpPr>
         <p:spPr>
           <a:xfrm>
-            <a:off x="504000" y="1800000"/>
+            <a:off x="504000" y="1768680"/>
             <a:ext cx="4426920" cy="4384080"/>
           </a:xfrm>
           <a:prstGeom prst="rect">
@@ -838,7 +841,7 @@
         </p:nvSpPr>
         <p:spPr>
           <a:xfrm>
-            <a:off x="5152680" y="1800000"/>
+            <a:off x="5152680" y="1768680"/>
             <a:ext cx="4426920" cy="4384080"/>
           </a:xfrm>
           <a:prstGeom prst="rect">
@@ -890,8 +893,8 @@
         </p:nvSpPr>
         <p:spPr>
           <a:xfrm>
-            <a:off x="504000" y="304920"/>
-            <a:ext cx="7199640" cy="1262160"/>
+            <a:off x="504000" y="301320"/>
+            <a:ext cx="9072000" cy="1261800"/>
           </a:xfrm>
           <a:prstGeom prst="rect">
             <a:avLst/>
@@ -943,8 +946,8 @@
         </p:nvSpPr>
         <p:spPr>
           <a:xfrm>
-            <a:off x="504000" y="304920"/>
-            <a:ext cx="7199640" cy="5851800"/>
+            <a:off x="504000" y="301320"/>
+            <a:ext cx="9072000" cy="5850360"/>
           </a:xfrm>
           <a:prstGeom prst="rect">
             <a:avLst/>
@@ -996,8 +999,8 @@
         </p:nvSpPr>
         <p:spPr>
           <a:xfrm>
-            <a:off x="504000" y="304920"/>
-            <a:ext cx="7199640" cy="1262160"/>
+            <a:off x="504000" y="301320"/>
+            <a:ext cx="9072000" cy="1261800"/>
           </a:xfrm>
           <a:prstGeom prst="rect">
             <a:avLst/>
@@ -1027,7 +1030,7 @@
         </p:nvSpPr>
         <p:spPr>
           <a:xfrm>
-            <a:off x="504000" y="1800000"/>
+            <a:off x="504000" y="1768680"/>
             <a:ext cx="4426920" cy="2090880"/>
           </a:xfrm>
           <a:prstGeom prst="rect">
@@ -1057,7 +1060,7 @@
         </p:nvSpPr>
         <p:spPr>
           <a:xfrm>
-            <a:off x="5152680" y="1800000"/>
+            <a:off x="5152680" y="1768680"/>
             <a:ext cx="4426920" cy="4384080"/>
           </a:xfrm>
           <a:prstGeom prst="rect">
@@ -1087,7 +1090,7 @@
         </p:nvSpPr>
         <p:spPr>
           <a:xfrm>
-            <a:off x="504000" y="4089960"/>
+            <a:off x="504000" y="4058640"/>
             <a:ext cx="4426920" cy="2090880"/>
           </a:xfrm>
           <a:prstGeom prst="rect">
@@ -1139,8 +1142,8 @@
         </p:nvSpPr>
         <p:spPr>
           <a:xfrm>
-            <a:off x="504000" y="304920"/>
-            <a:ext cx="7199640" cy="1262160"/>
+            <a:off x="504000" y="301320"/>
+            <a:ext cx="9072000" cy="1261800"/>
           </a:xfrm>
           <a:prstGeom prst="rect">
             <a:avLst/>
@@ -1170,8 +1173,8 @@
         </p:nvSpPr>
         <p:spPr>
           <a:xfrm>
-            <a:off x="504000" y="1800000"/>
-            <a:ext cx="9071640" cy="4384080"/>
+            <a:off x="504000" y="1768680"/>
+            <a:ext cx="9072000" cy="4384080"/>
           </a:xfrm>
           <a:prstGeom prst="rect">
             <a:avLst/>
@@ -1223,8 +1226,8 @@
         </p:nvSpPr>
         <p:spPr>
           <a:xfrm>
-            <a:off x="504000" y="304920"/>
-            <a:ext cx="7199640" cy="1262160"/>
+            <a:off x="504000" y="301320"/>
+            <a:ext cx="9072000" cy="1261800"/>
           </a:xfrm>
           <a:prstGeom prst="rect">
             <a:avLst/>
@@ -1254,7 +1257,7 @@
         </p:nvSpPr>
         <p:spPr>
           <a:xfrm>
-            <a:off x="504000" y="1800000"/>
+            <a:off x="504000" y="1768680"/>
             <a:ext cx="4426920" cy="4384080"/>
           </a:xfrm>
           <a:prstGeom prst="rect">
@@ -1284,7 +1287,7 @@
         </p:nvSpPr>
         <p:spPr>
           <a:xfrm>
-            <a:off x="5152680" y="1800000"/>
+            <a:off x="5152680" y="1768680"/>
             <a:ext cx="4426920" cy="2090880"/>
           </a:xfrm>
           <a:prstGeom prst="rect">
@@ -1314,7 +1317,7 @@
         </p:nvSpPr>
         <p:spPr>
           <a:xfrm>
-            <a:off x="5152680" y="4089960"/>
+            <a:off x="5152680" y="4058640"/>
             <a:ext cx="4426920" cy="2090880"/>
           </a:xfrm>
           <a:prstGeom prst="rect">
@@ -1366,8 +1369,8 @@
         </p:nvSpPr>
         <p:spPr>
           <a:xfrm>
-            <a:off x="504000" y="304920"/>
-            <a:ext cx="7199640" cy="1262160"/>
+            <a:off x="504000" y="301320"/>
+            <a:ext cx="9072000" cy="1261800"/>
           </a:xfrm>
           <a:prstGeom prst="rect">
             <a:avLst/>
@@ -1397,7 +1400,7 @@
         </p:nvSpPr>
         <p:spPr>
           <a:xfrm>
-            <a:off x="504000" y="1800000"/>
+            <a:off x="504000" y="1768680"/>
             <a:ext cx="4426920" cy="2090880"/>
           </a:xfrm>
           <a:prstGeom prst="rect">
@@ -1427,7 +1430,7 @@
         </p:nvSpPr>
         <p:spPr>
           <a:xfrm>
-            <a:off x="5152680" y="1800000"/>
+            <a:off x="5152680" y="1768680"/>
             <a:ext cx="4426920" cy="2090880"/>
           </a:xfrm>
           <a:prstGeom prst="rect">
@@ -1457,8 +1460,8 @@
         </p:nvSpPr>
         <p:spPr>
           <a:xfrm>
-            <a:off x="504000" y="4089960"/>
-            <a:ext cx="9071640" cy="2090880"/>
+            <a:off x="504000" y="4058640"/>
+            <a:ext cx="9072000" cy="2090880"/>
           </a:xfrm>
           <a:prstGeom prst="rect">
             <a:avLst/>
@@ -1509,8 +1512,8 @@
         </p:nvSpPr>
         <p:spPr>
           <a:xfrm>
-            <a:off x="504000" y="304920"/>
-            <a:ext cx="7199640" cy="1262160"/>
+            <a:off x="504000" y="301320"/>
+            <a:ext cx="9072000" cy="1261800"/>
           </a:xfrm>
           <a:prstGeom prst="rect">
             <a:avLst/>
@@ -1540,8 +1543,8 @@
         </p:nvSpPr>
         <p:spPr>
           <a:xfrm>
-            <a:off x="504000" y="1800000"/>
-            <a:ext cx="9071640" cy="2090880"/>
+            <a:off x="504000" y="1768680"/>
+            <a:ext cx="9072000" cy="2090880"/>
           </a:xfrm>
           <a:prstGeom prst="rect">
             <a:avLst/>
@@ -1570,8 +1573,8 @@
         </p:nvSpPr>
         <p:spPr>
           <a:xfrm>
-            <a:off x="504000" y="4089960"/>
-            <a:ext cx="9071640" cy="2090880"/>
+            <a:off x="504000" y="4058640"/>
+            <a:ext cx="9072000" cy="2090880"/>
           </a:xfrm>
           <a:prstGeom prst="rect">
             <a:avLst/>
@@ -1622,8 +1625,8 @@
         </p:nvSpPr>
         <p:spPr>
           <a:xfrm>
-            <a:off x="504000" y="304920"/>
-            <a:ext cx="7199640" cy="1262160"/>
+            <a:off x="504000" y="301320"/>
+            <a:ext cx="9072000" cy="1261800"/>
           </a:xfrm>
           <a:prstGeom prst="rect">
             <a:avLst/>
@@ -1653,7 +1656,7 @@
         </p:nvSpPr>
         <p:spPr>
           <a:xfrm>
-            <a:off x="504000" y="1800000"/>
+            <a:off x="504000" y="1768680"/>
             <a:ext cx="4426920" cy="2090880"/>
           </a:xfrm>
           <a:prstGeom prst="rect">
@@ -1683,7 +1686,7 @@
         </p:nvSpPr>
         <p:spPr>
           <a:xfrm>
-            <a:off x="5152680" y="1800000"/>
+            <a:off x="5152680" y="1768680"/>
             <a:ext cx="4426920" cy="2090880"/>
           </a:xfrm>
           <a:prstGeom prst="rect">
@@ -1713,7 +1716,7 @@
         </p:nvSpPr>
         <p:spPr>
           <a:xfrm>
-            <a:off x="504000" y="4089960"/>
+            <a:off x="504000" y="4058640"/>
             <a:ext cx="4426920" cy="2090880"/>
           </a:xfrm>
           <a:prstGeom prst="rect">
@@ -1743,7 +1746,7 @@
         </p:nvSpPr>
         <p:spPr>
           <a:xfrm>
-            <a:off x="5152680" y="4089960"/>
+            <a:off x="5152680" y="4058640"/>
             <a:ext cx="4426920" cy="2090880"/>
           </a:xfrm>
           <a:prstGeom prst="rect">
@@ -1795,8 +1798,8 @@
         </p:nvSpPr>
         <p:spPr>
           <a:xfrm>
-            <a:off x="504000" y="304920"/>
-            <a:ext cx="7199640" cy="1262160"/>
+            <a:off x="504000" y="301320"/>
+            <a:ext cx="9072000" cy="1261800"/>
           </a:xfrm>
           <a:prstGeom prst="rect">
             <a:avLst/>
@@ -1826,8 +1829,8 @@
         </p:nvSpPr>
         <p:spPr>
           <a:xfrm>
-            <a:off x="504000" y="1800000"/>
-            <a:ext cx="2920680" cy="2090880"/>
+            <a:off x="504000" y="1768680"/>
+            <a:ext cx="2921040" cy="2090880"/>
           </a:xfrm>
           <a:prstGeom prst="rect">
             <a:avLst/>
@@ -1856,8 +1859,8 @@
         </p:nvSpPr>
         <p:spPr>
           <a:xfrm>
-            <a:off x="3571200" y="1800000"/>
-            <a:ext cx="2920680" cy="2090880"/>
+            <a:off x="3571560" y="1768680"/>
+            <a:ext cx="2921040" cy="2090880"/>
           </a:xfrm>
           <a:prstGeom prst="rect">
             <a:avLst/>
@@ -1886,8 +1889,8 @@
         </p:nvSpPr>
         <p:spPr>
           <a:xfrm>
-            <a:off x="6638040" y="1800000"/>
-            <a:ext cx="2920680" cy="2090880"/>
+            <a:off x="6639120" y="1768680"/>
+            <a:ext cx="2921040" cy="2090880"/>
           </a:xfrm>
           <a:prstGeom prst="rect">
             <a:avLst/>
@@ -1916,8 +1919,8 @@
         </p:nvSpPr>
         <p:spPr>
           <a:xfrm>
-            <a:off x="504000" y="4089960"/>
-            <a:ext cx="2920680" cy="2090880"/>
+            <a:off x="504000" y="4058640"/>
+            <a:ext cx="2921040" cy="2090880"/>
           </a:xfrm>
           <a:prstGeom prst="rect">
             <a:avLst/>
@@ -1946,8 +1949,8 @@
         </p:nvSpPr>
         <p:spPr>
           <a:xfrm>
-            <a:off x="3571200" y="4089960"/>
-            <a:ext cx="2920680" cy="2090880"/>
+            <a:off x="3571560" y="4058640"/>
+            <a:ext cx="2921040" cy="2090880"/>
           </a:xfrm>
           <a:prstGeom prst="rect">
             <a:avLst/>
@@ -1976,8 +1979,8 @@
         </p:nvSpPr>
         <p:spPr>
           <a:xfrm>
-            <a:off x="6638040" y="4089960"/>
-            <a:ext cx="2920680" cy="2090880"/>
+            <a:off x="6639120" y="4058640"/>
+            <a:ext cx="2921040" cy="2090880"/>
           </a:xfrm>
           <a:prstGeom prst="rect">
             <a:avLst/>
@@ -2028,8 +2031,8 @@
         </p:nvSpPr>
         <p:spPr>
           <a:xfrm>
-            <a:off x="504000" y="304920"/>
-            <a:ext cx="7199640" cy="1262160"/>
+            <a:off x="504000" y="301320"/>
+            <a:ext cx="9072000" cy="1261800"/>
           </a:xfrm>
           <a:prstGeom prst="rect">
             <a:avLst/>
@@ -2059,8 +2062,8 @@
         </p:nvSpPr>
         <p:spPr>
           <a:xfrm>
-            <a:off x="504000" y="1800000"/>
-            <a:ext cx="9071640" cy="4384080"/>
+            <a:off x="504000" y="1768680"/>
+            <a:ext cx="9072000" cy="4384080"/>
           </a:xfrm>
           <a:prstGeom prst="rect">
             <a:avLst/>
@@ -2111,8 +2114,8 @@
         </p:nvSpPr>
         <p:spPr>
           <a:xfrm>
-            <a:off x="504000" y="304920"/>
-            <a:ext cx="7199640" cy="1262160"/>
+            <a:off x="504000" y="301320"/>
+            <a:ext cx="9072000" cy="1261800"/>
           </a:xfrm>
           <a:prstGeom prst="rect">
             <a:avLst/>
@@ -2142,7 +2145,7 @@
         </p:nvSpPr>
         <p:spPr>
           <a:xfrm>
-            <a:off x="504000" y="1800000"/>
+            <a:off x="504000" y="1768680"/>
             <a:ext cx="4426920" cy="4384080"/>
           </a:xfrm>
           <a:prstGeom prst="rect">
@@ -2172,7 +2175,7 @@
         </p:nvSpPr>
         <p:spPr>
           <a:xfrm>
-            <a:off x="5152680" y="1800000"/>
+            <a:off x="5152680" y="1768680"/>
             <a:ext cx="4426920" cy="4384080"/>
           </a:xfrm>
           <a:prstGeom prst="rect">
@@ -2224,8 +2227,8 @@
         </p:nvSpPr>
         <p:spPr>
           <a:xfrm>
-            <a:off x="504000" y="304920"/>
-            <a:ext cx="7199640" cy="1262160"/>
+            <a:off x="504000" y="301320"/>
+            <a:ext cx="9072000" cy="1261800"/>
           </a:xfrm>
           <a:prstGeom prst="rect">
             <a:avLst/>
@@ -2277,8 +2280,8 @@
         </p:nvSpPr>
         <p:spPr>
           <a:xfrm>
-            <a:off x="504000" y="304920"/>
-            <a:ext cx="7199640" cy="5851800"/>
+            <a:off x="504000" y="301320"/>
+            <a:ext cx="9072000" cy="5850360"/>
           </a:xfrm>
           <a:prstGeom prst="rect">
             <a:avLst/>
@@ -2330,8 +2333,8 @@
         </p:nvSpPr>
         <p:spPr>
           <a:xfrm>
-            <a:off x="504000" y="304920"/>
-            <a:ext cx="7199640" cy="1262160"/>
+            <a:off x="504000" y="301320"/>
+            <a:ext cx="9072000" cy="1261800"/>
           </a:xfrm>
           <a:prstGeom prst="rect">
             <a:avLst/>
@@ -2361,7 +2364,7 @@
         </p:nvSpPr>
         <p:spPr>
           <a:xfrm>
-            <a:off x="504000" y="1800000"/>
+            <a:off x="504000" y="1768680"/>
             <a:ext cx="4426920" cy="2090880"/>
           </a:xfrm>
           <a:prstGeom prst="rect">
@@ -2391,7 +2394,7 @@
         </p:nvSpPr>
         <p:spPr>
           <a:xfrm>
-            <a:off x="5152680" y="1800000"/>
+            <a:off x="5152680" y="1768680"/>
             <a:ext cx="4426920" cy="4384080"/>
           </a:xfrm>
           <a:prstGeom prst="rect">
@@ -2421,7 +2424,7 @@
         </p:nvSpPr>
         <p:spPr>
           <a:xfrm>
-            <a:off x="504000" y="4089960"/>
+            <a:off x="504000" y="4058640"/>
             <a:ext cx="4426920" cy="2090880"/>
           </a:xfrm>
           <a:prstGeom prst="rect">
@@ -2473,8 +2476,8 @@
         </p:nvSpPr>
         <p:spPr>
           <a:xfrm>
-            <a:off x="504000" y="304920"/>
-            <a:ext cx="7199640" cy="1262160"/>
+            <a:off x="504000" y="301320"/>
+            <a:ext cx="9072000" cy="1261800"/>
           </a:xfrm>
           <a:prstGeom prst="rect">
             <a:avLst/>
@@ -2504,7 +2507,7 @@
         </p:nvSpPr>
         <p:spPr>
           <a:xfrm>
-            <a:off x="504000" y="1800000"/>
+            <a:off x="504000" y="1768680"/>
             <a:ext cx="4426920" cy="4384080"/>
           </a:xfrm>
           <a:prstGeom prst="rect">
@@ -2534,7 +2537,7 @@
         </p:nvSpPr>
         <p:spPr>
           <a:xfrm>
-            <a:off x="5152680" y="1800000"/>
+            <a:off x="5152680" y="1768680"/>
             <a:ext cx="4426920" cy="2090880"/>
           </a:xfrm>
           <a:prstGeom prst="rect">
@@ -2564,7 +2567,7 @@
         </p:nvSpPr>
         <p:spPr>
           <a:xfrm>
-            <a:off x="5152680" y="4089960"/>
+            <a:off x="5152680" y="4058640"/>
             <a:ext cx="4426920" cy="2090880"/>
           </a:xfrm>
           <a:prstGeom prst="rect">
@@ -2616,8 +2619,8 @@
         </p:nvSpPr>
         <p:spPr>
           <a:xfrm>
-            <a:off x="504000" y="304920"/>
-            <a:ext cx="7199640" cy="1262160"/>
+            <a:off x="504000" y="301320"/>
+            <a:ext cx="9072000" cy="1261800"/>
           </a:xfrm>
           <a:prstGeom prst="rect">
             <a:avLst/>
@@ -2647,7 +2650,7 @@
         </p:nvSpPr>
         <p:spPr>
           <a:xfrm>
-            <a:off x="504000" y="1800000"/>
+            <a:off x="504000" y="1768680"/>
             <a:ext cx="4426920" cy="2090880"/>
           </a:xfrm>
           <a:prstGeom prst="rect">
@@ -2677,7 +2680,7 @@
         </p:nvSpPr>
         <p:spPr>
           <a:xfrm>
-            <a:off x="5152680" y="1800000"/>
+            <a:off x="5152680" y="1768680"/>
             <a:ext cx="4426920" cy="2090880"/>
           </a:xfrm>
           <a:prstGeom prst="rect">
@@ -2707,8 +2710,8 @@
         </p:nvSpPr>
         <p:spPr>
           <a:xfrm>
-            <a:off x="504000" y="4089960"/>
-            <a:ext cx="9071640" cy="2090880"/>
+            <a:off x="504000" y="4058640"/>
+            <a:ext cx="9072000" cy="2090880"/>
           </a:xfrm>
           <a:prstGeom prst="rect">
             <a:avLst/>
@@ -2760,7 +2763,7 @@
         <p:spPr>
           <a:xfrm>
             <a:off x="720" y="720"/>
-            <a:ext cx="10079280" cy="7559280"/>
+            <a:ext cx="10078920" cy="7558920"/>
           </a:xfrm>
           <a:prstGeom prst="rect">
             <a:avLst/>
@@ -2783,7 +2786,7 @@
         <p:spPr>
           <a:xfrm>
             <a:off x="504000" y="304920"/>
-            <a:ext cx="7199640" cy="1262160"/>
+            <a:ext cx="7199280" cy="1262160"/>
           </a:xfrm>
           <a:prstGeom prst="rect">
             <a:avLst/>
@@ -2818,8 +2821,8 @@
         </p:nvSpPr>
         <p:spPr>
           <a:xfrm>
-            <a:off x="504000" y="1768680"/>
-            <a:ext cx="9072000" cy="4384080"/>
+            <a:off x="504000" y="1800000"/>
+            <a:ext cx="9071280" cy="4383720"/>
           </a:xfrm>
           <a:prstGeom prst="rect">
             <a:avLst/>
@@ -2842,12 +2845,12 @@
               <a:buChar char=""/>
             </a:pPr>
             <a:r>
-              <a:rPr b="0" lang="en-US" sz="3200" spc="-1" strike="noStrike">
+              <a:rPr b="0" lang="en-US" sz="1800" spc="-1" strike="noStrike">
                 <a:latin typeface="Arial"/>
               </a:rPr>
               <a:t>Click to edit the outline text format</a:t>
             </a:r>
-            <a:endParaRPr b="0" lang="en-US" sz="3200" spc="-1" strike="noStrike">
+            <a:endParaRPr b="0" lang="en-US" sz="1800" spc="-1" strike="noStrike">
               <a:latin typeface="Arial"/>
             </a:endParaRPr>
           </a:p>
@@ -2864,12 +2867,12 @@
               <a:buChar char=""/>
             </a:pPr>
             <a:r>
-              <a:rPr b="0" lang="en-US" sz="2800" spc="-1" strike="noStrike">
+              <a:rPr b="0" lang="en-US" sz="1800" spc="-1" strike="noStrike">
                 <a:latin typeface="Arial"/>
               </a:rPr>
               <a:t>Second Outline Level</a:t>
             </a:r>
-            <a:endParaRPr b="0" lang="en-US" sz="2800" spc="-1" strike="noStrike">
+            <a:endParaRPr b="0" lang="en-US" sz="1800" spc="-1" strike="noStrike">
               <a:latin typeface="Arial"/>
             </a:endParaRPr>
           </a:p>
@@ -2886,12 +2889,12 @@
               <a:buChar char=""/>
             </a:pPr>
             <a:r>
-              <a:rPr b="0" lang="en-US" sz="2400" spc="-1" strike="noStrike">
+              <a:rPr b="0" lang="en-US" sz="1800" spc="-1" strike="noStrike">
                 <a:latin typeface="Arial"/>
               </a:rPr>
               <a:t>Third Outline Level</a:t>
             </a:r>
-            <a:endParaRPr b="0" lang="en-US" sz="2400" spc="-1" strike="noStrike">
+            <a:endParaRPr b="0" lang="en-US" sz="1800" spc="-1" strike="noStrike">
               <a:latin typeface="Arial"/>
             </a:endParaRPr>
           </a:p>
@@ -2908,12 +2911,12 @@
               <a:buChar char=""/>
             </a:pPr>
             <a:r>
-              <a:rPr b="0" lang="en-US" sz="2000" spc="-1" strike="noStrike">
+              <a:rPr b="0" lang="en-US" sz="1800" spc="-1" strike="noStrike">
                 <a:latin typeface="Arial"/>
               </a:rPr>
               <a:t>Fourth Outline Level</a:t>
             </a:r>
-            <a:endParaRPr b="0" lang="en-US" sz="2000" spc="-1" strike="noStrike">
+            <a:endParaRPr b="0" lang="en-US" sz="1800" spc="-1" strike="noStrike">
               <a:latin typeface="Arial"/>
             </a:endParaRPr>
           </a:p>
@@ -2930,12 +2933,12 @@
               <a:buChar char=""/>
             </a:pPr>
             <a:r>
-              <a:rPr b="0" lang="en-US" sz="2000" spc="-1" strike="noStrike">
+              <a:rPr b="0" lang="en-US" sz="1800" spc="-1" strike="noStrike">
                 <a:latin typeface="Arial"/>
               </a:rPr>
               <a:t>Fifth Outline Level</a:t>
             </a:r>
-            <a:endParaRPr b="0" lang="en-US" sz="2000" spc="-1" strike="noStrike">
+            <a:endParaRPr b="0" lang="en-US" sz="1800" spc="-1" strike="noStrike">
               <a:latin typeface="Arial"/>
             </a:endParaRPr>
           </a:p>
@@ -2952,12 +2955,12 @@
               <a:buChar char=""/>
             </a:pPr>
             <a:r>
-              <a:rPr b="0" lang="en-US" sz="2000" spc="-1" strike="noStrike">
+              <a:rPr b="0" lang="en-US" sz="1800" spc="-1" strike="noStrike">
                 <a:latin typeface="Arial"/>
               </a:rPr>
               <a:t>Sixth Outline Level</a:t>
             </a:r>
-            <a:endParaRPr b="0" lang="en-US" sz="2000" spc="-1" strike="noStrike">
+            <a:endParaRPr b="0" lang="en-US" sz="1800" spc="-1" strike="noStrike">
               <a:latin typeface="Arial"/>
             </a:endParaRPr>
           </a:p>
@@ -2974,12 +2977,12 @@
               <a:buChar char=""/>
             </a:pPr>
             <a:r>
-              <a:rPr b="0" lang="en-US" sz="2000" spc="-1" strike="noStrike">
+              <a:rPr b="0" lang="en-US" sz="1800" spc="-1" strike="noStrike">
                 <a:latin typeface="Arial"/>
               </a:rPr>
               <a:t>Seventh Outline Level</a:t>
             </a:r>
-            <a:endParaRPr b="0" lang="en-US" sz="2000" spc="-1" strike="noStrike">
+            <a:endParaRPr b="0" lang="en-US" sz="1800" spc="-1" strike="noStrike">
               <a:latin typeface="Arial"/>
             </a:endParaRPr>
           </a:p>
@@ -3035,7 +3038,7 @@
         <p:spPr>
           <a:xfrm>
             <a:off x="720" y="720"/>
-            <a:ext cx="10079280" cy="7559280"/>
+            <a:ext cx="10078920" cy="7558920"/>
           </a:xfrm>
           <a:prstGeom prst="rect">
             <a:avLst/>
@@ -3057,8 +3060,8 @@
         </p:nvSpPr>
         <p:spPr>
           <a:xfrm>
-            <a:off x="504000" y="304920"/>
-            <a:ext cx="7199640" cy="1262160"/>
+            <a:off x="504000" y="301320"/>
+            <a:ext cx="9072000" cy="1261800"/>
           </a:xfrm>
           <a:prstGeom prst="rect">
             <a:avLst/>
@@ -3066,16 +3069,17 @@
         </p:spPr>
         <p:txBody>
           <a:bodyPr lIns="0" rIns="0" tIns="0" bIns="0" anchor="ctr">
-            <a:spAutoFit/>
-          </a:bodyPr>
-          <a:p>
-            <a:r>
-              <a:rPr b="0" lang="en-US" sz="1800" spc="-1" strike="noStrike">
+            <a:noAutofit/>
+          </a:bodyPr>
+          <a:p>
+            <a:pPr algn="ctr"/>
+            <a:r>
+              <a:rPr b="0" lang="en-US" sz="4400" spc="-1" strike="noStrike">
                 <a:latin typeface="Arial"/>
               </a:rPr>
               <a:t>Click to edit the title text format</a:t>
             </a:r>
-            <a:endParaRPr b="0" lang="en-US" sz="1800" spc="-1" strike="noStrike">
+            <a:endParaRPr b="0" lang="en-US" sz="4400" spc="-1" strike="noStrike">
               <a:latin typeface="Arial"/>
             </a:endParaRPr>
           </a:p>
@@ -3093,8 +3097,8 @@
         </p:nvSpPr>
         <p:spPr>
           <a:xfrm>
-            <a:off x="504000" y="1800000"/>
-            <a:ext cx="9071640" cy="4384080"/>
+            <a:off x="504000" y="1768680"/>
+            <a:ext cx="9072000" cy="4384080"/>
           </a:xfrm>
           <a:prstGeom prst="rect">
             <a:avLst/>
@@ -3117,12 +3121,12 @@
               <a:buChar char=""/>
             </a:pPr>
             <a:r>
-              <a:rPr b="0" lang="en-US" sz="1800" spc="-1" strike="noStrike">
+              <a:rPr b="0" lang="en-US" sz="3200" spc="-1" strike="noStrike">
                 <a:latin typeface="Arial"/>
               </a:rPr>
               <a:t>Click to edit the outline text format</a:t>
             </a:r>
-            <a:endParaRPr b="0" lang="en-US" sz="1800" spc="-1" strike="noStrike">
+            <a:endParaRPr b="0" lang="en-US" sz="3200" spc="-1" strike="noStrike">
               <a:latin typeface="Arial"/>
             </a:endParaRPr>
           </a:p>
@@ -3139,12 +3143,12 @@
               <a:buChar char=""/>
             </a:pPr>
             <a:r>
-              <a:rPr b="0" lang="en-US" sz="1800" spc="-1" strike="noStrike">
+              <a:rPr b="0" lang="en-US" sz="2800" spc="-1" strike="noStrike">
                 <a:latin typeface="Arial"/>
               </a:rPr>
               <a:t>Second Outline Level</a:t>
             </a:r>
-            <a:endParaRPr b="0" lang="en-US" sz="1800" spc="-1" strike="noStrike">
+            <a:endParaRPr b="0" lang="en-US" sz="2800" spc="-1" strike="noStrike">
               <a:latin typeface="Arial"/>
             </a:endParaRPr>
           </a:p>
@@ -3161,12 +3165,12 @@
               <a:buChar char=""/>
             </a:pPr>
             <a:r>
-              <a:rPr b="0" lang="en-US" sz="1800" spc="-1" strike="noStrike">
+              <a:rPr b="0" lang="en-US" sz="2400" spc="-1" strike="noStrike">
                 <a:latin typeface="Arial"/>
               </a:rPr>
               <a:t>Third Outline Level</a:t>
             </a:r>
-            <a:endParaRPr b="0" lang="en-US" sz="1800" spc="-1" strike="noStrike">
+            <a:endParaRPr b="0" lang="en-US" sz="2400" spc="-1" strike="noStrike">
               <a:latin typeface="Arial"/>
             </a:endParaRPr>
           </a:p>
@@ -3183,12 +3187,12 @@
               <a:buChar char=""/>
             </a:pPr>
             <a:r>
-              <a:rPr b="0" lang="en-US" sz="1800" spc="-1" strike="noStrike">
+              <a:rPr b="0" lang="en-US" sz="2000" spc="-1" strike="noStrike">
                 <a:latin typeface="Arial"/>
               </a:rPr>
               <a:t>Fourth Outline Level</a:t>
             </a:r>
-            <a:endParaRPr b="0" lang="en-US" sz="1800" spc="-1" strike="noStrike">
+            <a:endParaRPr b="0" lang="en-US" sz="2000" spc="-1" strike="noStrike">
               <a:latin typeface="Arial"/>
             </a:endParaRPr>
           </a:p>
@@ -3205,12 +3209,12 @@
               <a:buChar char=""/>
             </a:pPr>
             <a:r>
-              <a:rPr b="0" lang="en-US" sz="1800" spc="-1" strike="noStrike">
+              <a:rPr b="0" lang="en-US" sz="2000" spc="-1" strike="noStrike">
                 <a:latin typeface="Arial"/>
               </a:rPr>
               <a:t>Fifth Outline Level</a:t>
             </a:r>
-            <a:endParaRPr b="0" lang="en-US" sz="1800" spc="-1" strike="noStrike">
+            <a:endParaRPr b="0" lang="en-US" sz="2000" spc="-1" strike="noStrike">
               <a:latin typeface="Arial"/>
             </a:endParaRPr>
           </a:p>
@@ -3227,12 +3231,12 @@
               <a:buChar char=""/>
             </a:pPr>
             <a:r>
-              <a:rPr b="0" lang="en-US" sz="1800" spc="-1" strike="noStrike">
+              <a:rPr b="0" lang="en-US" sz="2000" spc="-1" strike="noStrike">
                 <a:latin typeface="Arial"/>
               </a:rPr>
               <a:t>Sixth Outline Level</a:t>
             </a:r>
-            <a:endParaRPr b="0" lang="en-US" sz="1800" spc="-1" strike="noStrike">
+            <a:endParaRPr b="0" lang="en-US" sz="2000" spc="-1" strike="noStrike">
               <a:latin typeface="Arial"/>
             </a:endParaRPr>
           </a:p>
@@ -3249,12 +3253,12 @@
               <a:buChar char=""/>
             </a:pPr>
             <a:r>
-              <a:rPr b="0" lang="en-US" sz="1800" spc="-1" strike="noStrike">
+              <a:rPr b="0" lang="en-US" sz="2000" spc="-1" strike="noStrike">
                 <a:latin typeface="Arial"/>
               </a:rPr>
               <a:t>Seventh Outline Level</a:t>
             </a:r>
-            <a:endParaRPr b="0" lang="en-US" sz="1800" spc="-1" strike="noStrike">
+            <a:endParaRPr b="0" lang="en-US" sz="2000" spc="-1" strike="noStrike">
               <a:latin typeface="Arial"/>
             </a:endParaRPr>
           </a:p>
@@ -3306,7 +3310,7 @@
         <p:spPr>
           <a:xfrm>
             <a:off x="504000" y="576000"/>
-            <a:ext cx="7199640" cy="719640"/>
+            <a:ext cx="7199280" cy="719280"/>
           </a:xfrm>
           <a:prstGeom prst="rect">
             <a:avLst/>
@@ -3332,7 +3336,7 @@
         <p:spPr>
           <a:xfrm>
             <a:off x="504000" y="3747960"/>
-            <a:ext cx="9071640" cy="488160"/>
+            <a:ext cx="9071280" cy="487800"/>
           </a:xfrm>
           <a:prstGeom prst="rect">
             <a:avLst/>
@@ -3360,7 +3364,11 @@
             </a:pPr>
             <a:r>
               <a:rPr b="0" lang="en-US" sz="3200" spc="-1" strike="noStrike">
-                <a:latin typeface="Arial"/>
+                <a:solidFill>
+                  <a:srgbClr val="000000"/>
+                </a:solidFill>
+                <a:latin typeface="Arial"/>
+                <a:ea typeface="DejaVu Sans"/>
               </a:rPr>
               <a:t>C# Application with Entity Framework</a:t>
             </a:r>
@@ -3409,7 +3417,7 @@
         <p:spPr>
           <a:xfrm>
             <a:off x="504000" y="576000"/>
-            <a:ext cx="7199640" cy="719640"/>
+            <a:ext cx="7199280" cy="719280"/>
           </a:xfrm>
           <a:prstGeom prst="rect">
             <a:avLst/>
@@ -3435,7 +3443,7 @@
         <p:spPr>
           <a:xfrm>
             <a:off x="504000" y="1800000"/>
-            <a:ext cx="9071640" cy="4384080"/>
+            <a:ext cx="9071280" cy="4383720"/>
           </a:xfrm>
           <a:prstGeom prst="rect">
             <a:avLst/>
@@ -3456,7 +3464,7 @@
             <a:normAutofit/>
           </a:bodyPr>
           <a:p>
-            <a:pPr marL="432000" indent="-323640">
+            <a:pPr marL="432000" indent="-323280">
               <a:lnSpc>
                 <a:spcPct val="100000"/>
               </a:lnSpc>
@@ -3472,7 +3480,11 @@
             </a:pPr>
             <a:r>
               <a:rPr b="0" lang="en-US" sz="2600" spc="-1" strike="noStrike">
-                <a:latin typeface="Arial"/>
+                <a:solidFill>
+                  <a:srgbClr val="000000"/>
+                </a:solidFill>
+                <a:latin typeface="Arial"/>
+                <a:ea typeface="DejaVu Sans"/>
               </a:rPr>
               <a:t>Goal of the application: Create an application that shows the details of a sale made by a sales person at a particular sales region.</a:t>
             </a:r>
@@ -3481,7 +3493,7 @@
             </a:endParaRPr>
           </a:p>
           <a:p>
-            <a:pPr marL="432000" indent="-323640">
+            <a:pPr marL="432000" indent="-323280">
               <a:lnSpc>
                 <a:spcPct val="100000"/>
               </a:lnSpc>
@@ -3497,7 +3509,11 @@
             </a:pPr>
             <a:r>
               <a:rPr b="0" lang="en-US" sz="2600" spc="-1" strike="noStrike">
-                <a:latin typeface="Arial"/>
+                <a:solidFill>
+                  <a:srgbClr val="000000"/>
+                </a:solidFill>
+                <a:latin typeface="Arial"/>
+                <a:ea typeface="DejaVu Sans"/>
               </a:rPr>
               <a:t>SalesRegion: Name, Code (given for a region),Sales made in that region, SalesPerson, Active/Inactive state.</a:t>
             </a:r>
@@ -3506,7 +3522,7 @@
             </a:endParaRPr>
           </a:p>
           <a:p>
-            <a:pPr marL="432000" indent="-323640">
+            <a:pPr marL="432000" indent="-323280">
               <a:lnSpc>
                 <a:spcPct val="100000"/>
               </a:lnSpc>
@@ -3522,7 +3538,11 @@
             </a:pPr>
             <a:r>
               <a:rPr b="0" lang="en-US" sz="2600" spc="-1" strike="noStrike">
-                <a:latin typeface="Arial"/>
+                <a:solidFill>
+                  <a:srgbClr val="000000"/>
+                </a:solidFill>
+                <a:latin typeface="Arial"/>
+                <a:ea typeface="DejaVu Sans"/>
               </a:rPr>
               <a:t>SalesPerson: Firstname, Lastname, Sales, SalesRegion, Active/Inactive state.</a:t>
             </a:r>
@@ -3531,7 +3551,7 @@
             </a:endParaRPr>
           </a:p>
           <a:p>
-            <a:pPr marL="432000" indent="-323640">
+            <a:pPr marL="432000" indent="-323280">
               <a:lnSpc>
                 <a:spcPct val="100000"/>
               </a:lnSpc>
@@ -3547,7 +3567,11 @@
             </a:pPr>
             <a:r>
               <a:rPr b="0" lang="en-US" sz="2600" spc="-1" strike="noStrike">
-                <a:latin typeface="Arial"/>
+                <a:solidFill>
+                  <a:srgbClr val="000000"/>
+                </a:solidFill>
+                <a:latin typeface="Arial"/>
+                <a:ea typeface="DejaVu Sans"/>
               </a:rPr>
               <a:t>Sales: Amount, Date, SalesRegion, SalesPerson.</a:t>
             </a:r>
@@ -3596,7 +3620,7 @@
         <p:spPr>
           <a:xfrm>
             <a:off x="504000" y="576000"/>
-            <a:ext cx="7199640" cy="719640"/>
+            <a:ext cx="7199280" cy="719280"/>
           </a:xfrm>
           <a:prstGeom prst="rect">
             <a:avLst/>
@@ -3622,7 +3646,7 @@
         <p:spPr>
           <a:xfrm>
             <a:off x="504000" y="1800000"/>
-            <a:ext cx="9071640" cy="4384080"/>
+            <a:ext cx="9071280" cy="4383720"/>
           </a:xfrm>
           <a:prstGeom prst="rect">
             <a:avLst/>
@@ -3643,7 +3667,7 @@
             <a:normAutofit fontScale="86000"/>
           </a:bodyPr>
           <a:p>
-            <a:pPr marL="432000" indent="-323640">
+            <a:pPr marL="432000" indent="-323280">
               <a:lnSpc>
                 <a:spcPct val="100000"/>
               </a:lnSpc>
@@ -3659,7 +3683,11 @@
             </a:pPr>
             <a:r>
               <a:rPr b="0" lang="en-US" sz="2600" spc="-1" strike="noStrike">
-                <a:latin typeface="Arial"/>
+                <a:solidFill>
+                  <a:srgbClr val="000000"/>
+                </a:solidFill>
+                <a:latin typeface="Arial"/>
+                <a:ea typeface="DejaVu Sans"/>
               </a:rPr>
               <a:t>We first create Entity Framework. This is done by installing it from “Manage NuGet Packages” option.</a:t>
             </a:r>
@@ -3668,7 +3696,7 @@
             </a:endParaRPr>
           </a:p>
           <a:p>
-            <a:pPr marL="432000" indent="-323640">
+            <a:pPr marL="432000" indent="-323280">
               <a:lnSpc>
                 <a:spcPct val="100000"/>
               </a:lnSpc>
@@ -3684,7 +3712,11 @@
             </a:pPr>
             <a:r>
               <a:rPr b="0" lang="en-US" sz="2600" spc="-1" strike="noStrike">
-                <a:latin typeface="Arial"/>
+                <a:solidFill>
+                  <a:srgbClr val="000000"/>
+                </a:solidFill>
+                <a:latin typeface="Arial"/>
+                <a:ea typeface="DejaVu Sans"/>
               </a:rPr>
               <a:t> </a:t>
             </a:r>
@@ -3693,7 +3725,7 @@
             </a:endParaRPr>
           </a:p>
           <a:p>
-            <a:pPr marL="432000" indent="-323640">
+            <a:pPr marL="432000" indent="-323280">
               <a:lnSpc>
                 <a:spcPct val="100000"/>
               </a:lnSpc>
@@ -3709,7 +3741,11 @@
             </a:pPr>
             <a:r>
               <a:rPr b="0" lang="en-US" sz="2600" spc="-1" strike="noStrike">
-                <a:latin typeface="Arial"/>
+                <a:solidFill>
+                  <a:srgbClr val="000000"/>
+                </a:solidFill>
+                <a:latin typeface="Arial"/>
+                <a:ea typeface="DejaVu Sans"/>
               </a:rPr>
               <a:t>Entity Framework is an open source object-relational mapping framework for ADO.NET.</a:t>
             </a:r>
@@ -3718,7 +3754,7 @@
             </a:endParaRPr>
           </a:p>
           <a:p>
-            <a:pPr marL="432000" indent="-323640">
+            <a:pPr marL="432000" indent="-323280">
               <a:lnSpc>
                 <a:spcPct val="100000"/>
               </a:lnSpc>
@@ -3734,7 +3770,11 @@
             </a:pPr>
             <a:r>
               <a:rPr b="0" lang="en-US" sz="2600" spc="-1" strike="noStrike">
-                <a:latin typeface="Arial"/>
+                <a:solidFill>
+                  <a:srgbClr val="000000"/>
+                </a:solidFill>
+                <a:latin typeface="Arial"/>
+                <a:ea typeface="DejaVu Sans"/>
               </a:rPr>
               <a:t> </a:t>
             </a:r>
@@ -3743,7 +3783,7 @@
             </a:endParaRPr>
           </a:p>
           <a:p>
-            <a:pPr marL="432000" indent="-323640">
+            <a:pPr marL="432000" indent="-323280">
               <a:lnSpc>
                 <a:spcPct val="100000"/>
               </a:lnSpc>
@@ -3759,7 +3799,11 @@
             </a:pPr>
             <a:r>
               <a:rPr b="0" lang="en-US" sz="2600" spc="-1" strike="noStrike">
-                <a:latin typeface="Arial"/>
+                <a:solidFill>
+                  <a:srgbClr val="000000"/>
+                </a:solidFill>
+                <a:latin typeface="Arial"/>
+                <a:ea typeface="DejaVu Sans"/>
               </a:rPr>
               <a:t>ORM is defined as a technique for converting data between incompatible type systems using object-oriented programming languages. This creates, in effect, a "virtual object database" that can be used from within the programming language.</a:t>
             </a:r>
@@ -3808,7 +3852,7 @@
         <p:spPr>
           <a:xfrm>
             <a:off x="504000" y="576000"/>
-            <a:ext cx="7199640" cy="719640"/>
+            <a:ext cx="7199280" cy="719280"/>
           </a:xfrm>
           <a:prstGeom prst="rect">
             <a:avLst/>
@@ -3834,7 +3878,7 @@
         <p:spPr>
           <a:xfrm>
             <a:off x="504000" y="1800000"/>
-            <a:ext cx="9071640" cy="4384080"/>
+            <a:ext cx="9071280" cy="4383720"/>
           </a:xfrm>
           <a:prstGeom prst="rect">
             <a:avLst/>
@@ -3855,7 +3899,7 @@
             <a:normAutofit/>
           </a:bodyPr>
           <a:p>
-            <a:pPr marL="432000" indent="-323640">
+            <a:pPr marL="432000" indent="-323280">
               <a:lnSpc>
                 <a:spcPct val="100000"/>
               </a:lnSpc>
@@ -3871,7 +3915,11 @@
             </a:pPr>
             <a:r>
               <a:rPr b="0" lang="en-US" sz="2600" spc="-1" strike="noStrike">
-                <a:latin typeface="Arial"/>
+                <a:solidFill>
+                  <a:srgbClr val="000000"/>
+                </a:solidFill>
+                <a:latin typeface="Arial"/>
+                <a:ea typeface="DejaVu Sans"/>
               </a:rPr>
               <a:t>We then create models:</a:t>
             </a:r>
@@ -3880,7 +3928,7 @@
             </a:endParaRPr>
           </a:p>
           <a:p>
-            <a:pPr marL="432000" indent="-323640">
+            <a:pPr marL="432000" indent="-323280">
               <a:lnSpc>
                 <a:spcPct val="100000"/>
               </a:lnSpc>
@@ -3896,7 +3944,11 @@
             </a:pPr>
             <a:r>
               <a:rPr b="0" lang="en-US" sz="2600" spc="-1" strike="noStrike">
-                <a:latin typeface="Arial"/>
+                <a:solidFill>
+                  <a:srgbClr val="000000"/>
+                </a:solidFill>
+                <a:latin typeface="Arial"/>
+                <a:ea typeface="DejaVu Sans"/>
               </a:rPr>
               <a:t>SalesRegion: Name, Code.</a:t>
             </a:r>
@@ -3905,7 +3957,7 @@
             </a:endParaRPr>
           </a:p>
           <a:p>
-            <a:pPr marL="432000" indent="-323640">
+            <a:pPr marL="432000" indent="-323280">
               <a:lnSpc>
                 <a:spcPct val="100000"/>
               </a:lnSpc>
@@ -3921,7 +3973,11 @@
             </a:pPr>
             <a:r>
               <a:rPr b="0" lang="en-US" sz="2600" spc="-1" strike="noStrike">
-                <a:latin typeface="Arial"/>
+                <a:solidFill>
+                  <a:srgbClr val="000000"/>
+                </a:solidFill>
+                <a:latin typeface="Arial"/>
+                <a:ea typeface="DejaVu Sans"/>
               </a:rPr>
               <a:t>SalesPerson: Firstname, Lastname.</a:t>
             </a:r>
@@ -3930,7 +3986,7 @@
             </a:endParaRPr>
           </a:p>
           <a:p>
-            <a:pPr marL="432000" indent="-323640">
+            <a:pPr marL="432000" indent="-323280">
               <a:lnSpc>
                 <a:spcPct val="100000"/>
               </a:lnSpc>
@@ -3946,7 +4002,11 @@
             </a:pPr>
             <a:r>
               <a:rPr b="0" lang="en-US" sz="2600" spc="-1" strike="noStrike">
-                <a:latin typeface="Arial"/>
+                <a:solidFill>
+                  <a:srgbClr val="000000"/>
+                </a:solidFill>
+                <a:latin typeface="Arial"/>
+                <a:ea typeface="DejaVu Sans"/>
               </a:rPr>
               <a:t>Sales: Amount, Date.</a:t>
             </a:r>
@@ -3955,7 +4015,7 @@
             </a:endParaRPr>
           </a:p>
           <a:p>
-            <a:pPr marL="432000" indent="-323640">
+            <a:pPr marL="432000" indent="-323280">
               <a:lnSpc>
                 <a:spcPct val="100000"/>
               </a:lnSpc>
@@ -3971,7 +4031,11 @@
             </a:pPr>
             <a:r>
               <a:rPr b="0" lang="en-US" sz="2600" spc="-1" strike="noStrike">
-                <a:latin typeface="Arial"/>
+                <a:solidFill>
+                  <a:srgbClr val="000000"/>
+                </a:solidFill>
+                <a:latin typeface="Arial"/>
+                <a:ea typeface="DejaVu Sans"/>
               </a:rPr>
               <a:t>Base Model: Id, CreatedBy, CreatedDate,UpdatedBy, UpdatedDate.</a:t>
             </a:r>
@@ -4013,14 +4077,14 @@
       </p:grpSpPr>
       <p:sp>
         <p:nvSpPr>
-          <p:cNvPr id="86" name="TextShape 1"/>
-          <p:cNvSpPr txBox="1"/>
+          <p:cNvPr id="86" name="CustomShape 1"/>
+          <p:cNvSpPr/>
           <p:nvPr/>
         </p:nvSpPr>
         <p:spPr>
           <a:xfrm>
             <a:off x="504000" y="304920"/>
-            <a:ext cx="7199640" cy="1262160"/>
+            <a:ext cx="7199280" cy="1261800"/>
           </a:xfrm>
           <a:prstGeom prst="rect">
             <a:avLst/>
@@ -4030,28 +4094,23 @@
             <a:noFill/>
           </a:ln>
         </p:spPr>
-        <p:txBody>
-          <a:bodyPr lIns="0" rIns="0" tIns="0" bIns="0" anchor="ctr">
-            <a:spAutoFit/>
-          </a:bodyPr>
-          <a:p>
-            <a:pPr algn="ctr"/>
-            <a:endParaRPr b="0" lang="en-US" sz="4400" spc="-1" strike="noStrike">
-              <a:latin typeface="Arial"/>
-            </a:endParaRPr>
-          </a:p>
-        </p:txBody>
-      </p:sp>
-      <p:sp>
-        <p:nvSpPr>
-          <p:cNvPr id="87" name="TextShape 2"/>
-          <p:cNvSpPr txBox="1"/>
+        <p:style>
+          <a:lnRef idx="0"/>
+          <a:fillRef idx="0"/>
+          <a:effectRef idx="0"/>
+          <a:fontRef idx="minor"/>
+        </p:style>
+      </p:sp>
+      <p:sp>
+        <p:nvSpPr>
+          <p:cNvPr id="87" name="CustomShape 2"/>
+          <p:cNvSpPr/>
           <p:nvPr/>
         </p:nvSpPr>
         <p:spPr>
           <a:xfrm>
             <a:off x="548640" y="2194560"/>
-            <a:ext cx="8869680" cy="3657600"/>
+            <a:ext cx="8869320" cy="2833560"/>
           </a:xfrm>
           <a:prstGeom prst="rect">
             <a:avLst/>
@@ -4061,11 +4120,22 @@
             <a:noFill/>
           </a:ln>
         </p:spPr>
+        <p:style>
+          <a:lnRef idx="0"/>
+          <a:fillRef idx="0"/>
+          <a:effectRef idx="0"/>
+          <a:fontRef idx="minor"/>
+        </p:style>
         <p:txBody>
           <a:bodyPr lIns="90000" rIns="90000" tIns="45000" bIns="45000">
             <a:spAutoFit/>
           </a:bodyPr>
           <a:p>
+            <a:pPr>
+              <a:lnSpc>
+                <a:spcPct val="100000"/>
+              </a:lnSpc>
+            </a:pPr>
             <a:r>
               <a:rPr b="0" lang="en-US" sz="1800" spc="-1" strike="noStrike">
                 <a:latin typeface="Arial"/>
@@ -4077,11 +4147,21 @@
             </a:endParaRPr>
           </a:p>
           <a:p>
+            <a:pPr>
+              <a:lnSpc>
+                <a:spcPct val="100000"/>
+              </a:lnSpc>
+            </a:pPr>
             <a:endParaRPr b="0" lang="en-US" sz="1800" spc="-1" strike="noStrike">
               <a:latin typeface="Arial"/>
             </a:endParaRPr>
           </a:p>
           <a:p>
+            <a:pPr>
+              <a:lnSpc>
+                <a:spcPct val="100000"/>
+              </a:lnSpc>
+            </a:pPr>
             <a:r>
               <a:rPr b="0" lang="en-US" sz="1800" spc="-1" strike="noStrike">
                 <a:latin typeface="Arial"/>
@@ -4093,11 +4173,21 @@
             </a:endParaRPr>
           </a:p>
           <a:p>
+            <a:pPr>
+              <a:lnSpc>
+                <a:spcPct val="100000"/>
+              </a:lnSpc>
+            </a:pPr>
             <a:endParaRPr b="0" lang="en-US" sz="1800" spc="-1" strike="noStrike">
               <a:latin typeface="Arial"/>
             </a:endParaRPr>
           </a:p>
           <a:p>
+            <a:pPr>
+              <a:lnSpc>
+                <a:spcPct val="100000"/>
+              </a:lnSpc>
+            </a:pPr>
             <a:r>
               <a:rPr b="0" lang="en-US" sz="1800" spc="-1" strike="noStrike">
                 <a:latin typeface="Arial"/>
@@ -4109,6 +4199,11 @@
             </a:endParaRPr>
           </a:p>
           <a:p>
+            <a:pPr>
+              <a:lnSpc>
+                <a:spcPct val="100000"/>
+              </a:lnSpc>
+            </a:pPr>
             <a:r>
               <a:rPr b="0" lang="en-US" sz="1800" spc="-1" strike="noStrike">
                 <a:latin typeface="Arial"/>
@@ -4120,6 +4215,11 @@
             </a:endParaRPr>
           </a:p>
           <a:p>
+            <a:pPr>
+              <a:lnSpc>
+                <a:spcPct val="100000"/>
+              </a:lnSpc>
+            </a:pPr>
             <a:r>
               <a:rPr b="0" lang="en-US" sz="1800" spc="-1" strike="noStrike">
                 <a:latin typeface="Arial"/>
@@ -4131,11 +4231,21 @@
             </a:endParaRPr>
           </a:p>
           <a:p>
+            <a:pPr>
+              <a:lnSpc>
+                <a:spcPct val="100000"/>
+              </a:lnSpc>
+            </a:pPr>
             <a:endParaRPr b="0" lang="en-US" sz="1800" spc="-1" strike="noStrike">
               <a:latin typeface="Arial"/>
             </a:endParaRPr>
           </a:p>
           <a:p>
+            <a:pPr>
+              <a:lnSpc>
+                <a:spcPct val="100000"/>
+              </a:lnSpc>
+            </a:pPr>
             <a:r>
               <a:rPr b="0" lang="en-US" sz="1800" spc="-1" strike="noStrike">
                 <a:latin typeface="Arial"/>
@@ -4180,14 +4290,14 @@
       </p:grpSpPr>
       <p:sp>
         <p:nvSpPr>
-          <p:cNvPr id="88" name="TextShape 1"/>
-          <p:cNvSpPr txBox="1"/>
+          <p:cNvPr id="88" name="CustomShape 1"/>
+          <p:cNvSpPr/>
           <p:nvPr/>
         </p:nvSpPr>
         <p:spPr>
           <a:xfrm>
             <a:off x="504000" y="304920"/>
-            <a:ext cx="7199640" cy="1262160"/>
+            <a:ext cx="7199280" cy="1261800"/>
           </a:xfrm>
           <a:prstGeom prst="rect">
             <a:avLst/>
@@ -4197,28 +4307,23 @@
             <a:noFill/>
           </a:ln>
         </p:spPr>
-        <p:txBody>
-          <a:bodyPr lIns="0" rIns="0" tIns="0" bIns="0" anchor="ctr">
-            <a:spAutoFit/>
-          </a:bodyPr>
-          <a:p>
-            <a:pPr algn="ctr"/>
-            <a:endParaRPr b="0" lang="en-US" sz="4400" spc="-1" strike="noStrike">
-              <a:latin typeface="Arial"/>
-            </a:endParaRPr>
-          </a:p>
-        </p:txBody>
-      </p:sp>
-      <p:sp>
-        <p:nvSpPr>
-          <p:cNvPr id="89" name="TextShape 2"/>
-          <p:cNvSpPr txBox="1"/>
+        <p:style>
+          <a:lnRef idx="0"/>
+          <a:fillRef idx="0"/>
+          <a:effectRef idx="0"/>
+          <a:fontRef idx="minor"/>
+        </p:style>
+      </p:sp>
+      <p:sp>
+        <p:nvSpPr>
+          <p:cNvPr id="89" name="CustomShape 2"/>
+          <p:cNvSpPr/>
           <p:nvPr/>
         </p:nvSpPr>
         <p:spPr>
           <a:xfrm>
             <a:off x="548640" y="1828800"/>
-            <a:ext cx="8961120" cy="1882080"/>
+            <a:ext cx="8961120" cy="3382200"/>
           </a:xfrm>
           <a:prstGeom prst="rect">
             <a:avLst/>
@@ -4228,11 +4333,22 @@
             <a:noFill/>
           </a:ln>
         </p:spPr>
+        <p:style>
+          <a:lnRef idx="0"/>
+          <a:fillRef idx="0"/>
+          <a:effectRef idx="0"/>
+          <a:fontRef idx="minor"/>
+        </p:style>
         <p:txBody>
           <a:bodyPr lIns="90000" rIns="90000" tIns="45000" bIns="45000">
             <a:spAutoFit/>
           </a:bodyPr>
           <a:p>
+            <a:pPr>
+              <a:lnSpc>
+                <a:spcPct val="100000"/>
+              </a:lnSpc>
+            </a:pPr>
             <a:r>
               <a:rPr b="0" lang="en-US" sz="1800" spc="-1" strike="noStrike">
                 <a:latin typeface="Arial"/>
@@ -4244,11 +4360,21 @@
             </a:endParaRPr>
           </a:p>
           <a:p>
+            <a:pPr>
+              <a:lnSpc>
+                <a:spcPct val="100000"/>
+              </a:lnSpc>
+            </a:pPr>
             <a:endParaRPr b="0" lang="en-US" sz="1800" spc="-1" strike="noStrike">
               <a:latin typeface="Arial"/>
             </a:endParaRPr>
           </a:p>
           <a:p>
+            <a:pPr>
+              <a:lnSpc>
+                <a:spcPct val="100000"/>
+              </a:lnSpc>
+            </a:pPr>
             <a:r>
               <a:rPr b="0" lang="en-US" sz="1800" spc="-1" strike="noStrike">
                 <a:latin typeface="Arial"/>
@@ -4260,39 +4386,590 @@
             </a:endParaRPr>
           </a:p>
           <a:p>
+            <a:pPr>
+              <a:lnSpc>
+                <a:spcPct val="100000"/>
+              </a:lnSpc>
+            </a:pPr>
             <a:endParaRPr b="0" lang="en-US" sz="1800" spc="-1" strike="noStrike">
               <a:latin typeface="Arial"/>
             </a:endParaRPr>
           </a:p>
           <a:p>
+            <a:pPr>
+              <a:lnSpc>
+                <a:spcPct val="100000"/>
+              </a:lnSpc>
+            </a:pPr>
             <a:r>
               <a:rPr b="0" lang="en-US" sz="1800" spc="-1" strike="noStrike">
                 <a:latin typeface="Arial"/>
               </a:rPr>
-              <a:t>Few of the types of Data annotations are:</a:t>
+              <a:t>Few of the types of Data annotations used in this application are:</a:t>
             </a:r>
             <a:endParaRPr b="0" lang="en-US" sz="1800" spc="-1" strike="noStrike">
               <a:latin typeface="Arial"/>
             </a:endParaRPr>
           </a:p>
           <a:p>
+            <a:pPr>
+              <a:lnSpc>
+                <a:spcPct val="100000"/>
+              </a:lnSpc>
+            </a:pPr>
             <a:endParaRPr b="0" lang="en-US" sz="1800" spc="-1" strike="noStrike">
               <a:latin typeface="Arial"/>
             </a:endParaRPr>
           </a:p>
           <a:p>
+            <a:pPr>
+              <a:lnSpc>
+                <a:spcPct val="100000"/>
+              </a:lnSpc>
+            </a:pPr>
             <a:r>
               <a:rPr b="0" lang="en-US" sz="1800" spc="-1" strike="noStrike">
                 <a:latin typeface="Arial"/>
               </a:rPr>
-              <a:t>Required - </a:t>
+              <a:t>Required - This attribute specifies that the value is mandatory and cannot be skipped.</a:t>
             </a:r>
             <a:endParaRPr b="0" lang="en-US" sz="1800" spc="-1" strike="noStrike">
               <a:latin typeface="Arial"/>
             </a:endParaRPr>
           </a:p>
-        </p:txBody>
-      </p:sp>
+          <a:p>
+            <a:pPr>
+              <a:lnSpc>
+                <a:spcPct val="100000"/>
+              </a:lnSpc>
+            </a:pPr>
+            <a:endParaRPr b="0" lang="en-US" sz="1800" spc="-1" strike="noStrike">
+              <a:latin typeface="Arial"/>
+            </a:endParaRPr>
+          </a:p>
+          <a:p>
+            <a:pPr>
+              <a:lnSpc>
+                <a:spcPct val="100000"/>
+              </a:lnSpc>
+            </a:pPr>
+            <a:r>
+              <a:rPr b="0" lang="en-US" sz="1800" spc="-1" strike="noStrike">
+                <a:latin typeface="Arial"/>
+              </a:rPr>
+              <a:t>StringLength() - Using this attribute we can specify maximum and minimum length of the property.</a:t>
+            </a:r>
+            <a:endParaRPr b="0" lang="en-US" sz="1800" spc="-1" strike="noStrike">
+              <a:latin typeface="Arial"/>
+            </a:endParaRPr>
+          </a:p>
+          <a:p>
+            <a:pPr>
+              <a:lnSpc>
+                <a:spcPct val="100000"/>
+              </a:lnSpc>
+            </a:pPr>
+            <a:endParaRPr b="0" lang="en-US" sz="1800" spc="-1" strike="noStrike">
+              <a:latin typeface="Arial"/>
+            </a:endParaRPr>
+          </a:p>
+          <a:p>
+            <a:pPr>
+              <a:lnSpc>
+                <a:spcPct val="100000"/>
+              </a:lnSpc>
+            </a:pPr>
+            <a:r>
+              <a:rPr b="0" lang="en-US" sz="1800" spc="-1" strike="noStrike">
+                <a:latin typeface="Arial"/>
+              </a:rPr>
+              <a:t>Range() - Using this attribute we can set a range between two numbers.</a:t>
+            </a:r>
+            <a:endParaRPr b="0" lang="en-US" sz="1800" spc="-1" strike="noStrike">
+              <a:latin typeface="Arial"/>
+            </a:endParaRPr>
+          </a:p>
+        </p:txBody>
+      </p:sp>
+      <p:pic>
+        <p:nvPicPr>
+          <p:cNvPr id="90" name="" descr=""/>
+          <p:cNvPicPr/>
+          <p:nvPr/>
+        </p:nvPicPr>
+        <p:blipFill>
+          <a:blip r:embed="rId1"/>
+          <a:stretch/>
+        </p:blipFill>
+        <p:spPr>
+          <a:xfrm>
+            <a:off x="789120" y="5760720"/>
+            <a:ext cx="3234240" cy="750960"/>
+          </a:xfrm>
+          <a:prstGeom prst="rect">
+            <a:avLst/>
+          </a:prstGeom>
+          <a:ln>
+            <a:noFill/>
+          </a:ln>
+        </p:spPr>
+      </p:pic>
+      <p:pic>
+        <p:nvPicPr>
+          <p:cNvPr id="91" name="" descr=""/>
+          <p:cNvPicPr/>
+          <p:nvPr/>
+        </p:nvPicPr>
+        <p:blipFill>
+          <a:blip r:embed="rId2"/>
+          <a:stretch/>
+        </p:blipFill>
+        <p:spPr>
+          <a:xfrm>
+            <a:off x="4910400" y="5714640"/>
+            <a:ext cx="2953440" cy="790560"/>
+          </a:xfrm>
+          <a:prstGeom prst="rect">
+            <a:avLst/>
+          </a:prstGeom>
+          <a:ln>
+            <a:noFill/>
+          </a:ln>
+        </p:spPr>
+      </p:pic>
+    </p:spTree>
+  </p:cSld>
+  <mc:AlternateContent>
+    <mc:Choice Requires="p14">
+      <p:transition spd="slow" p14:dur="2000"/>
+    </mc:Choice>
+    <mc:Fallback>
+      <p:transition spd="slow"/>
+    </mc:Fallback>
+  </mc:AlternateContent>
+</p:sld>
+</file>
+
+<file path=ppt/slides/slide7.xml><?xml version="1.0" encoding="utf-8"?>
+<p:sld xmlns:a="http://schemas.openxmlformats.org/drawingml/2006/main" xmlns:p="http://schemas.openxmlformats.org/presentationml/2006/main" xmlns:r="http://schemas.openxmlformats.org/officeDocument/2006/relationships" xmlns:p14="http://schemas.microsoft.com/office/powerpoint/2010/main" xmlns:p15="http://schemas.microsoft.com/office/powerpoint/2012/main" xmlns:mc="http://schemas.openxmlformats.org/markup-compatibility/2006">
+  <p:cSld>
+    <p:spTree>
+      <p:nvGrpSpPr>
+        <p:cNvPr id="1" name=""/>
+        <p:cNvGrpSpPr/>
+        <p:nvPr/>
+      </p:nvGrpSpPr>
+      <p:grpSpPr>
+        <a:xfrm>
+          <a:off x="0" y="0"/>
+          <a:ext cx="0" cy="0"/>
+          <a:chOff x="0" y="0"/>
+          <a:chExt cx="0" cy="0"/>
+        </a:xfrm>
+      </p:grpSpPr>
+      <p:sp>
+        <p:nvSpPr>
+          <p:cNvPr id="92" name="TextShape 1"/>
+          <p:cNvSpPr txBox="1"/>
+          <p:nvPr/>
+        </p:nvSpPr>
+        <p:spPr>
+          <a:xfrm>
+            <a:off x="457200" y="1554480"/>
+            <a:ext cx="9144000" cy="3673800"/>
+          </a:xfrm>
+          <a:prstGeom prst="rect">
+            <a:avLst/>
+          </a:prstGeom>
+          <a:noFill/>
+          <a:ln>
+            <a:noFill/>
+          </a:ln>
+        </p:spPr>
+        <p:txBody>
+          <a:bodyPr lIns="90000" rIns="90000" tIns="45000" bIns="45000">
+            <a:spAutoFit/>
+          </a:bodyPr>
+          <a:p>
+            <a:r>
+              <a:rPr b="0" lang="en-US" sz="1800" spc="-1" strike="noStrike">
+                <a:latin typeface="Arial"/>
+              </a:rPr>
+              <a:t>The relationship between models are defined.</a:t>
+            </a:r>
+            <a:endParaRPr b="0" lang="en-US" sz="1800" spc="-1" strike="noStrike">
+              <a:latin typeface="Arial"/>
+            </a:endParaRPr>
+          </a:p>
+          <a:p>
+            <a:r>
+              <a:rPr b="0" lang="en-US" sz="1800" spc="-1" strike="noStrike">
+                <a:latin typeface="Arial"/>
+              </a:rPr>
+              <a:t>The types of relationships -</a:t>
+            </a:r>
+            <a:endParaRPr b="0" lang="en-US" sz="1800" spc="-1" strike="noStrike">
+              <a:latin typeface="Arial"/>
+            </a:endParaRPr>
+          </a:p>
+          <a:p>
+            <a:r>
+              <a:rPr b="0" lang="en-US" sz="1800" spc="-1" strike="noStrike">
+                <a:latin typeface="Arial"/>
+              </a:rPr>
+              <a:t>One-to-One : A row in a table can have only one matching row in another table, and vice versa.</a:t>
+            </a:r>
+            <a:endParaRPr b="0" lang="en-US" sz="1800" spc="-1" strike="noStrike">
+              <a:latin typeface="Arial"/>
+            </a:endParaRPr>
+          </a:p>
+          <a:p>
+            <a:endParaRPr b="0" lang="en-US" sz="1800" spc="-1" strike="noStrike">
+              <a:latin typeface="Arial"/>
+            </a:endParaRPr>
+          </a:p>
+          <a:p>
+            <a:r>
+              <a:rPr b="0" lang="en-US" sz="1800" spc="-1" strike="noStrike">
+                <a:latin typeface="Arial"/>
+              </a:rPr>
+              <a:t>One-to-Many (or Many-to-One) : A row in a table can have many matching rows in another table, but a row in the second table can have only one matching row in first table.</a:t>
+            </a:r>
+            <a:endParaRPr b="0" lang="en-US" sz="1800" spc="-1" strike="noStrike">
+              <a:latin typeface="Arial"/>
+            </a:endParaRPr>
+          </a:p>
+          <a:p>
+            <a:endParaRPr b="0" lang="en-US" sz="1800" spc="-1" strike="noStrike">
+              <a:latin typeface="Arial"/>
+            </a:endParaRPr>
+          </a:p>
+          <a:p>
+            <a:r>
+              <a:rPr b="0" lang="en-US" sz="1800" spc="-1" strike="noStrike">
+                <a:latin typeface="Arial"/>
+              </a:rPr>
+              <a:t>Many-to-Many : A row in a table can have many matching rows in another table, and vice versa.</a:t>
+            </a:r>
+            <a:endParaRPr b="0" lang="en-US" sz="1800" spc="-1" strike="noStrike">
+              <a:latin typeface="Arial"/>
+            </a:endParaRPr>
+          </a:p>
+          <a:p>
+            <a:endParaRPr b="0" lang="en-US" sz="1800" spc="-1" strike="noStrike">
+              <a:latin typeface="Arial"/>
+            </a:endParaRPr>
+          </a:p>
+          <a:p>
+            <a:endParaRPr b="0" lang="en-US" sz="1800" spc="-1" strike="noStrike">
+              <a:latin typeface="Arial"/>
+            </a:endParaRPr>
+          </a:p>
+          <a:p>
+            <a:r>
+              <a:rPr b="0" lang="en-US" sz="1800" spc="-1" strike="noStrike">
+                <a:latin typeface="Arial"/>
+              </a:rPr>
+              <a:t>Ex – This Is an example of one-2-one relationship.</a:t>
+            </a:r>
+            <a:endParaRPr b="0" lang="en-US" sz="1800" spc="-1" strike="noStrike">
+              <a:latin typeface="Arial"/>
+            </a:endParaRPr>
+          </a:p>
+        </p:txBody>
+      </p:sp>
+      <p:pic>
+        <p:nvPicPr>
+          <p:cNvPr id="93" name="" descr=""/>
+          <p:cNvPicPr/>
+          <p:nvPr/>
+        </p:nvPicPr>
+        <p:blipFill>
+          <a:blip r:embed="rId1"/>
+          <a:stretch/>
+        </p:blipFill>
+        <p:spPr>
+          <a:xfrm>
+            <a:off x="1653840" y="5370120"/>
+            <a:ext cx="4381200" cy="939240"/>
+          </a:xfrm>
+          <a:prstGeom prst="rect">
+            <a:avLst/>
+          </a:prstGeom>
+          <a:ln>
+            <a:noFill/>
+          </a:ln>
+        </p:spPr>
+      </p:pic>
+    </p:spTree>
+  </p:cSld>
+  <mc:AlternateContent>
+    <mc:Choice Requires="p14">
+      <p:transition spd="slow" p14:dur="2000"/>
+    </mc:Choice>
+    <mc:Fallback>
+      <p:transition spd="slow"/>
+    </mc:Fallback>
+  </mc:AlternateContent>
+</p:sld>
+</file>
+
+<file path=ppt/slides/slide8.xml><?xml version="1.0" encoding="utf-8"?>
+<p:sld xmlns:a="http://schemas.openxmlformats.org/drawingml/2006/main" xmlns:p="http://schemas.openxmlformats.org/presentationml/2006/main" xmlns:r="http://schemas.openxmlformats.org/officeDocument/2006/relationships" xmlns:p14="http://schemas.microsoft.com/office/powerpoint/2010/main" xmlns:p15="http://schemas.microsoft.com/office/powerpoint/2012/main" xmlns:mc="http://schemas.openxmlformats.org/markup-compatibility/2006">
+  <p:cSld>
+    <p:spTree>
+      <p:nvGrpSpPr>
+        <p:cNvPr id="1" name=""/>
+        <p:cNvGrpSpPr/>
+        <p:nvPr/>
+      </p:nvGrpSpPr>
+      <p:grpSpPr>
+        <a:xfrm>
+          <a:off x="0" y="0"/>
+          <a:ext cx="0" cy="0"/>
+          <a:chOff x="0" y="0"/>
+          <a:chExt cx="0" cy="0"/>
+        </a:xfrm>
+      </p:grpSpPr>
+      <p:sp>
+        <p:nvSpPr>
+          <p:cNvPr id="94" name="TextShape 1"/>
+          <p:cNvSpPr txBox="1"/>
+          <p:nvPr/>
+        </p:nvSpPr>
+        <p:spPr>
+          <a:xfrm>
+            <a:off x="457200" y="1554480"/>
+            <a:ext cx="9052560" cy="2649960"/>
+          </a:xfrm>
+          <a:prstGeom prst="rect">
+            <a:avLst/>
+          </a:prstGeom>
+          <a:noFill/>
+          <a:ln>
+            <a:noFill/>
+          </a:ln>
+        </p:spPr>
+        <p:txBody>
+          <a:bodyPr lIns="90000" rIns="90000" tIns="45000" bIns="45000">
+            <a:spAutoFit/>
+          </a:bodyPr>
+          <a:p>
+            <a:r>
+              <a:rPr b="0" lang="en-US" sz="1800" spc="-1" strike="noStrike">
+                <a:latin typeface="Arial"/>
+              </a:rPr>
+              <a:t>Data context are created to generate a database.</a:t>
+            </a:r>
+            <a:endParaRPr b="0" lang="en-US" sz="1800" spc="-1" strike="noStrike">
+              <a:latin typeface="Arial"/>
+            </a:endParaRPr>
+          </a:p>
+          <a:p>
+            <a:endParaRPr b="0" lang="en-US" sz="1800" spc="-1" strike="noStrike">
+              <a:latin typeface="Arial"/>
+            </a:endParaRPr>
+          </a:p>
+          <a:p>
+            <a:r>
+              <a:rPr b="0" lang="en-US" sz="1800" spc="-1" strike="noStrike">
+                <a:latin typeface="Arial"/>
+              </a:rPr>
+              <a:t>This data context is a primary class responsible for interacting with the database.</a:t>
+            </a:r>
+            <a:endParaRPr b="0" lang="en-US" sz="1800" spc="-1" strike="noStrike">
+              <a:latin typeface="Arial"/>
+            </a:endParaRPr>
+          </a:p>
+          <a:p>
+            <a:r>
+              <a:rPr b="0" lang="en-US" sz="1800" spc="-1" strike="noStrike">
+                <a:latin typeface="Arial"/>
+              </a:rPr>
+              <a:t>The gap between entity class/ domain and database are bridged.</a:t>
+            </a:r>
+            <a:endParaRPr b="0" lang="en-US" sz="1800" spc="-1" strike="noStrike">
+              <a:latin typeface="Arial"/>
+            </a:endParaRPr>
+          </a:p>
+          <a:p>
+            <a:endParaRPr b="0" lang="en-US" sz="1800" spc="-1" strike="noStrike">
+              <a:latin typeface="Arial"/>
+            </a:endParaRPr>
+          </a:p>
+          <a:p>
+            <a:r>
+              <a:rPr b="0" lang="en-US" sz="1800" spc="-1" strike="noStrike">
+                <a:latin typeface="Arial"/>
+              </a:rPr>
+              <a:t>The context class is used to query or save data to the database. It is also used to configure domain classes, database related mappings, change tracking settings, caching, transaction etc.</a:t>
+            </a:r>
+            <a:endParaRPr b="0" lang="en-US" sz="1800" spc="-1" strike="noStrike">
+              <a:latin typeface="Arial"/>
+            </a:endParaRPr>
+          </a:p>
+          <a:p>
+            <a:endParaRPr b="0" lang="en-US" sz="1800" spc="-1" strike="noStrike">
+              <a:latin typeface="Arial"/>
+            </a:endParaRPr>
+          </a:p>
+          <a:p>
+            <a:r>
+              <a:rPr b="0" lang="en-US" sz="1800" spc="-1" strike="noStrike">
+                <a:latin typeface="Arial"/>
+              </a:rPr>
+              <a:t>Overriding (if necessary) are done here.</a:t>
+            </a:r>
+            <a:endParaRPr b="0" lang="en-US" sz="1800" spc="-1" strike="noStrike">
+              <a:latin typeface="Arial"/>
+            </a:endParaRPr>
+          </a:p>
+        </p:txBody>
+      </p:sp>
+      <p:pic>
+        <p:nvPicPr>
+          <p:cNvPr id="95" name="" descr=""/>
+          <p:cNvPicPr/>
+          <p:nvPr/>
+        </p:nvPicPr>
+        <p:blipFill>
+          <a:blip r:embed="rId1"/>
+          <a:stretch/>
+        </p:blipFill>
+        <p:spPr>
+          <a:xfrm>
+            <a:off x="585720" y="4744080"/>
+            <a:ext cx="8832600" cy="1656720"/>
+          </a:xfrm>
+          <a:prstGeom prst="rect">
+            <a:avLst/>
+          </a:prstGeom>
+          <a:ln>
+            <a:noFill/>
+          </a:ln>
+        </p:spPr>
+      </p:pic>
+    </p:spTree>
+  </p:cSld>
+  <mc:AlternateContent>
+    <mc:Choice Requires="p14">
+      <p:transition spd="slow" p14:dur="2000"/>
+    </mc:Choice>
+    <mc:Fallback>
+      <p:transition spd="slow"/>
+    </mc:Fallback>
+  </mc:AlternateContent>
+</p:sld>
+</file>
+
+<file path=ppt/slides/slide9.xml><?xml version="1.0" encoding="utf-8"?>
+<p:sld xmlns:a="http://schemas.openxmlformats.org/drawingml/2006/main" xmlns:p="http://schemas.openxmlformats.org/presentationml/2006/main" xmlns:r="http://schemas.openxmlformats.org/officeDocument/2006/relationships" xmlns:p14="http://schemas.microsoft.com/office/powerpoint/2010/main" xmlns:p15="http://schemas.microsoft.com/office/powerpoint/2012/main" xmlns:mc="http://schemas.openxmlformats.org/markup-compatibility/2006">
+  <p:cSld>
+    <p:spTree>
+      <p:nvGrpSpPr>
+        <p:cNvPr id="1" name=""/>
+        <p:cNvGrpSpPr/>
+        <p:nvPr/>
+      </p:nvGrpSpPr>
+      <p:grpSpPr>
+        <a:xfrm>
+          <a:off x="0" y="0"/>
+          <a:ext cx="0" cy="0"/>
+          <a:chOff x="0" y="0"/>
+          <a:chExt cx="0" cy="0"/>
+        </a:xfrm>
+      </p:grpSpPr>
+      <p:sp>
+        <p:nvSpPr>
+          <p:cNvPr id="96" name="TextShape 1"/>
+          <p:cNvSpPr txBox="1"/>
+          <p:nvPr/>
+        </p:nvSpPr>
+        <p:spPr>
+          <a:xfrm>
+            <a:off x="640080" y="1554480"/>
+            <a:ext cx="8961120" cy="1626120"/>
+          </a:xfrm>
+          <a:prstGeom prst="rect">
+            <a:avLst/>
+          </a:prstGeom>
+          <a:noFill/>
+          <a:ln>
+            <a:noFill/>
+          </a:ln>
+        </p:spPr>
+        <p:txBody>
+          <a:bodyPr lIns="90000" rIns="90000" tIns="45000" bIns="45000">
+            <a:spAutoFit/>
+          </a:bodyPr>
+          <a:p>
+            <a:r>
+              <a:rPr b="0" lang="en-US" sz="1800" spc="-1" strike="noStrike">
+                <a:latin typeface="Arial"/>
+              </a:rPr>
+              <a:t>Creating a database:</a:t>
+            </a:r>
+            <a:endParaRPr b="0" lang="en-US" sz="1800" spc="-1" strike="noStrike">
+              <a:latin typeface="Arial"/>
+            </a:endParaRPr>
+          </a:p>
+          <a:p>
+            <a:endParaRPr b="0" lang="en-US" sz="1800" spc="-1" strike="noStrike">
+              <a:latin typeface="Arial"/>
+            </a:endParaRPr>
+          </a:p>
+          <a:p>
+            <a:r>
+              <a:rPr b="0" lang="en-US" sz="1800" spc="-1" strike="noStrike">
+                <a:latin typeface="Arial"/>
+              </a:rPr>
+              <a:t>This is done by first adding SQL Server.</a:t>
+            </a:r>
+            <a:endParaRPr b="0" lang="en-US" sz="1800" spc="-1" strike="noStrike">
+              <a:latin typeface="Arial"/>
+            </a:endParaRPr>
+          </a:p>
+          <a:p>
+            <a:endParaRPr b="0" lang="en-US" sz="1800" spc="-1" strike="noStrike">
+              <a:latin typeface="Arial"/>
+            </a:endParaRPr>
+          </a:p>
+          <a:p>
+            <a:r>
+              <a:rPr b="0" lang="en-US" sz="1800" spc="-1" strike="noStrike">
+                <a:latin typeface="Arial"/>
+              </a:rPr>
+              <a:t>App.config file is generated, inside which the connection string is supposed to be entered, to establish the connection.</a:t>
+            </a:r>
+            <a:endParaRPr b="0" lang="en-US" sz="1800" spc="-1" strike="noStrike">
+              <a:latin typeface="Arial"/>
+            </a:endParaRPr>
+          </a:p>
+        </p:txBody>
+      </p:sp>
+      <p:pic>
+        <p:nvPicPr>
+          <p:cNvPr id="97" name="" descr=""/>
+          <p:cNvPicPr/>
+          <p:nvPr/>
+        </p:nvPicPr>
+        <p:blipFill>
+          <a:blip r:embed="rId1"/>
+          <a:stretch/>
+        </p:blipFill>
+        <p:spPr>
+          <a:xfrm>
+            <a:off x="446400" y="3383280"/>
+            <a:ext cx="9246240" cy="318240"/>
+          </a:xfrm>
+          <a:prstGeom prst="rect">
+            <a:avLst/>
+          </a:prstGeom>
+          <a:ln>
+            <a:noFill/>
+          </a:ln>
+        </p:spPr>
+      </p:pic>
     </p:spTree>
   </p:cSld>
   <mc:AlternateContent>

--- a/csharp_application_with_entity_framework.pptx
+++ b/csharp_application_with_entity_framework.pptx
@@ -4,17 +4,22 @@
   <p:sldMasterIdLst>
     <p:sldMasterId id="2147483648" r:id="rId2"/>
     <p:sldMasterId id="2147483661" r:id="rId3"/>
+    <p:sldMasterId id="2147483674" r:id="rId4"/>
   </p:sldMasterIdLst>
   <p:sldIdLst>
-    <p:sldId id="256" r:id="rId4"/>
-    <p:sldId id="257" r:id="rId5"/>
-    <p:sldId id="258" r:id="rId6"/>
-    <p:sldId id="259" r:id="rId7"/>
-    <p:sldId id="260" r:id="rId8"/>
-    <p:sldId id="261" r:id="rId9"/>
-    <p:sldId id="262" r:id="rId10"/>
-    <p:sldId id="263" r:id="rId11"/>
-    <p:sldId id="264" r:id="rId12"/>
+    <p:sldId id="256" r:id="rId5"/>
+    <p:sldId id="257" r:id="rId6"/>
+    <p:sldId id="258" r:id="rId7"/>
+    <p:sldId id="259" r:id="rId8"/>
+    <p:sldId id="260" r:id="rId9"/>
+    <p:sldId id="261" r:id="rId10"/>
+    <p:sldId id="262" r:id="rId11"/>
+    <p:sldId id="263" r:id="rId12"/>
+    <p:sldId id="264" r:id="rId13"/>
+    <p:sldId id="265" r:id="rId14"/>
+    <p:sldId id="266" r:id="rId15"/>
+    <p:sldId id="267" r:id="rId16"/>
+    <p:sldId id="268" r:id="rId17"/>
   </p:sldIdLst>
   <p:sldSz cx="10080625" cy="7559675"/>
   <p:notesSz cx="7559675" cy="10691812"/>
@@ -72,8 +77,8 @@
         </p:nvSpPr>
         <p:spPr>
           <a:xfrm>
-            <a:off x="504000" y="301320"/>
-            <a:ext cx="9072000" cy="1261800"/>
+            <a:off x="504000" y="300960"/>
+            <a:ext cx="9071640" cy="1262160"/>
           </a:xfrm>
           <a:prstGeom prst="rect">
             <a:avLst/>
@@ -104,7 +109,7 @@
         <p:spPr>
           <a:xfrm>
             <a:off x="504000" y="1768680"/>
-            <a:ext cx="9072000" cy="2090880"/>
+            <a:ext cx="9071640" cy="2090880"/>
           </a:xfrm>
           <a:prstGeom prst="rect">
             <a:avLst/>
@@ -134,7 +139,7 @@
         <p:spPr>
           <a:xfrm>
             <a:off x="504000" y="4058640"/>
-            <a:ext cx="9072000" cy="2090880"/>
+            <a:ext cx="9071640" cy="2090880"/>
           </a:xfrm>
           <a:prstGeom prst="rect">
             <a:avLst/>
@@ -185,8 +190,8 @@
         </p:nvSpPr>
         <p:spPr>
           <a:xfrm>
-            <a:off x="504000" y="301320"/>
-            <a:ext cx="9072000" cy="1261800"/>
+            <a:off x="504000" y="300960"/>
+            <a:ext cx="9071640" cy="1262160"/>
           </a:xfrm>
           <a:prstGeom prst="rect">
             <a:avLst/>
@@ -358,8 +363,8 @@
         </p:nvSpPr>
         <p:spPr>
           <a:xfrm>
-            <a:off x="504000" y="301320"/>
-            <a:ext cx="9072000" cy="1261800"/>
+            <a:off x="504000" y="300960"/>
+            <a:ext cx="9071640" cy="1262160"/>
           </a:xfrm>
           <a:prstGeom prst="rect">
             <a:avLst/>
@@ -390,7 +395,7 @@
         <p:spPr>
           <a:xfrm>
             <a:off x="504000" y="1768680"/>
-            <a:ext cx="2921040" cy="2090880"/>
+            <a:ext cx="2920680" cy="2090880"/>
           </a:xfrm>
           <a:prstGeom prst="rect">
             <a:avLst/>
@@ -419,8 +424,8 @@
         </p:nvSpPr>
         <p:spPr>
           <a:xfrm>
-            <a:off x="3571560" y="1768680"/>
-            <a:ext cx="2921040" cy="2090880"/>
+            <a:off x="3571200" y="1768680"/>
+            <a:ext cx="2920680" cy="2090880"/>
           </a:xfrm>
           <a:prstGeom prst="rect">
             <a:avLst/>
@@ -449,8 +454,8 @@
         </p:nvSpPr>
         <p:spPr>
           <a:xfrm>
-            <a:off x="6639120" y="1768680"/>
-            <a:ext cx="2921040" cy="2090880"/>
+            <a:off x="6638040" y="1768680"/>
+            <a:ext cx="2920680" cy="2090880"/>
           </a:xfrm>
           <a:prstGeom prst="rect">
             <a:avLst/>
@@ -480,7 +485,7 @@
         <p:spPr>
           <a:xfrm>
             <a:off x="504000" y="4058640"/>
-            <a:ext cx="2921040" cy="2090880"/>
+            <a:ext cx="2920680" cy="2090880"/>
           </a:xfrm>
           <a:prstGeom prst="rect">
             <a:avLst/>
@@ -509,8 +514,8 @@
         </p:nvSpPr>
         <p:spPr>
           <a:xfrm>
-            <a:off x="3571560" y="4058640"/>
-            <a:ext cx="2921040" cy="2090880"/>
+            <a:off x="3571200" y="4058640"/>
+            <a:ext cx="2920680" cy="2090880"/>
           </a:xfrm>
           <a:prstGeom prst="rect">
             <a:avLst/>
@@ -539,8 +544,8 @@
         </p:nvSpPr>
         <p:spPr>
           <a:xfrm>
-            <a:off x="6639120" y="4058640"/>
-            <a:ext cx="2921040" cy="2090880"/>
+            <a:off x="6638040" y="4058640"/>
+            <a:ext cx="2920680" cy="2090880"/>
           </a:xfrm>
           <a:prstGeom prst="rect">
             <a:avLst/>
@@ -613,8 +618,8 @@
         </p:nvSpPr>
         <p:spPr>
           <a:xfrm>
-            <a:off x="504000" y="301320"/>
-            <a:ext cx="9072000" cy="1261800"/>
+            <a:off x="504000" y="300960"/>
+            <a:ext cx="9071640" cy="1262160"/>
           </a:xfrm>
           <a:prstGeom prst="rect">
             <a:avLst/>
@@ -645,7 +650,7 @@
         <p:spPr>
           <a:xfrm>
             <a:off x="504000" y="1768680"/>
-            <a:ext cx="9072000" cy="4384080"/>
+            <a:ext cx="9071640" cy="4383720"/>
           </a:xfrm>
           <a:prstGeom prst="rect">
             <a:avLst/>
@@ -697,8 +702,8 @@
         </p:nvSpPr>
         <p:spPr>
           <a:xfrm>
-            <a:off x="504000" y="301320"/>
-            <a:ext cx="9072000" cy="1261800"/>
+            <a:off x="504000" y="300960"/>
+            <a:ext cx="9071640" cy="1262160"/>
           </a:xfrm>
           <a:prstGeom prst="rect">
             <a:avLst/>
@@ -729,7 +734,7 @@
         <p:spPr>
           <a:xfrm>
             <a:off x="504000" y="1768680"/>
-            <a:ext cx="9072000" cy="4384080"/>
+            <a:ext cx="9071640" cy="4383720"/>
           </a:xfrm>
           <a:prstGeom prst="rect">
             <a:avLst/>
@@ -780,8 +785,8 @@
         </p:nvSpPr>
         <p:spPr>
           <a:xfrm>
-            <a:off x="504000" y="301320"/>
-            <a:ext cx="9072000" cy="1261800"/>
+            <a:off x="504000" y="300960"/>
+            <a:ext cx="9071640" cy="1262160"/>
           </a:xfrm>
           <a:prstGeom prst="rect">
             <a:avLst/>
@@ -812,7 +817,7 @@
         <p:spPr>
           <a:xfrm>
             <a:off x="504000" y="1768680"/>
-            <a:ext cx="4426920" cy="4384080"/>
+            <a:ext cx="4426920" cy="4383720"/>
           </a:xfrm>
           <a:prstGeom prst="rect">
             <a:avLst/>
@@ -842,7 +847,7 @@
         <p:spPr>
           <a:xfrm>
             <a:off x="5152680" y="1768680"/>
-            <a:ext cx="4426920" cy="4384080"/>
+            <a:ext cx="4426920" cy="4383720"/>
           </a:xfrm>
           <a:prstGeom prst="rect">
             <a:avLst/>
@@ -893,8 +898,8 @@
         </p:nvSpPr>
         <p:spPr>
           <a:xfrm>
-            <a:off x="504000" y="301320"/>
-            <a:ext cx="9072000" cy="1261800"/>
+            <a:off x="504000" y="300960"/>
+            <a:ext cx="9071640" cy="1262160"/>
           </a:xfrm>
           <a:prstGeom prst="rect">
             <a:avLst/>
@@ -946,8 +951,8 @@
         </p:nvSpPr>
         <p:spPr>
           <a:xfrm>
-            <a:off x="504000" y="301320"/>
-            <a:ext cx="9072000" cy="5850360"/>
+            <a:off x="504000" y="300960"/>
+            <a:ext cx="9071640" cy="5851800"/>
           </a:xfrm>
           <a:prstGeom prst="rect">
             <a:avLst/>
@@ -999,8 +1004,8 @@
         </p:nvSpPr>
         <p:spPr>
           <a:xfrm>
-            <a:off x="504000" y="301320"/>
-            <a:ext cx="9072000" cy="1261800"/>
+            <a:off x="504000" y="300960"/>
+            <a:ext cx="9071640" cy="1262160"/>
           </a:xfrm>
           <a:prstGeom prst="rect">
             <a:avLst/>
@@ -1061,7 +1066,7 @@
         <p:spPr>
           <a:xfrm>
             <a:off x="5152680" y="1768680"/>
-            <a:ext cx="4426920" cy="4384080"/>
+            <a:ext cx="4426920" cy="4383720"/>
           </a:xfrm>
           <a:prstGeom prst="rect">
             <a:avLst/>
@@ -1142,8 +1147,8 @@
         </p:nvSpPr>
         <p:spPr>
           <a:xfrm>
-            <a:off x="504000" y="301320"/>
-            <a:ext cx="9072000" cy="1261800"/>
+            <a:off x="504000" y="300960"/>
+            <a:ext cx="9071640" cy="1262160"/>
           </a:xfrm>
           <a:prstGeom prst="rect">
             <a:avLst/>
@@ -1174,7 +1179,7 @@
         <p:spPr>
           <a:xfrm>
             <a:off x="504000" y="1768680"/>
-            <a:ext cx="9072000" cy="4384080"/>
+            <a:ext cx="9071640" cy="4383720"/>
           </a:xfrm>
           <a:prstGeom prst="rect">
             <a:avLst/>
@@ -1226,8 +1231,8 @@
         </p:nvSpPr>
         <p:spPr>
           <a:xfrm>
-            <a:off x="504000" y="301320"/>
-            <a:ext cx="9072000" cy="1261800"/>
+            <a:off x="504000" y="300960"/>
+            <a:ext cx="9071640" cy="1262160"/>
           </a:xfrm>
           <a:prstGeom prst="rect">
             <a:avLst/>
@@ -1258,7 +1263,7 @@
         <p:spPr>
           <a:xfrm>
             <a:off x="504000" y="1768680"/>
-            <a:ext cx="4426920" cy="4384080"/>
+            <a:ext cx="4426920" cy="4383720"/>
           </a:xfrm>
           <a:prstGeom prst="rect">
             <a:avLst/>
@@ -1369,8 +1374,8 @@
         </p:nvSpPr>
         <p:spPr>
           <a:xfrm>
-            <a:off x="504000" y="301320"/>
-            <a:ext cx="9072000" cy="1261800"/>
+            <a:off x="504000" y="300960"/>
+            <a:ext cx="9071640" cy="1262160"/>
           </a:xfrm>
           <a:prstGeom prst="rect">
             <a:avLst/>
@@ -1461,7 +1466,7 @@
         <p:spPr>
           <a:xfrm>
             <a:off x="504000" y="4058640"/>
-            <a:ext cx="9072000" cy="2090880"/>
+            <a:ext cx="9071640" cy="2090880"/>
           </a:xfrm>
           <a:prstGeom prst="rect">
             <a:avLst/>
@@ -1512,8 +1517,8 @@
         </p:nvSpPr>
         <p:spPr>
           <a:xfrm>
-            <a:off x="504000" y="301320"/>
-            <a:ext cx="9072000" cy="1261800"/>
+            <a:off x="504000" y="300960"/>
+            <a:ext cx="9071640" cy="1262160"/>
           </a:xfrm>
           <a:prstGeom prst="rect">
             <a:avLst/>
@@ -1544,7 +1549,7 @@
         <p:spPr>
           <a:xfrm>
             <a:off x="504000" y="1768680"/>
-            <a:ext cx="9072000" cy="2090880"/>
+            <a:ext cx="9071640" cy="2090880"/>
           </a:xfrm>
           <a:prstGeom prst="rect">
             <a:avLst/>
@@ -1574,7 +1579,7 @@
         <p:spPr>
           <a:xfrm>
             <a:off x="504000" y="4058640"/>
-            <a:ext cx="9072000" cy="2090880"/>
+            <a:ext cx="9071640" cy="2090880"/>
           </a:xfrm>
           <a:prstGeom prst="rect">
             <a:avLst/>
@@ -1625,8 +1630,8 @@
         </p:nvSpPr>
         <p:spPr>
           <a:xfrm>
-            <a:off x="504000" y="301320"/>
-            <a:ext cx="9072000" cy="1261800"/>
+            <a:off x="504000" y="300960"/>
+            <a:ext cx="9071640" cy="1262160"/>
           </a:xfrm>
           <a:prstGeom prst="rect">
             <a:avLst/>
@@ -1798,8 +1803,8 @@
         </p:nvSpPr>
         <p:spPr>
           <a:xfrm>
-            <a:off x="504000" y="301320"/>
-            <a:ext cx="9072000" cy="1261800"/>
+            <a:off x="504000" y="300960"/>
+            <a:ext cx="9071640" cy="1262160"/>
           </a:xfrm>
           <a:prstGeom prst="rect">
             <a:avLst/>
@@ -1830,7 +1835,7 @@
         <p:spPr>
           <a:xfrm>
             <a:off x="504000" y="1768680"/>
-            <a:ext cx="2921040" cy="2090880"/>
+            <a:ext cx="2920680" cy="2090880"/>
           </a:xfrm>
           <a:prstGeom prst="rect">
             <a:avLst/>
@@ -1859,8 +1864,8 @@
         </p:nvSpPr>
         <p:spPr>
           <a:xfrm>
-            <a:off x="3571560" y="1768680"/>
-            <a:ext cx="2921040" cy="2090880"/>
+            <a:off x="3571200" y="1768680"/>
+            <a:ext cx="2920680" cy="2090880"/>
           </a:xfrm>
           <a:prstGeom prst="rect">
             <a:avLst/>
@@ -1889,8 +1894,8 @@
         </p:nvSpPr>
         <p:spPr>
           <a:xfrm>
-            <a:off x="6639120" y="1768680"/>
-            <a:ext cx="2921040" cy="2090880"/>
+            <a:off x="6638040" y="1768680"/>
+            <a:ext cx="2920680" cy="2090880"/>
           </a:xfrm>
           <a:prstGeom prst="rect">
             <a:avLst/>
@@ -1920,7 +1925,7 @@
         <p:spPr>
           <a:xfrm>
             <a:off x="504000" y="4058640"/>
-            <a:ext cx="2921040" cy="2090880"/>
+            <a:ext cx="2920680" cy="2090880"/>
           </a:xfrm>
           <a:prstGeom prst="rect">
             <a:avLst/>
@@ -1949,8 +1954,8 @@
         </p:nvSpPr>
         <p:spPr>
           <a:xfrm>
-            <a:off x="3571560" y="4058640"/>
-            <a:ext cx="2921040" cy="2090880"/>
+            <a:off x="3571200" y="4058640"/>
+            <a:ext cx="2920680" cy="2090880"/>
           </a:xfrm>
           <a:prstGeom prst="rect">
             <a:avLst/>
@@ -1979,8 +1984,8 @@
         </p:nvSpPr>
         <p:spPr>
           <a:xfrm>
-            <a:off x="6639120" y="4058640"/>
-            <a:ext cx="2921040" cy="2090880"/>
+            <a:off x="6638040" y="4058640"/>
+            <a:ext cx="2920680" cy="2090880"/>
           </a:xfrm>
           <a:prstGeom prst="rect">
             <a:avLst/>
@@ -1992,6 +1997,361 @@
           </a:bodyPr>
           <a:p>
             <a:endParaRPr b="0" lang="en-US" sz="3200" spc="-1" strike="noStrike">
+              <a:latin typeface="Arial"/>
+            </a:endParaRPr>
+          </a:p>
+        </p:txBody>
+      </p:sp>
+    </p:spTree>
+  </p:cSld>
+</p:sldLayout>
+</file>
+
+<file path=ppt/slideLayouts/slideLayout25.xml><?xml version="1.0" encoding="utf-8"?>
+<p:sldLayout xmlns:a="http://schemas.openxmlformats.org/drawingml/2006/main" xmlns:p="http://schemas.openxmlformats.org/presentationml/2006/main" xmlns:r="http://schemas.openxmlformats.org/officeDocument/2006/relationships" xmlns:p14="http://schemas.microsoft.com/office/powerpoint/2010/main" xmlns:p15="http://schemas.microsoft.com/office/powerpoint/2012/main" xmlns:mc="http://schemas.openxmlformats.org/markup-compatibility/2006" type="blank" preserve="1">
+  <p:cSld name="Blank Slide">
+    <p:spTree>
+      <p:nvGrpSpPr>
+        <p:cNvPr id="1" name=""/>
+        <p:cNvGrpSpPr/>
+        <p:nvPr/>
+      </p:nvGrpSpPr>
+      <p:grpSpPr>
+        <a:xfrm>
+          <a:off x="0" y="0"/>
+          <a:ext cx="0" cy="0"/>
+          <a:chOff x="0" y="0"/>
+          <a:chExt cx="0" cy="0"/>
+        </a:xfrm>
+      </p:grpSpPr>
+    </p:spTree>
+  </p:cSld>
+</p:sldLayout>
+</file>
+
+<file path=ppt/slideLayouts/slideLayout26.xml><?xml version="1.0" encoding="utf-8"?>
+<p:sldLayout xmlns:a="http://schemas.openxmlformats.org/drawingml/2006/main" xmlns:p="http://schemas.openxmlformats.org/presentationml/2006/main" xmlns:r="http://schemas.openxmlformats.org/officeDocument/2006/relationships" xmlns:p14="http://schemas.microsoft.com/office/powerpoint/2010/main" xmlns:p15="http://schemas.microsoft.com/office/powerpoint/2012/main" xmlns:mc="http://schemas.openxmlformats.org/markup-compatibility/2006" type="tx" preserve="1">
+  <p:cSld name="Title Slide">
+    <p:spTree>
+      <p:nvGrpSpPr>
+        <p:cNvPr id="1" name=""/>
+        <p:cNvGrpSpPr/>
+        <p:nvPr/>
+      </p:nvGrpSpPr>
+      <p:grpSpPr>
+        <a:xfrm>
+          <a:off x="0" y="0"/>
+          <a:ext cx="0" cy="0"/>
+          <a:chOff x="0" y="0"/>
+          <a:chExt cx="0" cy="0"/>
+        </a:xfrm>
+      </p:grpSpPr>
+      <p:sp>
+        <p:nvSpPr>
+          <p:cNvPr id="81" name="PlaceHolder 1"/>
+          <p:cNvSpPr>
+            <a:spLocks noGrp="1"/>
+          </p:cNvSpPr>
+          <p:nvPr>
+            <p:ph type="title"/>
+          </p:nvPr>
+        </p:nvSpPr>
+        <p:spPr>
+          <a:xfrm>
+            <a:off x="504000" y="300960"/>
+            <a:ext cx="9071640" cy="1262160"/>
+          </a:xfrm>
+          <a:prstGeom prst="rect">
+            <a:avLst/>
+          </a:prstGeom>
+        </p:spPr>
+        <p:txBody>
+          <a:bodyPr lIns="0" rIns="0" tIns="0" bIns="0" anchor="ctr">
+            <a:spAutoFit/>
+          </a:bodyPr>
+          <a:p>
+            <a:pPr algn="ctr"/>
+            <a:endParaRPr b="0" lang="en-US" sz="4400" spc="-1" strike="noStrike">
+              <a:latin typeface="Arial"/>
+            </a:endParaRPr>
+          </a:p>
+        </p:txBody>
+      </p:sp>
+      <p:sp>
+        <p:nvSpPr>
+          <p:cNvPr id="82" name="PlaceHolder 2"/>
+          <p:cNvSpPr>
+            <a:spLocks noGrp="1"/>
+          </p:cNvSpPr>
+          <p:nvPr>
+            <p:ph type="subTitle"/>
+          </p:nvPr>
+        </p:nvSpPr>
+        <p:spPr>
+          <a:xfrm>
+            <a:off x="504000" y="1768680"/>
+            <a:ext cx="9071640" cy="4383720"/>
+          </a:xfrm>
+          <a:prstGeom prst="rect">
+            <a:avLst/>
+          </a:prstGeom>
+        </p:spPr>
+        <p:txBody>
+          <a:bodyPr lIns="0" rIns="0" tIns="0" bIns="0" anchor="ctr">
+            <a:spAutoFit/>
+          </a:bodyPr>
+          <a:p>
+            <a:pPr algn="ctr"/>
+            <a:endParaRPr b="0" lang="en-US" sz="3200" spc="-1" strike="noStrike">
+              <a:latin typeface="Arial"/>
+            </a:endParaRPr>
+          </a:p>
+        </p:txBody>
+      </p:sp>
+    </p:spTree>
+  </p:cSld>
+</p:sldLayout>
+</file>
+
+<file path=ppt/slideLayouts/slideLayout27.xml><?xml version="1.0" encoding="utf-8"?>
+<p:sldLayout xmlns:a="http://schemas.openxmlformats.org/drawingml/2006/main" xmlns:p="http://schemas.openxmlformats.org/presentationml/2006/main" xmlns:r="http://schemas.openxmlformats.org/officeDocument/2006/relationships" xmlns:p14="http://schemas.microsoft.com/office/powerpoint/2010/main" xmlns:p15="http://schemas.microsoft.com/office/powerpoint/2012/main" xmlns:mc="http://schemas.openxmlformats.org/markup-compatibility/2006" type="obj" preserve="1">
+  <p:cSld name="Title, Content">
+    <p:spTree>
+      <p:nvGrpSpPr>
+        <p:cNvPr id="1" name=""/>
+        <p:cNvGrpSpPr/>
+        <p:nvPr/>
+      </p:nvGrpSpPr>
+      <p:grpSpPr>
+        <a:xfrm>
+          <a:off x="0" y="0"/>
+          <a:ext cx="0" cy="0"/>
+          <a:chOff x="0" y="0"/>
+          <a:chExt cx="0" cy="0"/>
+        </a:xfrm>
+      </p:grpSpPr>
+      <p:sp>
+        <p:nvSpPr>
+          <p:cNvPr id="83" name="PlaceHolder 1"/>
+          <p:cNvSpPr>
+            <a:spLocks noGrp="1"/>
+          </p:cNvSpPr>
+          <p:nvPr>
+            <p:ph type="title"/>
+          </p:nvPr>
+        </p:nvSpPr>
+        <p:spPr>
+          <a:xfrm>
+            <a:off x="504000" y="300960"/>
+            <a:ext cx="9071640" cy="1262160"/>
+          </a:xfrm>
+          <a:prstGeom prst="rect">
+            <a:avLst/>
+          </a:prstGeom>
+        </p:spPr>
+        <p:txBody>
+          <a:bodyPr lIns="0" rIns="0" tIns="0" bIns="0" anchor="ctr">
+            <a:spAutoFit/>
+          </a:bodyPr>
+          <a:p>
+            <a:pPr algn="ctr"/>
+            <a:endParaRPr b="0" lang="en-US" sz="4400" spc="-1" strike="noStrike">
+              <a:latin typeface="Arial"/>
+            </a:endParaRPr>
+          </a:p>
+        </p:txBody>
+      </p:sp>
+      <p:sp>
+        <p:nvSpPr>
+          <p:cNvPr id="84" name="PlaceHolder 2"/>
+          <p:cNvSpPr>
+            <a:spLocks noGrp="1"/>
+          </p:cNvSpPr>
+          <p:nvPr>
+            <p:ph type="body"/>
+          </p:nvPr>
+        </p:nvSpPr>
+        <p:spPr>
+          <a:xfrm>
+            <a:off x="504000" y="1768680"/>
+            <a:ext cx="9071640" cy="4383720"/>
+          </a:xfrm>
+          <a:prstGeom prst="rect">
+            <a:avLst/>
+          </a:prstGeom>
+        </p:spPr>
+        <p:txBody>
+          <a:bodyPr lIns="0" rIns="0" tIns="0" bIns="0">
+            <a:normAutofit/>
+          </a:bodyPr>
+          <a:p>
+            <a:endParaRPr b="0" lang="en-US" sz="3200" spc="-1" strike="noStrike">
+              <a:latin typeface="Arial"/>
+            </a:endParaRPr>
+          </a:p>
+        </p:txBody>
+      </p:sp>
+    </p:spTree>
+  </p:cSld>
+</p:sldLayout>
+</file>
+
+<file path=ppt/slideLayouts/slideLayout28.xml><?xml version="1.0" encoding="utf-8"?>
+<p:sldLayout xmlns:a="http://schemas.openxmlformats.org/drawingml/2006/main" xmlns:p="http://schemas.openxmlformats.org/presentationml/2006/main" xmlns:r="http://schemas.openxmlformats.org/officeDocument/2006/relationships" xmlns:p14="http://schemas.microsoft.com/office/powerpoint/2010/main" xmlns:p15="http://schemas.microsoft.com/office/powerpoint/2012/main" xmlns:mc="http://schemas.openxmlformats.org/markup-compatibility/2006" type="twoObj" preserve="1">
+  <p:cSld name="Title, 2 Content">
+    <p:spTree>
+      <p:nvGrpSpPr>
+        <p:cNvPr id="1" name=""/>
+        <p:cNvGrpSpPr/>
+        <p:nvPr/>
+      </p:nvGrpSpPr>
+      <p:grpSpPr>
+        <a:xfrm>
+          <a:off x="0" y="0"/>
+          <a:ext cx="0" cy="0"/>
+          <a:chOff x="0" y="0"/>
+          <a:chExt cx="0" cy="0"/>
+        </a:xfrm>
+      </p:grpSpPr>
+      <p:sp>
+        <p:nvSpPr>
+          <p:cNvPr id="85" name="PlaceHolder 1"/>
+          <p:cNvSpPr>
+            <a:spLocks noGrp="1"/>
+          </p:cNvSpPr>
+          <p:nvPr>
+            <p:ph type="title"/>
+          </p:nvPr>
+        </p:nvSpPr>
+        <p:spPr>
+          <a:xfrm>
+            <a:off x="504000" y="300960"/>
+            <a:ext cx="9071640" cy="1262160"/>
+          </a:xfrm>
+          <a:prstGeom prst="rect">
+            <a:avLst/>
+          </a:prstGeom>
+        </p:spPr>
+        <p:txBody>
+          <a:bodyPr lIns="0" rIns="0" tIns="0" bIns="0" anchor="ctr">
+            <a:spAutoFit/>
+          </a:bodyPr>
+          <a:p>
+            <a:pPr algn="ctr"/>
+            <a:endParaRPr b="0" lang="en-US" sz="4400" spc="-1" strike="noStrike">
+              <a:latin typeface="Arial"/>
+            </a:endParaRPr>
+          </a:p>
+        </p:txBody>
+      </p:sp>
+      <p:sp>
+        <p:nvSpPr>
+          <p:cNvPr id="86" name="PlaceHolder 2"/>
+          <p:cNvSpPr>
+            <a:spLocks noGrp="1"/>
+          </p:cNvSpPr>
+          <p:nvPr>
+            <p:ph type="body"/>
+          </p:nvPr>
+        </p:nvSpPr>
+        <p:spPr>
+          <a:xfrm>
+            <a:off x="504000" y="1768680"/>
+            <a:ext cx="4426920" cy="4383720"/>
+          </a:xfrm>
+          <a:prstGeom prst="rect">
+            <a:avLst/>
+          </a:prstGeom>
+        </p:spPr>
+        <p:txBody>
+          <a:bodyPr lIns="0" rIns="0" tIns="0" bIns="0">
+            <a:normAutofit/>
+          </a:bodyPr>
+          <a:p>
+            <a:endParaRPr b="0" lang="en-US" sz="3200" spc="-1" strike="noStrike">
+              <a:latin typeface="Arial"/>
+            </a:endParaRPr>
+          </a:p>
+        </p:txBody>
+      </p:sp>
+      <p:sp>
+        <p:nvSpPr>
+          <p:cNvPr id="87" name="PlaceHolder 3"/>
+          <p:cNvSpPr>
+            <a:spLocks noGrp="1"/>
+          </p:cNvSpPr>
+          <p:nvPr>
+            <p:ph type="body"/>
+          </p:nvPr>
+        </p:nvSpPr>
+        <p:spPr>
+          <a:xfrm>
+            <a:off x="5152680" y="1768680"/>
+            <a:ext cx="4426920" cy="4383720"/>
+          </a:xfrm>
+          <a:prstGeom prst="rect">
+            <a:avLst/>
+          </a:prstGeom>
+        </p:spPr>
+        <p:txBody>
+          <a:bodyPr lIns="0" rIns="0" tIns="0" bIns="0">
+            <a:normAutofit/>
+          </a:bodyPr>
+          <a:p>
+            <a:endParaRPr b="0" lang="en-US" sz="3200" spc="-1" strike="noStrike">
+              <a:latin typeface="Arial"/>
+            </a:endParaRPr>
+          </a:p>
+        </p:txBody>
+      </p:sp>
+    </p:spTree>
+  </p:cSld>
+</p:sldLayout>
+</file>
+
+<file path=ppt/slideLayouts/slideLayout29.xml><?xml version="1.0" encoding="utf-8"?>
+<p:sldLayout xmlns:a="http://schemas.openxmlformats.org/drawingml/2006/main" xmlns:p="http://schemas.openxmlformats.org/presentationml/2006/main" xmlns:r="http://schemas.openxmlformats.org/officeDocument/2006/relationships" xmlns:p14="http://schemas.microsoft.com/office/powerpoint/2010/main" xmlns:p15="http://schemas.microsoft.com/office/powerpoint/2012/main" xmlns:mc="http://schemas.openxmlformats.org/markup-compatibility/2006" type="titleOnly" preserve="1">
+  <p:cSld name="Title Only">
+    <p:spTree>
+      <p:nvGrpSpPr>
+        <p:cNvPr id="1" name=""/>
+        <p:cNvGrpSpPr/>
+        <p:nvPr/>
+      </p:nvGrpSpPr>
+      <p:grpSpPr>
+        <a:xfrm>
+          <a:off x="0" y="0"/>
+          <a:ext cx="0" cy="0"/>
+          <a:chOff x="0" y="0"/>
+          <a:chExt cx="0" cy="0"/>
+        </a:xfrm>
+      </p:grpSpPr>
+      <p:sp>
+        <p:nvSpPr>
+          <p:cNvPr id="88" name="PlaceHolder 1"/>
+          <p:cNvSpPr>
+            <a:spLocks noGrp="1"/>
+          </p:cNvSpPr>
+          <p:nvPr>
+            <p:ph type="title"/>
+          </p:nvPr>
+        </p:nvSpPr>
+        <p:spPr>
+          <a:xfrm>
+            <a:off x="504000" y="300960"/>
+            <a:ext cx="9071640" cy="1262160"/>
+          </a:xfrm>
+          <a:prstGeom prst="rect">
+            <a:avLst/>
+          </a:prstGeom>
+        </p:spPr>
+        <p:txBody>
+          <a:bodyPr lIns="0" rIns="0" tIns="0" bIns="0" anchor="ctr">
+            <a:spAutoFit/>
+          </a:bodyPr>
+          <a:p>
+            <a:pPr algn="ctr"/>
+            <a:endParaRPr b="0" lang="en-US" sz="4400" spc="-1" strike="noStrike">
               <a:latin typeface="Arial"/>
             </a:endParaRPr>
           </a:p>
@@ -2031,8 +2391,8 @@
         </p:nvSpPr>
         <p:spPr>
           <a:xfrm>
-            <a:off x="504000" y="301320"/>
-            <a:ext cx="9072000" cy="1261800"/>
+            <a:off x="504000" y="300960"/>
+            <a:ext cx="9071640" cy="1262160"/>
           </a:xfrm>
           <a:prstGeom prst="rect">
             <a:avLst/>
@@ -2063,7 +2423,1008 @@
         <p:spPr>
           <a:xfrm>
             <a:off x="504000" y="1768680"/>
-            <a:ext cx="9072000" cy="4384080"/>
+            <a:ext cx="9071640" cy="4383720"/>
+          </a:xfrm>
+          <a:prstGeom prst="rect">
+            <a:avLst/>
+          </a:prstGeom>
+        </p:spPr>
+        <p:txBody>
+          <a:bodyPr lIns="0" rIns="0" tIns="0" bIns="0">
+            <a:normAutofit/>
+          </a:bodyPr>
+          <a:p>
+            <a:endParaRPr b="0" lang="en-US" sz="3200" spc="-1" strike="noStrike">
+              <a:latin typeface="Arial"/>
+            </a:endParaRPr>
+          </a:p>
+        </p:txBody>
+      </p:sp>
+    </p:spTree>
+  </p:cSld>
+</p:sldLayout>
+</file>
+
+<file path=ppt/slideLayouts/slideLayout30.xml><?xml version="1.0" encoding="utf-8"?>
+<p:sldLayout xmlns:a="http://schemas.openxmlformats.org/drawingml/2006/main" xmlns:p="http://schemas.openxmlformats.org/presentationml/2006/main" xmlns:r="http://schemas.openxmlformats.org/officeDocument/2006/relationships" xmlns:p14="http://schemas.microsoft.com/office/powerpoint/2010/main" xmlns:p15="http://schemas.microsoft.com/office/powerpoint/2012/main" xmlns:mc="http://schemas.openxmlformats.org/markup-compatibility/2006" type="objOnly" preserve="1">
+  <p:cSld name="Centered Text">
+    <p:spTree>
+      <p:nvGrpSpPr>
+        <p:cNvPr id="1" name=""/>
+        <p:cNvGrpSpPr/>
+        <p:nvPr/>
+      </p:nvGrpSpPr>
+      <p:grpSpPr>
+        <a:xfrm>
+          <a:off x="0" y="0"/>
+          <a:ext cx="0" cy="0"/>
+          <a:chOff x="0" y="0"/>
+          <a:chExt cx="0" cy="0"/>
+        </a:xfrm>
+      </p:grpSpPr>
+      <p:sp>
+        <p:nvSpPr>
+          <p:cNvPr id="89" name="PlaceHolder 1"/>
+          <p:cNvSpPr>
+            <a:spLocks noGrp="1"/>
+          </p:cNvSpPr>
+          <p:nvPr>
+            <p:ph type="subTitle"/>
+          </p:nvPr>
+        </p:nvSpPr>
+        <p:spPr>
+          <a:xfrm>
+            <a:off x="504000" y="300960"/>
+            <a:ext cx="9071640" cy="5851800"/>
+          </a:xfrm>
+          <a:prstGeom prst="rect">
+            <a:avLst/>
+          </a:prstGeom>
+        </p:spPr>
+        <p:txBody>
+          <a:bodyPr lIns="0" rIns="0" tIns="0" bIns="0" anchor="ctr">
+            <a:spAutoFit/>
+          </a:bodyPr>
+          <a:p>
+            <a:pPr algn="ctr"/>
+            <a:endParaRPr b="0" lang="en-US" sz="3200" spc="-1" strike="noStrike">
+              <a:latin typeface="Arial"/>
+            </a:endParaRPr>
+          </a:p>
+        </p:txBody>
+      </p:sp>
+    </p:spTree>
+  </p:cSld>
+</p:sldLayout>
+</file>
+
+<file path=ppt/slideLayouts/slideLayout31.xml><?xml version="1.0" encoding="utf-8"?>
+<p:sldLayout xmlns:a="http://schemas.openxmlformats.org/drawingml/2006/main" xmlns:p="http://schemas.openxmlformats.org/presentationml/2006/main" xmlns:r="http://schemas.openxmlformats.org/officeDocument/2006/relationships" xmlns:p14="http://schemas.microsoft.com/office/powerpoint/2010/main" xmlns:p15="http://schemas.microsoft.com/office/powerpoint/2012/main" xmlns:mc="http://schemas.openxmlformats.org/markup-compatibility/2006" type="twoObjAndObj" preserve="1">
+  <p:cSld name="Title, 2 Content and Content">
+    <p:spTree>
+      <p:nvGrpSpPr>
+        <p:cNvPr id="1" name=""/>
+        <p:cNvGrpSpPr/>
+        <p:nvPr/>
+      </p:nvGrpSpPr>
+      <p:grpSpPr>
+        <a:xfrm>
+          <a:off x="0" y="0"/>
+          <a:ext cx="0" cy="0"/>
+          <a:chOff x="0" y="0"/>
+          <a:chExt cx="0" cy="0"/>
+        </a:xfrm>
+      </p:grpSpPr>
+      <p:sp>
+        <p:nvSpPr>
+          <p:cNvPr id="90" name="PlaceHolder 1"/>
+          <p:cNvSpPr>
+            <a:spLocks noGrp="1"/>
+          </p:cNvSpPr>
+          <p:nvPr>
+            <p:ph type="title"/>
+          </p:nvPr>
+        </p:nvSpPr>
+        <p:spPr>
+          <a:xfrm>
+            <a:off x="504000" y="300960"/>
+            <a:ext cx="9071640" cy="1262160"/>
+          </a:xfrm>
+          <a:prstGeom prst="rect">
+            <a:avLst/>
+          </a:prstGeom>
+        </p:spPr>
+        <p:txBody>
+          <a:bodyPr lIns="0" rIns="0" tIns="0" bIns="0" anchor="ctr">
+            <a:spAutoFit/>
+          </a:bodyPr>
+          <a:p>
+            <a:pPr algn="ctr"/>
+            <a:endParaRPr b="0" lang="en-US" sz="4400" spc="-1" strike="noStrike">
+              <a:latin typeface="Arial"/>
+            </a:endParaRPr>
+          </a:p>
+        </p:txBody>
+      </p:sp>
+      <p:sp>
+        <p:nvSpPr>
+          <p:cNvPr id="91" name="PlaceHolder 2"/>
+          <p:cNvSpPr>
+            <a:spLocks noGrp="1"/>
+          </p:cNvSpPr>
+          <p:nvPr>
+            <p:ph type="body"/>
+          </p:nvPr>
+        </p:nvSpPr>
+        <p:spPr>
+          <a:xfrm>
+            <a:off x="504000" y="1768680"/>
+            <a:ext cx="4426920" cy="2090880"/>
+          </a:xfrm>
+          <a:prstGeom prst="rect">
+            <a:avLst/>
+          </a:prstGeom>
+        </p:spPr>
+        <p:txBody>
+          <a:bodyPr lIns="0" rIns="0" tIns="0" bIns="0">
+            <a:normAutofit/>
+          </a:bodyPr>
+          <a:p>
+            <a:endParaRPr b="0" lang="en-US" sz="3200" spc="-1" strike="noStrike">
+              <a:latin typeface="Arial"/>
+            </a:endParaRPr>
+          </a:p>
+        </p:txBody>
+      </p:sp>
+      <p:sp>
+        <p:nvSpPr>
+          <p:cNvPr id="92" name="PlaceHolder 3"/>
+          <p:cNvSpPr>
+            <a:spLocks noGrp="1"/>
+          </p:cNvSpPr>
+          <p:nvPr>
+            <p:ph type="body"/>
+          </p:nvPr>
+        </p:nvSpPr>
+        <p:spPr>
+          <a:xfrm>
+            <a:off x="5152680" y="1768680"/>
+            <a:ext cx="4426920" cy="4383720"/>
+          </a:xfrm>
+          <a:prstGeom prst="rect">
+            <a:avLst/>
+          </a:prstGeom>
+        </p:spPr>
+        <p:txBody>
+          <a:bodyPr lIns="0" rIns="0" tIns="0" bIns="0">
+            <a:normAutofit/>
+          </a:bodyPr>
+          <a:p>
+            <a:endParaRPr b="0" lang="en-US" sz="3200" spc="-1" strike="noStrike">
+              <a:latin typeface="Arial"/>
+            </a:endParaRPr>
+          </a:p>
+        </p:txBody>
+      </p:sp>
+      <p:sp>
+        <p:nvSpPr>
+          <p:cNvPr id="93" name="PlaceHolder 4"/>
+          <p:cNvSpPr>
+            <a:spLocks noGrp="1"/>
+          </p:cNvSpPr>
+          <p:nvPr>
+            <p:ph type="body"/>
+          </p:nvPr>
+        </p:nvSpPr>
+        <p:spPr>
+          <a:xfrm>
+            <a:off x="504000" y="4058640"/>
+            <a:ext cx="4426920" cy="2090880"/>
+          </a:xfrm>
+          <a:prstGeom prst="rect">
+            <a:avLst/>
+          </a:prstGeom>
+        </p:spPr>
+        <p:txBody>
+          <a:bodyPr lIns="0" rIns="0" tIns="0" bIns="0">
+            <a:normAutofit/>
+          </a:bodyPr>
+          <a:p>
+            <a:endParaRPr b="0" lang="en-US" sz="3200" spc="-1" strike="noStrike">
+              <a:latin typeface="Arial"/>
+            </a:endParaRPr>
+          </a:p>
+        </p:txBody>
+      </p:sp>
+    </p:spTree>
+  </p:cSld>
+</p:sldLayout>
+</file>
+
+<file path=ppt/slideLayouts/slideLayout32.xml><?xml version="1.0" encoding="utf-8"?>
+<p:sldLayout xmlns:a="http://schemas.openxmlformats.org/drawingml/2006/main" xmlns:p="http://schemas.openxmlformats.org/presentationml/2006/main" xmlns:r="http://schemas.openxmlformats.org/officeDocument/2006/relationships" xmlns:p14="http://schemas.microsoft.com/office/powerpoint/2010/main" xmlns:p15="http://schemas.microsoft.com/office/powerpoint/2012/main" xmlns:mc="http://schemas.openxmlformats.org/markup-compatibility/2006" type="objAndTwoObj" preserve="1">
+  <p:cSld name="Title Content and 2 Content">
+    <p:spTree>
+      <p:nvGrpSpPr>
+        <p:cNvPr id="1" name=""/>
+        <p:cNvGrpSpPr/>
+        <p:nvPr/>
+      </p:nvGrpSpPr>
+      <p:grpSpPr>
+        <a:xfrm>
+          <a:off x="0" y="0"/>
+          <a:ext cx="0" cy="0"/>
+          <a:chOff x="0" y="0"/>
+          <a:chExt cx="0" cy="0"/>
+        </a:xfrm>
+      </p:grpSpPr>
+      <p:sp>
+        <p:nvSpPr>
+          <p:cNvPr id="94" name="PlaceHolder 1"/>
+          <p:cNvSpPr>
+            <a:spLocks noGrp="1"/>
+          </p:cNvSpPr>
+          <p:nvPr>
+            <p:ph type="title"/>
+          </p:nvPr>
+        </p:nvSpPr>
+        <p:spPr>
+          <a:xfrm>
+            <a:off x="504000" y="300960"/>
+            <a:ext cx="9071640" cy="1262160"/>
+          </a:xfrm>
+          <a:prstGeom prst="rect">
+            <a:avLst/>
+          </a:prstGeom>
+        </p:spPr>
+        <p:txBody>
+          <a:bodyPr lIns="0" rIns="0" tIns="0" bIns="0" anchor="ctr">
+            <a:spAutoFit/>
+          </a:bodyPr>
+          <a:p>
+            <a:pPr algn="ctr"/>
+            <a:endParaRPr b="0" lang="en-US" sz="4400" spc="-1" strike="noStrike">
+              <a:latin typeface="Arial"/>
+            </a:endParaRPr>
+          </a:p>
+        </p:txBody>
+      </p:sp>
+      <p:sp>
+        <p:nvSpPr>
+          <p:cNvPr id="95" name="PlaceHolder 2"/>
+          <p:cNvSpPr>
+            <a:spLocks noGrp="1"/>
+          </p:cNvSpPr>
+          <p:nvPr>
+            <p:ph type="body"/>
+          </p:nvPr>
+        </p:nvSpPr>
+        <p:spPr>
+          <a:xfrm>
+            <a:off x="504000" y="1768680"/>
+            <a:ext cx="4426920" cy="4383720"/>
+          </a:xfrm>
+          <a:prstGeom prst="rect">
+            <a:avLst/>
+          </a:prstGeom>
+        </p:spPr>
+        <p:txBody>
+          <a:bodyPr lIns="0" rIns="0" tIns="0" bIns="0">
+            <a:normAutofit/>
+          </a:bodyPr>
+          <a:p>
+            <a:endParaRPr b="0" lang="en-US" sz="3200" spc="-1" strike="noStrike">
+              <a:latin typeface="Arial"/>
+            </a:endParaRPr>
+          </a:p>
+        </p:txBody>
+      </p:sp>
+      <p:sp>
+        <p:nvSpPr>
+          <p:cNvPr id="96" name="PlaceHolder 3"/>
+          <p:cNvSpPr>
+            <a:spLocks noGrp="1"/>
+          </p:cNvSpPr>
+          <p:nvPr>
+            <p:ph type="body"/>
+          </p:nvPr>
+        </p:nvSpPr>
+        <p:spPr>
+          <a:xfrm>
+            <a:off x="5152680" y="1768680"/>
+            <a:ext cx="4426920" cy="2090880"/>
+          </a:xfrm>
+          <a:prstGeom prst="rect">
+            <a:avLst/>
+          </a:prstGeom>
+        </p:spPr>
+        <p:txBody>
+          <a:bodyPr lIns="0" rIns="0" tIns="0" bIns="0">
+            <a:normAutofit/>
+          </a:bodyPr>
+          <a:p>
+            <a:endParaRPr b="0" lang="en-US" sz="3200" spc="-1" strike="noStrike">
+              <a:latin typeface="Arial"/>
+            </a:endParaRPr>
+          </a:p>
+        </p:txBody>
+      </p:sp>
+      <p:sp>
+        <p:nvSpPr>
+          <p:cNvPr id="97" name="PlaceHolder 4"/>
+          <p:cNvSpPr>
+            <a:spLocks noGrp="1"/>
+          </p:cNvSpPr>
+          <p:nvPr>
+            <p:ph type="body"/>
+          </p:nvPr>
+        </p:nvSpPr>
+        <p:spPr>
+          <a:xfrm>
+            <a:off x="5152680" y="4058640"/>
+            <a:ext cx="4426920" cy="2090880"/>
+          </a:xfrm>
+          <a:prstGeom prst="rect">
+            <a:avLst/>
+          </a:prstGeom>
+        </p:spPr>
+        <p:txBody>
+          <a:bodyPr lIns="0" rIns="0" tIns="0" bIns="0">
+            <a:normAutofit/>
+          </a:bodyPr>
+          <a:p>
+            <a:endParaRPr b="0" lang="en-US" sz="3200" spc="-1" strike="noStrike">
+              <a:latin typeface="Arial"/>
+            </a:endParaRPr>
+          </a:p>
+        </p:txBody>
+      </p:sp>
+    </p:spTree>
+  </p:cSld>
+</p:sldLayout>
+</file>
+
+<file path=ppt/slideLayouts/slideLayout33.xml><?xml version="1.0" encoding="utf-8"?>
+<p:sldLayout xmlns:a="http://schemas.openxmlformats.org/drawingml/2006/main" xmlns:p="http://schemas.openxmlformats.org/presentationml/2006/main" xmlns:r="http://schemas.openxmlformats.org/officeDocument/2006/relationships" xmlns:p14="http://schemas.microsoft.com/office/powerpoint/2010/main" xmlns:p15="http://schemas.microsoft.com/office/powerpoint/2012/main" xmlns:mc="http://schemas.openxmlformats.org/markup-compatibility/2006" type="twoObjOverTx" preserve="1">
+  <p:cSld name="Title, 2 Content over Content">
+    <p:spTree>
+      <p:nvGrpSpPr>
+        <p:cNvPr id="1" name=""/>
+        <p:cNvGrpSpPr/>
+        <p:nvPr/>
+      </p:nvGrpSpPr>
+      <p:grpSpPr>
+        <a:xfrm>
+          <a:off x="0" y="0"/>
+          <a:ext cx="0" cy="0"/>
+          <a:chOff x="0" y="0"/>
+          <a:chExt cx="0" cy="0"/>
+        </a:xfrm>
+      </p:grpSpPr>
+      <p:sp>
+        <p:nvSpPr>
+          <p:cNvPr id="98" name="PlaceHolder 1"/>
+          <p:cNvSpPr>
+            <a:spLocks noGrp="1"/>
+          </p:cNvSpPr>
+          <p:nvPr>
+            <p:ph type="title"/>
+          </p:nvPr>
+        </p:nvSpPr>
+        <p:spPr>
+          <a:xfrm>
+            <a:off x="504000" y="300960"/>
+            <a:ext cx="9071640" cy="1262160"/>
+          </a:xfrm>
+          <a:prstGeom prst="rect">
+            <a:avLst/>
+          </a:prstGeom>
+        </p:spPr>
+        <p:txBody>
+          <a:bodyPr lIns="0" rIns="0" tIns="0" bIns="0" anchor="ctr">
+            <a:spAutoFit/>
+          </a:bodyPr>
+          <a:p>
+            <a:pPr algn="ctr"/>
+            <a:endParaRPr b="0" lang="en-US" sz="4400" spc="-1" strike="noStrike">
+              <a:latin typeface="Arial"/>
+            </a:endParaRPr>
+          </a:p>
+        </p:txBody>
+      </p:sp>
+      <p:sp>
+        <p:nvSpPr>
+          <p:cNvPr id="99" name="PlaceHolder 2"/>
+          <p:cNvSpPr>
+            <a:spLocks noGrp="1"/>
+          </p:cNvSpPr>
+          <p:nvPr>
+            <p:ph type="body"/>
+          </p:nvPr>
+        </p:nvSpPr>
+        <p:spPr>
+          <a:xfrm>
+            <a:off x="504000" y="1768680"/>
+            <a:ext cx="4426920" cy="2090880"/>
+          </a:xfrm>
+          <a:prstGeom prst="rect">
+            <a:avLst/>
+          </a:prstGeom>
+        </p:spPr>
+        <p:txBody>
+          <a:bodyPr lIns="0" rIns="0" tIns="0" bIns="0">
+            <a:normAutofit/>
+          </a:bodyPr>
+          <a:p>
+            <a:endParaRPr b="0" lang="en-US" sz="3200" spc="-1" strike="noStrike">
+              <a:latin typeface="Arial"/>
+            </a:endParaRPr>
+          </a:p>
+        </p:txBody>
+      </p:sp>
+      <p:sp>
+        <p:nvSpPr>
+          <p:cNvPr id="100" name="PlaceHolder 3"/>
+          <p:cNvSpPr>
+            <a:spLocks noGrp="1"/>
+          </p:cNvSpPr>
+          <p:nvPr>
+            <p:ph type="body"/>
+          </p:nvPr>
+        </p:nvSpPr>
+        <p:spPr>
+          <a:xfrm>
+            <a:off x="5152680" y="1768680"/>
+            <a:ext cx="4426920" cy="2090880"/>
+          </a:xfrm>
+          <a:prstGeom prst="rect">
+            <a:avLst/>
+          </a:prstGeom>
+        </p:spPr>
+        <p:txBody>
+          <a:bodyPr lIns="0" rIns="0" tIns="0" bIns="0">
+            <a:normAutofit/>
+          </a:bodyPr>
+          <a:p>
+            <a:endParaRPr b="0" lang="en-US" sz="3200" spc="-1" strike="noStrike">
+              <a:latin typeface="Arial"/>
+            </a:endParaRPr>
+          </a:p>
+        </p:txBody>
+      </p:sp>
+      <p:sp>
+        <p:nvSpPr>
+          <p:cNvPr id="101" name="PlaceHolder 4"/>
+          <p:cNvSpPr>
+            <a:spLocks noGrp="1"/>
+          </p:cNvSpPr>
+          <p:nvPr>
+            <p:ph type="body"/>
+          </p:nvPr>
+        </p:nvSpPr>
+        <p:spPr>
+          <a:xfrm>
+            <a:off x="504000" y="4058640"/>
+            <a:ext cx="9071640" cy="2090880"/>
+          </a:xfrm>
+          <a:prstGeom prst="rect">
+            <a:avLst/>
+          </a:prstGeom>
+        </p:spPr>
+        <p:txBody>
+          <a:bodyPr lIns="0" rIns="0" tIns="0" bIns="0">
+            <a:normAutofit/>
+          </a:bodyPr>
+          <a:p>
+            <a:endParaRPr b="0" lang="en-US" sz="3200" spc="-1" strike="noStrike">
+              <a:latin typeface="Arial"/>
+            </a:endParaRPr>
+          </a:p>
+        </p:txBody>
+      </p:sp>
+    </p:spTree>
+  </p:cSld>
+</p:sldLayout>
+</file>
+
+<file path=ppt/slideLayouts/slideLayout34.xml><?xml version="1.0" encoding="utf-8"?>
+<p:sldLayout xmlns:a="http://schemas.openxmlformats.org/drawingml/2006/main" xmlns:p="http://schemas.openxmlformats.org/presentationml/2006/main" xmlns:r="http://schemas.openxmlformats.org/officeDocument/2006/relationships" xmlns:p14="http://schemas.microsoft.com/office/powerpoint/2010/main" xmlns:p15="http://schemas.microsoft.com/office/powerpoint/2012/main" xmlns:mc="http://schemas.openxmlformats.org/markup-compatibility/2006" type="objOverTx" preserve="1">
+  <p:cSld name="Title, Content over Content">
+    <p:spTree>
+      <p:nvGrpSpPr>
+        <p:cNvPr id="1" name=""/>
+        <p:cNvGrpSpPr/>
+        <p:nvPr/>
+      </p:nvGrpSpPr>
+      <p:grpSpPr>
+        <a:xfrm>
+          <a:off x="0" y="0"/>
+          <a:ext cx="0" cy="0"/>
+          <a:chOff x="0" y="0"/>
+          <a:chExt cx="0" cy="0"/>
+        </a:xfrm>
+      </p:grpSpPr>
+      <p:sp>
+        <p:nvSpPr>
+          <p:cNvPr id="102" name="PlaceHolder 1"/>
+          <p:cNvSpPr>
+            <a:spLocks noGrp="1"/>
+          </p:cNvSpPr>
+          <p:nvPr>
+            <p:ph type="title"/>
+          </p:nvPr>
+        </p:nvSpPr>
+        <p:spPr>
+          <a:xfrm>
+            <a:off x="504000" y="300960"/>
+            <a:ext cx="9071640" cy="1262160"/>
+          </a:xfrm>
+          <a:prstGeom prst="rect">
+            <a:avLst/>
+          </a:prstGeom>
+        </p:spPr>
+        <p:txBody>
+          <a:bodyPr lIns="0" rIns="0" tIns="0" bIns="0" anchor="ctr">
+            <a:spAutoFit/>
+          </a:bodyPr>
+          <a:p>
+            <a:pPr algn="ctr"/>
+            <a:endParaRPr b="0" lang="en-US" sz="4400" spc="-1" strike="noStrike">
+              <a:latin typeface="Arial"/>
+            </a:endParaRPr>
+          </a:p>
+        </p:txBody>
+      </p:sp>
+      <p:sp>
+        <p:nvSpPr>
+          <p:cNvPr id="103" name="PlaceHolder 2"/>
+          <p:cNvSpPr>
+            <a:spLocks noGrp="1"/>
+          </p:cNvSpPr>
+          <p:nvPr>
+            <p:ph type="body"/>
+          </p:nvPr>
+        </p:nvSpPr>
+        <p:spPr>
+          <a:xfrm>
+            <a:off x="504000" y="1768680"/>
+            <a:ext cx="9071640" cy="2090880"/>
+          </a:xfrm>
+          <a:prstGeom prst="rect">
+            <a:avLst/>
+          </a:prstGeom>
+        </p:spPr>
+        <p:txBody>
+          <a:bodyPr lIns="0" rIns="0" tIns="0" bIns="0">
+            <a:normAutofit/>
+          </a:bodyPr>
+          <a:p>
+            <a:endParaRPr b="0" lang="en-US" sz="3200" spc="-1" strike="noStrike">
+              <a:latin typeface="Arial"/>
+            </a:endParaRPr>
+          </a:p>
+        </p:txBody>
+      </p:sp>
+      <p:sp>
+        <p:nvSpPr>
+          <p:cNvPr id="104" name="PlaceHolder 3"/>
+          <p:cNvSpPr>
+            <a:spLocks noGrp="1"/>
+          </p:cNvSpPr>
+          <p:nvPr>
+            <p:ph type="body"/>
+          </p:nvPr>
+        </p:nvSpPr>
+        <p:spPr>
+          <a:xfrm>
+            <a:off x="504000" y="4058640"/>
+            <a:ext cx="9071640" cy="2090880"/>
+          </a:xfrm>
+          <a:prstGeom prst="rect">
+            <a:avLst/>
+          </a:prstGeom>
+        </p:spPr>
+        <p:txBody>
+          <a:bodyPr lIns="0" rIns="0" tIns="0" bIns="0">
+            <a:normAutofit/>
+          </a:bodyPr>
+          <a:p>
+            <a:endParaRPr b="0" lang="en-US" sz="3200" spc="-1" strike="noStrike">
+              <a:latin typeface="Arial"/>
+            </a:endParaRPr>
+          </a:p>
+        </p:txBody>
+      </p:sp>
+    </p:spTree>
+  </p:cSld>
+</p:sldLayout>
+</file>
+
+<file path=ppt/slideLayouts/slideLayout35.xml><?xml version="1.0" encoding="utf-8"?>
+<p:sldLayout xmlns:a="http://schemas.openxmlformats.org/drawingml/2006/main" xmlns:p="http://schemas.openxmlformats.org/presentationml/2006/main" xmlns:r="http://schemas.openxmlformats.org/officeDocument/2006/relationships" xmlns:p14="http://schemas.microsoft.com/office/powerpoint/2010/main" xmlns:p15="http://schemas.microsoft.com/office/powerpoint/2012/main" xmlns:mc="http://schemas.openxmlformats.org/markup-compatibility/2006" type="fourObj" preserve="1">
+  <p:cSld name="Title, 4 Content">
+    <p:spTree>
+      <p:nvGrpSpPr>
+        <p:cNvPr id="1" name=""/>
+        <p:cNvGrpSpPr/>
+        <p:nvPr/>
+      </p:nvGrpSpPr>
+      <p:grpSpPr>
+        <a:xfrm>
+          <a:off x="0" y="0"/>
+          <a:ext cx="0" cy="0"/>
+          <a:chOff x="0" y="0"/>
+          <a:chExt cx="0" cy="0"/>
+        </a:xfrm>
+      </p:grpSpPr>
+      <p:sp>
+        <p:nvSpPr>
+          <p:cNvPr id="105" name="PlaceHolder 1"/>
+          <p:cNvSpPr>
+            <a:spLocks noGrp="1"/>
+          </p:cNvSpPr>
+          <p:nvPr>
+            <p:ph type="title"/>
+          </p:nvPr>
+        </p:nvSpPr>
+        <p:spPr>
+          <a:xfrm>
+            <a:off x="504000" y="300960"/>
+            <a:ext cx="9071640" cy="1262160"/>
+          </a:xfrm>
+          <a:prstGeom prst="rect">
+            <a:avLst/>
+          </a:prstGeom>
+        </p:spPr>
+        <p:txBody>
+          <a:bodyPr lIns="0" rIns="0" tIns="0" bIns="0" anchor="ctr">
+            <a:spAutoFit/>
+          </a:bodyPr>
+          <a:p>
+            <a:pPr algn="ctr"/>
+            <a:endParaRPr b="0" lang="en-US" sz="4400" spc="-1" strike="noStrike">
+              <a:latin typeface="Arial"/>
+            </a:endParaRPr>
+          </a:p>
+        </p:txBody>
+      </p:sp>
+      <p:sp>
+        <p:nvSpPr>
+          <p:cNvPr id="106" name="PlaceHolder 2"/>
+          <p:cNvSpPr>
+            <a:spLocks noGrp="1"/>
+          </p:cNvSpPr>
+          <p:nvPr>
+            <p:ph type="body"/>
+          </p:nvPr>
+        </p:nvSpPr>
+        <p:spPr>
+          <a:xfrm>
+            <a:off x="504000" y="1768680"/>
+            <a:ext cx="4426920" cy="2090880"/>
+          </a:xfrm>
+          <a:prstGeom prst="rect">
+            <a:avLst/>
+          </a:prstGeom>
+        </p:spPr>
+        <p:txBody>
+          <a:bodyPr lIns="0" rIns="0" tIns="0" bIns="0">
+            <a:normAutofit/>
+          </a:bodyPr>
+          <a:p>
+            <a:endParaRPr b="0" lang="en-US" sz="3200" spc="-1" strike="noStrike">
+              <a:latin typeface="Arial"/>
+            </a:endParaRPr>
+          </a:p>
+        </p:txBody>
+      </p:sp>
+      <p:sp>
+        <p:nvSpPr>
+          <p:cNvPr id="107" name="PlaceHolder 3"/>
+          <p:cNvSpPr>
+            <a:spLocks noGrp="1"/>
+          </p:cNvSpPr>
+          <p:nvPr>
+            <p:ph type="body"/>
+          </p:nvPr>
+        </p:nvSpPr>
+        <p:spPr>
+          <a:xfrm>
+            <a:off x="5152680" y="1768680"/>
+            <a:ext cx="4426920" cy="2090880"/>
+          </a:xfrm>
+          <a:prstGeom prst="rect">
+            <a:avLst/>
+          </a:prstGeom>
+        </p:spPr>
+        <p:txBody>
+          <a:bodyPr lIns="0" rIns="0" tIns="0" bIns="0">
+            <a:normAutofit/>
+          </a:bodyPr>
+          <a:p>
+            <a:endParaRPr b="0" lang="en-US" sz="3200" spc="-1" strike="noStrike">
+              <a:latin typeface="Arial"/>
+            </a:endParaRPr>
+          </a:p>
+        </p:txBody>
+      </p:sp>
+      <p:sp>
+        <p:nvSpPr>
+          <p:cNvPr id="108" name="PlaceHolder 4"/>
+          <p:cNvSpPr>
+            <a:spLocks noGrp="1"/>
+          </p:cNvSpPr>
+          <p:nvPr>
+            <p:ph type="body"/>
+          </p:nvPr>
+        </p:nvSpPr>
+        <p:spPr>
+          <a:xfrm>
+            <a:off x="504000" y="4058640"/>
+            <a:ext cx="4426920" cy="2090880"/>
+          </a:xfrm>
+          <a:prstGeom prst="rect">
+            <a:avLst/>
+          </a:prstGeom>
+        </p:spPr>
+        <p:txBody>
+          <a:bodyPr lIns="0" rIns="0" tIns="0" bIns="0">
+            <a:normAutofit/>
+          </a:bodyPr>
+          <a:p>
+            <a:endParaRPr b="0" lang="en-US" sz="3200" spc="-1" strike="noStrike">
+              <a:latin typeface="Arial"/>
+            </a:endParaRPr>
+          </a:p>
+        </p:txBody>
+      </p:sp>
+      <p:sp>
+        <p:nvSpPr>
+          <p:cNvPr id="109" name="PlaceHolder 5"/>
+          <p:cNvSpPr>
+            <a:spLocks noGrp="1"/>
+          </p:cNvSpPr>
+          <p:nvPr>
+            <p:ph type="body"/>
+          </p:nvPr>
+        </p:nvSpPr>
+        <p:spPr>
+          <a:xfrm>
+            <a:off x="5152680" y="4058640"/>
+            <a:ext cx="4426920" cy="2090880"/>
+          </a:xfrm>
+          <a:prstGeom prst="rect">
+            <a:avLst/>
+          </a:prstGeom>
+        </p:spPr>
+        <p:txBody>
+          <a:bodyPr lIns="0" rIns="0" tIns="0" bIns="0">
+            <a:normAutofit/>
+          </a:bodyPr>
+          <a:p>
+            <a:endParaRPr b="0" lang="en-US" sz="3200" spc="-1" strike="noStrike">
+              <a:latin typeface="Arial"/>
+            </a:endParaRPr>
+          </a:p>
+        </p:txBody>
+      </p:sp>
+    </p:spTree>
+  </p:cSld>
+</p:sldLayout>
+</file>
+
+<file path=ppt/slideLayouts/slideLayout36.xml><?xml version="1.0" encoding="utf-8"?>
+<p:sldLayout xmlns:a="http://schemas.openxmlformats.org/drawingml/2006/main" xmlns:p="http://schemas.openxmlformats.org/presentationml/2006/main" xmlns:r="http://schemas.openxmlformats.org/officeDocument/2006/relationships" xmlns:p14="http://schemas.microsoft.com/office/powerpoint/2010/main" xmlns:p15="http://schemas.microsoft.com/office/powerpoint/2012/main" xmlns:mc="http://schemas.openxmlformats.org/markup-compatibility/2006" type="blank" preserve="1">
+  <p:cSld name="Title, 6 Content">
+    <p:spTree>
+      <p:nvGrpSpPr>
+        <p:cNvPr id="1" name=""/>
+        <p:cNvGrpSpPr/>
+        <p:nvPr/>
+      </p:nvGrpSpPr>
+      <p:grpSpPr>
+        <a:xfrm>
+          <a:off x="0" y="0"/>
+          <a:ext cx="0" cy="0"/>
+          <a:chOff x="0" y="0"/>
+          <a:chExt cx="0" cy="0"/>
+        </a:xfrm>
+      </p:grpSpPr>
+      <p:sp>
+        <p:nvSpPr>
+          <p:cNvPr id="110" name="PlaceHolder 1"/>
+          <p:cNvSpPr>
+            <a:spLocks noGrp="1"/>
+          </p:cNvSpPr>
+          <p:nvPr>
+            <p:ph type="title"/>
+          </p:nvPr>
+        </p:nvSpPr>
+        <p:spPr>
+          <a:xfrm>
+            <a:off x="504000" y="300960"/>
+            <a:ext cx="9071640" cy="1262160"/>
+          </a:xfrm>
+          <a:prstGeom prst="rect">
+            <a:avLst/>
+          </a:prstGeom>
+        </p:spPr>
+        <p:txBody>
+          <a:bodyPr lIns="0" rIns="0" tIns="0" bIns="0" anchor="ctr">
+            <a:spAutoFit/>
+          </a:bodyPr>
+          <a:p>
+            <a:pPr algn="ctr"/>
+            <a:endParaRPr b="0" lang="en-US" sz="4400" spc="-1" strike="noStrike">
+              <a:latin typeface="Arial"/>
+            </a:endParaRPr>
+          </a:p>
+        </p:txBody>
+      </p:sp>
+      <p:sp>
+        <p:nvSpPr>
+          <p:cNvPr id="111" name="PlaceHolder 2"/>
+          <p:cNvSpPr>
+            <a:spLocks noGrp="1"/>
+          </p:cNvSpPr>
+          <p:nvPr>
+            <p:ph type="body"/>
+          </p:nvPr>
+        </p:nvSpPr>
+        <p:spPr>
+          <a:xfrm>
+            <a:off x="504000" y="1768680"/>
+            <a:ext cx="2920680" cy="2090880"/>
+          </a:xfrm>
+          <a:prstGeom prst="rect">
+            <a:avLst/>
+          </a:prstGeom>
+        </p:spPr>
+        <p:txBody>
+          <a:bodyPr lIns="0" rIns="0" tIns="0" bIns="0">
+            <a:normAutofit/>
+          </a:bodyPr>
+          <a:p>
+            <a:endParaRPr b="0" lang="en-US" sz="3200" spc="-1" strike="noStrike">
+              <a:latin typeface="Arial"/>
+            </a:endParaRPr>
+          </a:p>
+        </p:txBody>
+      </p:sp>
+      <p:sp>
+        <p:nvSpPr>
+          <p:cNvPr id="112" name="PlaceHolder 3"/>
+          <p:cNvSpPr>
+            <a:spLocks noGrp="1"/>
+          </p:cNvSpPr>
+          <p:nvPr>
+            <p:ph type="body"/>
+          </p:nvPr>
+        </p:nvSpPr>
+        <p:spPr>
+          <a:xfrm>
+            <a:off x="3571200" y="1768680"/>
+            <a:ext cx="2920680" cy="2090880"/>
+          </a:xfrm>
+          <a:prstGeom prst="rect">
+            <a:avLst/>
+          </a:prstGeom>
+        </p:spPr>
+        <p:txBody>
+          <a:bodyPr lIns="0" rIns="0" tIns="0" bIns="0">
+            <a:normAutofit/>
+          </a:bodyPr>
+          <a:p>
+            <a:endParaRPr b="0" lang="en-US" sz="3200" spc="-1" strike="noStrike">
+              <a:latin typeface="Arial"/>
+            </a:endParaRPr>
+          </a:p>
+        </p:txBody>
+      </p:sp>
+      <p:sp>
+        <p:nvSpPr>
+          <p:cNvPr id="113" name="PlaceHolder 4"/>
+          <p:cNvSpPr>
+            <a:spLocks noGrp="1"/>
+          </p:cNvSpPr>
+          <p:nvPr>
+            <p:ph type="body"/>
+          </p:nvPr>
+        </p:nvSpPr>
+        <p:spPr>
+          <a:xfrm>
+            <a:off x="6638040" y="1768680"/>
+            <a:ext cx="2920680" cy="2090880"/>
+          </a:xfrm>
+          <a:prstGeom prst="rect">
+            <a:avLst/>
+          </a:prstGeom>
+        </p:spPr>
+        <p:txBody>
+          <a:bodyPr lIns="0" rIns="0" tIns="0" bIns="0">
+            <a:normAutofit/>
+          </a:bodyPr>
+          <a:p>
+            <a:endParaRPr b="0" lang="en-US" sz="3200" spc="-1" strike="noStrike">
+              <a:latin typeface="Arial"/>
+            </a:endParaRPr>
+          </a:p>
+        </p:txBody>
+      </p:sp>
+      <p:sp>
+        <p:nvSpPr>
+          <p:cNvPr id="114" name="PlaceHolder 5"/>
+          <p:cNvSpPr>
+            <a:spLocks noGrp="1"/>
+          </p:cNvSpPr>
+          <p:nvPr>
+            <p:ph type="body"/>
+          </p:nvPr>
+        </p:nvSpPr>
+        <p:spPr>
+          <a:xfrm>
+            <a:off x="504000" y="4058640"/>
+            <a:ext cx="2920680" cy="2090880"/>
+          </a:xfrm>
+          <a:prstGeom prst="rect">
+            <a:avLst/>
+          </a:prstGeom>
+        </p:spPr>
+        <p:txBody>
+          <a:bodyPr lIns="0" rIns="0" tIns="0" bIns="0">
+            <a:normAutofit/>
+          </a:bodyPr>
+          <a:p>
+            <a:endParaRPr b="0" lang="en-US" sz="3200" spc="-1" strike="noStrike">
+              <a:latin typeface="Arial"/>
+            </a:endParaRPr>
+          </a:p>
+        </p:txBody>
+      </p:sp>
+      <p:sp>
+        <p:nvSpPr>
+          <p:cNvPr id="115" name="PlaceHolder 6"/>
+          <p:cNvSpPr>
+            <a:spLocks noGrp="1"/>
+          </p:cNvSpPr>
+          <p:nvPr>
+            <p:ph type="body"/>
+          </p:nvPr>
+        </p:nvSpPr>
+        <p:spPr>
+          <a:xfrm>
+            <a:off x="3571200" y="4058640"/>
+            <a:ext cx="2920680" cy="2090880"/>
+          </a:xfrm>
+          <a:prstGeom prst="rect">
+            <a:avLst/>
+          </a:prstGeom>
+        </p:spPr>
+        <p:txBody>
+          <a:bodyPr lIns="0" rIns="0" tIns="0" bIns="0">
+            <a:normAutofit/>
+          </a:bodyPr>
+          <a:p>
+            <a:endParaRPr b="0" lang="en-US" sz="3200" spc="-1" strike="noStrike">
+              <a:latin typeface="Arial"/>
+            </a:endParaRPr>
+          </a:p>
+        </p:txBody>
+      </p:sp>
+      <p:sp>
+        <p:nvSpPr>
+          <p:cNvPr id="116" name="PlaceHolder 7"/>
+          <p:cNvSpPr>
+            <a:spLocks noGrp="1"/>
+          </p:cNvSpPr>
+          <p:nvPr>
+            <p:ph type="body"/>
+          </p:nvPr>
+        </p:nvSpPr>
+        <p:spPr>
+          <a:xfrm>
+            <a:off x="6638040" y="4058640"/>
+            <a:ext cx="2920680" cy="2090880"/>
           </a:xfrm>
           <a:prstGeom prst="rect">
             <a:avLst/>
@@ -2114,8 +3475,8 @@
         </p:nvSpPr>
         <p:spPr>
           <a:xfrm>
-            <a:off x="504000" y="301320"/>
-            <a:ext cx="9072000" cy="1261800"/>
+            <a:off x="504000" y="300960"/>
+            <a:ext cx="9071640" cy="1262160"/>
           </a:xfrm>
           <a:prstGeom prst="rect">
             <a:avLst/>
@@ -2146,7 +3507,7 @@
         <p:spPr>
           <a:xfrm>
             <a:off x="504000" y="1768680"/>
-            <a:ext cx="4426920" cy="4384080"/>
+            <a:ext cx="4426920" cy="4383720"/>
           </a:xfrm>
           <a:prstGeom prst="rect">
             <a:avLst/>
@@ -2176,7 +3537,7 @@
         <p:spPr>
           <a:xfrm>
             <a:off x="5152680" y="1768680"/>
-            <a:ext cx="4426920" cy="4384080"/>
+            <a:ext cx="4426920" cy="4383720"/>
           </a:xfrm>
           <a:prstGeom prst="rect">
             <a:avLst/>
@@ -2227,8 +3588,8 @@
         </p:nvSpPr>
         <p:spPr>
           <a:xfrm>
-            <a:off x="504000" y="301320"/>
-            <a:ext cx="9072000" cy="1261800"/>
+            <a:off x="504000" y="300960"/>
+            <a:ext cx="9071640" cy="1262160"/>
           </a:xfrm>
           <a:prstGeom prst="rect">
             <a:avLst/>
@@ -2280,8 +3641,8 @@
         </p:nvSpPr>
         <p:spPr>
           <a:xfrm>
-            <a:off x="504000" y="301320"/>
-            <a:ext cx="9072000" cy="5850360"/>
+            <a:off x="504000" y="300960"/>
+            <a:ext cx="9071640" cy="5851800"/>
           </a:xfrm>
           <a:prstGeom prst="rect">
             <a:avLst/>
@@ -2333,8 +3694,8 @@
         </p:nvSpPr>
         <p:spPr>
           <a:xfrm>
-            <a:off x="504000" y="301320"/>
-            <a:ext cx="9072000" cy="1261800"/>
+            <a:off x="504000" y="300960"/>
+            <a:ext cx="9071640" cy="1262160"/>
           </a:xfrm>
           <a:prstGeom prst="rect">
             <a:avLst/>
@@ -2395,7 +3756,7 @@
         <p:spPr>
           <a:xfrm>
             <a:off x="5152680" y="1768680"/>
-            <a:ext cx="4426920" cy="4384080"/>
+            <a:ext cx="4426920" cy="4383720"/>
           </a:xfrm>
           <a:prstGeom prst="rect">
             <a:avLst/>
@@ -2476,8 +3837,8 @@
         </p:nvSpPr>
         <p:spPr>
           <a:xfrm>
-            <a:off x="504000" y="301320"/>
-            <a:ext cx="9072000" cy="1261800"/>
+            <a:off x="504000" y="300960"/>
+            <a:ext cx="9071640" cy="1262160"/>
           </a:xfrm>
           <a:prstGeom prst="rect">
             <a:avLst/>
@@ -2508,7 +3869,7 @@
         <p:spPr>
           <a:xfrm>
             <a:off x="504000" y="1768680"/>
-            <a:ext cx="4426920" cy="4384080"/>
+            <a:ext cx="4426920" cy="4383720"/>
           </a:xfrm>
           <a:prstGeom prst="rect">
             <a:avLst/>
@@ -2619,8 +3980,8 @@
         </p:nvSpPr>
         <p:spPr>
           <a:xfrm>
-            <a:off x="504000" y="301320"/>
-            <a:ext cx="9072000" cy="1261800"/>
+            <a:off x="504000" y="300960"/>
+            <a:ext cx="9071640" cy="1262160"/>
           </a:xfrm>
           <a:prstGeom prst="rect">
             <a:avLst/>
@@ -2711,7 +4072,7 @@
         <p:spPr>
           <a:xfrm>
             <a:off x="504000" y="4058640"/>
-            <a:ext cx="9072000" cy="2090880"/>
+            <a:ext cx="9071640" cy="2090880"/>
           </a:xfrm>
           <a:prstGeom prst="rect">
             <a:avLst/>
@@ -2763,7 +4124,7 @@
         <p:spPr>
           <a:xfrm>
             <a:off x="720" y="720"/>
-            <a:ext cx="10078920" cy="7558920"/>
+            <a:ext cx="10078200" cy="7558200"/>
           </a:xfrm>
           <a:prstGeom prst="rect">
             <a:avLst/>
@@ -2785,8 +4146,8 @@
         </p:nvSpPr>
         <p:spPr>
           <a:xfrm>
-            <a:off x="504000" y="304920"/>
-            <a:ext cx="7199280" cy="1262160"/>
+            <a:off x="504000" y="301320"/>
+            <a:ext cx="9072000" cy="1261800"/>
           </a:xfrm>
           <a:prstGeom prst="rect">
             <a:avLst/>
@@ -2794,16 +4155,17 @@
         </p:spPr>
         <p:txBody>
           <a:bodyPr lIns="0" rIns="0" tIns="0" bIns="0" anchor="ctr">
-            <a:spAutoFit/>
-          </a:bodyPr>
-          <a:p>
+            <a:noAutofit/>
+          </a:bodyPr>
+          <a:p>
+            <a:pPr algn="ctr"/>
             <a:r>
-              <a:rPr b="0" lang="en-US" sz="1800" spc="-1" strike="noStrike">
+              <a:rPr b="0" lang="en-US" sz="4400" spc="-1" strike="noStrike">
                 <a:latin typeface="Arial"/>
               </a:rPr>
               <a:t>Click to edit the title text format</a:t>
             </a:r>
-            <a:endParaRPr b="0" lang="en-US" sz="1800" spc="-1" strike="noStrike">
+            <a:endParaRPr b="0" lang="en-US" sz="4400" spc="-1" strike="noStrike">
               <a:latin typeface="Arial"/>
             </a:endParaRPr>
           </a:p>
@@ -2821,8 +4183,8 @@
         </p:nvSpPr>
         <p:spPr>
           <a:xfrm>
-            <a:off x="504000" y="1800000"/>
-            <a:ext cx="9071280" cy="4383720"/>
+            <a:off x="504000" y="1768680"/>
+            <a:ext cx="9072000" cy="4384080"/>
           </a:xfrm>
           <a:prstGeom prst="rect">
             <a:avLst/>
@@ -2845,12 +4207,12 @@
               <a:buChar char=""/>
             </a:pPr>
             <a:r>
-              <a:rPr b="0" lang="en-US" sz="1800" spc="-1" strike="noStrike">
+              <a:rPr b="0" lang="en-US" sz="3200" spc="-1" strike="noStrike">
                 <a:latin typeface="Arial"/>
               </a:rPr>
               <a:t>Click to edit the outline text format</a:t>
             </a:r>
-            <a:endParaRPr b="0" lang="en-US" sz="1800" spc="-1" strike="noStrike">
+            <a:endParaRPr b="0" lang="en-US" sz="3200" spc="-1" strike="noStrike">
               <a:latin typeface="Arial"/>
             </a:endParaRPr>
           </a:p>
@@ -2867,12 +4229,12 @@
               <a:buChar char=""/>
             </a:pPr>
             <a:r>
-              <a:rPr b="0" lang="en-US" sz="1800" spc="-1" strike="noStrike">
+              <a:rPr b="0" lang="en-US" sz="2800" spc="-1" strike="noStrike">
                 <a:latin typeface="Arial"/>
               </a:rPr>
               <a:t>Second Outline Level</a:t>
             </a:r>
-            <a:endParaRPr b="0" lang="en-US" sz="1800" spc="-1" strike="noStrike">
+            <a:endParaRPr b="0" lang="en-US" sz="2800" spc="-1" strike="noStrike">
               <a:latin typeface="Arial"/>
             </a:endParaRPr>
           </a:p>
@@ -2889,12 +4251,12 @@
               <a:buChar char=""/>
             </a:pPr>
             <a:r>
-              <a:rPr b="0" lang="en-US" sz="1800" spc="-1" strike="noStrike">
+              <a:rPr b="0" lang="en-US" sz="2400" spc="-1" strike="noStrike">
                 <a:latin typeface="Arial"/>
               </a:rPr>
               <a:t>Third Outline Level</a:t>
             </a:r>
-            <a:endParaRPr b="0" lang="en-US" sz="1800" spc="-1" strike="noStrike">
+            <a:endParaRPr b="0" lang="en-US" sz="2400" spc="-1" strike="noStrike">
               <a:latin typeface="Arial"/>
             </a:endParaRPr>
           </a:p>
@@ -2911,12 +4273,12 @@
               <a:buChar char=""/>
             </a:pPr>
             <a:r>
-              <a:rPr b="0" lang="en-US" sz="1800" spc="-1" strike="noStrike">
+              <a:rPr b="0" lang="en-US" sz="2000" spc="-1" strike="noStrike">
                 <a:latin typeface="Arial"/>
               </a:rPr>
               <a:t>Fourth Outline Level</a:t>
             </a:r>
-            <a:endParaRPr b="0" lang="en-US" sz="1800" spc="-1" strike="noStrike">
+            <a:endParaRPr b="0" lang="en-US" sz="2000" spc="-1" strike="noStrike">
               <a:latin typeface="Arial"/>
             </a:endParaRPr>
           </a:p>
@@ -2933,12 +4295,12 @@
               <a:buChar char=""/>
             </a:pPr>
             <a:r>
-              <a:rPr b="0" lang="en-US" sz="1800" spc="-1" strike="noStrike">
+              <a:rPr b="0" lang="en-US" sz="2000" spc="-1" strike="noStrike">
                 <a:latin typeface="Arial"/>
               </a:rPr>
               <a:t>Fifth Outline Level</a:t>
             </a:r>
-            <a:endParaRPr b="0" lang="en-US" sz="1800" spc="-1" strike="noStrike">
+            <a:endParaRPr b="0" lang="en-US" sz="2000" spc="-1" strike="noStrike">
               <a:latin typeface="Arial"/>
             </a:endParaRPr>
           </a:p>
@@ -2955,12 +4317,12 @@
               <a:buChar char=""/>
             </a:pPr>
             <a:r>
-              <a:rPr b="0" lang="en-US" sz="1800" spc="-1" strike="noStrike">
+              <a:rPr b="0" lang="en-US" sz="2000" spc="-1" strike="noStrike">
                 <a:latin typeface="Arial"/>
               </a:rPr>
               <a:t>Sixth Outline Level</a:t>
             </a:r>
-            <a:endParaRPr b="0" lang="en-US" sz="1800" spc="-1" strike="noStrike">
+            <a:endParaRPr b="0" lang="en-US" sz="2000" spc="-1" strike="noStrike">
               <a:latin typeface="Arial"/>
             </a:endParaRPr>
           </a:p>
@@ -2977,12 +4339,12 @@
               <a:buChar char=""/>
             </a:pPr>
             <a:r>
-              <a:rPr b="0" lang="en-US" sz="1800" spc="-1" strike="noStrike">
+              <a:rPr b="0" lang="en-US" sz="2000" spc="-1" strike="noStrike">
                 <a:latin typeface="Arial"/>
               </a:rPr>
               <a:t>Seventh Outline Level</a:t>
             </a:r>
-            <a:endParaRPr b="0" lang="en-US" sz="1800" spc="-1" strike="noStrike">
+            <a:endParaRPr b="0" lang="en-US" sz="2000" spc="-1" strike="noStrike">
               <a:latin typeface="Arial"/>
             </a:endParaRPr>
           </a:p>
@@ -3038,7 +4400,7 @@
         <p:spPr>
           <a:xfrm>
             <a:off x="720" y="720"/>
-            <a:ext cx="10078920" cy="7558920"/>
+            <a:ext cx="10078200" cy="7558200"/>
           </a:xfrm>
           <a:prstGeom prst="rect">
             <a:avLst/>
@@ -3280,6 +4642,281 @@
     <p:sldLayoutId id="2147483671" r:id="rId12"/>
     <p:sldLayoutId id="2147483672" r:id="rId13"/>
     <p:sldLayoutId id="2147483673" r:id="rId14"/>
+  </p:sldLayoutIdLst>
+</p:sldMaster>
+</file>
+
+<file path=ppt/slideMasters/slideMaster3.xml><?xml version="1.0" encoding="utf-8"?>
+<p:sldMaster xmlns:a="http://schemas.openxmlformats.org/drawingml/2006/main" xmlns:p="http://schemas.openxmlformats.org/presentationml/2006/main" xmlns:r="http://schemas.openxmlformats.org/officeDocument/2006/relationships" xmlns:p14="http://schemas.microsoft.com/office/powerpoint/2010/main" xmlns:p15="http://schemas.microsoft.com/office/powerpoint/2012/main" xmlns:mc="http://schemas.openxmlformats.org/markup-compatibility/2006">
+  <p:cSld>
+    <p:spTree>
+      <p:nvGrpSpPr>
+        <p:cNvPr id="1" name=""/>
+        <p:cNvGrpSpPr/>
+        <p:nvPr/>
+      </p:nvGrpSpPr>
+      <p:grpSpPr>
+        <a:xfrm>
+          <a:off x="0" y="0"/>
+          <a:ext cx="0" cy="0"/>
+          <a:chOff x="0" y="0"/>
+          <a:chExt cx="0" cy="0"/>
+        </a:xfrm>
+      </p:grpSpPr>
+      <p:pic>
+        <p:nvPicPr>
+          <p:cNvPr id="78" name="" descr=""/>
+          <p:cNvPicPr/>
+          <p:nvPr/>
+        </p:nvPicPr>
+        <p:blipFill>
+          <a:blip r:embed="rId2"/>
+          <a:stretch/>
+        </p:blipFill>
+        <p:spPr>
+          <a:xfrm>
+            <a:off x="720" y="720"/>
+            <a:ext cx="10078200" cy="7558200"/>
+          </a:xfrm>
+          <a:prstGeom prst="rect">
+            <a:avLst/>
+          </a:prstGeom>
+          <a:ln>
+            <a:noFill/>
+          </a:ln>
+        </p:spPr>
+      </p:pic>
+      <p:sp>
+        <p:nvSpPr>
+          <p:cNvPr id="79" name="PlaceHolder 1"/>
+          <p:cNvSpPr>
+            <a:spLocks noGrp="1"/>
+          </p:cNvSpPr>
+          <p:nvPr>
+            <p:ph type="title"/>
+          </p:nvPr>
+        </p:nvSpPr>
+        <p:spPr>
+          <a:xfrm>
+            <a:off x="504000" y="300960"/>
+            <a:ext cx="9071640" cy="1262160"/>
+          </a:xfrm>
+          <a:prstGeom prst="rect">
+            <a:avLst/>
+          </a:prstGeom>
+        </p:spPr>
+        <p:txBody>
+          <a:bodyPr lIns="0" rIns="0" tIns="0" bIns="0" anchor="ctr">
+            <a:spAutoFit/>
+          </a:bodyPr>
+          <a:p>
+            <a:r>
+              <a:rPr b="0" lang="en-US" sz="1800" spc="-1" strike="noStrike">
+                <a:latin typeface="Arial"/>
+              </a:rPr>
+              <a:t>Click to edit the title text format</a:t>
+            </a:r>
+            <a:endParaRPr b="0" lang="en-US" sz="1800" spc="-1" strike="noStrike">
+              <a:latin typeface="Arial"/>
+            </a:endParaRPr>
+          </a:p>
+        </p:txBody>
+      </p:sp>
+      <p:sp>
+        <p:nvSpPr>
+          <p:cNvPr id="80" name="PlaceHolder 2"/>
+          <p:cNvSpPr>
+            <a:spLocks noGrp="1"/>
+          </p:cNvSpPr>
+          <p:nvPr>
+            <p:ph type="body"/>
+          </p:nvPr>
+        </p:nvSpPr>
+        <p:spPr>
+          <a:xfrm>
+            <a:off x="504000" y="1768680"/>
+            <a:ext cx="9071640" cy="4383720"/>
+          </a:xfrm>
+          <a:prstGeom prst="rect">
+            <a:avLst/>
+          </a:prstGeom>
+        </p:spPr>
+        <p:txBody>
+          <a:bodyPr lIns="0" rIns="0" tIns="0" bIns="0">
+            <a:normAutofit/>
+          </a:bodyPr>
+          <a:p>
+            <a:pPr marL="432000" indent="-324000">
+              <a:spcBef>
+                <a:spcPts val="1417"/>
+              </a:spcBef>
+              <a:buClr>
+                <a:srgbClr val="000000"/>
+              </a:buClr>
+              <a:buSzPct val="45000"/>
+              <a:buFont typeface="Wingdings" charset="2"/>
+              <a:buChar char=""/>
+            </a:pPr>
+            <a:r>
+              <a:rPr b="0" lang="en-US" sz="1800" spc="-1" strike="noStrike">
+                <a:latin typeface="Arial"/>
+              </a:rPr>
+              <a:t>Click to edit the outline text format</a:t>
+            </a:r>
+            <a:endParaRPr b="0" lang="en-US" sz="1800" spc="-1" strike="noStrike">
+              <a:latin typeface="Arial"/>
+            </a:endParaRPr>
+          </a:p>
+          <a:p>
+            <a:pPr lvl="1" marL="864000" indent="-324000">
+              <a:spcBef>
+                <a:spcPts val="1134"/>
+              </a:spcBef>
+              <a:buClr>
+                <a:srgbClr val="000000"/>
+              </a:buClr>
+              <a:buSzPct val="75000"/>
+              <a:buFont typeface="Symbol" charset="2"/>
+              <a:buChar char=""/>
+            </a:pPr>
+            <a:r>
+              <a:rPr b="0" lang="en-US" sz="1800" spc="-1" strike="noStrike">
+                <a:latin typeface="Arial"/>
+              </a:rPr>
+              <a:t>Second Outline Level</a:t>
+            </a:r>
+            <a:endParaRPr b="0" lang="en-US" sz="1800" spc="-1" strike="noStrike">
+              <a:latin typeface="Arial"/>
+            </a:endParaRPr>
+          </a:p>
+          <a:p>
+            <a:pPr lvl="2" marL="1296000" indent="-288000">
+              <a:spcBef>
+                <a:spcPts val="850"/>
+              </a:spcBef>
+              <a:buClr>
+                <a:srgbClr val="000000"/>
+              </a:buClr>
+              <a:buSzPct val="45000"/>
+              <a:buFont typeface="Wingdings" charset="2"/>
+              <a:buChar char=""/>
+            </a:pPr>
+            <a:r>
+              <a:rPr b="0" lang="en-US" sz="1800" spc="-1" strike="noStrike">
+                <a:latin typeface="Arial"/>
+              </a:rPr>
+              <a:t>Third Outline Level</a:t>
+            </a:r>
+            <a:endParaRPr b="0" lang="en-US" sz="1800" spc="-1" strike="noStrike">
+              <a:latin typeface="Arial"/>
+            </a:endParaRPr>
+          </a:p>
+          <a:p>
+            <a:pPr lvl="3" marL="1728000" indent="-216000">
+              <a:spcBef>
+                <a:spcPts val="567"/>
+              </a:spcBef>
+              <a:buClr>
+                <a:srgbClr val="000000"/>
+              </a:buClr>
+              <a:buSzPct val="75000"/>
+              <a:buFont typeface="Symbol" charset="2"/>
+              <a:buChar char=""/>
+            </a:pPr>
+            <a:r>
+              <a:rPr b="0" lang="en-US" sz="1800" spc="-1" strike="noStrike">
+                <a:latin typeface="Arial"/>
+              </a:rPr>
+              <a:t>Fourth Outline Level</a:t>
+            </a:r>
+            <a:endParaRPr b="0" lang="en-US" sz="1800" spc="-1" strike="noStrike">
+              <a:latin typeface="Arial"/>
+            </a:endParaRPr>
+          </a:p>
+          <a:p>
+            <a:pPr lvl="4" marL="2160000" indent="-216000">
+              <a:spcBef>
+                <a:spcPts val="283"/>
+              </a:spcBef>
+              <a:buClr>
+                <a:srgbClr val="000000"/>
+              </a:buClr>
+              <a:buSzPct val="45000"/>
+              <a:buFont typeface="Wingdings" charset="2"/>
+              <a:buChar char=""/>
+            </a:pPr>
+            <a:r>
+              <a:rPr b="0" lang="en-US" sz="1800" spc="-1" strike="noStrike">
+                <a:latin typeface="Arial"/>
+              </a:rPr>
+              <a:t>Fifth Outline Level</a:t>
+            </a:r>
+            <a:endParaRPr b="0" lang="en-US" sz="1800" spc="-1" strike="noStrike">
+              <a:latin typeface="Arial"/>
+            </a:endParaRPr>
+          </a:p>
+          <a:p>
+            <a:pPr lvl="5" marL="2592000" indent="-216000">
+              <a:spcBef>
+                <a:spcPts val="283"/>
+              </a:spcBef>
+              <a:buClr>
+                <a:srgbClr val="000000"/>
+              </a:buClr>
+              <a:buSzPct val="45000"/>
+              <a:buFont typeface="Wingdings" charset="2"/>
+              <a:buChar char=""/>
+            </a:pPr>
+            <a:r>
+              <a:rPr b="0" lang="en-US" sz="1800" spc="-1" strike="noStrike">
+                <a:latin typeface="Arial"/>
+              </a:rPr>
+              <a:t>Sixth Outline Level</a:t>
+            </a:r>
+            <a:endParaRPr b="0" lang="en-US" sz="1800" spc="-1" strike="noStrike">
+              <a:latin typeface="Arial"/>
+            </a:endParaRPr>
+          </a:p>
+          <a:p>
+            <a:pPr lvl="6" marL="3024000" indent="-216000">
+              <a:spcBef>
+                <a:spcPts val="283"/>
+              </a:spcBef>
+              <a:buClr>
+                <a:srgbClr val="000000"/>
+              </a:buClr>
+              <a:buSzPct val="45000"/>
+              <a:buFont typeface="Wingdings" charset="2"/>
+              <a:buChar char=""/>
+            </a:pPr>
+            <a:r>
+              <a:rPr b="0" lang="en-US" sz="1800" spc="-1" strike="noStrike">
+                <a:latin typeface="Arial"/>
+              </a:rPr>
+              <a:t>Seventh Outline Level</a:t>
+            </a:r>
+            <a:endParaRPr b="0" lang="en-US" sz="1800" spc="-1" strike="noStrike">
+              <a:latin typeface="Arial"/>
+            </a:endParaRPr>
+          </a:p>
+        </p:txBody>
+      </p:sp>
+    </p:spTree>
+  </p:cSld>
+  <p:clrMap bg1="lt1" bg2="lt2" tx1="dk1" tx2="dk2" accent1="accent1" accent2="accent2" accent3="accent3" accent4="accent4" accent5="accent5" accent6="accent6" hlink="hlink" folHlink="folHlink"/>
+  <p:sldLayoutIdLst>
+    <p:sldLayoutId id="2147483675" r:id="rId3"/>
+    <p:sldLayoutId id="2147483676" r:id="rId4"/>
+    <p:sldLayoutId id="2147483677" r:id="rId5"/>
+    <p:sldLayoutId id="2147483678" r:id="rId6"/>
+    <p:sldLayoutId id="2147483679" r:id="rId7"/>
+    <p:sldLayoutId id="2147483680" r:id="rId8"/>
+    <p:sldLayoutId id="2147483681" r:id="rId9"/>
+    <p:sldLayoutId id="2147483682" r:id="rId10"/>
+    <p:sldLayoutId id="2147483683" r:id="rId11"/>
+    <p:sldLayoutId id="2147483684" r:id="rId12"/>
+    <p:sldLayoutId id="2147483685" r:id="rId13"/>
+    <p:sldLayoutId id="2147483686" r:id="rId14"/>
   </p:sldLayoutIdLst>
 </p:sldMaster>
 </file>
@@ -3303,14 +4940,14 @@
       </p:grpSpPr>
       <p:sp>
         <p:nvSpPr>
-          <p:cNvPr id="78" name="CustomShape 1"/>
+          <p:cNvPr id="117" name="CustomShape 1"/>
           <p:cNvSpPr/>
           <p:nvPr/>
         </p:nvSpPr>
         <p:spPr>
           <a:xfrm>
             <a:off x="504000" y="576000"/>
-            <a:ext cx="7199280" cy="719280"/>
+            <a:ext cx="7198560" cy="718560"/>
           </a:xfrm>
           <a:prstGeom prst="rect">
             <a:avLst/>
@@ -3329,14 +4966,14 @@
       </p:sp>
       <p:sp>
         <p:nvSpPr>
-          <p:cNvPr id="79" name="CustomShape 2"/>
+          <p:cNvPr id="118" name="CustomShape 2"/>
           <p:cNvSpPr/>
           <p:nvPr/>
         </p:nvSpPr>
         <p:spPr>
           <a:xfrm>
             <a:off x="504000" y="3747960"/>
-            <a:ext cx="9071280" cy="487800"/>
+            <a:ext cx="9070560" cy="487080"/>
           </a:xfrm>
           <a:prstGeom prst="rect">
             <a:avLst/>
@@ -3378,6 +5015,808 @@
           </a:p>
         </p:txBody>
       </p:sp>
+      <p:sp>
+        <p:nvSpPr>
+          <p:cNvPr id="119" name="TextShape 3"/>
+          <p:cNvSpPr txBox="1"/>
+          <p:nvPr/>
+        </p:nvSpPr>
+        <p:spPr>
+          <a:xfrm>
+            <a:off x="5120640" y="5394960"/>
+            <a:ext cx="3749040" cy="1114200"/>
+          </a:xfrm>
+          <a:prstGeom prst="rect">
+            <a:avLst/>
+          </a:prstGeom>
+          <a:noFill/>
+          <a:ln>
+            <a:noFill/>
+          </a:ln>
+        </p:spPr>
+        <p:txBody>
+          <a:bodyPr lIns="90000" rIns="90000" tIns="45000" bIns="45000">
+            <a:spAutoFit/>
+          </a:bodyPr>
+          <a:p>
+            <a:r>
+              <a:rPr b="0" lang="en-US" sz="1800" spc="-1" strike="noStrike">
+                <a:latin typeface="Arial"/>
+              </a:rPr>
+              <a:t>- Nikkitha Ramesh</a:t>
+            </a:r>
+            <a:endParaRPr b="0" lang="en-US" sz="1800" spc="-1" strike="noStrike">
+              <a:latin typeface="Arial"/>
+            </a:endParaRPr>
+          </a:p>
+          <a:p>
+            <a:endParaRPr b="0" lang="en-US" sz="1800" spc="-1" strike="noStrike">
+              <a:latin typeface="Arial"/>
+            </a:endParaRPr>
+          </a:p>
+          <a:p>
+            <a:r>
+              <a:rPr b="0" lang="en-US" sz="1800" spc="-1" strike="noStrike">
+                <a:latin typeface="Arial"/>
+              </a:rPr>
+              <a:t>(based on a course on Udemy by Matt Turner, Mpire Training)</a:t>
+            </a:r>
+            <a:endParaRPr b="0" lang="en-US" sz="1800" spc="-1" strike="noStrike">
+              <a:latin typeface="Arial"/>
+            </a:endParaRPr>
+          </a:p>
+        </p:txBody>
+      </p:sp>
+    </p:spTree>
+  </p:cSld>
+  <mc:AlternateContent>
+    <mc:Choice Requires="p14">
+      <p:transition spd="slow" p14:dur="2000"/>
+    </mc:Choice>
+    <mc:Fallback>
+      <p:transition spd="slow"/>
+    </mc:Fallback>
+  </mc:AlternateContent>
+</p:sld>
+</file>
+
+<file path=ppt/slides/slide10.xml><?xml version="1.0" encoding="utf-8"?>
+<p:sld xmlns:a="http://schemas.openxmlformats.org/drawingml/2006/main" xmlns:p="http://schemas.openxmlformats.org/presentationml/2006/main" xmlns:r="http://schemas.openxmlformats.org/officeDocument/2006/relationships" xmlns:p14="http://schemas.microsoft.com/office/powerpoint/2010/main" xmlns:p15="http://schemas.microsoft.com/office/powerpoint/2012/main" xmlns:mc="http://schemas.openxmlformats.org/markup-compatibility/2006">
+  <p:cSld>
+    <p:spTree>
+      <p:nvGrpSpPr>
+        <p:cNvPr id="1" name=""/>
+        <p:cNvGrpSpPr/>
+        <p:nvPr/>
+      </p:nvGrpSpPr>
+      <p:grpSpPr>
+        <a:xfrm>
+          <a:off x="0" y="0"/>
+          <a:ext cx="0" cy="0"/>
+          <a:chOff x="0" y="0"/>
+          <a:chExt cx="0" cy="0"/>
+        </a:xfrm>
+      </p:grpSpPr>
+      <p:sp>
+        <p:nvSpPr>
+          <p:cNvPr id="138" name="CustomShape 1"/>
+          <p:cNvSpPr/>
+          <p:nvPr/>
+        </p:nvSpPr>
+        <p:spPr>
+          <a:xfrm>
+            <a:off x="640080" y="1554480"/>
+            <a:ext cx="8960400" cy="1735560"/>
+          </a:xfrm>
+          <a:prstGeom prst="rect">
+            <a:avLst/>
+          </a:prstGeom>
+          <a:noFill/>
+          <a:ln>
+            <a:noFill/>
+          </a:ln>
+        </p:spPr>
+        <p:style>
+          <a:lnRef idx="0"/>
+          <a:fillRef idx="0"/>
+          <a:effectRef idx="0"/>
+          <a:fontRef idx="minor"/>
+        </p:style>
+        <p:txBody>
+          <a:bodyPr lIns="90000" rIns="90000" tIns="45000" bIns="45000">
+            <a:spAutoFit/>
+          </a:bodyPr>
+          <a:p>
+            <a:pPr>
+              <a:lnSpc>
+                <a:spcPct val="100000"/>
+              </a:lnSpc>
+            </a:pPr>
+            <a:r>
+              <a:rPr b="0" lang="en-US" sz="1800" spc="-1" strike="noStrike">
+                <a:solidFill>
+                  <a:srgbClr val="000000"/>
+                </a:solidFill>
+                <a:latin typeface="Arial"/>
+                <a:ea typeface="DejaVu Sans"/>
+              </a:rPr>
+              <a:t>Creating a database:</a:t>
+            </a:r>
+            <a:endParaRPr b="0" lang="en-US" sz="1800" spc="-1" strike="noStrike">
+              <a:latin typeface="Arial"/>
+            </a:endParaRPr>
+          </a:p>
+          <a:p>
+            <a:pPr>
+              <a:lnSpc>
+                <a:spcPct val="100000"/>
+              </a:lnSpc>
+            </a:pPr>
+            <a:endParaRPr b="0" lang="en-US" sz="1800" spc="-1" strike="noStrike">
+              <a:latin typeface="Arial"/>
+            </a:endParaRPr>
+          </a:p>
+          <a:p>
+            <a:pPr>
+              <a:lnSpc>
+                <a:spcPct val="100000"/>
+              </a:lnSpc>
+            </a:pPr>
+            <a:r>
+              <a:rPr b="0" lang="en-US" sz="1800" spc="-1" strike="noStrike">
+                <a:solidFill>
+                  <a:srgbClr val="000000"/>
+                </a:solidFill>
+                <a:latin typeface="Arial"/>
+                <a:ea typeface="DejaVu Sans"/>
+              </a:rPr>
+              <a:t>This is done by first adding SQL Server.</a:t>
+            </a:r>
+            <a:endParaRPr b="0" lang="en-US" sz="1800" spc="-1" strike="noStrike">
+              <a:latin typeface="Arial"/>
+            </a:endParaRPr>
+          </a:p>
+          <a:p>
+            <a:pPr>
+              <a:lnSpc>
+                <a:spcPct val="100000"/>
+              </a:lnSpc>
+            </a:pPr>
+            <a:endParaRPr b="0" lang="en-US" sz="1800" spc="-1" strike="noStrike">
+              <a:latin typeface="Arial"/>
+            </a:endParaRPr>
+          </a:p>
+          <a:p>
+            <a:pPr>
+              <a:lnSpc>
+                <a:spcPct val="100000"/>
+              </a:lnSpc>
+            </a:pPr>
+            <a:r>
+              <a:rPr b="0" lang="en-US" sz="1800" spc="-1" strike="noStrike">
+                <a:solidFill>
+                  <a:srgbClr val="000000"/>
+                </a:solidFill>
+                <a:latin typeface="Arial"/>
+                <a:ea typeface="DejaVu Sans"/>
+              </a:rPr>
+              <a:t>App.config file is generated, inside which the connection string is supposed to be entered, to establish the connection.</a:t>
+            </a:r>
+            <a:endParaRPr b="0" lang="en-US" sz="1800" spc="-1" strike="noStrike">
+              <a:latin typeface="Arial"/>
+            </a:endParaRPr>
+          </a:p>
+        </p:txBody>
+      </p:sp>
+      <p:pic>
+        <p:nvPicPr>
+          <p:cNvPr id="139" name="" descr=""/>
+          <p:cNvPicPr/>
+          <p:nvPr/>
+        </p:nvPicPr>
+        <p:blipFill>
+          <a:blip r:embed="rId1"/>
+          <a:stretch/>
+        </p:blipFill>
+        <p:spPr>
+          <a:xfrm>
+            <a:off x="446400" y="3383280"/>
+            <a:ext cx="9245520" cy="317520"/>
+          </a:xfrm>
+          <a:prstGeom prst="rect">
+            <a:avLst/>
+          </a:prstGeom>
+          <a:ln>
+            <a:noFill/>
+          </a:ln>
+        </p:spPr>
+      </p:pic>
+    </p:spTree>
+  </p:cSld>
+  <mc:AlternateContent>
+    <mc:Choice Requires="p14">
+      <p:transition spd="slow" p14:dur="2000"/>
+    </mc:Choice>
+    <mc:Fallback>
+      <p:transition spd="slow"/>
+    </mc:Fallback>
+  </mc:AlternateContent>
+</p:sld>
+</file>
+
+<file path=ppt/slides/slide11.xml><?xml version="1.0" encoding="utf-8"?>
+<p:sld xmlns:a="http://schemas.openxmlformats.org/drawingml/2006/main" xmlns:p="http://schemas.openxmlformats.org/presentationml/2006/main" xmlns:r="http://schemas.openxmlformats.org/officeDocument/2006/relationships" xmlns:p14="http://schemas.microsoft.com/office/powerpoint/2010/main" xmlns:p15="http://schemas.microsoft.com/office/powerpoint/2012/main" xmlns:mc="http://schemas.openxmlformats.org/markup-compatibility/2006">
+  <p:cSld>
+    <p:spTree>
+      <p:nvGrpSpPr>
+        <p:cNvPr id="1" name=""/>
+        <p:cNvGrpSpPr/>
+        <p:nvPr/>
+      </p:nvGrpSpPr>
+      <p:grpSpPr>
+        <a:xfrm>
+          <a:off x="0" y="0"/>
+          <a:ext cx="0" cy="0"/>
+          <a:chOff x="0" y="0"/>
+          <a:chExt cx="0" cy="0"/>
+        </a:xfrm>
+      </p:grpSpPr>
+      <p:sp>
+        <p:nvSpPr>
+          <p:cNvPr id="140" name="CustomShape 1"/>
+          <p:cNvSpPr/>
+          <p:nvPr/>
+        </p:nvSpPr>
+        <p:spPr>
+          <a:xfrm>
+            <a:off x="365760" y="1463040"/>
+            <a:ext cx="9326520" cy="3741480"/>
+          </a:xfrm>
+          <a:prstGeom prst="rect">
+            <a:avLst/>
+          </a:prstGeom>
+          <a:noFill/>
+          <a:ln>
+            <a:noFill/>
+          </a:ln>
+        </p:spPr>
+        <p:style>
+          <a:lnRef idx="0"/>
+          <a:fillRef idx="0"/>
+          <a:effectRef idx="0"/>
+          <a:fontRef idx="minor"/>
+        </p:style>
+        <p:txBody>
+          <a:bodyPr lIns="90000" rIns="90000" tIns="45000" bIns="45000">
+            <a:spAutoFit/>
+          </a:bodyPr>
+          <a:p>
+            <a:pPr>
+              <a:lnSpc>
+                <a:spcPct val="100000"/>
+              </a:lnSpc>
+            </a:pPr>
+            <a:r>
+              <a:rPr b="0" lang="en-US" sz="1500" spc="-1" strike="noStrike">
+                <a:latin typeface="Arial"/>
+              </a:rPr>
+              <a:t>The migrations feature in Entity Framework provides a way to incrementally update the database schema to keep it in sync with the application's data model while preserving existing data in the database.</a:t>
+            </a:r>
+            <a:endParaRPr b="0" lang="en-US" sz="1500" spc="-1" strike="noStrike">
+              <a:latin typeface="Arial"/>
+            </a:endParaRPr>
+          </a:p>
+          <a:p>
+            <a:pPr>
+              <a:lnSpc>
+                <a:spcPct val="100000"/>
+              </a:lnSpc>
+            </a:pPr>
+            <a:endParaRPr b="0" lang="en-US" sz="1500" spc="-1" strike="noStrike">
+              <a:latin typeface="Arial"/>
+            </a:endParaRPr>
+          </a:p>
+          <a:p>
+            <a:pPr>
+              <a:lnSpc>
+                <a:spcPct val="100000"/>
+              </a:lnSpc>
+            </a:pPr>
+            <a:r>
+              <a:rPr b="0" lang="en-US" sz="1500" spc="-1" strike="noStrike">
+                <a:latin typeface="Arial"/>
+              </a:rPr>
+              <a:t>This feature enables you to change the data model and deploy your changes to production by updating the database schema without having to drop and re-create the database.</a:t>
+            </a:r>
+            <a:endParaRPr b="0" lang="en-US" sz="1500" spc="-1" strike="noStrike">
+              <a:latin typeface="Arial"/>
+            </a:endParaRPr>
+          </a:p>
+          <a:p>
+            <a:pPr>
+              <a:lnSpc>
+                <a:spcPct val="100000"/>
+              </a:lnSpc>
+            </a:pPr>
+            <a:endParaRPr b="0" lang="en-US" sz="1500" spc="-1" strike="noStrike">
+              <a:latin typeface="Arial"/>
+            </a:endParaRPr>
+          </a:p>
+          <a:p>
+            <a:pPr>
+              <a:lnSpc>
+                <a:spcPct val="100000"/>
+              </a:lnSpc>
+            </a:pPr>
+            <a:r>
+              <a:rPr b="0" lang="en-US" sz="1500" spc="-1" strike="noStrike">
+                <a:latin typeface="Arial"/>
+              </a:rPr>
+              <a:t>For the code based migration, the following commands are executed in Package Manager Console.</a:t>
+            </a:r>
+            <a:endParaRPr b="0" lang="en-US" sz="1500" spc="-1" strike="noStrike">
+              <a:latin typeface="Arial"/>
+            </a:endParaRPr>
+          </a:p>
+          <a:p>
+            <a:pPr>
+              <a:lnSpc>
+                <a:spcPct val="100000"/>
+              </a:lnSpc>
+            </a:pPr>
+            <a:endParaRPr b="0" lang="en-US" sz="1500" spc="-1" strike="noStrike">
+              <a:latin typeface="Arial"/>
+            </a:endParaRPr>
+          </a:p>
+          <a:p>
+            <a:pPr>
+              <a:lnSpc>
+                <a:spcPct val="100000"/>
+              </a:lnSpc>
+            </a:pPr>
+            <a:r>
+              <a:rPr b="0" lang="en-US" sz="1500" spc="-1" strike="noStrike">
+                <a:latin typeface="Arial"/>
+              </a:rPr>
+              <a:t>1)  Enable-Migrations: Migration is enabled by creating a Configuration class.</a:t>
+            </a:r>
+            <a:endParaRPr b="0" lang="en-US" sz="1500" spc="-1" strike="noStrike">
+              <a:latin typeface="Arial"/>
+            </a:endParaRPr>
+          </a:p>
+          <a:p>
+            <a:pPr>
+              <a:lnSpc>
+                <a:spcPct val="100000"/>
+              </a:lnSpc>
+            </a:pPr>
+            <a:endParaRPr b="0" lang="en-US" sz="1500" spc="-1" strike="noStrike">
+              <a:latin typeface="Arial"/>
+            </a:endParaRPr>
+          </a:p>
+          <a:p>
+            <a:pPr>
+              <a:lnSpc>
+                <a:spcPct val="100000"/>
+              </a:lnSpc>
+            </a:pPr>
+            <a:r>
+              <a:rPr b="0" lang="en-US" sz="1500" spc="-1" strike="noStrike">
+                <a:latin typeface="Arial"/>
+              </a:rPr>
+              <a:t>2)  Add-Migration: A new migration class is created as per specified name with the Up() and Down() methods. This creates database data based on existing class. The up method is a set of directions for running a migration, while the down method is a set of instructions for reverting a migration.</a:t>
+            </a:r>
+            <a:endParaRPr b="0" lang="en-US" sz="1500" spc="-1" strike="noStrike">
+              <a:latin typeface="Arial"/>
+            </a:endParaRPr>
+          </a:p>
+          <a:p>
+            <a:pPr>
+              <a:lnSpc>
+                <a:spcPct val="100000"/>
+              </a:lnSpc>
+            </a:pPr>
+            <a:endParaRPr b="0" lang="en-US" sz="1500" spc="-1" strike="noStrike">
+              <a:latin typeface="Arial"/>
+            </a:endParaRPr>
+          </a:p>
+          <a:p>
+            <a:pPr>
+              <a:lnSpc>
+                <a:spcPct val="100000"/>
+              </a:lnSpc>
+            </a:pPr>
+            <a:r>
+              <a:rPr b="0" lang="en-US" sz="1500" spc="-1" strike="noStrike">
+                <a:latin typeface="Arial"/>
+              </a:rPr>
+              <a:t>3)  Update-Database: Executes the last migration file created by the Add-Migration command and applies changes to the database schema.</a:t>
+            </a:r>
+            <a:endParaRPr b="0" lang="en-US" sz="1500" spc="-1" strike="noStrike">
+              <a:latin typeface="Arial"/>
+            </a:endParaRPr>
+          </a:p>
+        </p:txBody>
+      </p:sp>
+      <p:pic>
+        <p:nvPicPr>
+          <p:cNvPr id="141" name="" descr=""/>
+          <p:cNvPicPr/>
+          <p:nvPr/>
+        </p:nvPicPr>
+        <p:blipFill>
+          <a:blip r:embed="rId1"/>
+          <a:stretch/>
+        </p:blipFill>
+        <p:spPr>
+          <a:xfrm>
+            <a:off x="957240" y="5190840"/>
+            <a:ext cx="8186400" cy="1849680"/>
+          </a:xfrm>
+          <a:prstGeom prst="rect">
+            <a:avLst/>
+          </a:prstGeom>
+          <a:ln>
+            <a:noFill/>
+          </a:ln>
+        </p:spPr>
+      </p:pic>
+    </p:spTree>
+  </p:cSld>
+  <mc:AlternateContent>
+    <mc:Choice Requires="p14">
+      <p:transition spd="slow" p14:dur="2000"/>
+    </mc:Choice>
+    <mc:Fallback>
+      <p:transition spd="slow"/>
+    </mc:Fallback>
+  </mc:AlternateContent>
+</p:sld>
+</file>
+
+<file path=ppt/slides/slide12.xml><?xml version="1.0" encoding="utf-8"?>
+<p:sld xmlns:a="http://schemas.openxmlformats.org/drawingml/2006/main" xmlns:p="http://schemas.openxmlformats.org/presentationml/2006/main" xmlns:r="http://schemas.openxmlformats.org/officeDocument/2006/relationships" xmlns:p14="http://schemas.microsoft.com/office/powerpoint/2010/main" xmlns:p15="http://schemas.microsoft.com/office/powerpoint/2012/main" xmlns:mc="http://schemas.openxmlformats.org/markup-compatibility/2006">
+  <p:cSld>
+    <p:spTree>
+      <p:nvGrpSpPr>
+        <p:cNvPr id="1" name=""/>
+        <p:cNvGrpSpPr/>
+        <p:nvPr/>
+      </p:nvGrpSpPr>
+      <p:grpSpPr>
+        <a:xfrm>
+          <a:off x="0" y="0"/>
+          <a:ext cx="0" cy="0"/>
+          <a:chOff x="0" y="0"/>
+          <a:chExt cx="0" cy="0"/>
+        </a:xfrm>
+      </p:grpSpPr>
+      <p:sp>
+        <p:nvSpPr>
+          <p:cNvPr id="142" name="CustomShape 1"/>
+          <p:cNvSpPr/>
+          <p:nvPr/>
+        </p:nvSpPr>
+        <p:spPr>
+          <a:xfrm>
+            <a:off x="504000" y="301320"/>
+            <a:ext cx="9071640" cy="1261440"/>
+          </a:xfrm>
+          <a:prstGeom prst="rect">
+            <a:avLst/>
+          </a:prstGeom>
+          <a:noFill/>
+          <a:ln>
+            <a:noFill/>
+          </a:ln>
+        </p:spPr>
+        <p:style>
+          <a:lnRef idx="0"/>
+          <a:fillRef idx="0"/>
+          <a:effectRef idx="0"/>
+          <a:fontRef idx="minor"/>
+        </p:style>
+      </p:sp>
+      <p:sp>
+        <p:nvSpPr>
+          <p:cNvPr id="143" name="CustomShape 2"/>
+          <p:cNvSpPr/>
+          <p:nvPr/>
+        </p:nvSpPr>
+        <p:spPr>
+          <a:xfrm>
+            <a:off x="504000" y="1768680"/>
+            <a:ext cx="9071640" cy="4383720"/>
+          </a:xfrm>
+          <a:prstGeom prst="rect">
+            <a:avLst/>
+          </a:prstGeom>
+          <a:noFill/>
+          <a:ln>
+            <a:noFill/>
+          </a:ln>
+        </p:spPr>
+        <p:style>
+          <a:lnRef idx="0"/>
+          <a:fillRef idx="0"/>
+          <a:effectRef idx="0"/>
+          <a:fontRef idx="minor"/>
+        </p:style>
+        <p:txBody>
+          <a:bodyPr lIns="0" rIns="0" tIns="0" bIns="0">
+            <a:normAutofit/>
+          </a:bodyPr>
+          <a:p>
+            <a:pPr marL="432000" indent="-323640">
+              <a:lnSpc>
+                <a:spcPct val="100000"/>
+              </a:lnSpc>
+              <a:spcBef>
+                <a:spcPts val="1417"/>
+              </a:spcBef>
+              <a:buClr>
+                <a:srgbClr val="000000"/>
+              </a:buClr>
+              <a:buSzPct val="45000"/>
+              <a:buFont typeface="Wingdings" charset="2"/>
+              <a:buChar char=""/>
+            </a:pPr>
+            <a:r>
+              <a:rPr b="0" lang="en-US" sz="1800" spc="-1" strike="noStrike">
+                <a:latin typeface="Arial"/>
+              </a:rPr>
+              <a:t>Seeding the database is where the data is populated while setting up the database.</a:t>
+            </a:r>
+            <a:endParaRPr b="0" lang="en-US" sz="1800" spc="-1" strike="noStrike">
+              <a:latin typeface="Arial"/>
+            </a:endParaRPr>
+          </a:p>
+          <a:p>
+            <a:pPr marL="432000" indent="-323640">
+              <a:lnSpc>
+                <a:spcPct val="100000"/>
+              </a:lnSpc>
+              <a:spcBef>
+                <a:spcPts val="1417"/>
+              </a:spcBef>
+              <a:buClr>
+                <a:srgbClr val="000000"/>
+              </a:buClr>
+              <a:buSzPct val="45000"/>
+              <a:buFont typeface="Wingdings" charset="2"/>
+              <a:buChar char=""/>
+            </a:pPr>
+            <a:r>
+              <a:rPr b="0" lang="en-US" sz="1800" spc="-1" strike="noStrike">
+                <a:latin typeface="Arial"/>
+              </a:rPr>
+              <a:t>In the configuration class file, the seed data values are entered.</a:t>
+            </a:r>
+            <a:endParaRPr b="0" lang="en-US" sz="1800" spc="-1" strike="noStrike">
+              <a:latin typeface="Arial"/>
+            </a:endParaRPr>
+          </a:p>
+          <a:p>
+            <a:pPr marL="432000" indent="-323640">
+              <a:lnSpc>
+                <a:spcPct val="100000"/>
+              </a:lnSpc>
+              <a:spcBef>
+                <a:spcPts val="1417"/>
+              </a:spcBef>
+              <a:buClr>
+                <a:srgbClr val="000000"/>
+              </a:buClr>
+              <a:buSzPct val="45000"/>
+              <a:buFont typeface="Wingdings" charset="2"/>
+              <a:buChar char=""/>
+            </a:pPr>
+            <a:r>
+              <a:rPr b="0" lang="en-US" sz="1800" spc="-1" strike="noStrike">
+                <a:latin typeface="Arial"/>
+              </a:rPr>
+              <a:t>A person’s data is also fed as seed data. It is usually an Admin's details.</a:t>
+            </a:r>
+            <a:endParaRPr b="0" lang="en-US" sz="1800" spc="-1" strike="noStrike">
+              <a:latin typeface="Arial"/>
+            </a:endParaRPr>
+          </a:p>
+          <a:p>
+            <a:pPr>
+              <a:lnSpc>
+                <a:spcPct val="100000"/>
+              </a:lnSpc>
+              <a:spcBef>
+                <a:spcPts val="1417"/>
+              </a:spcBef>
+            </a:pPr>
+            <a:endParaRPr b="0" lang="en-US" sz="1800" spc="-1" strike="noStrike">
+              <a:latin typeface="Arial"/>
+            </a:endParaRPr>
+          </a:p>
+        </p:txBody>
+      </p:sp>
+      <p:pic>
+        <p:nvPicPr>
+          <p:cNvPr id="144" name="" descr=""/>
+          <p:cNvPicPr/>
+          <p:nvPr/>
+        </p:nvPicPr>
+        <p:blipFill>
+          <a:blip r:embed="rId1"/>
+          <a:stretch/>
+        </p:blipFill>
+        <p:spPr>
+          <a:xfrm>
+            <a:off x="914400" y="3108960"/>
+            <a:ext cx="3504600" cy="3739320"/>
+          </a:xfrm>
+          <a:prstGeom prst="rect">
+            <a:avLst/>
+          </a:prstGeom>
+          <a:ln>
+            <a:noFill/>
+          </a:ln>
+        </p:spPr>
+      </p:pic>
+      <p:pic>
+        <p:nvPicPr>
+          <p:cNvPr id="145" name="" descr=""/>
+          <p:cNvPicPr/>
+          <p:nvPr/>
+        </p:nvPicPr>
+        <p:blipFill>
+          <a:blip r:embed="rId2"/>
+          <a:stretch/>
+        </p:blipFill>
+        <p:spPr>
+          <a:xfrm>
+            <a:off x="6394680" y="3138480"/>
+            <a:ext cx="2291760" cy="1707480"/>
+          </a:xfrm>
+          <a:prstGeom prst="rect">
+            <a:avLst/>
+          </a:prstGeom>
+          <a:ln>
+            <a:noFill/>
+          </a:ln>
+        </p:spPr>
+      </p:pic>
+    </p:spTree>
+  </p:cSld>
+  <mc:AlternateContent>
+    <mc:Choice Requires="p14">
+      <p:transition spd="slow" p14:dur="2000"/>
+    </mc:Choice>
+    <mc:Fallback>
+      <p:transition spd="slow"/>
+    </mc:Fallback>
+  </mc:AlternateContent>
+</p:sld>
+</file>
+
+<file path=ppt/slides/slide13.xml><?xml version="1.0" encoding="utf-8"?>
+<p:sld xmlns:a="http://schemas.openxmlformats.org/drawingml/2006/main" xmlns:p="http://schemas.openxmlformats.org/presentationml/2006/main" xmlns:r="http://schemas.openxmlformats.org/officeDocument/2006/relationships" xmlns:p14="http://schemas.microsoft.com/office/powerpoint/2010/main" xmlns:p15="http://schemas.microsoft.com/office/powerpoint/2012/main" xmlns:mc="http://schemas.openxmlformats.org/markup-compatibility/2006">
+  <p:cSld>
+    <p:spTree>
+      <p:nvGrpSpPr>
+        <p:cNvPr id="1" name=""/>
+        <p:cNvGrpSpPr/>
+        <p:nvPr/>
+      </p:nvGrpSpPr>
+      <p:grpSpPr>
+        <a:xfrm>
+          <a:off x="0" y="0"/>
+          <a:ext cx="0" cy="0"/>
+          <a:chOff x="0" y="0"/>
+          <a:chExt cx="0" cy="0"/>
+        </a:xfrm>
+      </p:grpSpPr>
+      <p:sp>
+        <p:nvSpPr>
+          <p:cNvPr id="146" name="CustomShape 1"/>
+          <p:cNvSpPr/>
+          <p:nvPr/>
+        </p:nvSpPr>
+        <p:spPr>
+          <a:xfrm>
+            <a:off x="504000" y="301320"/>
+            <a:ext cx="9071640" cy="1261440"/>
+          </a:xfrm>
+          <a:prstGeom prst="rect">
+            <a:avLst/>
+          </a:prstGeom>
+          <a:noFill/>
+          <a:ln>
+            <a:noFill/>
+          </a:ln>
+        </p:spPr>
+        <p:style>
+          <a:lnRef idx="0"/>
+          <a:fillRef idx="0"/>
+          <a:effectRef idx="0"/>
+          <a:fontRef idx="minor"/>
+        </p:style>
+      </p:sp>
+      <p:sp>
+        <p:nvSpPr>
+          <p:cNvPr id="147" name="CustomShape 2"/>
+          <p:cNvSpPr/>
+          <p:nvPr/>
+        </p:nvSpPr>
+        <p:spPr>
+          <a:xfrm>
+            <a:off x="504000" y="1768680"/>
+            <a:ext cx="9071640" cy="4383720"/>
+          </a:xfrm>
+          <a:prstGeom prst="rect">
+            <a:avLst/>
+          </a:prstGeom>
+          <a:noFill/>
+          <a:ln>
+            <a:noFill/>
+          </a:ln>
+        </p:spPr>
+        <p:style>
+          <a:lnRef idx="0"/>
+          <a:fillRef idx="0"/>
+          <a:effectRef idx="0"/>
+          <a:fontRef idx="minor"/>
+        </p:style>
+        <p:txBody>
+          <a:bodyPr lIns="0" rIns="0" tIns="0" bIns="0">
+            <a:normAutofit/>
+          </a:bodyPr>
+          <a:p>
+            <a:pPr marL="432000" indent="-323640">
+              <a:lnSpc>
+                <a:spcPct val="100000"/>
+              </a:lnSpc>
+              <a:spcBef>
+                <a:spcPts val="1417"/>
+              </a:spcBef>
+              <a:buClr>
+                <a:srgbClr val="000000"/>
+              </a:buClr>
+              <a:buSzPct val="45000"/>
+              <a:buFont typeface="Wingdings" charset="2"/>
+              <a:buChar char=""/>
+            </a:pPr>
+            <a:r>
+              <a:rPr b="0" lang="en-US" sz="3200" spc="-1" strike="noStrike">
+                <a:latin typeface="Arial"/>
+              </a:rPr>
+              <a:t>A form such as the following is created:</a:t>
+            </a:r>
+            <a:endParaRPr b="0" lang="en-US" sz="3200" spc="-1" strike="noStrike">
+              <a:latin typeface="Arial"/>
+            </a:endParaRPr>
+          </a:p>
+        </p:txBody>
+      </p:sp>
+      <p:pic>
+        <p:nvPicPr>
+          <p:cNvPr id="148" name="" descr=""/>
+          <p:cNvPicPr/>
+          <p:nvPr/>
+        </p:nvPicPr>
+        <p:blipFill>
+          <a:blip r:embed="rId1"/>
+          <a:stretch/>
+        </p:blipFill>
+        <p:spPr>
+          <a:xfrm>
+            <a:off x="2344680" y="2602080"/>
+            <a:ext cx="5600160" cy="3409200"/>
+          </a:xfrm>
+          <a:prstGeom prst="rect">
+            <a:avLst/>
+          </a:prstGeom>
+          <a:ln>
+            <a:noFill/>
+          </a:ln>
+        </p:spPr>
+      </p:pic>
     </p:spTree>
   </p:cSld>
   <mc:AlternateContent>
@@ -3410,14 +5849,14 @@
       </p:grpSpPr>
       <p:sp>
         <p:nvSpPr>
-          <p:cNvPr id="80" name="CustomShape 1"/>
+          <p:cNvPr id="120" name="CustomShape 1"/>
           <p:cNvSpPr/>
           <p:nvPr/>
         </p:nvSpPr>
         <p:spPr>
           <a:xfrm>
             <a:off x="504000" y="576000"/>
-            <a:ext cx="7199280" cy="719280"/>
+            <a:ext cx="7198560" cy="718560"/>
           </a:xfrm>
           <a:prstGeom prst="rect">
             <a:avLst/>
@@ -3436,14 +5875,14 @@
       </p:sp>
       <p:sp>
         <p:nvSpPr>
-          <p:cNvPr id="81" name="CustomShape 2"/>
+          <p:cNvPr id="121" name="CustomShape 2"/>
           <p:cNvSpPr/>
           <p:nvPr/>
         </p:nvSpPr>
         <p:spPr>
           <a:xfrm>
             <a:off x="504000" y="1800000"/>
-            <a:ext cx="9071280" cy="4383720"/>
+            <a:ext cx="9070560" cy="4383000"/>
           </a:xfrm>
           <a:prstGeom prst="rect">
             <a:avLst/>
@@ -3464,7 +5903,7 @@
             <a:normAutofit/>
           </a:bodyPr>
           <a:p>
-            <a:pPr marL="432000" indent="-323280">
+            <a:pPr marL="432000" indent="-322560">
               <a:lnSpc>
                 <a:spcPct val="100000"/>
               </a:lnSpc>
@@ -3493,7 +5932,7 @@
             </a:endParaRPr>
           </a:p>
           <a:p>
-            <a:pPr marL="432000" indent="-323280">
+            <a:pPr marL="432000" indent="-322560">
               <a:lnSpc>
                 <a:spcPct val="100000"/>
               </a:lnSpc>
@@ -3522,7 +5961,7 @@
             </a:endParaRPr>
           </a:p>
           <a:p>
-            <a:pPr marL="432000" indent="-323280">
+            <a:pPr marL="432000" indent="-322560">
               <a:lnSpc>
                 <a:spcPct val="100000"/>
               </a:lnSpc>
@@ -3551,7 +5990,7 @@
             </a:endParaRPr>
           </a:p>
           <a:p>
-            <a:pPr marL="432000" indent="-323280">
+            <a:pPr marL="432000" indent="-322560">
               <a:lnSpc>
                 <a:spcPct val="100000"/>
               </a:lnSpc>
@@ -3613,14 +6052,14 @@
       </p:grpSpPr>
       <p:sp>
         <p:nvSpPr>
-          <p:cNvPr id="82" name="CustomShape 1"/>
+          <p:cNvPr id="122" name="CustomShape 1"/>
           <p:cNvSpPr/>
           <p:nvPr/>
         </p:nvSpPr>
         <p:spPr>
           <a:xfrm>
             <a:off x="504000" y="576000"/>
-            <a:ext cx="7199280" cy="719280"/>
+            <a:ext cx="7198560" cy="718560"/>
           </a:xfrm>
           <a:prstGeom prst="rect">
             <a:avLst/>
@@ -3639,14 +6078,14 @@
       </p:sp>
       <p:sp>
         <p:nvSpPr>
-          <p:cNvPr id="83" name="CustomShape 2"/>
+          <p:cNvPr id="123" name="CustomShape 2"/>
           <p:cNvSpPr/>
           <p:nvPr/>
         </p:nvSpPr>
         <p:spPr>
           <a:xfrm>
             <a:off x="504000" y="1800000"/>
-            <a:ext cx="9071280" cy="4383720"/>
+            <a:ext cx="9070560" cy="4383000"/>
           </a:xfrm>
           <a:prstGeom prst="rect">
             <a:avLst/>
@@ -3667,7 +6106,7 @@
             <a:normAutofit fontScale="86000"/>
           </a:bodyPr>
           <a:p>
-            <a:pPr marL="432000" indent="-323280">
+            <a:pPr marL="432000" indent="-322560">
               <a:lnSpc>
                 <a:spcPct val="100000"/>
               </a:lnSpc>
@@ -3689,14 +6128,27 @@
                 <a:latin typeface="Arial"/>
                 <a:ea typeface="DejaVu Sans"/>
               </a:rPr>
-              <a:t>We first create Entity Framework. This is done by installing it from “Manage NuGet Packages” option.</a:t>
+              <a:t>Entity Framework is first created. This is done by installing it from “Manage NuGet Packages” option.</a:t>
             </a:r>
             <a:endParaRPr b="0" lang="en-US" sz="2600" spc="-1" strike="noStrike">
               <a:latin typeface="Arial"/>
             </a:endParaRPr>
           </a:p>
           <a:p>
-            <a:pPr marL="432000" indent="-323280">
+            <a:pPr>
+              <a:lnSpc>
+                <a:spcPct val="100000"/>
+              </a:lnSpc>
+              <a:spcAft>
+                <a:spcPts val="1417"/>
+              </a:spcAft>
+            </a:pPr>
+            <a:endParaRPr b="0" lang="en-US" sz="2600" spc="-1" strike="noStrike">
+              <a:latin typeface="Arial"/>
+            </a:endParaRPr>
+          </a:p>
+          <a:p>
+            <a:pPr marL="432000" indent="-322560">
               <a:lnSpc>
                 <a:spcPct val="100000"/>
               </a:lnSpc>
@@ -3718,14 +6170,14 @@
                 <a:latin typeface="Arial"/>
                 <a:ea typeface="DejaVu Sans"/>
               </a:rPr>
-              <a:t> </a:t>
+              <a:t>Entity Framework is an open source object-relational mapping framework for ADO.NET.</a:t>
             </a:r>
             <a:endParaRPr b="0" lang="en-US" sz="2600" spc="-1" strike="noStrike">
               <a:latin typeface="Arial"/>
             </a:endParaRPr>
           </a:p>
           <a:p>
-            <a:pPr marL="432000" indent="-323280">
+            <a:pPr marL="432000" indent="-322560">
               <a:lnSpc>
                 <a:spcPct val="100000"/>
               </a:lnSpc>
@@ -3747,35 +6199,6 @@
                 <a:latin typeface="Arial"/>
                 <a:ea typeface="DejaVu Sans"/>
               </a:rPr>
-              <a:t>Entity Framework is an open source object-relational mapping framework for ADO.NET.</a:t>
-            </a:r>
-            <a:endParaRPr b="0" lang="en-US" sz="2600" spc="-1" strike="noStrike">
-              <a:latin typeface="Arial"/>
-            </a:endParaRPr>
-          </a:p>
-          <a:p>
-            <a:pPr marL="432000" indent="-323280">
-              <a:lnSpc>
-                <a:spcPct val="100000"/>
-              </a:lnSpc>
-              <a:spcAft>
-                <a:spcPts val="1417"/>
-              </a:spcAft>
-              <a:buClr>
-                <a:srgbClr val="99cc66"/>
-              </a:buClr>
-              <a:buSzPct val="45000"/>
-              <a:buFont typeface="Wingdings" charset="2"/>
-              <a:buChar char=""/>
-            </a:pPr>
-            <a:r>
-              <a:rPr b="0" lang="en-US" sz="2600" spc="-1" strike="noStrike">
-                <a:solidFill>
-                  <a:srgbClr val="000000"/>
-                </a:solidFill>
-                <a:latin typeface="Arial"/>
-                <a:ea typeface="DejaVu Sans"/>
-              </a:rPr>
               <a:t> </a:t>
             </a:r>
             <a:endParaRPr b="0" lang="en-US" sz="2600" spc="-1" strike="noStrike">
@@ -3783,7 +6206,7 @@
             </a:endParaRPr>
           </a:p>
           <a:p>
-            <a:pPr marL="432000" indent="-323280">
+            <a:pPr marL="432000" indent="-322560">
               <a:lnSpc>
                 <a:spcPct val="100000"/>
               </a:lnSpc>
@@ -3845,14 +6268,14 @@
       </p:grpSpPr>
       <p:sp>
         <p:nvSpPr>
-          <p:cNvPr id="84" name="CustomShape 1"/>
+          <p:cNvPr id="124" name="CustomShape 1"/>
           <p:cNvSpPr/>
           <p:nvPr/>
         </p:nvSpPr>
         <p:spPr>
           <a:xfrm>
             <a:off x="504000" y="576000"/>
-            <a:ext cx="7199280" cy="719280"/>
+            <a:ext cx="7198560" cy="718560"/>
           </a:xfrm>
           <a:prstGeom prst="rect">
             <a:avLst/>
@@ -3871,14 +6294,14 @@
       </p:sp>
       <p:sp>
         <p:nvSpPr>
-          <p:cNvPr id="85" name="CustomShape 2"/>
+          <p:cNvPr id="125" name="CustomShape 2"/>
           <p:cNvSpPr/>
           <p:nvPr/>
         </p:nvSpPr>
         <p:spPr>
           <a:xfrm>
             <a:off x="504000" y="1800000"/>
-            <a:ext cx="9071280" cy="4383720"/>
+            <a:ext cx="9070560" cy="4383000"/>
           </a:xfrm>
           <a:prstGeom prst="rect">
             <a:avLst/>
@@ -3899,7 +6322,7 @@
             <a:normAutofit/>
           </a:bodyPr>
           <a:p>
-            <a:pPr marL="432000" indent="-323280">
+            <a:pPr marL="432000" indent="-322560">
               <a:lnSpc>
                 <a:spcPct val="100000"/>
               </a:lnSpc>
@@ -3921,14 +6344,27 @@
                 <a:latin typeface="Arial"/>
                 <a:ea typeface="DejaVu Sans"/>
               </a:rPr>
-              <a:t>We then create models:</a:t>
+              <a:t>The models created are:</a:t>
             </a:r>
             <a:endParaRPr b="0" lang="en-US" sz="2600" spc="-1" strike="noStrike">
               <a:latin typeface="Arial"/>
             </a:endParaRPr>
           </a:p>
           <a:p>
-            <a:pPr marL="432000" indent="-323280">
+            <a:pPr>
+              <a:lnSpc>
+                <a:spcPct val="100000"/>
+              </a:lnSpc>
+              <a:spcAft>
+                <a:spcPts val="1417"/>
+              </a:spcAft>
+            </a:pPr>
+            <a:endParaRPr b="0" lang="en-US" sz="2600" spc="-1" strike="noStrike">
+              <a:latin typeface="Arial"/>
+            </a:endParaRPr>
+          </a:p>
+          <a:p>
+            <a:pPr marL="432000" indent="-322560">
               <a:lnSpc>
                 <a:spcPct val="100000"/>
               </a:lnSpc>
@@ -3957,7 +6393,7 @@
             </a:endParaRPr>
           </a:p>
           <a:p>
-            <a:pPr marL="432000" indent="-323280">
+            <a:pPr marL="432000" indent="-322560">
               <a:lnSpc>
                 <a:spcPct val="100000"/>
               </a:lnSpc>
@@ -3986,7 +6422,7 @@
             </a:endParaRPr>
           </a:p>
           <a:p>
-            <a:pPr marL="432000" indent="-323280">
+            <a:pPr marL="432000" indent="-322560">
               <a:lnSpc>
                 <a:spcPct val="100000"/>
               </a:lnSpc>
@@ -4015,7 +6451,7 @@
             </a:endParaRPr>
           </a:p>
           <a:p>
-            <a:pPr marL="432000" indent="-323280">
+            <a:pPr marL="432000" indent="-322560">
               <a:lnSpc>
                 <a:spcPct val="100000"/>
               </a:lnSpc>
@@ -4077,14 +6513,14 @@
       </p:grpSpPr>
       <p:sp>
         <p:nvSpPr>
-          <p:cNvPr id="86" name="CustomShape 1"/>
+          <p:cNvPr id="126" name="CustomShape 1"/>
           <p:cNvSpPr/>
           <p:nvPr/>
         </p:nvSpPr>
         <p:spPr>
           <a:xfrm>
             <a:off x="504000" y="304920"/>
-            <a:ext cx="7199280" cy="1261800"/>
+            <a:ext cx="7198560" cy="1261080"/>
           </a:xfrm>
           <a:prstGeom prst="rect">
             <a:avLst/>
@@ -4103,14 +6539,14 @@
       </p:sp>
       <p:sp>
         <p:nvSpPr>
-          <p:cNvPr id="87" name="CustomShape 2"/>
+          <p:cNvPr id="127" name="CustomShape 2"/>
           <p:cNvSpPr/>
           <p:nvPr/>
         </p:nvSpPr>
         <p:spPr>
           <a:xfrm>
             <a:off x="548640" y="2194560"/>
-            <a:ext cx="8869320" cy="2833560"/>
+            <a:ext cx="8868600" cy="2832840"/>
           </a:xfrm>
           <a:prstGeom prst="rect">
             <a:avLst/>
@@ -4138,7 +6574,11 @@
             </a:pPr>
             <a:r>
               <a:rPr b="0" lang="en-US" sz="1800" spc="-1" strike="noStrike">
+                <a:solidFill>
+                  <a:srgbClr val="000000"/>
+                </a:solidFill>
                 <a:latin typeface="Arial"/>
+                <a:ea typeface="DejaVu Sans"/>
               </a:rPr>
               <a:t>Creating a folder named “Model” for the above mentioned 4 classes.</a:t>
             </a:r>
@@ -4164,7 +6604,11 @@
             </a:pPr>
             <a:r>
               <a:rPr b="0" lang="en-US" sz="1800" spc="-1" strike="noStrike">
+                <a:solidFill>
+                  <a:srgbClr val="000000"/>
+                </a:solidFill>
                 <a:latin typeface="Arial"/>
+                <a:ea typeface="DejaVu Sans"/>
               </a:rPr>
               <a:t>Apply the base model to all other models, so that all models will now have everything that is in base model. </a:t>
             </a:r>
@@ -4190,7 +6634,11 @@
             </a:pPr>
             <a:r>
               <a:rPr b="0" lang="en-US" sz="1800" spc="-1" strike="noStrike">
+                <a:solidFill>
+                  <a:srgbClr val="000000"/>
+                </a:solidFill>
                 <a:latin typeface="Arial"/>
+                <a:ea typeface="DejaVu Sans"/>
               </a:rPr>
               <a:t>Create interface, with ‘book Active’ in it.</a:t>
             </a:r>
@@ -4206,7 +6654,11 @@
             </a:pPr>
             <a:r>
               <a:rPr b="0" lang="en-US" sz="1800" spc="-1" strike="noStrike">
+                <a:solidFill>
+                  <a:srgbClr val="000000"/>
+                </a:solidFill>
                 <a:latin typeface="Arial"/>
+                <a:ea typeface="DejaVu Sans"/>
               </a:rPr>
               <a:t>-If true, item is active.</a:t>
             </a:r>
@@ -4222,7 +6674,11 @@
             </a:pPr>
             <a:r>
               <a:rPr b="0" lang="en-US" sz="1800" spc="-1" strike="noStrike">
+                <a:solidFill>
+                  <a:srgbClr val="000000"/>
+                </a:solidFill>
                 <a:latin typeface="Arial"/>
+                <a:ea typeface="DejaVu Sans"/>
               </a:rPr>
               <a:t>-Else, it is inactive.</a:t>
             </a:r>
@@ -4248,7 +6704,11 @@
             </a:pPr>
             <a:r>
               <a:rPr b="0" lang="en-US" sz="1800" spc="-1" strike="noStrike">
+                <a:solidFill>
+                  <a:srgbClr val="000000"/>
+                </a:solidFill>
                 <a:latin typeface="Arial"/>
+                <a:ea typeface="DejaVu Sans"/>
               </a:rPr>
               <a:t>SalesPerson and SalesRegion has to be active.</a:t>
             </a:r>
@@ -4290,14 +6750,14 @@
       </p:grpSpPr>
       <p:sp>
         <p:nvSpPr>
-          <p:cNvPr id="88" name="CustomShape 1"/>
+          <p:cNvPr id="128" name="CustomShape 1"/>
           <p:cNvSpPr/>
           <p:nvPr/>
         </p:nvSpPr>
         <p:spPr>
           <a:xfrm>
             <a:off x="504000" y="304920"/>
-            <a:ext cx="7199280" cy="1261800"/>
+            <a:ext cx="7198560" cy="1261080"/>
           </a:xfrm>
           <a:prstGeom prst="rect">
             <a:avLst/>
@@ -4316,14 +6776,14 @@
       </p:sp>
       <p:sp>
         <p:nvSpPr>
-          <p:cNvPr id="89" name="CustomShape 2"/>
+          <p:cNvPr id="129" name="CustomShape 2"/>
           <p:cNvSpPr/>
           <p:nvPr/>
         </p:nvSpPr>
         <p:spPr>
           <a:xfrm>
             <a:off x="548640" y="1828800"/>
-            <a:ext cx="8961120" cy="3382200"/>
+            <a:ext cx="8960400" cy="3655800"/>
           </a:xfrm>
           <a:prstGeom prst="rect">
             <a:avLst/>
@@ -4351,9 +6811,13 @@
             </a:pPr>
             <a:r>
               <a:rPr b="0" lang="en-US" sz="1800" spc="-1" strike="noStrike">
+                <a:solidFill>
+                  <a:srgbClr val="000000"/>
+                </a:solidFill>
                 <a:latin typeface="Arial"/>
+                <a:ea typeface="DejaVu Sans"/>
               </a:rPr>
-              <a:t>We now translate the properties to columns in database.</a:t>
+              <a:t>The properties are now translated to columns in database.</a:t>
             </a:r>
             <a:endParaRPr b="0" lang="en-US" sz="1800" spc="-1" strike="noStrike">
               <a:latin typeface="Arial"/>
@@ -4377,7 +6841,11 @@
             </a:pPr>
             <a:r>
               <a:rPr b="0" lang="en-US" sz="1800" spc="-1" strike="noStrike">
+                <a:solidFill>
+                  <a:srgbClr val="000000"/>
+                </a:solidFill>
                 <a:latin typeface="Arial"/>
+                <a:ea typeface="DejaVu Sans"/>
               </a:rPr>
               <a:t>Data annotations are added to provide extra meaning to the properties.</a:t>
             </a:r>
@@ -4403,7 +6871,11 @@
             </a:pPr>
             <a:r>
               <a:rPr b="0" lang="en-US" sz="1800" spc="-1" strike="noStrike">
+                <a:solidFill>
+                  <a:srgbClr val="000000"/>
+                </a:solidFill>
                 <a:latin typeface="Arial"/>
+                <a:ea typeface="DejaVu Sans"/>
               </a:rPr>
               <a:t>Few of the types of Data annotations used in this application are:</a:t>
             </a:r>
@@ -4429,9 +6901,13 @@
             </a:pPr>
             <a:r>
               <a:rPr b="0" lang="en-US" sz="1800" spc="-1" strike="noStrike">
+                <a:solidFill>
+                  <a:srgbClr val="000000"/>
+                </a:solidFill>
                 <a:latin typeface="Arial"/>
+                <a:ea typeface="DejaVu Sans"/>
               </a:rPr>
-              <a:t>Required - This attribute specifies that the value is mandatory and cannot be skipped.</a:t>
+              <a:t>1)  Required - This attribute specifies that the value is mandatory and cannot be skipped.</a:t>
             </a:r>
             <a:endParaRPr b="0" lang="en-US" sz="1800" spc="-1" strike="noStrike">
               <a:latin typeface="Arial"/>
@@ -4455,9 +6931,13 @@
             </a:pPr>
             <a:r>
               <a:rPr b="0" lang="en-US" sz="1800" spc="-1" strike="noStrike">
+                <a:solidFill>
+                  <a:srgbClr val="000000"/>
+                </a:solidFill>
                 <a:latin typeface="Arial"/>
+                <a:ea typeface="DejaVu Sans"/>
               </a:rPr>
-              <a:t>StringLength() - Using this attribute we can specify maximum and minimum length of the property.</a:t>
+              <a:t>2)  StringLength() - Using this attribute we can specify maximum and minimum length of the property.</a:t>
             </a:r>
             <a:endParaRPr b="0" lang="en-US" sz="1800" spc="-1" strike="noStrike">
               <a:latin typeface="Arial"/>
@@ -4481,9 +6961,13 @@
             </a:pPr>
             <a:r>
               <a:rPr b="0" lang="en-US" sz="1800" spc="-1" strike="noStrike">
+                <a:solidFill>
+                  <a:srgbClr val="000000"/>
+                </a:solidFill>
                 <a:latin typeface="Arial"/>
+                <a:ea typeface="DejaVu Sans"/>
               </a:rPr>
-              <a:t>Range() - Using this attribute we can set a range between two numbers.</a:t>
+              <a:t>3)  Range() - Using this attribute we can set a range between two numbers.</a:t>
             </a:r>
             <a:endParaRPr b="0" lang="en-US" sz="1800" spc="-1" strike="noStrike">
               <a:latin typeface="Arial"/>
@@ -4493,7 +6977,7 @@
       </p:sp>
       <p:pic>
         <p:nvPicPr>
-          <p:cNvPr id="90" name="" descr=""/>
+          <p:cNvPr id="130" name="" descr=""/>
           <p:cNvPicPr/>
           <p:nvPr/>
         </p:nvPicPr>
@@ -4504,7 +6988,7 @@
         <p:spPr>
           <a:xfrm>
             <a:off x="789120" y="5760720"/>
-            <a:ext cx="3234240" cy="750960"/>
+            <a:ext cx="3233520" cy="750240"/>
           </a:xfrm>
           <a:prstGeom prst="rect">
             <a:avLst/>
@@ -4516,7 +7000,7 @@
       </p:pic>
       <p:pic>
         <p:nvPicPr>
-          <p:cNvPr id="91" name="" descr=""/>
+          <p:cNvPr id="131" name="" descr=""/>
           <p:cNvPicPr/>
           <p:nvPr/>
         </p:nvPicPr>
@@ -4527,7 +7011,7 @@
         <p:spPr>
           <a:xfrm>
             <a:off x="4910400" y="5714640"/>
-            <a:ext cx="2953440" cy="790560"/>
+            <a:ext cx="2952720" cy="789840"/>
           </a:xfrm>
           <a:prstGeom prst="rect">
             <a:avLst/>
@@ -4569,14 +7053,14 @@
       </p:grpSpPr>
       <p:sp>
         <p:nvSpPr>
-          <p:cNvPr id="92" name="TextShape 1"/>
-          <p:cNvSpPr txBox="1"/>
+          <p:cNvPr id="132" name="CustomShape 1"/>
+          <p:cNvSpPr/>
           <p:nvPr/>
         </p:nvSpPr>
         <p:spPr>
           <a:xfrm>
             <a:off x="457200" y="1554480"/>
-            <a:ext cx="9144000" cy="3673800"/>
+            <a:ext cx="9143280" cy="3930120"/>
           </a:xfrm>
           <a:prstGeom prst="rect">
             <a:avLst/>
@@ -4586,14 +7070,29 @@
             <a:noFill/>
           </a:ln>
         </p:spPr>
+        <p:style>
+          <a:lnRef idx="0"/>
+          <a:fillRef idx="0"/>
+          <a:effectRef idx="0"/>
+          <a:fontRef idx="minor"/>
+        </p:style>
         <p:txBody>
           <a:bodyPr lIns="90000" rIns="90000" tIns="45000" bIns="45000">
             <a:spAutoFit/>
           </a:bodyPr>
           <a:p>
+            <a:pPr>
+              <a:lnSpc>
+                <a:spcPct val="100000"/>
+              </a:lnSpc>
+            </a:pPr>
             <a:r>
               <a:rPr b="0" lang="en-US" sz="1800" spc="-1" strike="noStrike">
+                <a:solidFill>
+                  <a:srgbClr val="000000"/>
+                </a:solidFill>
                 <a:latin typeface="Arial"/>
+                <a:ea typeface="DejaVu Sans"/>
               </a:rPr>
               <a:t>The relationship between models are defined.</a:t>
             </a:r>
@@ -4602,9 +7101,18 @@
             </a:endParaRPr>
           </a:p>
           <a:p>
+            <a:pPr>
+              <a:lnSpc>
+                <a:spcPct val="100000"/>
+              </a:lnSpc>
+            </a:pPr>
             <a:r>
               <a:rPr b="0" lang="en-US" sz="1800" spc="-1" strike="noStrike">
+                <a:solidFill>
+                  <a:srgbClr val="000000"/>
+                </a:solidFill>
                 <a:latin typeface="Arial"/>
+                <a:ea typeface="DejaVu Sans"/>
               </a:rPr>
               <a:t>The types of relationships -</a:t>
             </a:r>
@@ -4613,9 +7121,18 @@
             </a:endParaRPr>
           </a:p>
           <a:p>
+            <a:pPr>
+              <a:lnSpc>
+                <a:spcPct val="100000"/>
+              </a:lnSpc>
+            </a:pPr>
             <a:r>
               <a:rPr b="0" lang="en-US" sz="1800" spc="-1" strike="noStrike">
+                <a:solidFill>
+                  <a:srgbClr val="000000"/>
+                </a:solidFill>
                 <a:latin typeface="Arial"/>
+                <a:ea typeface="DejaVu Sans"/>
               </a:rPr>
               <a:t>One-to-One : A row in a table can have only one matching row in another table, and vice versa.</a:t>
             </a:r>
@@ -4624,14 +7141,28 @@
             </a:endParaRPr>
           </a:p>
           <a:p>
+            <a:pPr>
+              <a:lnSpc>
+                <a:spcPct val="100000"/>
+              </a:lnSpc>
+            </a:pPr>
             <a:endParaRPr b="0" lang="en-US" sz="1800" spc="-1" strike="noStrike">
               <a:latin typeface="Arial"/>
             </a:endParaRPr>
           </a:p>
           <a:p>
+            <a:pPr>
+              <a:lnSpc>
+                <a:spcPct val="100000"/>
+              </a:lnSpc>
+            </a:pPr>
             <a:r>
               <a:rPr b="0" lang="en-US" sz="1800" spc="-1" strike="noStrike">
+                <a:solidFill>
+                  <a:srgbClr val="000000"/>
+                </a:solidFill>
                 <a:latin typeface="Arial"/>
+                <a:ea typeface="DejaVu Sans"/>
               </a:rPr>
               <a:t>One-to-Many (or Many-to-One) : A row in a table can have many matching rows in another table, but a row in the second table can have only one matching row in first table.</a:t>
             </a:r>
@@ -4640,14 +7171,28 @@
             </a:endParaRPr>
           </a:p>
           <a:p>
+            <a:pPr>
+              <a:lnSpc>
+                <a:spcPct val="100000"/>
+              </a:lnSpc>
+            </a:pPr>
             <a:endParaRPr b="0" lang="en-US" sz="1800" spc="-1" strike="noStrike">
               <a:latin typeface="Arial"/>
             </a:endParaRPr>
           </a:p>
           <a:p>
+            <a:pPr>
+              <a:lnSpc>
+                <a:spcPct val="100000"/>
+              </a:lnSpc>
+            </a:pPr>
             <a:r>
               <a:rPr b="0" lang="en-US" sz="1800" spc="-1" strike="noStrike">
+                <a:solidFill>
+                  <a:srgbClr val="000000"/>
+                </a:solidFill>
                 <a:latin typeface="Arial"/>
+                <a:ea typeface="DejaVu Sans"/>
               </a:rPr>
               <a:t>Many-to-Many : A row in a table can have many matching rows in another table, and vice versa.</a:t>
             </a:r>
@@ -4656,19 +7201,38 @@
             </a:endParaRPr>
           </a:p>
           <a:p>
+            <a:pPr>
+              <a:lnSpc>
+                <a:spcPct val="100000"/>
+              </a:lnSpc>
+            </a:pPr>
             <a:endParaRPr b="0" lang="en-US" sz="1800" spc="-1" strike="noStrike">
               <a:latin typeface="Arial"/>
             </a:endParaRPr>
           </a:p>
           <a:p>
+            <a:pPr>
+              <a:lnSpc>
+                <a:spcPct val="100000"/>
+              </a:lnSpc>
+            </a:pPr>
             <a:endParaRPr b="0" lang="en-US" sz="1800" spc="-1" strike="noStrike">
               <a:latin typeface="Arial"/>
             </a:endParaRPr>
           </a:p>
           <a:p>
+            <a:pPr>
+              <a:lnSpc>
+                <a:spcPct val="100000"/>
+              </a:lnSpc>
+            </a:pPr>
             <a:r>
               <a:rPr b="0" lang="en-US" sz="1800" spc="-1" strike="noStrike">
+                <a:solidFill>
+                  <a:srgbClr val="000000"/>
+                </a:solidFill>
                 <a:latin typeface="Arial"/>
+                <a:ea typeface="DejaVu Sans"/>
               </a:rPr>
               <a:t>Ex – This Is an example of one-2-one relationship.</a:t>
             </a:r>
@@ -4680,7 +7244,7 @@
       </p:sp>
       <p:pic>
         <p:nvPicPr>
-          <p:cNvPr id="93" name="" descr=""/>
+          <p:cNvPr id="133" name="" descr=""/>
           <p:cNvPicPr/>
           <p:nvPr/>
         </p:nvPicPr>
@@ -4690,8 +7254,8 @@
         </p:blipFill>
         <p:spPr>
           <a:xfrm>
-            <a:off x="1653840" y="5370120"/>
-            <a:ext cx="4381200" cy="939240"/>
+            <a:off x="1653840" y="5946120"/>
+            <a:ext cx="4380480" cy="938520"/>
           </a:xfrm>
           <a:prstGeom prst="rect">
             <a:avLst/>
@@ -4733,14 +7297,14 @@
       </p:grpSpPr>
       <p:sp>
         <p:nvSpPr>
-          <p:cNvPr id="94" name="TextShape 1"/>
-          <p:cNvSpPr txBox="1"/>
+          <p:cNvPr id="134" name="CustomShape 1"/>
+          <p:cNvSpPr/>
           <p:nvPr/>
         </p:nvSpPr>
         <p:spPr>
           <a:xfrm>
             <a:off x="457200" y="1554480"/>
-            <a:ext cx="9052560" cy="2649960"/>
+            <a:ext cx="9051840" cy="2832840"/>
           </a:xfrm>
           <a:prstGeom prst="rect">
             <a:avLst/>
@@ -4750,14 +7314,29 @@
             <a:noFill/>
           </a:ln>
         </p:spPr>
+        <p:style>
+          <a:lnRef idx="0"/>
+          <a:fillRef idx="0"/>
+          <a:effectRef idx="0"/>
+          <a:fontRef idx="minor"/>
+        </p:style>
         <p:txBody>
           <a:bodyPr lIns="90000" rIns="90000" tIns="45000" bIns="45000">
             <a:spAutoFit/>
           </a:bodyPr>
           <a:p>
+            <a:pPr>
+              <a:lnSpc>
+                <a:spcPct val="100000"/>
+              </a:lnSpc>
+            </a:pPr>
             <a:r>
               <a:rPr b="0" lang="en-US" sz="1800" spc="-1" strike="noStrike">
+                <a:solidFill>
+                  <a:srgbClr val="000000"/>
+                </a:solidFill>
                 <a:latin typeface="Arial"/>
+                <a:ea typeface="DejaVu Sans"/>
               </a:rPr>
               <a:t>Data context are created to generate a database.</a:t>
             </a:r>
@@ -4766,14 +7345,28 @@
             </a:endParaRPr>
           </a:p>
           <a:p>
+            <a:pPr>
+              <a:lnSpc>
+                <a:spcPct val="100000"/>
+              </a:lnSpc>
+            </a:pPr>
             <a:endParaRPr b="0" lang="en-US" sz="1800" spc="-1" strike="noStrike">
               <a:latin typeface="Arial"/>
             </a:endParaRPr>
           </a:p>
           <a:p>
+            <a:pPr>
+              <a:lnSpc>
+                <a:spcPct val="100000"/>
+              </a:lnSpc>
+            </a:pPr>
             <a:r>
               <a:rPr b="0" lang="en-US" sz="1800" spc="-1" strike="noStrike">
+                <a:solidFill>
+                  <a:srgbClr val="000000"/>
+                </a:solidFill>
                 <a:latin typeface="Arial"/>
+                <a:ea typeface="DejaVu Sans"/>
               </a:rPr>
               <a:t>This data context is a primary class responsible for interacting with the database.</a:t>
             </a:r>
@@ -4782,9 +7375,18 @@
             </a:endParaRPr>
           </a:p>
           <a:p>
+            <a:pPr>
+              <a:lnSpc>
+                <a:spcPct val="100000"/>
+              </a:lnSpc>
+            </a:pPr>
             <a:r>
               <a:rPr b="0" lang="en-US" sz="1800" spc="-1" strike="noStrike">
+                <a:solidFill>
+                  <a:srgbClr val="000000"/>
+                </a:solidFill>
                 <a:latin typeface="Arial"/>
+                <a:ea typeface="DejaVu Sans"/>
               </a:rPr>
               <a:t>The gap between entity class/ domain and database are bridged.</a:t>
             </a:r>
@@ -4793,14 +7395,28 @@
             </a:endParaRPr>
           </a:p>
           <a:p>
+            <a:pPr>
+              <a:lnSpc>
+                <a:spcPct val="100000"/>
+              </a:lnSpc>
+            </a:pPr>
             <a:endParaRPr b="0" lang="en-US" sz="1800" spc="-1" strike="noStrike">
               <a:latin typeface="Arial"/>
             </a:endParaRPr>
           </a:p>
           <a:p>
+            <a:pPr>
+              <a:lnSpc>
+                <a:spcPct val="100000"/>
+              </a:lnSpc>
+            </a:pPr>
             <a:r>
               <a:rPr b="0" lang="en-US" sz="1800" spc="-1" strike="noStrike">
+                <a:solidFill>
+                  <a:srgbClr val="000000"/>
+                </a:solidFill>
                 <a:latin typeface="Arial"/>
+                <a:ea typeface="DejaVu Sans"/>
               </a:rPr>
               <a:t>The context class is used to query or save data to the database. It is also used to configure domain classes, database related mappings, change tracking settings, caching, transaction etc.</a:t>
             </a:r>
@@ -4809,14 +7425,28 @@
             </a:endParaRPr>
           </a:p>
           <a:p>
+            <a:pPr>
+              <a:lnSpc>
+                <a:spcPct val="100000"/>
+              </a:lnSpc>
+            </a:pPr>
             <a:endParaRPr b="0" lang="en-US" sz="1800" spc="-1" strike="noStrike">
               <a:latin typeface="Arial"/>
             </a:endParaRPr>
           </a:p>
           <a:p>
+            <a:pPr>
+              <a:lnSpc>
+                <a:spcPct val="100000"/>
+              </a:lnSpc>
+            </a:pPr>
             <a:r>
               <a:rPr b="0" lang="en-US" sz="1800" spc="-1" strike="noStrike">
+                <a:solidFill>
+                  <a:srgbClr val="000000"/>
+                </a:solidFill>
                 <a:latin typeface="Arial"/>
+                <a:ea typeface="DejaVu Sans"/>
               </a:rPr>
               <a:t>Overriding (if necessary) are done here.</a:t>
             </a:r>
@@ -4828,7 +7458,7 @@
       </p:sp>
       <p:pic>
         <p:nvPicPr>
-          <p:cNvPr id="95" name="" descr=""/>
+          <p:cNvPr id="135" name="" descr=""/>
           <p:cNvPicPr/>
           <p:nvPr/>
         </p:nvPicPr>
@@ -4839,7 +7469,7 @@
         <p:spPr>
           <a:xfrm>
             <a:off x="585720" y="4744080"/>
-            <a:ext cx="8832600" cy="1656720"/>
+            <a:ext cx="8831880" cy="1656000"/>
           </a:xfrm>
           <a:prstGeom prst="rect">
             <a:avLst/>
@@ -4881,14 +7511,14 @@
       </p:grpSpPr>
       <p:sp>
         <p:nvSpPr>
-          <p:cNvPr id="96" name="TextShape 1"/>
-          <p:cNvSpPr txBox="1"/>
+          <p:cNvPr id="136" name="CustomShape 1"/>
+          <p:cNvSpPr/>
           <p:nvPr/>
         </p:nvSpPr>
         <p:spPr>
           <a:xfrm>
             <a:off x="640080" y="1554480"/>
-            <a:ext cx="8961120" cy="1626120"/>
+            <a:ext cx="8960400" cy="1735560"/>
           </a:xfrm>
           <a:prstGeom prst="rect">
             <a:avLst/>
@@ -4898,14 +7528,29 @@
             <a:noFill/>
           </a:ln>
         </p:spPr>
+        <p:style>
+          <a:lnRef idx="0"/>
+          <a:fillRef idx="0"/>
+          <a:effectRef idx="0"/>
+          <a:fontRef idx="minor"/>
+        </p:style>
         <p:txBody>
           <a:bodyPr lIns="90000" rIns="90000" tIns="45000" bIns="45000">
             <a:spAutoFit/>
           </a:bodyPr>
           <a:p>
+            <a:pPr>
+              <a:lnSpc>
+                <a:spcPct val="100000"/>
+              </a:lnSpc>
+            </a:pPr>
             <a:r>
               <a:rPr b="0" lang="en-US" sz="1800" spc="-1" strike="noStrike">
+                <a:solidFill>
+                  <a:srgbClr val="000000"/>
+                </a:solidFill>
                 <a:latin typeface="Arial"/>
+                <a:ea typeface="DejaVu Sans"/>
               </a:rPr>
               <a:t>Creating a database:</a:t>
             </a:r>
@@ -4914,14 +7559,28 @@
             </a:endParaRPr>
           </a:p>
           <a:p>
+            <a:pPr>
+              <a:lnSpc>
+                <a:spcPct val="100000"/>
+              </a:lnSpc>
+            </a:pPr>
             <a:endParaRPr b="0" lang="en-US" sz="1800" spc="-1" strike="noStrike">
               <a:latin typeface="Arial"/>
             </a:endParaRPr>
           </a:p>
           <a:p>
+            <a:pPr>
+              <a:lnSpc>
+                <a:spcPct val="100000"/>
+              </a:lnSpc>
+            </a:pPr>
             <a:r>
               <a:rPr b="0" lang="en-US" sz="1800" spc="-1" strike="noStrike">
+                <a:solidFill>
+                  <a:srgbClr val="000000"/>
+                </a:solidFill>
                 <a:latin typeface="Arial"/>
+                <a:ea typeface="DejaVu Sans"/>
               </a:rPr>
               <a:t>This is done by first adding SQL Server.</a:t>
             </a:r>
@@ -4930,14 +7589,28 @@
             </a:endParaRPr>
           </a:p>
           <a:p>
+            <a:pPr>
+              <a:lnSpc>
+                <a:spcPct val="100000"/>
+              </a:lnSpc>
+            </a:pPr>
             <a:endParaRPr b="0" lang="en-US" sz="1800" spc="-1" strike="noStrike">
               <a:latin typeface="Arial"/>
             </a:endParaRPr>
           </a:p>
           <a:p>
+            <a:pPr>
+              <a:lnSpc>
+                <a:spcPct val="100000"/>
+              </a:lnSpc>
+            </a:pPr>
             <a:r>
               <a:rPr b="0" lang="en-US" sz="1800" spc="-1" strike="noStrike">
+                <a:solidFill>
+                  <a:srgbClr val="000000"/>
+                </a:solidFill>
                 <a:latin typeface="Arial"/>
+                <a:ea typeface="DejaVu Sans"/>
               </a:rPr>
               <a:t>App.config file is generated, inside which the connection string is supposed to be entered, to establish the connection.</a:t>
             </a:r>
@@ -4949,7 +7622,7 @@
       </p:sp>
       <p:pic>
         <p:nvPicPr>
-          <p:cNvPr id="97" name="" descr=""/>
+          <p:cNvPr id="137" name="" descr=""/>
           <p:cNvPicPr/>
           <p:nvPr/>
         </p:nvPicPr>
@@ -4960,7 +7633,7 @@
         <p:spPr>
           <a:xfrm>
             <a:off x="446400" y="3383280"/>
-            <a:ext cx="9246240" cy="318240"/>
+            <a:ext cx="9245520" cy="317520"/>
           </a:xfrm>
           <a:prstGeom prst="rect">
             <a:avLst/>
@@ -5427,4 +8100,227 @@
     </a:fmtScheme>
   </a:themeElements>
 </a:theme>
+</file>
+
+<file path=ppt/theme/theme3.xml><?xml version="1.0" encoding="utf-8"?>
+<a:theme xmlns:a="http://schemas.openxmlformats.org/drawingml/2006/main" name="Office Theme">
+  <a:themeElements>
+    <a:clrScheme name="Office">
+      <a:dk1>
+        <a:sysClr val="windowText" lastClr="000000"/>
+      </a:dk1>
+      <a:lt1>
+        <a:sysClr val="window" lastClr="FFFFFF"/>
+      </a:lt1>
+      <a:dk2>
+        <a:srgbClr val="1f497d"/>
+      </a:dk2>
+      <a:lt2>
+        <a:srgbClr val="eeece1"/>
+      </a:lt2>
+      <a:accent1>
+        <a:srgbClr val="4f81bd"/>
+      </a:accent1>
+      <a:accent2>
+        <a:srgbClr val="c0504d"/>
+      </a:accent2>
+      <a:accent3>
+        <a:srgbClr val="9bbb59"/>
+      </a:accent3>
+      <a:accent4>
+        <a:srgbClr val="8064a2"/>
+      </a:accent4>
+      <a:accent5>
+        <a:srgbClr val="4bacc6"/>
+      </a:accent5>
+      <a:accent6>
+        <a:srgbClr val="f79646"/>
+      </a:accent6>
+      <a:hlink>
+        <a:srgbClr val="0000ff"/>
+      </a:hlink>
+      <a:folHlink>
+        <a:srgbClr val="800080"/>
+      </a:folHlink>
+    </a:clrScheme>
+    <a:fontScheme name="Office">
+      <a:majorFont>
+        <a:latin typeface="Arial"/>
+        <a:ea typeface="DejaVu Sans"/>
+        <a:cs typeface="DejaVu Sans"/>
+      </a:majorFont>
+      <a:minorFont>
+        <a:latin typeface="Arial"/>
+        <a:ea typeface="DejaVu Sans"/>
+        <a:cs typeface="DejaVu Sans"/>
+      </a:minorFont>
+    </a:fontScheme>
+    <a:fmtScheme name="Office">
+      <a:fillStyleLst>
+        <a:solidFill>
+          <a:schemeClr val="phClr"/>
+        </a:solidFill>
+        <a:gradFill rotWithShape="1">
+          <a:gsLst>
+            <a:gs pos="0">
+              <a:schemeClr val="phClr">
+                <a:tint val="50000"/>
+                <a:satMod val="300000"/>
+              </a:schemeClr>
+            </a:gs>
+            <a:gs pos="35000">
+              <a:schemeClr val="phClr">
+                <a:tint val="37000"/>
+                <a:satMod val="300000"/>
+              </a:schemeClr>
+            </a:gs>
+            <a:gs pos="100000">
+              <a:schemeClr val="phClr">
+                <a:tint val="15000"/>
+                <a:satMod val="350000"/>
+              </a:schemeClr>
+            </a:gs>
+          </a:gsLst>
+          <a:lin ang="16200000" scaled="1"/>
+        </a:gradFill>
+        <a:gradFill rotWithShape="1">
+          <a:gsLst>
+            <a:gs pos="0">
+              <a:schemeClr val="phClr">
+                <a:shade val="51000"/>
+                <a:satMod val="130000"/>
+              </a:schemeClr>
+            </a:gs>
+            <a:gs pos="80000">
+              <a:schemeClr val="phClr">
+                <a:shade val="93000"/>
+                <a:satMod val="130000"/>
+              </a:schemeClr>
+            </a:gs>
+            <a:gs pos="100000">
+              <a:schemeClr val="phClr">
+                <a:shade val="94000"/>
+                <a:satMod val="135000"/>
+              </a:schemeClr>
+            </a:gs>
+          </a:gsLst>
+          <a:lin ang="16200000" scaled="0"/>
+        </a:gradFill>
+      </a:fillStyleLst>
+      <a:lnStyleLst>
+        <a:ln w="9525" cap="flat" cmpd="sng" algn="ctr">
+          <a:solidFill>
+            <a:schemeClr val="phClr">
+              <a:shade val="95000"/>
+              <a:satMod val="105000"/>
+            </a:schemeClr>
+          </a:solidFill>
+          <a:prstDash val="solid"/>
+        </a:ln>
+        <a:ln w="25400" cap="flat" cmpd="sng" algn="ctr">
+          <a:solidFill>
+            <a:schemeClr val="phClr"/>
+          </a:solidFill>
+          <a:prstDash val="solid"/>
+        </a:ln>
+        <a:ln w="38100" cap="flat" cmpd="sng" algn="ctr">
+          <a:solidFill>
+            <a:schemeClr val="phClr"/>
+          </a:solidFill>
+          <a:prstDash val="solid"/>
+        </a:ln>
+      </a:lnStyleLst>
+      <a:effectStyleLst>
+        <a:effectStyle>
+          <a:effectLst>
+            <a:outerShdw blurRad="40000" dist="20000" dir="5400000" rotWithShape="0">
+              <a:srgbClr val="000000">
+                <a:alpha val="38000"/>
+              </a:srgbClr>
+            </a:outerShdw>
+          </a:effectLst>
+        </a:effectStyle>
+        <a:effectStyle>
+          <a:effectLst>
+            <a:outerShdw blurRad="40000" dist="23000" dir="5400000" rotWithShape="0">
+              <a:srgbClr val="000000">
+                <a:alpha val="35000"/>
+              </a:srgbClr>
+            </a:outerShdw>
+          </a:effectLst>
+        </a:effectStyle>
+        <a:effectStyle>
+          <a:effectLst>
+            <a:outerShdw blurRad="40000" dist="23000" dir="5400000" rotWithShape="0">
+              <a:srgbClr val="000000">
+                <a:alpha val="35000"/>
+              </a:srgbClr>
+            </a:outerShdw>
+          </a:effectLst>
+          <a:scene3d>
+            <a:camera prst="orthographicFront">
+              <a:rot lat="0" lon="0" rev="0"/>
+            </a:camera>
+            <a:lightRig rig="threePt" dir="t">
+              <a:rot lat="0" lon="0" rev="1200000"/>
+            </a:lightRig>
+          </a:scene3d>
+          <a:sp3d>
+            <a:bevelT w="63500" h="25400"/>
+          </a:sp3d>
+        </a:effectStyle>
+      </a:effectStyleLst>
+      <a:bgFillStyleLst>
+        <a:solidFill>
+          <a:schemeClr val="phClr"/>
+        </a:solidFill>
+        <a:gradFill rotWithShape="1">
+          <a:gsLst>
+            <a:gs pos="0">
+              <a:schemeClr val="phClr">
+                <a:tint val="40000"/>
+                <a:satMod val="350000"/>
+              </a:schemeClr>
+            </a:gs>
+            <a:gs pos="40000">
+              <a:schemeClr val="phClr">
+                <a:tint val="45000"/>
+                <a:shade val="99000"/>
+                <a:satMod val="350000"/>
+              </a:schemeClr>
+            </a:gs>
+            <a:gs pos="100000">
+              <a:schemeClr val="phClr">
+                <a:shade val="20000"/>
+                <a:satMod val="255000"/>
+              </a:schemeClr>
+            </a:gs>
+          </a:gsLst>
+          <a:path path="circle">
+            <a:fillToRect l="50000" t="-80000" r="50000" b="180000"/>
+          </a:path>
+        </a:gradFill>
+        <a:gradFill rotWithShape="1">
+          <a:gsLst>
+            <a:gs pos="0">
+              <a:schemeClr val="phClr">
+                <a:tint val="80000"/>
+                <a:satMod val="300000"/>
+              </a:schemeClr>
+            </a:gs>
+            <a:gs pos="100000">
+              <a:schemeClr val="phClr">
+                <a:shade val="30000"/>
+                <a:satMod val="200000"/>
+              </a:schemeClr>
+            </a:gs>
+          </a:gsLst>
+          <a:path path="circle">
+            <a:fillToRect l="50000" t="50000" r="50000" b="50000"/>
+          </a:path>
+        </a:gradFill>
+      </a:bgFillStyleLst>
+    </a:fmtScheme>
+  </a:themeElements>
+</a:theme>
 </file>
--- a/csharp_application_with_entity_framework.pptx
+++ b/csharp_application_with_entity_framework.pptx
@@ -77,8 +77,8 @@
         </p:nvSpPr>
         <p:spPr>
           <a:xfrm>
-            <a:off x="504000" y="300960"/>
-            <a:ext cx="9071640" cy="1262160"/>
+            <a:off x="504000" y="301320"/>
+            <a:ext cx="9072000" cy="1261800"/>
           </a:xfrm>
           <a:prstGeom prst="rect">
             <a:avLst/>
@@ -109,7 +109,7 @@
         <p:spPr>
           <a:xfrm>
             <a:off x="504000" y="1768680"/>
-            <a:ext cx="9071640" cy="2090880"/>
+            <a:ext cx="9072000" cy="2090880"/>
           </a:xfrm>
           <a:prstGeom prst="rect">
             <a:avLst/>
@@ -139,7 +139,7 @@
         <p:spPr>
           <a:xfrm>
             <a:off x="504000" y="4058640"/>
-            <a:ext cx="9071640" cy="2090880"/>
+            <a:ext cx="9072000" cy="2090880"/>
           </a:xfrm>
           <a:prstGeom prst="rect">
             <a:avLst/>
@@ -190,8 +190,8 @@
         </p:nvSpPr>
         <p:spPr>
           <a:xfrm>
-            <a:off x="504000" y="300960"/>
-            <a:ext cx="9071640" cy="1262160"/>
+            <a:off x="504000" y="301320"/>
+            <a:ext cx="9072000" cy="1261800"/>
           </a:xfrm>
           <a:prstGeom prst="rect">
             <a:avLst/>
@@ -363,8 +363,8 @@
         </p:nvSpPr>
         <p:spPr>
           <a:xfrm>
-            <a:off x="504000" y="300960"/>
-            <a:ext cx="9071640" cy="1262160"/>
+            <a:off x="504000" y="301320"/>
+            <a:ext cx="9072000" cy="1261800"/>
           </a:xfrm>
           <a:prstGeom prst="rect">
             <a:avLst/>
@@ -395,7 +395,7 @@
         <p:spPr>
           <a:xfrm>
             <a:off x="504000" y="1768680"/>
-            <a:ext cx="2920680" cy="2090880"/>
+            <a:ext cx="2921040" cy="2090880"/>
           </a:xfrm>
           <a:prstGeom prst="rect">
             <a:avLst/>
@@ -424,8 +424,8 @@
         </p:nvSpPr>
         <p:spPr>
           <a:xfrm>
-            <a:off x="3571200" y="1768680"/>
-            <a:ext cx="2920680" cy="2090880"/>
+            <a:off x="3571560" y="1768680"/>
+            <a:ext cx="2921040" cy="2090880"/>
           </a:xfrm>
           <a:prstGeom prst="rect">
             <a:avLst/>
@@ -454,8 +454,8 @@
         </p:nvSpPr>
         <p:spPr>
           <a:xfrm>
-            <a:off x="6638040" y="1768680"/>
-            <a:ext cx="2920680" cy="2090880"/>
+            <a:off x="6639120" y="1768680"/>
+            <a:ext cx="2921040" cy="2090880"/>
           </a:xfrm>
           <a:prstGeom prst="rect">
             <a:avLst/>
@@ -485,7 +485,7 @@
         <p:spPr>
           <a:xfrm>
             <a:off x="504000" y="4058640"/>
-            <a:ext cx="2920680" cy="2090880"/>
+            <a:ext cx="2921040" cy="2090880"/>
           </a:xfrm>
           <a:prstGeom prst="rect">
             <a:avLst/>
@@ -514,8 +514,8 @@
         </p:nvSpPr>
         <p:spPr>
           <a:xfrm>
-            <a:off x="3571200" y="4058640"/>
-            <a:ext cx="2920680" cy="2090880"/>
+            <a:off x="3571560" y="4058640"/>
+            <a:ext cx="2921040" cy="2090880"/>
           </a:xfrm>
           <a:prstGeom prst="rect">
             <a:avLst/>
@@ -544,8 +544,8 @@
         </p:nvSpPr>
         <p:spPr>
           <a:xfrm>
-            <a:off x="6638040" y="4058640"/>
-            <a:ext cx="2920680" cy="2090880"/>
+            <a:off x="6639120" y="4058640"/>
+            <a:ext cx="2921040" cy="2090880"/>
           </a:xfrm>
           <a:prstGeom prst="rect">
             <a:avLst/>
@@ -618,8 +618,8 @@
         </p:nvSpPr>
         <p:spPr>
           <a:xfrm>
-            <a:off x="504000" y="300960"/>
-            <a:ext cx="9071640" cy="1262160"/>
+            <a:off x="504000" y="301320"/>
+            <a:ext cx="9072000" cy="1261800"/>
           </a:xfrm>
           <a:prstGeom prst="rect">
             <a:avLst/>
@@ -650,7 +650,7 @@
         <p:spPr>
           <a:xfrm>
             <a:off x="504000" y="1768680"/>
-            <a:ext cx="9071640" cy="4383720"/>
+            <a:ext cx="9072000" cy="4384080"/>
           </a:xfrm>
           <a:prstGeom prst="rect">
             <a:avLst/>
@@ -702,8 +702,8 @@
         </p:nvSpPr>
         <p:spPr>
           <a:xfrm>
-            <a:off x="504000" y="300960"/>
-            <a:ext cx="9071640" cy="1262160"/>
+            <a:off x="504000" y="301320"/>
+            <a:ext cx="9072000" cy="1261800"/>
           </a:xfrm>
           <a:prstGeom prst="rect">
             <a:avLst/>
@@ -734,7 +734,7 @@
         <p:spPr>
           <a:xfrm>
             <a:off x="504000" y="1768680"/>
-            <a:ext cx="9071640" cy="4383720"/>
+            <a:ext cx="9072000" cy="4384080"/>
           </a:xfrm>
           <a:prstGeom prst="rect">
             <a:avLst/>
@@ -785,8 +785,8 @@
         </p:nvSpPr>
         <p:spPr>
           <a:xfrm>
-            <a:off x="504000" y="300960"/>
-            <a:ext cx="9071640" cy="1262160"/>
+            <a:off x="504000" y="301320"/>
+            <a:ext cx="9072000" cy="1261800"/>
           </a:xfrm>
           <a:prstGeom prst="rect">
             <a:avLst/>
@@ -817,7 +817,7 @@
         <p:spPr>
           <a:xfrm>
             <a:off x="504000" y="1768680"/>
-            <a:ext cx="4426920" cy="4383720"/>
+            <a:ext cx="4426920" cy="4384080"/>
           </a:xfrm>
           <a:prstGeom prst="rect">
             <a:avLst/>
@@ -847,7 +847,7 @@
         <p:spPr>
           <a:xfrm>
             <a:off x="5152680" y="1768680"/>
-            <a:ext cx="4426920" cy="4383720"/>
+            <a:ext cx="4426920" cy="4384080"/>
           </a:xfrm>
           <a:prstGeom prst="rect">
             <a:avLst/>
@@ -898,8 +898,8 @@
         </p:nvSpPr>
         <p:spPr>
           <a:xfrm>
-            <a:off x="504000" y="300960"/>
-            <a:ext cx="9071640" cy="1262160"/>
+            <a:off x="504000" y="301320"/>
+            <a:ext cx="9072000" cy="1261800"/>
           </a:xfrm>
           <a:prstGeom prst="rect">
             <a:avLst/>
@@ -951,8 +951,8 @@
         </p:nvSpPr>
         <p:spPr>
           <a:xfrm>
-            <a:off x="504000" y="300960"/>
-            <a:ext cx="9071640" cy="5851800"/>
+            <a:off x="504000" y="301320"/>
+            <a:ext cx="9072000" cy="5850360"/>
           </a:xfrm>
           <a:prstGeom prst="rect">
             <a:avLst/>
@@ -1004,8 +1004,8 @@
         </p:nvSpPr>
         <p:spPr>
           <a:xfrm>
-            <a:off x="504000" y="300960"/>
-            <a:ext cx="9071640" cy="1262160"/>
+            <a:off x="504000" y="301320"/>
+            <a:ext cx="9072000" cy="1261800"/>
           </a:xfrm>
           <a:prstGeom prst="rect">
             <a:avLst/>
@@ -1066,7 +1066,7 @@
         <p:spPr>
           <a:xfrm>
             <a:off x="5152680" y="1768680"/>
-            <a:ext cx="4426920" cy="4383720"/>
+            <a:ext cx="4426920" cy="4384080"/>
           </a:xfrm>
           <a:prstGeom prst="rect">
             <a:avLst/>
@@ -1147,8 +1147,8 @@
         </p:nvSpPr>
         <p:spPr>
           <a:xfrm>
-            <a:off x="504000" y="300960"/>
-            <a:ext cx="9071640" cy="1262160"/>
+            <a:off x="504000" y="301320"/>
+            <a:ext cx="9072000" cy="1261800"/>
           </a:xfrm>
           <a:prstGeom prst="rect">
             <a:avLst/>
@@ -1179,7 +1179,7 @@
         <p:spPr>
           <a:xfrm>
             <a:off x="504000" y="1768680"/>
-            <a:ext cx="9071640" cy="4383720"/>
+            <a:ext cx="9072000" cy="4384080"/>
           </a:xfrm>
           <a:prstGeom prst="rect">
             <a:avLst/>
@@ -1231,8 +1231,8 @@
         </p:nvSpPr>
         <p:spPr>
           <a:xfrm>
-            <a:off x="504000" y="300960"/>
-            <a:ext cx="9071640" cy="1262160"/>
+            <a:off x="504000" y="301320"/>
+            <a:ext cx="9072000" cy="1261800"/>
           </a:xfrm>
           <a:prstGeom prst="rect">
             <a:avLst/>
@@ -1263,7 +1263,7 @@
         <p:spPr>
           <a:xfrm>
             <a:off x="504000" y="1768680"/>
-            <a:ext cx="4426920" cy="4383720"/>
+            <a:ext cx="4426920" cy="4384080"/>
           </a:xfrm>
           <a:prstGeom prst="rect">
             <a:avLst/>
@@ -1374,8 +1374,8 @@
         </p:nvSpPr>
         <p:spPr>
           <a:xfrm>
-            <a:off x="504000" y="300960"/>
-            <a:ext cx="9071640" cy="1262160"/>
+            <a:off x="504000" y="301320"/>
+            <a:ext cx="9072000" cy="1261800"/>
           </a:xfrm>
           <a:prstGeom prst="rect">
             <a:avLst/>
@@ -1466,7 +1466,7 @@
         <p:spPr>
           <a:xfrm>
             <a:off x="504000" y="4058640"/>
-            <a:ext cx="9071640" cy="2090880"/>
+            <a:ext cx="9072000" cy="2090880"/>
           </a:xfrm>
           <a:prstGeom prst="rect">
             <a:avLst/>
@@ -1517,8 +1517,8 @@
         </p:nvSpPr>
         <p:spPr>
           <a:xfrm>
-            <a:off x="504000" y="300960"/>
-            <a:ext cx="9071640" cy="1262160"/>
+            <a:off x="504000" y="301320"/>
+            <a:ext cx="9072000" cy="1261800"/>
           </a:xfrm>
           <a:prstGeom prst="rect">
             <a:avLst/>
@@ -1549,7 +1549,7 @@
         <p:spPr>
           <a:xfrm>
             <a:off x="504000" y="1768680"/>
-            <a:ext cx="9071640" cy="2090880"/>
+            <a:ext cx="9072000" cy="2090880"/>
           </a:xfrm>
           <a:prstGeom prst="rect">
             <a:avLst/>
@@ -1579,7 +1579,7 @@
         <p:spPr>
           <a:xfrm>
             <a:off x="504000" y="4058640"/>
-            <a:ext cx="9071640" cy="2090880"/>
+            <a:ext cx="9072000" cy="2090880"/>
           </a:xfrm>
           <a:prstGeom prst="rect">
             <a:avLst/>
@@ -1630,8 +1630,8 @@
         </p:nvSpPr>
         <p:spPr>
           <a:xfrm>
-            <a:off x="504000" y="300960"/>
-            <a:ext cx="9071640" cy="1262160"/>
+            <a:off x="504000" y="301320"/>
+            <a:ext cx="9072000" cy="1261800"/>
           </a:xfrm>
           <a:prstGeom prst="rect">
             <a:avLst/>
@@ -1803,8 +1803,8 @@
         </p:nvSpPr>
         <p:spPr>
           <a:xfrm>
-            <a:off x="504000" y="300960"/>
-            <a:ext cx="9071640" cy="1262160"/>
+            <a:off x="504000" y="301320"/>
+            <a:ext cx="9072000" cy="1261800"/>
           </a:xfrm>
           <a:prstGeom prst="rect">
             <a:avLst/>
@@ -1835,7 +1835,7 @@
         <p:spPr>
           <a:xfrm>
             <a:off x="504000" y="1768680"/>
-            <a:ext cx="2920680" cy="2090880"/>
+            <a:ext cx="2921040" cy="2090880"/>
           </a:xfrm>
           <a:prstGeom prst="rect">
             <a:avLst/>
@@ -1864,8 +1864,8 @@
         </p:nvSpPr>
         <p:spPr>
           <a:xfrm>
-            <a:off x="3571200" y="1768680"/>
-            <a:ext cx="2920680" cy="2090880"/>
+            <a:off x="3571560" y="1768680"/>
+            <a:ext cx="2921040" cy="2090880"/>
           </a:xfrm>
           <a:prstGeom prst="rect">
             <a:avLst/>
@@ -1894,8 +1894,8 @@
         </p:nvSpPr>
         <p:spPr>
           <a:xfrm>
-            <a:off x="6638040" y="1768680"/>
-            <a:ext cx="2920680" cy="2090880"/>
+            <a:off x="6639120" y="1768680"/>
+            <a:ext cx="2921040" cy="2090880"/>
           </a:xfrm>
           <a:prstGeom prst="rect">
             <a:avLst/>
@@ -1925,7 +1925,7 @@
         <p:spPr>
           <a:xfrm>
             <a:off x="504000" y="4058640"/>
-            <a:ext cx="2920680" cy="2090880"/>
+            <a:ext cx="2921040" cy="2090880"/>
           </a:xfrm>
           <a:prstGeom prst="rect">
             <a:avLst/>
@@ -1954,8 +1954,8 @@
         </p:nvSpPr>
         <p:spPr>
           <a:xfrm>
-            <a:off x="3571200" y="4058640"/>
-            <a:ext cx="2920680" cy="2090880"/>
+            <a:off x="3571560" y="4058640"/>
+            <a:ext cx="2921040" cy="2090880"/>
           </a:xfrm>
           <a:prstGeom prst="rect">
             <a:avLst/>
@@ -1984,8 +1984,8 @@
         </p:nvSpPr>
         <p:spPr>
           <a:xfrm>
-            <a:off x="6638040" y="4058640"/>
-            <a:ext cx="2920680" cy="2090880"/>
+            <a:off x="6639120" y="4058640"/>
+            <a:ext cx="2921040" cy="2090880"/>
           </a:xfrm>
           <a:prstGeom prst="rect">
             <a:avLst/>
@@ -2058,8 +2058,8 @@
         </p:nvSpPr>
         <p:spPr>
           <a:xfrm>
-            <a:off x="504000" y="300960"/>
-            <a:ext cx="9071640" cy="1262160"/>
+            <a:off x="504000" y="301320"/>
+            <a:ext cx="9072000" cy="1261800"/>
           </a:xfrm>
           <a:prstGeom prst="rect">
             <a:avLst/>
@@ -2090,7 +2090,7 @@
         <p:spPr>
           <a:xfrm>
             <a:off x="504000" y="1768680"/>
-            <a:ext cx="9071640" cy="4383720"/>
+            <a:ext cx="9072000" cy="4384080"/>
           </a:xfrm>
           <a:prstGeom prst="rect">
             <a:avLst/>
@@ -2142,8 +2142,8 @@
         </p:nvSpPr>
         <p:spPr>
           <a:xfrm>
-            <a:off x="504000" y="300960"/>
-            <a:ext cx="9071640" cy="1262160"/>
+            <a:off x="504000" y="301320"/>
+            <a:ext cx="9072000" cy="1261800"/>
           </a:xfrm>
           <a:prstGeom prst="rect">
             <a:avLst/>
@@ -2174,7 +2174,7 @@
         <p:spPr>
           <a:xfrm>
             <a:off x="504000" y="1768680"/>
-            <a:ext cx="9071640" cy="4383720"/>
+            <a:ext cx="9072000" cy="4384080"/>
           </a:xfrm>
           <a:prstGeom prst="rect">
             <a:avLst/>
@@ -2225,8 +2225,8 @@
         </p:nvSpPr>
         <p:spPr>
           <a:xfrm>
-            <a:off x="504000" y="300960"/>
-            <a:ext cx="9071640" cy="1262160"/>
+            <a:off x="504000" y="301320"/>
+            <a:ext cx="9072000" cy="1261800"/>
           </a:xfrm>
           <a:prstGeom prst="rect">
             <a:avLst/>
@@ -2257,7 +2257,7 @@
         <p:spPr>
           <a:xfrm>
             <a:off x="504000" y="1768680"/>
-            <a:ext cx="4426920" cy="4383720"/>
+            <a:ext cx="4426920" cy="4384080"/>
           </a:xfrm>
           <a:prstGeom prst="rect">
             <a:avLst/>
@@ -2287,7 +2287,7 @@
         <p:spPr>
           <a:xfrm>
             <a:off x="5152680" y="1768680"/>
-            <a:ext cx="4426920" cy="4383720"/>
+            <a:ext cx="4426920" cy="4384080"/>
           </a:xfrm>
           <a:prstGeom prst="rect">
             <a:avLst/>
@@ -2338,8 +2338,8 @@
         </p:nvSpPr>
         <p:spPr>
           <a:xfrm>
-            <a:off x="504000" y="300960"/>
-            <a:ext cx="9071640" cy="1262160"/>
+            <a:off x="504000" y="301320"/>
+            <a:ext cx="9072000" cy="1261800"/>
           </a:xfrm>
           <a:prstGeom prst="rect">
             <a:avLst/>
@@ -2391,8 +2391,8 @@
         </p:nvSpPr>
         <p:spPr>
           <a:xfrm>
-            <a:off x="504000" y="300960"/>
-            <a:ext cx="9071640" cy="1262160"/>
+            <a:off x="504000" y="301320"/>
+            <a:ext cx="9072000" cy="1261800"/>
           </a:xfrm>
           <a:prstGeom prst="rect">
             <a:avLst/>
@@ -2423,7 +2423,7 @@
         <p:spPr>
           <a:xfrm>
             <a:off x="504000" y="1768680"/>
-            <a:ext cx="9071640" cy="4383720"/>
+            <a:ext cx="9072000" cy="4384080"/>
           </a:xfrm>
           <a:prstGeom prst="rect">
             <a:avLst/>
@@ -2474,8 +2474,8 @@
         </p:nvSpPr>
         <p:spPr>
           <a:xfrm>
-            <a:off x="504000" y="300960"/>
-            <a:ext cx="9071640" cy="5851800"/>
+            <a:off x="504000" y="301320"/>
+            <a:ext cx="9072000" cy="5850360"/>
           </a:xfrm>
           <a:prstGeom prst="rect">
             <a:avLst/>
@@ -2527,8 +2527,8 @@
         </p:nvSpPr>
         <p:spPr>
           <a:xfrm>
-            <a:off x="504000" y="300960"/>
-            <a:ext cx="9071640" cy="1262160"/>
+            <a:off x="504000" y="301320"/>
+            <a:ext cx="9072000" cy="1261800"/>
           </a:xfrm>
           <a:prstGeom prst="rect">
             <a:avLst/>
@@ -2589,7 +2589,7 @@
         <p:spPr>
           <a:xfrm>
             <a:off x="5152680" y="1768680"/>
-            <a:ext cx="4426920" cy="4383720"/>
+            <a:ext cx="4426920" cy="4384080"/>
           </a:xfrm>
           <a:prstGeom prst="rect">
             <a:avLst/>
@@ -2670,8 +2670,8 @@
         </p:nvSpPr>
         <p:spPr>
           <a:xfrm>
-            <a:off x="504000" y="300960"/>
-            <a:ext cx="9071640" cy="1262160"/>
+            <a:off x="504000" y="301320"/>
+            <a:ext cx="9072000" cy="1261800"/>
           </a:xfrm>
           <a:prstGeom prst="rect">
             <a:avLst/>
@@ -2702,7 +2702,7 @@
         <p:spPr>
           <a:xfrm>
             <a:off x="504000" y="1768680"/>
-            <a:ext cx="4426920" cy="4383720"/>
+            <a:ext cx="4426920" cy="4384080"/>
           </a:xfrm>
           <a:prstGeom prst="rect">
             <a:avLst/>
@@ -2813,8 +2813,8 @@
         </p:nvSpPr>
         <p:spPr>
           <a:xfrm>
-            <a:off x="504000" y="300960"/>
-            <a:ext cx="9071640" cy="1262160"/>
+            <a:off x="504000" y="301320"/>
+            <a:ext cx="9072000" cy="1261800"/>
           </a:xfrm>
           <a:prstGeom prst="rect">
             <a:avLst/>
@@ -2905,7 +2905,7 @@
         <p:spPr>
           <a:xfrm>
             <a:off x="504000" y="4058640"/>
-            <a:ext cx="9071640" cy="2090880"/>
+            <a:ext cx="9072000" cy="2090880"/>
           </a:xfrm>
           <a:prstGeom prst="rect">
             <a:avLst/>
@@ -2956,8 +2956,8 @@
         </p:nvSpPr>
         <p:spPr>
           <a:xfrm>
-            <a:off x="504000" y="300960"/>
-            <a:ext cx="9071640" cy="1262160"/>
+            <a:off x="504000" y="301320"/>
+            <a:ext cx="9072000" cy="1261800"/>
           </a:xfrm>
           <a:prstGeom prst="rect">
             <a:avLst/>
@@ -2988,7 +2988,7 @@
         <p:spPr>
           <a:xfrm>
             <a:off x="504000" y="1768680"/>
-            <a:ext cx="9071640" cy="2090880"/>
+            <a:ext cx="9072000" cy="2090880"/>
           </a:xfrm>
           <a:prstGeom prst="rect">
             <a:avLst/>
@@ -3018,7 +3018,7 @@
         <p:spPr>
           <a:xfrm>
             <a:off x="504000" y="4058640"/>
-            <a:ext cx="9071640" cy="2090880"/>
+            <a:ext cx="9072000" cy="2090880"/>
           </a:xfrm>
           <a:prstGeom prst="rect">
             <a:avLst/>
@@ -3069,8 +3069,8 @@
         </p:nvSpPr>
         <p:spPr>
           <a:xfrm>
-            <a:off x="504000" y="300960"/>
-            <a:ext cx="9071640" cy="1262160"/>
+            <a:off x="504000" y="301320"/>
+            <a:ext cx="9072000" cy="1261800"/>
           </a:xfrm>
           <a:prstGeom prst="rect">
             <a:avLst/>
@@ -3242,8 +3242,8 @@
         </p:nvSpPr>
         <p:spPr>
           <a:xfrm>
-            <a:off x="504000" y="300960"/>
-            <a:ext cx="9071640" cy="1262160"/>
+            <a:off x="504000" y="301320"/>
+            <a:ext cx="9072000" cy="1261800"/>
           </a:xfrm>
           <a:prstGeom prst="rect">
             <a:avLst/>
@@ -3274,7 +3274,7 @@
         <p:spPr>
           <a:xfrm>
             <a:off x="504000" y="1768680"/>
-            <a:ext cx="2920680" cy="2090880"/>
+            <a:ext cx="2921040" cy="2090880"/>
           </a:xfrm>
           <a:prstGeom prst="rect">
             <a:avLst/>
@@ -3303,8 +3303,8 @@
         </p:nvSpPr>
         <p:spPr>
           <a:xfrm>
-            <a:off x="3571200" y="1768680"/>
-            <a:ext cx="2920680" cy="2090880"/>
+            <a:off x="3571560" y="1768680"/>
+            <a:ext cx="2921040" cy="2090880"/>
           </a:xfrm>
           <a:prstGeom prst="rect">
             <a:avLst/>
@@ -3333,8 +3333,8 @@
         </p:nvSpPr>
         <p:spPr>
           <a:xfrm>
-            <a:off x="6638040" y="1768680"/>
-            <a:ext cx="2920680" cy="2090880"/>
+            <a:off x="6639120" y="1768680"/>
+            <a:ext cx="2921040" cy="2090880"/>
           </a:xfrm>
           <a:prstGeom prst="rect">
             <a:avLst/>
@@ -3364,7 +3364,7 @@
         <p:spPr>
           <a:xfrm>
             <a:off x="504000" y="4058640"/>
-            <a:ext cx="2920680" cy="2090880"/>
+            <a:ext cx="2921040" cy="2090880"/>
           </a:xfrm>
           <a:prstGeom prst="rect">
             <a:avLst/>
@@ -3393,8 +3393,8 @@
         </p:nvSpPr>
         <p:spPr>
           <a:xfrm>
-            <a:off x="3571200" y="4058640"/>
-            <a:ext cx="2920680" cy="2090880"/>
+            <a:off x="3571560" y="4058640"/>
+            <a:ext cx="2921040" cy="2090880"/>
           </a:xfrm>
           <a:prstGeom prst="rect">
             <a:avLst/>
@@ -3423,8 +3423,8 @@
         </p:nvSpPr>
         <p:spPr>
           <a:xfrm>
-            <a:off x="6638040" y="4058640"/>
-            <a:ext cx="2920680" cy="2090880"/>
+            <a:off x="6639120" y="4058640"/>
+            <a:ext cx="2921040" cy="2090880"/>
           </a:xfrm>
           <a:prstGeom prst="rect">
             <a:avLst/>
@@ -3475,8 +3475,8 @@
         </p:nvSpPr>
         <p:spPr>
           <a:xfrm>
-            <a:off x="504000" y="300960"/>
-            <a:ext cx="9071640" cy="1262160"/>
+            <a:off x="504000" y="301320"/>
+            <a:ext cx="9072000" cy="1261800"/>
           </a:xfrm>
           <a:prstGeom prst="rect">
             <a:avLst/>
@@ -3507,7 +3507,7 @@
         <p:spPr>
           <a:xfrm>
             <a:off x="504000" y="1768680"/>
-            <a:ext cx="4426920" cy="4383720"/>
+            <a:ext cx="4426920" cy="4384080"/>
           </a:xfrm>
           <a:prstGeom prst="rect">
             <a:avLst/>
@@ -3537,7 +3537,7 @@
         <p:spPr>
           <a:xfrm>
             <a:off x="5152680" y="1768680"/>
-            <a:ext cx="4426920" cy="4383720"/>
+            <a:ext cx="4426920" cy="4384080"/>
           </a:xfrm>
           <a:prstGeom prst="rect">
             <a:avLst/>
@@ -3588,8 +3588,8 @@
         </p:nvSpPr>
         <p:spPr>
           <a:xfrm>
-            <a:off x="504000" y="300960"/>
-            <a:ext cx="9071640" cy="1262160"/>
+            <a:off x="504000" y="301320"/>
+            <a:ext cx="9072000" cy="1261800"/>
           </a:xfrm>
           <a:prstGeom prst="rect">
             <a:avLst/>
@@ -3641,8 +3641,8 @@
         </p:nvSpPr>
         <p:spPr>
           <a:xfrm>
-            <a:off x="504000" y="300960"/>
-            <a:ext cx="9071640" cy="5851800"/>
+            <a:off x="504000" y="301320"/>
+            <a:ext cx="9072000" cy="5850360"/>
           </a:xfrm>
           <a:prstGeom prst="rect">
             <a:avLst/>
@@ -3694,8 +3694,8 @@
         </p:nvSpPr>
         <p:spPr>
           <a:xfrm>
-            <a:off x="504000" y="300960"/>
-            <a:ext cx="9071640" cy="1262160"/>
+            <a:off x="504000" y="301320"/>
+            <a:ext cx="9072000" cy="1261800"/>
           </a:xfrm>
           <a:prstGeom prst="rect">
             <a:avLst/>
@@ -3756,7 +3756,7 @@
         <p:spPr>
           <a:xfrm>
             <a:off x="5152680" y="1768680"/>
-            <a:ext cx="4426920" cy="4383720"/>
+            <a:ext cx="4426920" cy="4384080"/>
           </a:xfrm>
           <a:prstGeom prst="rect">
             <a:avLst/>
@@ -3837,8 +3837,8 @@
         </p:nvSpPr>
         <p:spPr>
           <a:xfrm>
-            <a:off x="504000" y="300960"/>
-            <a:ext cx="9071640" cy="1262160"/>
+            <a:off x="504000" y="301320"/>
+            <a:ext cx="9072000" cy="1261800"/>
           </a:xfrm>
           <a:prstGeom prst="rect">
             <a:avLst/>
@@ -3869,7 +3869,7 @@
         <p:spPr>
           <a:xfrm>
             <a:off x="504000" y="1768680"/>
-            <a:ext cx="4426920" cy="4383720"/>
+            <a:ext cx="4426920" cy="4384080"/>
           </a:xfrm>
           <a:prstGeom prst="rect">
             <a:avLst/>
@@ -3980,8 +3980,8 @@
         </p:nvSpPr>
         <p:spPr>
           <a:xfrm>
-            <a:off x="504000" y="300960"/>
-            <a:ext cx="9071640" cy="1262160"/>
+            <a:off x="504000" y="301320"/>
+            <a:ext cx="9072000" cy="1261800"/>
           </a:xfrm>
           <a:prstGeom prst="rect">
             <a:avLst/>
@@ -4072,7 +4072,7 @@
         <p:spPr>
           <a:xfrm>
             <a:off x="504000" y="4058640"/>
-            <a:ext cx="9071640" cy="2090880"/>
+            <a:ext cx="9072000" cy="2090880"/>
           </a:xfrm>
           <a:prstGeom prst="rect">
             <a:avLst/>
@@ -4124,7 +4124,7 @@
         <p:spPr>
           <a:xfrm>
             <a:off x="720" y="720"/>
-            <a:ext cx="10078200" cy="7558200"/>
+            <a:ext cx="10077840" cy="7557840"/>
           </a:xfrm>
           <a:prstGeom prst="rect">
             <a:avLst/>
@@ -4400,7 +4400,7 @@
         <p:spPr>
           <a:xfrm>
             <a:off x="720" y="720"/>
-            <a:ext cx="10078200" cy="7558200"/>
+            <a:ext cx="10077840" cy="7557840"/>
           </a:xfrm>
           <a:prstGeom prst="rect">
             <a:avLst/>
@@ -4676,7 +4676,7 @@
         <p:spPr>
           <a:xfrm>
             <a:off x="720" y="720"/>
-            <a:ext cx="10078200" cy="7558200"/>
+            <a:ext cx="10077840" cy="7557840"/>
           </a:xfrm>
           <a:prstGeom prst="rect">
             <a:avLst/>
@@ -4698,8 +4698,8 @@
         </p:nvSpPr>
         <p:spPr>
           <a:xfrm>
-            <a:off x="504000" y="300960"/>
-            <a:ext cx="9071640" cy="1262160"/>
+            <a:off x="504000" y="301320"/>
+            <a:ext cx="9072000" cy="1261800"/>
           </a:xfrm>
           <a:prstGeom prst="rect">
             <a:avLst/>
@@ -4707,16 +4707,17 @@
         </p:spPr>
         <p:txBody>
           <a:bodyPr lIns="0" rIns="0" tIns="0" bIns="0" anchor="ctr">
-            <a:spAutoFit/>
-          </a:bodyPr>
-          <a:p>
+            <a:noAutofit/>
+          </a:bodyPr>
+          <a:p>
+            <a:pPr algn="ctr"/>
             <a:r>
-              <a:rPr b="0" lang="en-US" sz="1800" spc="-1" strike="noStrike">
+              <a:rPr b="0" lang="en-US" sz="4400" spc="-1" strike="noStrike">
                 <a:latin typeface="Arial"/>
               </a:rPr>
               <a:t>Click to edit the title text format</a:t>
             </a:r>
-            <a:endParaRPr b="0" lang="en-US" sz="1800" spc="-1" strike="noStrike">
+            <a:endParaRPr b="0" lang="en-US" sz="4400" spc="-1" strike="noStrike">
               <a:latin typeface="Arial"/>
             </a:endParaRPr>
           </a:p>
@@ -4735,7 +4736,7 @@
         <p:spPr>
           <a:xfrm>
             <a:off x="504000" y="1768680"/>
-            <a:ext cx="9071640" cy="4383720"/>
+            <a:ext cx="9072000" cy="4384080"/>
           </a:xfrm>
           <a:prstGeom prst="rect">
             <a:avLst/>
@@ -4758,12 +4759,12 @@
               <a:buChar char=""/>
             </a:pPr>
             <a:r>
-              <a:rPr b="0" lang="en-US" sz="1800" spc="-1" strike="noStrike">
+              <a:rPr b="0" lang="en-US" sz="3200" spc="-1" strike="noStrike">
                 <a:latin typeface="Arial"/>
               </a:rPr>
               <a:t>Click to edit the outline text format</a:t>
             </a:r>
-            <a:endParaRPr b="0" lang="en-US" sz="1800" spc="-1" strike="noStrike">
+            <a:endParaRPr b="0" lang="en-US" sz="3200" spc="-1" strike="noStrike">
               <a:latin typeface="Arial"/>
             </a:endParaRPr>
           </a:p>
@@ -4780,12 +4781,12 @@
               <a:buChar char=""/>
             </a:pPr>
             <a:r>
-              <a:rPr b="0" lang="en-US" sz="1800" spc="-1" strike="noStrike">
+              <a:rPr b="0" lang="en-US" sz="2800" spc="-1" strike="noStrike">
                 <a:latin typeface="Arial"/>
               </a:rPr>
               <a:t>Second Outline Level</a:t>
             </a:r>
-            <a:endParaRPr b="0" lang="en-US" sz="1800" spc="-1" strike="noStrike">
+            <a:endParaRPr b="0" lang="en-US" sz="2800" spc="-1" strike="noStrike">
               <a:latin typeface="Arial"/>
             </a:endParaRPr>
           </a:p>
@@ -4802,12 +4803,12 @@
               <a:buChar char=""/>
             </a:pPr>
             <a:r>
-              <a:rPr b="0" lang="en-US" sz="1800" spc="-1" strike="noStrike">
+              <a:rPr b="0" lang="en-US" sz="2400" spc="-1" strike="noStrike">
                 <a:latin typeface="Arial"/>
               </a:rPr>
               <a:t>Third Outline Level</a:t>
             </a:r>
-            <a:endParaRPr b="0" lang="en-US" sz="1800" spc="-1" strike="noStrike">
+            <a:endParaRPr b="0" lang="en-US" sz="2400" spc="-1" strike="noStrike">
               <a:latin typeface="Arial"/>
             </a:endParaRPr>
           </a:p>
@@ -4824,12 +4825,12 @@
               <a:buChar char=""/>
             </a:pPr>
             <a:r>
-              <a:rPr b="0" lang="en-US" sz="1800" spc="-1" strike="noStrike">
+              <a:rPr b="0" lang="en-US" sz="2000" spc="-1" strike="noStrike">
                 <a:latin typeface="Arial"/>
               </a:rPr>
               <a:t>Fourth Outline Level</a:t>
             </a:r>
-            <a:endParaRPr b="0" lang="en-US" sz="1800" spc="-1" strike="noStrike">
+            <a:endParaRPr b="0" lang="en-US" sz="2000" spc="-1" strike="noStrike">
               <a:latin typeface="Arial"/>
             </a:endParaRPr>
           </a:p>
@@ -4846,12 +4847,12 @@
               <a:buChar char=""/>
             </a:pPr>
             <a:r>
-              <a:rPr b="0" lang="en-US" sz="1800" spc="-1" strike="noStrike">
+              <a:rPr b="0" lang="en-US" sz="2000" spc="-1" strike="noStrike">
                 <a:latin typeface="Arial"/>
               </a:rPr>
               <a:t>Fifth Outline Level</a:t>
             </a:r>
-            <a:endParaRPr b="0" lang="en-US" sz="1800" spc="-1" strike="noStrike">
+            <a:endParaRPr b="0" lang="en-US" sz="2000" spc="-1" strike="noStrike">
               <a:latin typeface="Arial"/>
             </a:endParaRPr>
           </a:p>
@@ -4868,12 +4869,12 @@
               <a:buChar char=""/>
             </a:pPr>
             <a:r>
-              <a:rPr b="0" lang="en-US" sz="1800" spc="-1" strike="noStrike">
+              <a:rPr b="0" lang="en-US" sz="2000" spc="-1" strike="noStrike">
                 <a:latin typeface="Arial"/>
               </a:rPr>
               <a:t>Sixth Outline Level</a:t>
             </a:r>
-            <a:endParaRPr b="0" lang="en-US" sz="1800" spc="-1" strike="noStrike">
+            <a:endParaRPr b="0" lang="en-US" sz="2000" spc="-1" strike="noStrike">
               <a:latin typeface="Arial"/>
             </a:endParaRPr>
           </a:p>
@@ -4890,12 +4891,12 @@
               <a:buChar char=""/>
             </a:pPr>
             <a:r>
-              <a:rPr b="0" lang="en-US" sz="1800" spc="-1" strike="noStrike">
+              <a:rPr b="0" lang="en-US" sz="2000" spc="-1" strike="noStrike">
                 <a:latin typeface="Arial"/>
               </a:rPr>
               <a:t>Seventh Outline Level</a:t>
             </a:r>
-            <a:endParaRPr b="0" lang="en-US" sz="1800" spc="-1" strike="noStrike">
+            <a:endParaRPr b="0" lang="en-US" sz="2000" spc="-1" strike="noStrike">
               <a:latin typeface="Arial"/>
             </a:endParaRPr>
           </a:p>
@@ -4947,7 +4948,7 @@
         <p:spPr>
           <a:xfrm>
             <a:off x="504000" y="576000"/>
-            <a:ext cx="7198560" cy="718560"/>
+            <a:ext cx="7198200" cy="718200"/>
           </a:xfrm>
           <a:prstGeom prst="rect">
             <a:avLst/>
@@ -4973,7 +4974,7 @@
         <p:spPr>
           <a:xfrm>
             <a:off x="504000" y="3747960"/>
-            <a:ext cx="9070560" cy="487080"/>
+            <a:ext cx="9070200" cy="486720"/>
           </a:xfrm>
           <a:prstGeom prst="rect">
             <a:avLst/>
@@ -5017,14 +5018,14 @@
       </p:sp>
       <p:sp>
         <p:nvSpPr>
-          <p:cNvPr id="119" name="TextShape 3"/>
-          <p:cNvSpPr txBox="1"/>
+          <p:cNvPr id="119" name="CustomShape 3"/>
+          <p:cNvSpPr/>
           <p:nvPr/>
         </p:nvSpPr>
         <p:spPr>
           <a:xfrm>
             <a:off x="5120640" y="5394960"/>
-            <a:ext cx="3749040" cy="1114200"/>
+            <a:ext cx="3748680" cy="1186920"/>
           </a:xfrm>
           <a:prstGeom prst="rect">
             <a:avLst/>
@@ -5034,11 +5035,22 @@
             <a:noFill/>
           </a:ln>
         </p:spPr>
+        <p:style>
+          <a:lnRef idx="0"/>
+          <a:fillRef idx="0"/>
+          <a:effectRef idx="0"/>
+          <a:fontRef idx="minor"/>
+        </p:style>
         <p:txBody>
           <a:bodyPr lIns="90000" rIns="90000" tIns="45000" bIns="45000">
             <a:spAutoFit/>
           </a:bodyPr>
           <a:p>
+            <a:pPr>
+              <a:lnSpc>
+                <a:spcPct val="100000"/>
+              </a:lnSpc>
+            </a:pPr>
             <a:r>
               <a:rPr b="0" lang="en-US" sz="1800" spc="-1" strike="noStrike">
                 <a:latin typeface="Arial"/>
@@ -5050,11 +5062,21 @@
             </a:endParaRPr>
           </a:p>
           <a:p>
+            <a:pPr>
+              <a:lnSpc>
+                <a:spcPct val="100000"/>
+              </a:lnSpc>
+            </a:pPr>
             <a:endParaRPr b="0" lang="en-US" sz="1800" spc="-1" strike="noStrike">
               <a:latin typeface="Arial"/>
             </a:endParaRPr>
           </a:p>
           <a:p>
+            <a:pPr>
+              <a:lnSpc>
+                <a:spcPct val="100000"/>
+              </a:lnSpc>
+            </a:pPr>
             <a:r>
               <a:rPr b="0" lang="en-US" sz="1800" spc="-1" strike="noStrike">
                 <a:latin typeface="Arial"/>
@@ -5099,14 +5121,14 @@
       </p:grpSpPr>
       <p:sp>
         <p:nvSpPr>
-          <p:cNvPr id="138" name="CustomShape 1"/>
+          <p:cNvPr id="137" name="CustomShape 1"/>
           <p:cNvSpPr/>
           <p:nvPr/>
         </p:nvSpPr>
         <p:spPr>
           <a:xfrm>
             <a:off x="640080" y="1554480"/>
-            <a:ext cx="8960400" cy="1735560"/>
+            <a:ext cx="8960040" cy="1735560"/>
           </a:xfrm>
           <a:prstGeom prst="rect">
             <a:avLst/>
@@ -5210,7 +5232,7 @@
       </p:sp>
       <p:pic>
         <p:nvPicPr>
-          <p:cNvPr id="139" name="" descr=""/>
+          <p:cNvPr id="138" name="" descr=""/>
           <p:cNvPicPr/>
           <p:nvPr/>
         </p:nvPicPr>
@@ -5221,7 +5243,7 @@
         <p:spPr>
           <a:xfrm>
             <a:off x="446400" y="3383280"/>
-            <a:ext cx="9245520" cy="317520"/>
+            <a:ext cx="9245160" cy="317160"/>
           </a:xfrm>
           <a:prstGeom prst="rect">
             <a:avLst/>
@@ -5263,14 +5285,14 @@
       </p:grpSpPr>
       <p:sp>
         <p:nvSpPr>
-          <p:cNvPr id="140" name="CustomShape 1"/>
+          <p:cNvPr id="139" name="CustomShape 1"/>
           <p:cNvSpPr/>
           <p:nvPr/>
         </p:nvSpPr>
         <p:spPr>
           <a:xfrm>
             <a:off x="365760" y="1463040"/>
-            <a:ext cx="9326520" cy="3741480"/>
+            <a:ext cx="9326160" cy="3741480"/>
           </a:xfrm>
           <a:prstGeom prst="rect">
             <a:avLst/>
@@ -5298,7 +5320,11 @@
             </a:pPr>
             <a:r>
               <a:rPr b="0" lang="en-US" sz="1500" spc="-1" strike="noStrike">
+                <a:solidFill>
+                  <a:srgbClr val="000000"/>
+                </a:solidFill>
                 <a:latin typeface="Arial"/>
+                <a:ea typeface="DejaVu Sans"/>
               </a:rPr>
               <a:t>The migrations feature in Entity Framework provides a way to incrementally update the database schema to keep it in sync with the application's data model while preserving existing data in the database.</a:t>
             </a:r>
@@ -5324,7 +5350,11 @@
             </a:pPr>
             <a:r>
               <a:rPr b="0" lang="en-US" sz="1500" spc="-1" strike="noStrike">
+                <a:solidFill>
+                  <a:srgbClr val="000000"/>
+                </a:solidFill>
                 <a:latin typeface="Arial"/>
+                <a:ea typeface="DejaVu Sans"/>
               </a:rPr>
               <a:t>This feature enables you to change the data model and deploy your changes to production by updating the database schema without having to drop and re-create the database.</a:t>
             </a:r>
@@ -5350,7 +5380,11 @@
             </a:pPr>
             <a:r>
               <a:rPr b="0" lang="en-US" sz="1500" spc="-1" strike="noStrike">
+                <a:solidFill>
+                  <a:srgbClr val="000000"/>
+                </a:solidFill>
                 <a:latin typeface="Arial"/>
+                <a:ea typeface="DejaVu Sans"/>
               </a:rPr>
               <a:t>For the code based migration, the following commands are executed in Package Manager Console.</a:t>
             </a:r>
@@ -5376,7 +5410,11 @@
             </a:pPr>
             <a:r>
               <a:rPr b="0" lang="en-US" sz="1500" spc="-1" strike="noStrike">
+                <a:solidFill>
+                  <a:srgbClr val="000000"/>
+                </a:solidFill>
                 <a:latin typeface="Arial"/>
+                <a:ea typeface="DejaVu Sans"/>
               </a:rPr>
               <a:t>1)  Enable-Migrations: Migration is enabled by creating a Configuration class.</a:t>
             </a:r>
@@ -5402,7 +5440,11 @@
             </a:pPr>
             <a:r>
               <a:rPr b="0" lang="en-US" sz="1500" spc="-1" strike="noStrike">
+                <a:solidFill>
+                  <a:srgbClr val="000000"/>
+                </a:solidFill>
                 <a:latin typeface="Arial"/>
+                <a:ea typeface="DejaVu Sans"/>
               </a:rPr>
               <a:t>2)  Add-Migration: A new migration class is created as per specified name with the Up() and Down() methods. This creates database data based on existing class. The up method is a set of directions for running a migration, while the down method is a set of instructions for reverting a migration.</a:t>
             </a:r>
@@ -5428,7 +5470,11 @@
             </a:pPr>
             <a:r>
               <a:rPr b="0" lang="en-US" sz="1500" spc="-1" strike="noStrike">
+                <a:solidFill>
+                  <a:srgbClr val="000000"/>
+                </a:solidFill>
                 <a:latin typeface="Arial"/>
+                <a:ea typeface="DejaVu Sans"/>
               </a:rPr>
               <a:t>3)  Update-Database: Executes the last migration file created by the Add-Migration command and applies changes to the database schema.</a:t>
             </a:r>
@@ -5440,7 +5486,7 @@
       </p:sp>
       <p:pic>
         <p:nvPicPr>
-          <p:cNvPr id="141" name="" descr=""/>
+          <p:cNvPr id="140" name="" descr=""/>
           <p:cNvPicPr/>
           <p:nvPr/>
         </p:nvPicPr>
@@ -5451,7 +5497,7 @@
         <p:spPr>
           <a:xfrm>
             <a:off x="957240" y="5190840"/>
-            <a:ext cx="8186400" cy="1849680"/>
+            <a:ext cx="8186040" cy="1849320"/>
           </a:xfrm>
           <a:prstGeom prst="rect">
             <a:avLst/>
@@ -5493,14 +5539,14 @@
       </p:grpSpPr>
       <p:sp>
         <p:nvSpPr>
-          <p:cNvPr id="142" name="CustomShape 1"/>
+          <p:cNvPr id="141" name="CustomShape 1"/>
           <p:cNvSpPr/>
           <p:nvPr/>
         </p:nvSpPr>
         <p:spPr>
           <a:xfrm>
             <a:off x="504000" y="301320"/>
-            <a:ext cx="9071640" cy="1261440"/>
+            <a:ext cx="9071280" cy="1261080"/>
           </a:xfrm>
           <a:prstGeom prst="rect">
             <a:avLst/>
@@ -5519,14 +5565,14 @@
       </p:sp>
       <p:sp>
         <p:nvSpPr>
-          <p:cNvPr id="143" name="CustomShape 2"/>
+          <p:cNvPr id="142" name="CustomShape 2"/>
           <p:cNvSpPr/>
           <p:nvPr/>
         </p:nvSpPr>
         <p:spPr>
           <a:xfrm>
             <a:off x="504000" y="1768680"/>
-            <a:ext cx="9071640" cy="4383720"/>
+            <a:ext cx="9071280" cy="4383360"/>
           </a:xfrm>
           <a:prstGeom prst="rect">
             <a:avLst/>
@@ -5547,7 +5593,7 @@
             <a:normAutofit/>
           </a:bodyPr>
           <a:p>
-            <a:pPr marL="432000" indent="-323640">
+            <a:pPr marL="432000" indent="-323280">
               <a:lnSpc>
                 <a:spcPct val="100000"/>
               </a:lnSpc>
@@ -5563,7 +5609,11 @@
             </a:pPr>
             <a:r>
               <a:rPr b="0" lang="en-US" sz="1800" spc="-1" strike="noStrike">
+                <a:solidFill>
+                  <a:srgbClr val="000000"/>
+                </a:solidFill>
                 <a:latin typeface="Arial"/>
+                <a:ea typeface="DejaVu Sans"/>
               </a:rPr>
               <a:t>Seeding the database is where the data is populated while setting up the database.</a:t>
             </a:r>
@@ -5572,7 +5622,7 @@
             </a:endParaRPr>
           </a:p>
           <a:p>
-            <a:pPr marL="432000" indent="-323640">
+            <a:pPr marL="432000" indent="-323280">
               <a:lnSpc>
                 <a:spcPct val="100000"/>
               </a:lnSpc>
@@ -5588,7 +5638,11 @@
             </a:pPr>
             <a:r>
               <a:rPr b="0" lang="en-US" sz="1800" spc="-1" strike="noStrike">
+                <a:solidFill>
+                  <a:srgbClr val="000000"/>
+                </a:solidFill>
                 <a:latin typeface="Arial"/>
+                <a:ea typeface="DejaVu Sans"/>
               </a:rPr>
               <a:t>In the configuration class file, the seed data values are entered.</a:t>
             </a:r>
@@ -5597,7 +5651,7 @@
             </a:endParaRPr>
           </a:p>
           <a:p>
-            <a:pPr marL="432000" indent="-323640">
+            <a:pPr marL="432000" indent="-323280">
               <a:lnSpc>
                 <a:spcPct val="100000"/>
               </a:lnSpc>
@@ -5613,7 +5667,11 @@
             </a:pPr>
             <a:r>
               <a:rPr b="0" lang="en-US" sz="1800" spc="-1" strike="noStrike">
+                <a:solidFill>
+                  <a:srgbClr val="000000"/>
+                </a:solidFill>
                 <a:latin typeface="Arial"/>
+                <a:ea typeface="DejaVu Sans"/>
               </a:rPr>
               <a:t>A person’s data is also fed as seed data. It is usually an Admin's details.</a:t>
             </a:r>
@@ -5638,7 +5696,7 @@
       </p:sp>
       <p:pic>
         <p:nvPicPr>
-          <p:cNvPr id="144" name="" descr=""/>
+          <p:cNvPr id="143" name="" descr=""/>
           <p:cNvPicPr/>
           <p:nvPr/>
         </p:nvPicPr>
@@ -5649,7 +5707,7 @@
         <p:spPr>
           <a:xfrm>
             <a:off x="914400" y="3108960"/>
-            <a:ext cx="3504600" cy="3739320"/>
+            <a:ext cx="3504240" cy="3738960"/>
           </a:xfrm>
           <a:prstGeom prst="rect">
             <a:avLst/>
@@ -5661,7 +5719,7 @@
       </p:pic>
       <p:pic>
         <p:nvPicPr>
-          <p:cNvPr id="145" name="" descr=""/>
+          <p:cNvPr id="144" name="" descr=""/>
           <p:cNvPicPr/>
           <p:nvPr/>
         </p:nvPicPr>
@@ -5672,7 +5730,7 @@
         <p:spPr>
           <a:xfrm>
             <a:off x="6394680" y="3138480"/>
-            <a:ext cx="2291760" cy="1707480"/>
+            <a:ext cx="2291400" cy="1707120"/>
           </a:xfrm>
           <a:prstGeom prst="rect">
             <a:avLst/>
@@ -5714,14 +5772,14 @@
       </p:grpSpPr>
       <p:sp>
         <p:nvSpPr>
-          <p:cNvPr id="146" name="CustomShape 1"/>
+          <p:cNvPr id="145" name="CustomShape 1"/>
           <p:cNvSpPr/>
           <p:nvPr/>
         </p:nvSpPr>
         <p:spPr>
           <a:xfrm>
             <a:off x="504000" y="301320"/>
-            <a:ext cx="9071640" cy="1261440"/>
+            <a:ext cx="9071280" cy="1261080"/>
           </a:xfrm>
           <a:prstGeom prst="rect">
             <a:avLst/>
@@ -5740,14 +5798,14 @@
       </p:sp>
       <p:sp>
         <p:nvSpPr>
-          <p:cNvPr id="147" name="CustomShape 2"/>
+          <p:cNvPr id="146" name="CustomShape 2"/>
           <p:cNvSpPr/>
           <p:nvPr/>
         </p:nvSpPr>
         <p:spPr>
           <a:xfrm>
             <a:off x="504000" y="1768680"/>
-            <a:ext cx="9071640" cy="4383720"/>
+            <a:ext cx="9071280" cy="4383360"/>
           </a:xfrm>
           <a:prstGeom prst="rect">
             <a:avLst/>
@@ -5768,7 +5826,7 @@
             <a:normAutofit/>
           </a:bodyPr>
           <a:p>
-            <a:pPr marL="432000" indent="-323640">
+            <a:pPr marL="432000" indent="-323280">
               <a:lnSpc>
                 <a:spcPct val="100000"/>
               </a:lnSpc>
@@ -5784,7 +5842,11 @@
             </a:pPr>
             <a:r>
               <a:rPr b="0" lang="en-US" sz="3200" spc="-1" strike="noStrike">
+                <a:solidFill>
+                  <a:srgbClr val="000000"/>
+                </a:solidFill>
                 <a:latin typeface="Arial"/>
+                <a:ea typeface="DejaVu Sans"/>
               </a:rPr>
               <a:t>A form such as the following is created:</a:t>
             </a:r>
@@ -5796,7 +5858,7 @@
       </p:sp>
       <p:pic>
         <p:nvPicPr>
-          <p:cNvPr id="148" name="" descr=""/>
+          <p:cNvPr id="147" name="" descr=""/>
           <p:cNvPicPr/>
           <p:nvPr/>
         </p:nvPicPr>
@@ -5807,7 +5869,7 @@
         <p:spPr>
           <a:xfrm>
             <a:off x="2344680" y="2602080"/>
-            <a:ext cx="5600160" cy="3409200"/>
+            <a:ext cx="5599800" cy="3408840"/>
           </a:xfrm>
           <a:prstGeom prst="rect">
             <a:avLst/>
@@ -5856,7 +5918,7 @@
         <p:spPr>
           <a:xfrm>
             <a:off x="504000" y="576000"/>
-            <a:ext cx="7198560" cy="718560"/>
+            <a:ext cx="7198200" cy="718200"/>
           </a:xfrm>
           <a:prstGeom prst="rect">
             <a:avLst/>
@@ -5882,7 +5944,7 @@
         <p:spPr>
           <a:xfrm>
             <a:off x="504000" y="1800000"/>
-            <a:ext cx="9070560" cy="4383000"/>
+            <a:ext cx="9070200" cy="4382640"/>
           </a:xfrm>
           <a:prstGeom prst="rect">
             <a:avLst/>
@@ -5903,7 +5965,7 @@
             <a:normAutofit/>
           </a:bodyPr>
           <a:p>
-            <a:pPr marL="432000" indent="-322560">
+            <a:pPr marL="432000" indent="-322200">
               <a:lnSpc>
                 <a:spcPct val="100000"/>
               </a:lnSpc>
@@ -5932,7 +5994,7 @@
             </a:endParaRPr>
           </a:p>
           <a:p>
-            <a:pPr marL="432000" indent="-322560">
+            <a:pPr marL="432000" indent="-322200">
               <a:lnSpc>
                 <a:spcPct val="100000"/>
               </a:lnSpc>
@@ -5961,7 +6023,7 @@
             </a:endParaRPr>
           </a:p>
           <a:p>
-            <a:pPr marL="432000" indent="-322560">
+            <a:pPr marL="432000" indent="-322200">
               <a:lnSpc>
                 <a:spcPct val="100000"/>
               </a:lnSpc>
@@ -5990,7 +6052,7 @@
             </a:endParaRPr>
           </a:p>
           <a:p>
-            <a:pPr marL="432000" indent="-322560">
+            <a:pPr marL="432000" indent="-322200">
               <a:lnSpc>
                 <a:spcPct val="100000"/>
               </a:lnSpc>
@@ -6059,7 +6121,7 @@
         <p:spPr>
           <a:xfrm>
             <a:off x="504000" y="576000"/>
-            <a:ext cx="7198560" cy="718560"/>
+            <a:ext cx="7198200" cy="718200"/>
           </a:xfrm>
           <a:prstGeom prst="rect">
             <a:avLst/>
@@ -6085,7 +6147,7 @@
         <p:spPr>
           <a:xfrm>
             <a:off x="504000" y="1800000"/>
-            <a:ext cx="9070560" cy="4383000"/>
+            <a:ext cx="9070200" cy="4382640"/>
           </a:xfrm>
           <a:prstGeom prst="rect">
             <a:avLst/>
@@ -6106,7 +6168,7 @@
             <a:normAutofit fontScale="86000"/>
           </a:bodyPr>
           <a:p>
-            <a:pPr marL="432000" indent="-322560">
+            <a:pPr marL="432000" indent="-322200">
               <a:lnSpc>
                 <a:spcPct val="100000"/>
               </a:lnSpc>
@@ -6148,7 +6210,7 @@
             </a:endParaRPr>
           </a:p>
           <a:p>
-            <a:pPr marL="432000" indent="-322560">
+            <a:pPr marL="432000" indent="-322200">
               <a:lnSpc>
                 <a:spcPct val="100000"/>
               </a:lnSpc>
@@ -6177,7 +6239,7 @@
             </a:endParaRPr>
           </a:p>
           <a:p>
-            <a:pPr marL="432000" indent="-322560">
+            <a:pPr marL="432000" indent="-322200">
               <a:lnSpc>
                 <a:spcPct val="100000"/>
               </a:lnSpc>
@@ -6206,7 +6268,7 @@
             </a:endParaRPr>
           </a:p>
           <a:p>
-            <a:pPr marL="432000" indent="-322560">
+            <a:pPr marL="432000" indent="-322200">
               <a:lnSpc>
                 <a:spcPct val="100000"/>
               </a:lnSpc>
@@ -6275,7 +6337,7 @@
         <p:spPr>
           <a:xfrm>
             <a:off x="504000" y="576000"/>
-            <a:ext cx="7198560" cy="718560"/>
+            <a:ext cx="7198200" cy="718200"/>
           </a:xfrm>
           <a:prstGeom prst="rect">
             <a:avLst/>
@@ -6301,7 +6363,7 @@
         <p:spPr>
           <a:xfrm>
             <a:off x="504000" y="1800000"/>
-            <a:ext cx="9070560" cy="4383000"/>
+            <a:ext cx="9070200" cy="4382640"/>
           </a:xfrm>
           <a:prstGeom prst="rect">
             <a:avLst/>
@@ -6322,7 +6384,7 @@
             <a:normAutofit/>
           </a:bodyPr>
           <a:p>
-            <a:pPr marL="432000" indent="-322560">
+            <a:pPr marL="432000" indent="-322200">
               <a:lnSpc>
                 <a:spcPct val="100000"/>
               </a:lnSpc>
@@ -6364,7 +6426,7 @@
             </a:endParaRPr>
           </a:p>
           <a:p>
-            <a:pPr marL="432000" indent="-322560">
+            <a:pPr marL="432000" indent="-322200">
               <a:lnSpc>
                 <a:spcPct val="100000"/>
               </a:lnSpc>
@@ -6393,7 +6455,7 @@
             </a:endParaRPr>
           </a:p>
           <a:p>
-            <a:pPr marL="432000" indent="-322560">
+            <a:pPr marL="432000" indent="-322200">
               <a:lnSpc>
                 <a:spcPct val="100000"/>
               </a:lnSpc>
@@ -6422,7 +6484,7 @@
             </a:endParaRPr>
           </a:p>
           <a:p>
-            <a:pPr marL="432000" indent="-322560">
+            <a:pPr marL="432000" indent="-322200">
               <a:lnSpc>
                 <a:spcPct val="100000"/>
               </a:lnSpc>
@@ -6451,7 +6513,7 @@
             </a:endParaRPr>
           </a:p>
           <a:p>
-            <a:pPr marL="432000" indent="-322560">
+            <a:pPr marL="432000" indent="-322200">
               <a:lnSpc>
                 <a:spcPct val="100000"/>
               </a:lnSpc>
@@ -6520,7 +6582,7 @@
         <p:spPr>
           <a:xfrm>
             <a:off x="504000" y="304920"/>
-            <a:ext cx="7198560" cy="1261080"/>
+            <a:ext cx="7198200" cy="1260720"/>
           </a:xfrm>
           <a:prstGeom prst="rect">
             <a:avLst/>
@@ -6546,7 +6608,7 @@
         <p:spPr>
           <a:xfrm>
             <a:off x="548640" y="2194560"/>
-            <a:ext cx="8868600" cy="2832840"/>
+            <a:ext cx="8868240" cy="2832840"/>
           </a:xfrm>
           <a:prstGeom prst="rect">
             <a:avLst/>
@@ -6757,7 +6819,7 @@
         <p:spPr>
           <a:xfrm>
             <a:off x="504000" y="304920"/>
-            <a:ext cx="7198560" cy="1261080"/>
+            <a:ext cx="7198200" cy="1260720"/>
           </a:xfrm>
           <a:prstGeom prst="rect">
             <a:avLst/>
@@ -6783,7 +6845,7 @@
         <p:spPr>
           <a:xfrm>
             <a:off x="548640" y="1828800"/>
-            <a:ext cx="8960400" cy="3655800"/>
+            <a:ext cx="8960040" cy="3655800"/>
           </a:xfrm>
           <a:prstGeom prst="rect">
             <a:avLst/>
@@ -6988,7 +7050,7 @@
         <p:spPr>
           <a:xfrm>
             <a:off x="789120" y="5760720"/>
-            <a:ext cx="3233520" cy="750240"/>
+            <a:ext cx="3233160" cy="749880"/>
           </a:xfrm>
           <a:prstGeom prst="rect">
             <a:avLst/>
@@ -7011,7 +7073,7 @@
         <p:spPr>
           <a:xfrm>
             <a:off x="4910400" y="5714640"/>
-            <a:ext cx="2952720" cy="789840"/>
+            <a:ext cx="2952360" cy="789480"/>
           </a:xfrm>
           <a:prstGeom prst="rect">
             <a:avLst/>
@@ -7060,7 +7122,7 @@
         <p:spPr>
           <a:xfrm>
             <a:off x="457200" y="1554480"/>
-            <a:ext cx="9143280" cy="3930120"/>
+            <a:ext cx="9142920" cy="3930120"/>
           </a:xfrm>
           <a:prstGeom prst="rect">
             <a:avLst/>
@@ -7255,7 +7317,7 @@
         <p:spPr>
           <a:xfrm>
             <a:off x="1653840" y="5946120"/>
-            <a:ext cx="4380480" cy="938520"/>
+            <a:ext cx="4380120" cy="938160"/>
           </a:xfrm>
           <a:prstGeom prst="rect">
             <a:avLst/>
@@ -7304,7 +7366,7 @@
         <p:spPr>
           <a:xfrm>
             <a:off x="457200" y="1554480"/>
-            <a:ext cx="9051840" cy="2832840"/>
+            <a:ext cx="9051480" cy="2832840"/>
           </a:xfrm>
           <a:prstGeom prst="rect">
             <a:avLst/>
@@ -7469,7 +7531,7 @@
         <p:spPr>
           <a:xfrm>
             <a:off x="585720" y="4744080"/>
-            <a:ext cx="8831880" cy="1656000"/>
+            <a:ext cx="8831520" cy="1655640"/>
           </a:xfrm>
           <a:prstGeom prst="rect">
             <a:avLst/>
@@ -7518,7 +7580,7 @@
         <p:spPr>
           <a:xfrm>
             <a:off x="640080" y="1554480"/>
-            <a:ext cx="8960400" cy="1735560"/>
+            <a:ext cx="8960040" cy="1735560"/>
           </a:xfrm>
           <a:prstGeom prst="rect">
             <a:avLst/>
@@ -7620,29 +7682,6 @@
           </a:p>
         </p:txBody>
       </p:sp>
-      <p:pic>
-        <p:nvPicPr>
-          <p:cNvPr id="137" name="" descr=""/>
-          <p:cNvPicPr/>
-          <p:nvPr/>
-        </p:nvPicPr>
-        <p:blipFill>
-          <a:blip r:embed="rId1"/>
-          <a:stretch/>
-        </p:blipFill>
-        <p:spPr>
-          <a:xfrm>
-            <a:off x="446400" y="3383280"/>
-            <a:ext cx="9245520" cy="317520"/>
-          </a:xfrm>
-          <a:prstGeom prst="rect">
-            <a:avLst/>
-          </a:prstGeom>
-          <a:ln>
-            <a:noFill/>
-          </a:ln>
-        </p:spPr>
-      </p:pic>
     </p:spTree>
   </p:cSld>
   <mc:AlternateContent>

--- a/csharp_application_with_entity_framework.pptx
+++ b/csharp_application_with_entity_framework.pptx
@@ -19,7 +19,6 @@
     <p:sldId id="265" r:id="rId14"/>
     <p:sldId id="266" r:id="rId15"/>
     <p:sldId id="267" r:id="rId16"/>
-    <p:sldId id="268" r:id="rId17"/>
   </p:sldIdLst>
   <p:sldSz cx="10080625" cy="7559675"/>
   <p:notesSz cx="7559675" cy="10691812"/>
@@ -4124,7 +4123,7 @@
         <p:spPr>
           <a:xfrm>
             <a:off x="720" y="720"/>
-            <a:ext cx="10077840" cy="7557840"/>
+            <a:ext cx="10077480" cy="7557480"/>
           </a:xfrm>
           <a:prstGeom prst="rect">
             <a:avLst/>
@@ -4400,7 +4399,7 @@
         <p:spPr>
           <a:xfrm>
             <a:off x="720" y="720"/>
-            <a:ext cx="10077840" cy="7557840"/>
+            <a:ext cx="10077480" cy="7557480"/>
           </a:xfrm>
           <a:prstGeom prst="rect">
             <a:avLst/>
@@ -4676,7 +4675,7 @@
         <p:spPr>
           <a:xfrm>
             <a:off x="720" y="720"/>
-            <a:ext cx="10077840" cy="7557840"/>
+            <a:ext cx="10077480" cy="7557480"/>
           </a:xfrm>
           <a:prstGeom prst="rect">
             <a:avLst/>
@@ -4948,7 +4947,7 @@
         <p:spPr>
           <a:xfrm>
             <a:off x="504000" y="576000"/>
-            <a:ext cx="7198200" cy="718200"/>
+            <a:ext cx="7197840" cy="717840"/>
           </a:xfrm>
           <a:prstGeom prst="rect">
             <a:avLst/>
@@ -4974,7 +4973,7 @@
         <p:spPr>
           <a:xfrm>
             <a:off x="504000" y="3747960"/>
-            <a:ext cx="9070200" cy="486720"/>
+            <a:ext cx="9069840" cy="486720"/>
           </a:xfrm>
           <a:prstGeom prst="rect">
             <a:avLst/>
@@ -5025,7 +5024,7 @@
         <p:spPr>
           <a:xfrm>
             <a:off x="5120640" y="5394960"/>
-            <a:ext cx="3748680" cy="1186920"/>
+            <a:ext cx="3748320" cy="1186920"/>
           </a:xfrm>
           <a:prstGeom prst="rect">
             <a:avLst/>
@@ -5053,7 +5052,11 @@
             </a:pPr>
             <a:r>
               <a:rPr b="0" lang="en-US" sz="1800" spc="-1" strike="noStrike">
+                <a:solidFill>
+                  <a:srgbClr val="000000"/>
+                </a:solidFill>
                 <a:latin typeface="Arial"/>
+                <a:ea typeface="DejaVu Sans"/>
               </a:rPr>
               <a:t>- Nikkitha Ramesh</a:t>
             </a:r>
@@ -5079,7 +5082,11 @@
             </a:pPr>
             <a:r>
               <a:rPr b="0" lang="en-US" sz="1800" spc="-1" strike="noStrike">
+                <a:solidFill>
+                  <a:srgbClr val="000000"/>
+                </a:solidFill>
                 <a:latin typeface="Arial"/>
+                <a:ea typeface="DejaVu Sans"/>
               </a:rPr>
               <a:t>(based on a course on Udemy by Matt Turner, Mpire Training)</a:t>
             </a:r>
@@ -5127,8 +5134,8 @@
         </p:nvSpPr>
         <p:spPr>
           <a:xfrm>
-            <a:off x="640080" y="1554480"/>
-            <a:ext cx="8960040" cy="1735560"/>
+            <a:off x="365760" y="1463040"/>
+            <a:ext cx="9325800" cy="3741480"/>
           </a:xfrm>
           <a:prstGeom prst="rect">
             <a:avLst/>
@@ -5155,16 +5162,16 @@
               </a:lnSpc>
             </a:pPr>
             <a:r>
-              <a:rPr b="0" lang="en-US" sz="1800" spc="-1" strike="noStrike">
+              <a:rPr b="0" lang="en-US" sz="1500" spc="-1" strike="noStrike">
                 <a:solidFill>
                   <a:srgbClr val="000000"/>
                 </a:solidFill>
                 <a:latin typeface="Arial"/>
                 <a:ea typeface="DejaVu Sans"/>
               </a:rPr>
-              <a:t>Creating a database:</a:t>
+              <a:t>The migrations feature in Entity Framework provides a way to incrementally update the database schema to keep it in sync with the application's data model while preserving existing data in the database.</a:t>
             </a:r>
-            <a:endParaRPr b="0" lang="en-US" sz="1800" spc="-1" strike="noStrike">
+            <a:endParaRPr b="0" lang="en-US" sz="1500" spc="-1" strike="noStrike">
               <a:latin typeface="Arial"/>
             </a:endParaRPr>
           </a:p>
@@ -5174,7 +5181,7 @@
                 <a:spcPct val="100000"/>
               </a:lnSpc>
             </a:pPr>
-            <a:endParaRPr b="0" lang="en-US" sz="1800" spc="-1" strike="noStrike">
+            <a:endParaRPr b="0" lang="en-US" sz="1500" spc="-1" strike="noStrike">
               <a:latin typeface="Arial"/>
             </a:endParaRPr>
           </a:p>
@@ -5185,16 +5192,16 @@
               </a:lnSpc>
             </a:pPr>
             <a:r>
-              <a:rPr b="0" lang="en-US" sz="1800" spc="-1" strike="noStrike">
+              <a:rPr b="0" lang="en-US" sz="1500" spc="-1" strike="noStrike">
                 <a:solidFill>
                   <a:srgbClr val="000000"/>
                 </a:solidFill>
                 <a:latin typeface="Arial"/>
                 <a:ea typeface="DejaVu Sans"/>
               </a:rPr>
-              <a:t>This is done by first adding SQL Server.</a:t>
+              <a:t>This feature enables you to change the data model and deploy your changes to production by updating the database schema without having to drop and re-create the database.</a:t>
             </a:r>
-            <a:endParaRPr b="0" lang="en-US" sz="1800" spc="-1" strike="noStrike">
+            <a:endParaRPr b="0" lang="en-US" sz="1500" spc="-1" strike="noStrike">
               <a:latin typeface="Arial"/>
             </a:endParaRPr>
           </a:p>
@@ -5204,7 +5211,7 @@
                 <a:spcPct val="100000"/>
               </a:lnSpc>
             </a:pPr>
-            <a:endParaRPr b="0" lang="en-US" sz="1800" spc="-1" strike="noStrike">
+            <a:endParaRPr b="0" lang="en-US" sz="1500" spc="-1" strike="noStrike">
               <a:latin typeface="Arial"/>
             </a:endParaRPr>
           </a:p>
@@ -5215,16 +5222,106 @@
               </a:lnSpc>
             </a:pPr>
             <a:r>
-              <a:rPr b="0" lang="en-US" sz="1800" spc="-1" strike="noStrike">
+              <a:rPr b="0" lang="en-US" sz="1500" spc="-1" strike="noStrike">
                 <a:solidFill>
                   <a:srgbClr val="000000"/>
                 </a:solidFill>
                 <a:latin typeface="Arial"/>
                 <a:ea typeface="DejaVu Sans"/>
               </a:rPr>
-              <a:t>App.config file is generated, inside which the connection string is supposed to be entered, to establish the connection.</a:t>
+              <a:t>For the code based migration, the following commands are executed in Package Manager Console.</a:t>
             </a:r>
-            <a:endParaRPr b="0" lang="en-US" sz="1800" spc="-1" strike="noStrike">
+            <a:endParaRPr b="0" lang="en-US" sz="1500" spc="-1" strike="noStrike">
+              <a:latin typeface="Arial"/>
+            </a:endParaRPr>
+          </a:p>
+          <a:p>
+            <a:pPr>
+              <a:lnSpc>
+                <a:spcPct val="100000"/>
+              </a:lnSpc>
+            </a:pPr>
+            <a:endParaRPr b="0" lang="en-US" sz="1500" spc="-1" strike="noStrike">
+              <a:latin typeface="Arial"/>
+            </a:endParaRPr>
+          </a:p>
+          <a:p>
+            <a:pPr>
+              <a:lnSpc>
+                <a:spcPct val="100000"/>
+              </a:lnSpc>
+            </a:pPr>
+            <a:r>
+              <a:rPr b="0" lang="en-US" sz="1500" spc="-1" strike="noStrike">
+                <a:solidFill>
+                  <a:srgbClr val="000000"/>
+                </a:solidFill>
+                <a:latin typeface="Arial"/>
+                <a:ea typeface="DejaVu Sans"/>
+              </a:rPr>
+              <a:t>1)  Enable-Migrations: Migration is enabled by creating a Configuration class.</a:t>
+            </a:r>
+            <a:endParaRPr b="0" lang="en-US" sz="1500" spc="-1" strike="noStrike">
+              <a:latin typeface="Arial"/>
+            </a:endParaRPr>
+          </a:p>
+          <a:p>
+            <a:pPr>
+              <a:lnSpc>
+                <a:spcPct val="100000"/>
+              </a:lnSpc>
+            </a:pPr>
+            <a:endParaRPr b="0" lang="en-US" sz="1500" spc="-1" strike="noStrike">
+              <a:latin typeface="Arial"/>
+            </a:endParaRPr>
+          </a:p>
+          <a:p>
+            <a:pPr>
+              <a:lnSpc>
+                <a:spcPct val="100000"/>
+              </a:lnSpc>
+            </a:pPr>
+            <a:r>
+              <a:rPr b="0" lang="en-US" sz="1500" spc="-1" strike="noStrike">
+                <a:solidFill>
+                  <a:srgbClr val="000000"/>
+                </a:solidFill>
+                <a:latin typeface="Arial"/>
+                <a:ea typeface="DejaVu Sans"/>
+              </a:rPr>
+              <a:t>2)  Add-Migration: A new migration class is created as per specified name with the Up() and Down() methods. This creates database data based on existing class. The up method is a set of directions for running a migration, while the down method is a set of instructions for reverting a migration.</a:t>
+            </a:r>
+            <a:endParaRPr b="0" lang="en-US" sz="1500" spc="-1" strike="noStrike">
+              <a:latin typeface="Arial"/>
+            </a:endParaRPr>
+          </a:p>
+          <a:p>
+            <a:pPr>
+              <a:lnSpc>
+                <a:spcPct val="100000"/>
+              </a:lnSpc>
+            </a:pPr>
+            <a:endParaRPr b="0" lang="en-US" sz="1500" spc="-1" strike="noStrike">
+              <a:latin typeface="Arial"/>
+            </a:endParaRPr>
+          </a:p>
+          <a:p>
+            <a:pPr>
+              <a:lnSpc>
+                <a:spcPct val="100000"/>
+              </a:lnSpc>
+            </a:pPr>
+            <a:r>
+              <a:rPr b="0" lang="en-US" sz="1500" spc="-1" strike="noStrike">
+                <a:solidFill>
+                  <a:srgbClr val="000000"/>
+                </a:solidFill>
+                <a:latin typeface="Arial"/>
+                <a:ea typeface="DejaVu Sans"/>
+              </a:rPr>
+              <a:t>3)  Update-Database: Executes the last migration file created by the Add-Migration command and applies changes to the database schema.</a:t>
+            </a:r>
+            <a:endParaRPr b="0" lang="en-US" sz="1500" spc="-1" strike="noStrike">
               <a:latin typeface="Arial"/>
             </a:endParaRPr>
           </a:p>
@@ -5242,8 +5339,8 @@
         </p:blipFill>
         <p:spPr>
           <a:xfrm>
-            <a:off x="446400" y="3383280"/>
-            <a:ext cx="9245160" cy="317160"/>
+            <a:off x="957240" y="5190840"/>
+            <a:ext cx="8185680" cy="1848960"/>
           </a:xfrm>
           <a:prstGeom prst="rect">
             <a:avLst/>
@@ -5291,8 +5388,8 @@
         </p:nvSpPr>
         <p:spPr>
           <a:xfrm>
-            <a:off x="365760" y="1463040"/>
-            <a:ext cx="9326160" cy="3741480"/>
+            <a:off x="504000" y="301320"/>
+            <a:ext cx="9070920" cy="1260720"/>
           </a:xfrm>
           <a:prstGeom prst="rect">
             <a:avLst/>
@@ -5308,87 +5405,120 @@
           <a:effectRef idx="0"/>
           <a:fontRef idx="minor"/>
         </p:style>
-        <p:txBody>
-          <a:bodyPr lIns="90000" rIns="90000" tIns="45000" bIns="45000">
-            <a:spAutoFit/>
-          </a:bodyPr>
-          <a:p>
-            <a:pPr>
+      </p:sp>
+      <p:sp>
+        <p:nvSpPr>
+          <p:cNvPr id="140" name="CustomShape 2"/>
+          <p:cNvSpPr/>
+          <p:nvPr/>
+        </p:nvSpPr>
+        <p:spPr>
+          <a:xfrm>
+            <a:off x="504000" y="1768680"/>
+            <a:ext cx="9070920" cy="4383000"/>
+          </a:xfrm>
+          <a:prstGeom prst="rect">
+            <a:avLst/>
+          </a:prstGeom>
+          <a:noFill/>
+          <a:ln>
+            <a:noFill/>
+          </a:ln>
+        </p:spPr>
+        <p:style>
+          <a:lnRef idx="0"/>
+          <a:fillRef idx="0"/>
+          <a:effectRef idx="0"/>
+          <a:fontRef idx="minor"/>
+        </p:style>
+        <p:txBody>
+          <a:bodyPr lIns="0" rIns="0" tIns="0" bIns="0">
+            <a:normAutofit/>
+          </a:bodyPr>
+          <a:p>
+            <a:pPr marL="432000" indent="-322920">
               <a:lnSpc>
                 <a:spcPct val="100000"/>
               </a:lnSpc>
+              <a:spcBef>
+                <a:spcPts val="1417"/>
+              </a:spcBef>
+              <a:buClr>
+                <a:srgbClr val="000000"/>
+              </a:buClr>
+              <a:buSzPct val="45000"/>
+              <a:buFont typeface="Wingdings" charset="2"/>
+              <a:buChar char=""/>
             </a:pPr>
             <a:r>
-              <a:rPr b="0" lang="en-US" sz="1500" spc="-1" strike="noStrike">
+              <a:rPr b="0" lang="en-US" sz="1800" spc="-1" strike="noStrike">
                 <a:solidFill>
                   <a:srgbClr val="000000"/>
                 </a:solidFill>
                 <a:latin typeface="Arial"/>
                 <a:ea typeface="DejaVu Sans"/>
               </a:rPr>
-              <a:t>The migrations feature in Entity Framework provides a way to incrementally update the database schema to keep it in sync with the application's data model while preserving existing data in the database.</a:t>
+              <a:t>Seeding the database is where the data is populated while setting up the database.</a:t>
             </a:r>
-            <a:endParaRPr b="0" lang="en-US" sz="1500" spc="-1" strike="noStrike">
-              <a:latin typeface="Arial"/>
-            </a:endParaRPr>
-          </a:p>
-          <a:p>
-            <a:pPr>
+            <a:endParaRPr b="0" lang="en-US" sz="1800" spc="-1" strike="noStrike">
+              <a:latin typeface="Arial"/>
+            </a:endParaRPr>
+          </a:p>
+          <a:p>
+            <a:pPr marL="432000" indent="-322920">
               <a:lnSpc>
                 <a:spcPct val="100000"/>
               </a:lnSpc>
-            </a:pPr>
-            <a:endParaRPr b="0" lang="en-US" sz="1500" spc="-1" strike="noStrike">
-              <a:latin typeface="Arial"/>
-            </a:endParaRPr>
-          </a:p>
-          <a:p>
-            <a:pPr>
-              <a:lnSpc>
-                <a:spcPct val="100000"/>
-              </a:lnSpc>
+              <a:spcBef>
+                <a:spcPts val="1417"/>
+              </a:spcBef>
+              <a:buClr>
+                <a:srgbClr val="000000"/>
+              </a:buClr>
+              <a:buSzPct val="45000"/>
+              <a:buFont typeface="Wingdings" charset="2"/>
+              <a:buChar char=""/>
             </a:pPr>
             <a:r>
-              <a:rPr b="0" lang="en-US" sz="1500" spc="-1" strike="noStrike">
+              <a:rPr b="0" lang="en-US" sz="1800" spc="-1" strike="noStrike">
                 <a:solidFill>
                   <a:srgbClr val="000000"/>
                 </a:solidFill>
                 <a:latin typeface="Arial"/>
                 <a:ea typeface="DejaVu Sans"/>
               </a:rPr>
-              <a:t>This feature enables you to change the data model and deploy your changes to production by updating the database schema without having to drop and re-create the database.</a:t>
+              <a:t>In the configuration class file, the seed data values are entered.</a:t>
             </a:r>
-            <a:endParaRPr b="0" lang="en-US" sz="1500" spc="-1" strike="noStrike">
-              <a:latin typeface="Arial"/>
-            </a:endParaRPr>
-          </a:p>
-          <a:p>
-            <a:pPr>
+            <a:endParaRPr b="0" lang="en-US" sz="1800" spc="-1" strike="noStrike">
+              <a:latin typeface="Arial"/>
+            </a:endParaRPr>
+          </a:p>
+          <a:p>
+            <a:pPr marL="432000" indent="-322920">
               <a:lnSpc>
                 <a:spcPct val="100000"/>
               </a:lnSpc>
-            </a:pPr>
-            <a:endParaRPr b="0" lang="en-US" sz="1500" spc="-1" strike="noStrike">
-              <a:latin typeface="Arial"/>
-            </a:endParaRPr>
-          </a:p>
-          <a:p>
-            <a:pPr>
-              <a:lnSpc>
-                <a:spcPct val="100000"/>
-              </a:lnSpc>
+              <a:spcBef>
+                <a:spcPts val="1417"/>
+              </a:spcBef>
+              <a:buClr>
+                <a:srgbClr val="000000"/>
+              </a:buClr>
+              <a:buSzPct val="45000"/>
+              <a:buFont typeface="Wingdings" charset="2"/>
+              <a:buChar char=""/>
             </a:pPr>
             <a:r>
-              <a:rPr b="0" lang="en-US" sz="1500" spc="-1" strike="noStrike">
+              <a:rPr b="0" lang="en-US" sz="1800" spc="-1" strike="noStrike">
                 <a:solidFill>
                   <a:srgbClr val="000000"/>
                 </a:solidFill>
                 <a:latin typeface="Arial"/>
                 <a:ea typeface="DejaVu Sans"/>
               </a:rPr>
-              <a:t>For the code based migration, the following commands are executed in Package Manager Console.</a:t>
+              <a:t>A person’s data is also fed as seed data. It is usually an Admin's details.</a:t>
             </a:r>
-            <a:endParaRPr b="0" lang="en-US" sz="1500" spc="-1" strike="noStrike">
+            <a:endParaRPr b="0" lang="en-US" sz="1800" spc="-1" strike="noStrike">
               <a:latin typeface="Arial"/>
             </a:endParaRPr>
           </a:p>
@@ -5397,88 +5527,11 @@
               <a:lnSpc>
                 <a:spcPct val="100000"/>
               </a:lnSpc>
-            </a:pPr>
-            <a:endParaRPr b="0" lang="en-US" sz="1500" spc="-1" strike="noStrike">
-              <a:latin typeface="Arial"/>
-            </a:endParaRPr>
-          </a:p>
-          <a:p>
-            <a:pPr>
-              <a:lnSpc>
-                <a:spcPct val="100000"/>
-              </a:lnSpc>
-            </a:pPr>
-            <a:r>
-              <a:rPr b="0" lang="en-US" sz="1500" spc="-1" strike="noStrike">
-                <a:solidFill>
-                  <a:srgbClr val="000000"/>
-                </a:solidFill>
-                <a:latin typeface="Arial"/>
-                <a:ea typeface="DejaVu Sans"/>
-              </a:rPr>
-              <a:t>1)  Enable-Migrations: Migration is enabled by creating a Configuration class.</a:t>
-            </a:r>
-            <a:endParaRPr b="0" lang="en-US" sz="1500" spc="-1" strike="noStrike">
-              <a:latin typeface="Arial"/>
-            </a:endParaRPr>
-          </a:p>
-          <a:p>
-            <a:pPr>
-              <a:lnSpc>
-                <a:spcPct val="100000"/>
-              </a:lnSpc>
-            </a:pPr>
-            <a:endParaRPr b="0" lang="en-US" sz="1500" spc="-1" strike="noStrike">
-              <a:latin typeface="Arial"/>
-            </a:endParaRPr>
-          </a:p>
-          <a:p>
-            <a:pPr>
-              <a:lnSpc>
-                <a:spcPct val="100000"/>
-              </a:lnSpc>
-            </a:pPr>
-            <a:r>
-              <a:rPr b="0" lang="en-US" sz="1500" spc="-1" strike="noStrike">
-                <a:solidFill>
-                  <a:srgbClr val="000000"/>
-                </a:solidFill>
-                <a:latin typeface="Arial"/>
-                <a:ea typeface="DejaVu Sans"/>
-              </a:rPr>
-              <a:t>2)  Add-Migration: A new migration class is created as per specified name with the Up() and Down() methods. This creates database data based on existing class. The up method is a set of directions for running a migration, while the down method is a set of instructions for reverting a migration.</a:t>
-            </a:r>
-            <a:endParaRPr b="0" lang="en-US" sz="1500" spc="-1" strike="noStrike">
-              <a:latin typeface="Arial"/>
-            </a:endParaRPr>
-          </a:p>
-          <a:p>
-            <a:pPr>
-              <a:lnSpc>
-                <a:spcPct val="100000"/>
-              </a:lnSpc>
-            </a:pPr>
-            <a:endParaRPr b="0" lang="en-US" sz="1500" spc="-1" strike="noStrike">
-              <a:latin typeface="Arial"/>
-            </a:endParaRPr>
-          </a:p>
-          <a:p>
-            <a:pPr>
-              <a:lnSpc>
-                <a:spcPct val="100000"/>
-              </a:lnSpc>
-            </a:pPr>
-            <a:r>
-              <a:rPr b="0" lang="en-US" sz="1500" spc="-1" strike="noStrike">
-                <a:solidFill>
-                  <a:srgbClr val="000000"/>
-                </a:solidFill>
-                <a:latin typeface="Arial"/>
-                <a:ea typeface="DejaVu Sans"/>
-              </a:rPr>
-              <a:t>3)  Update-Database: Executes the last migration file created by the Add-Migration command and applies changes to the database schema.</a:t>
-            </a:r>
-            <a:endParaRPr b="0" lang="en-US" sz="1500" spc="-1" strike="noStrike">
+              <a:spcBef>
+                <a:spcPts val="1417"/>
+              </a:spcBef>
+            </a:pPr>
+            <a:endParaRPr b="0" lang="en-US" sz="1800" spc="-1" strike="noStrike">
               <a:latin typeface="Arial"/>
             </a:endParaRPr>
           </a:p>
@@ -5486,7 +5539,7 @@
       </p:sp>
       <p:pic>
         <p:nvPicPr>
-          <p:cNvPr id="140" name="" descr=""/>
+          <p:cNvPr id="141" name="" descr=""/>
           <p:cNvPicPr/>
           <p:nvPr/>
         </p:nvPicPr>
@@ -5496,8 +5549,31 @@
         </p:blipFill>
         <p:spPr>
           <a:xfrm>
-            <a:off x="957240" y="5190840"/>
-            <a:ext cx="8186040" cy="1849320"/>
+            <a:off x="914400" y="3108960"/>
+            <a:ext cx="3503880" cy="3738600"/>
+          </a:xfrm>
+          <a:prstGeom prst="rect">
+            <a:avLst/>
+          </a:prstGeom>
+          <a:ln>
+            <a:noFill/>
+          </a:ln>
+        </p:spPr>
+      </p:pic>
+      <p:pic>
+        <p:nvPicPr>
+          <p:cNvPr id="142" name="" descr=""/>
+          <p:cNvPicPr/>
+          <p:nvPr/>
+        </p:nvPicPr>
+        <p:blipFill>
+          <a:blip r:embed="rId2"/>
+          <a:stretch/>
+        </p:blipFill>
+        <p:spPr>
+          <a:xfrm>
+            <a:off x="6394680" y="3138480"/>
+            <a:ext cx="2291040" cy="1706760"/>
           </a:xfrm>
           <a:prstGeom prst="rect">
             <a:avLst/>
@@ -5539,14 +5615,14 @@
       </p:grpSpPr>
       <p:sp>
         <p:nvSpPr>
-          <p:cNvPr id="141" name="CustomShape 1"/>
+          <p:cNvPr id="143" name="CustomShape 1"/>
           <p:cNvSpPr/>
           <p:nvPr/>
         </p:nvSpPr>
         <p:spPr>
           <a:xfrm>
             <a:off x="504000" y="301320"/>
-            <a:ext cx="9071280" cy="1261080"/>
+            <a:ext cx="9070920" cy="1260720"/>
           </a:xfrm>
           <a:prstGeom prst="rect">
             <a:avLst/>
@@ -5565,14 +5641,14 @@
       </p:sp>
       <p:sp>
         <p:nvSpPr>
-          <p:cNvPr id="142" name="CustomShape 2"/>
+          <p:cNvPr id="144" name="CustomShape 2"/>
           <p:cNvSpPr/>
           <p:nvPr/>
         </p:nvSpPr>
         <p:spPr>
           <a:xfrm>
             <a:off x="504000" y="1768680"/>
-            <a:ext cx="9071280" cy="4383360"/>
+            <a:ext cx="9070920" cy="4383000"/>
           </a:xfrm>
           <a:prstGeom prst="rect">
             <a:avLst/>
@@ -5593,7 +5669,7 @@
             <a:normAutofit/>
           </a:bodyPr>
           <a:p>
-            <a:pPr marL="432000" indent="-323280">
+            <a:pPr marL="432000" indent="-322920">
               <a:lnSpc>
                 <a:spcPct val="100000"/>
               </a:lnSpc>
@@ -5608,239 +5684,6 @@
               <a:buChar char=""/>
             </a:pPr>
             <a:r>
-              <a:rPr b="0" lang="en-US" sz="1800" spc="-1" strike="noStrike">
-                <a:solidFill>
-                  <a:srgbClr val="000000"/>
-                </a:solidFill>
-                <a:latin typeface="Arial"/>
-                <a:ea typeface="DejaVu Sans"/>
-              </a:rPr>
-              <a:t>Seeding the database is where the data is populated while setting up the database.</a:t>
-            </a:r>
-            <a:endParaRPr b="0" lang="en-US" sz="1800" spc="-1" strike="noStrike">
-              <a:latin typeface="Arial"/>
-            </a:endParaRPr>
-          </a:p>
-          <a:p>
-            <a:pPr marL="432000" indent="-323280">
-              <a:lnSpc>
-                <a:spcPct val="100000"/>
-              </a:lnSpc>
-              <a:spcBef>
-                <a:spcPts val="1417"/>
-              </a:spcBef>
-              <a:buClr>
-                <a:srgbClr val="000000"/>
-              </a:buClr>
-              <a:buSzPct val="45000"/>
-              <a:buFont typeface="Wingdings" charset="2"/>
-              <a:buChar char=""/>
-            </a:pPr>
-            <a:r>
-              <a:rPr b="0" lang="en-US" sz="1800" spc="-1" strike="noStrike">
-                <a:solidFill>
-                  <a:srgbClr val="000000"/>
-                </a:solidFill>
-                <a:latin typeface="Arial"/>
-                <a:ea typeface="DejaVu Sans"/>
-              </a:rPr>
-              <a:t>In the configuration class file, the seed data values are entered.</a:t>
-            </a:r>
-            <a:endParaRPr b="0" lang="en-US" sz="1800" spc="-1" strike="noStrike">
-              <a:latin typeface="Arial"/>
-            </a:endParaRPr>
-          </a:p>
-          <a:p>
-            <a:pPr marL="432000" indent="-323280">
-              <a:lnSpc>
-                <a:spcPct val="100000"/>
-              </a:lnSpc>
-              <a:spcBef>
-                <a:spcPts val="1417"/>
-              </a:spcBef>
-              <a:buClr>
-                <a:srgbClr val="000000"/>
-              </a:buClr>
-              <a:buSzPct val="45000"/>
-              <a:buFont typeface="Wingdings" charset="2"/>
-              <a:buChar char=""/>
-            </a:pPr>
-            <a:r>
-              <a:rPr b="0" lang="en-US" sz="1800" spc="-1" strike="noStrike">
-                <a:solidFill>
-                  <a:srgbClr val="000000"/>
-                </a:solidFill>
-                <a:latin typeface="Arial"/>
-                <a:ea typeface="DejaVu Sans"/>
-              </a:rPr>
-              <a:t>A person’s data is also fed as seed data. It is usually an Admin's details.</a:t>
-            </a:r>
-            <a:endParaRPr b="0" lang="en-US" sz="1800" spc="-1" strike="noStrike">
-              <a:latin typeface="Arial"/>
-            </a:endParaRPr>
-          </a:p>
-          <a:p>
-            <a:pPr>
-              <a:lnSpc>
-                <a:spcPct val="100000"/>
-              </a:lnSpc>
-              <a:spcBef>
-                <a:spcPts val="1417"/>
-              </a:spcBef>
-            </a:pPr>
-            <a:endParaRPr b="0" lang="en-US" sz="1800" spc="-1" strike="noStrike">
-              <a:latin typeface="Arial"/>
-            </a:endParaRPr>
-          </a:p>
-        </p:txBody>
-      </p:sp>
-      <p:pic>
-        <p:nvPicPr>
-          <p:cNvPr id="143" name="" descr=""/>
-          <p:cNvPicPr/>
-          <p:nvPr/>
-        </p:nvPicPr>
-        <p:blipFill>
-          <a:blip r:embed="rId1"/>
-          <a:stretch/>
-        </p:blipFill>
-        <p:spPr>
-          <a:xfrm>
-            <a:off x="914400" y="3108960"/>
-            <a:ext cx="3504240" cy="3738960"/>
-          </a:xfrm>
-          <a:prstGeom prst="rect">
-            <a:avLst/>
-          </a:prstGeom>
-          <a:ln>
-            <a:noFill/>
-          </a:ln>
-        </p:spPr>
-      </p:pic>
-      <p:pic>
-        <p:nvPicPr>
-          <p:cNvPr id="144" name="" descr=""/>
-          <p:cNvPicPr/>
-          <p:nvPr/>
-        </p:nvPicPr>
-        <p:blipFill>
-          <a:blip r:embed="rId2"/>
-          <a:stretch/>
-        </p:blipFill>
-        <p:spPr>
-          <a:xfrm>
-            <a:off x="6394680" y="3138480"/>
-            <a:ext cx="2291400" cy="1707120"/>
-          </a:xfrm>
-          <a:prstGeom prst="rect">
-            <a:avLst/>
-          </a:prstGeom>
-          <a:ln>
-            <a:noFill/>
-          </a:ln>
-        </p:spPr>
-      </p:pic>
-    </p:spTree>
-  </p:cSld>
-  <mc:AlternateContent>
-    <mc:Choice Requires="p14">
-      <p:transition spd="slow" p14:dur="2000"/>
-    </mc:Choice>
-    <mc:Fallback>
-      <p:transition spd="slow"/>
-    </mc:Fallback>
-  </mc:AlternateContent>
-</p:sld>
-</file>
-
-<file path=ppt/slides/slide13.xml><?xml version="1.0" encoding="utf-8"?>
-<p:sld xmlns:a="http://schemas.openxmlformats.org/drawingml/2006/main" xmlns:p="http://schemas.openxmlformats.org/presentationml/2006/main" xmlns:r="http://schemas.openxmlformats.org/officeDocument/2006/relationships" xmlns:p14="http://schemas.microsoft.com/office/powerpoint/2010/main" xmlns:p15="http://schemas.microsoft.com/office/powerpoint/2012/main" xmlns:mc="http://schemas.openxmlformats.org/markup-compatibility/2006">
-  <p:cSld>
-    <p:spTree>
-      <p:nvGrpSpPr>
-        <p:cNvPr id="1" name=""/>
-        <p:cNvGrpSpPr/>
-        <p:nvPr/>
-      </p:nvGrpSpPr>
-      <p:grpSpPr>
-        <a:xfrm>
-          <a:off x="0" y="0"/>
-          <a:ext cx="0" cy="0"/>
-          <a:chOff x="0" y="0"/>
-          <a:chExt cx="0" cy="0"/>
-        </a:xfrm>
-      </p:grpSpPr>
-      <p:sp>
-        <p:nvSpPr>
-          <p:cNvPr id="145" name="CustomShape 1"/>
-          <p:cNvSpPr/>
-          <p:nvPr/>
-        </p:nvSpPr>
-        <p:spPr>
-          <a:xfrm>
-            <a:off x="504000" y="301320"/>
-            <a:ext cx="9071280" cy="1261080"/>
-          </a:xfrm>
-          <a:prstGeom prst="rect">
-            <a:avLst/>
-          </a:prstGeom>
-          <a:noFill/>
-          <a:ln>
-            <a:noFill/>
-          </a:ln>
-        </p:spPr>
-        <p:style>
-          <a:lnRef idx="0"/>
-          <a:fillRef idx="0"/>
-          <a:effectRef idx="0"/>
-          <a:fontRef idx="minor"/>
-        </p:style>
-      </p:sp>
-      <p:sp>
-        <p:nvSpPr>
-          <p:cNvPr id="146" name="CustomShape 2"/>
-          <p:cNvSpPr/>
-          <p:nvPr/>
-        </p:nvSpPr>
-        <p:spPr>
-          <a:xfrm>
-            <a:off x="504000" y="1768680"/>
-            <a:ext cx="9071280" cy="4383360"/>
-          </a:xfrm>
-          <a:prstGeom prst="rect">
-            <a:avLst/>
-          </a:prstGeom>
-          <a:noFill/>
-          <a:ln>
-            <a:noFill/>
-          </a:ln>
-        </p:spPr>
-        <p:style>
-          <a:lnRef idx="0"/>
-          <a:fillRef idx="0"/>
-          <a:effectRef idx="0"/>
-          <a:fontRef idx="minor"/>
-        </p:style>
-        <p:txBody>
-          <a:bodyPr lIns="0" rIns="0" tIns="0" bIns="0">
-            <a:normAutofit/>
-          </a:bodyPr>
-          <a:p>
-            <a:pPr marL="432000" indent="-323280">
-              <a:lnSpc>
-                <a:spcPct val="100000"/>
-              </a:lnSpc>
-              <a:spcBef>
-                <a:spcPts val="1417"/>
-              </a:spcBef>
-              <a:buClr>
-                <a:srgbClr val="000000"/>
-              </a:buClr>
-              <a:buSzPct val="45000"/>
-              <a:buFont typeface="Wingdings" charset="2"/>
-              <a:buChar char=""/>
-            </a:pPr>
-            <a:r>
               <a:rPr b="0" lang="en-US" sz="3200" spc="-1" strike="noStrike">
                 <a:solidFill>
                   <a:srgbClr val="000000"/>
@@ -5858,7 +5701,7 @@
       </p:sp>
       <p:pic>
         <p:nvPicPr>
-          <p:cNvPr id="147" name="" descr=""/>
+          <p:cNvPr id="145" name="" descr=""/>
           <p:cNvPicPr/>
           <p:nvPr/>
         </p:nvPicPr>
@@ -5869,7 +5712,7 @@
         <p:spPr>
           <a:xfrm>
             <a:off x="2344680" y="2602080"/>
-            <a:ext cx="5599800" cy="3408840"/>
+            <a:ext cx="5599440" cy="3408480"/>
           </a:xfrm>
           <a:prstGeom prst="rect">
             <a:avLst/>
@@ -5918,7 +5761,7 @@
         <p:spPr>
           <a:xfrm>
             <a:off x="504000" y="576000"/>
-            <a:ext cx="7198200" cy="718200"/>
+            <a:ext cx="7197840" cy="717840"/>
           </a:xfrm>
           <a:prstGeom prst="rect">
             <a:avLst/>
@@ -5944,7 +5787,7 @@
         <p:spPr>
           <a:xfrm>
             <a:off x="504000" y="1800000"/>
-            <a:ext cx="9070200" cy="4382640"/>
+            <a:ext cx="9069840" cy="4382280"/>
           </a:xfrm>
           <a:prstGeom prst="rect">
             <a:avLst/>
@@ -5965,7 +5808,7 @@
             <a:normAutofit/>
           </a:bodyPr>
           <a:p>
-            <a:pPr marL="432000" indent="-322200">
+            <a:pPr marL="432000" indent="-321840">
               <a:lnSpc>
                 <a:spcPct val="100000"/>
               </a:lnSpc>
@@ -5994,7 +5837,7 @@
             </a:endParaRPr>
           </a:p>
           <a:p>
-            <a:pPr marL="432000" indent="-322200">
+            <a:pPr marL="432000" indent="-321840">
               <a:lnSpc>
                 <a:spcPct val="100000"/>
               </a:lnSpc>
@@ -6023,7 +5866,7 @@
             </a:endParaRPr>
           </a:p>
           <a:p>
-            <a:pPr marL="432000" indent="-322200">
+            <a:pPr marL="432000" indent="-321840">
               <a:lnSpc>
                 <a:spcPct val="100000"/>
               </a:lnSpc>
@@ -6052,7 +5895,7 @@
             </a:endParaRPr>
           </a:p>
           <a:p>
-            <a:pPr marL="432000" indent="-322200">
+            <a:pPr marL="432000" indent="-321840">
               <a:lnSpc>
                 <a:spcPct val="100000"/>
               </a:lnSpc>
@@ -6121,7 +5964,7 @@
         <p:spPr>
           <a:xfrm>
             <a:off x="504000" y="576000"/>
-            <a:ext cx="7198200" cy="718200"/>
+            <a:ext cx="7197840" cy="717840"/>
           </a:xfrm>
           <a:prstGeom prst="rect">
             <a:avLst/>
@@ -6147,7 +5990,7 @@
         <p:spPr>
           <a:xfrm>
             <a:off x="504000" y="1800000"/>
-            <a:ext cx="9070200" cy="4382640"/>
+            <a:ext cx="9069840" cy="4382280"/>
           </a:xfrm>
           <a:prstGeom prst="rect">
             <a:avLst/>
@@ -6168,7 +6011,7 @@
             <a:normAutofit fontScale="86000"/>
           </a:bodyPr>
           <a:p>
-            <a:pPr marL="432000" indent="-322200">
+            <a:pPr marL="432000" indent="-321840">
               <a:lnSpc>
                 <a:spcPct val="100000"/>
               </a:lnSpc>
@@ -6210,7 +6053,7 @@
             </a:endParaRPr>
           </a:p>
           <a:p>
-            <a:pPr marL="432000" indent="-322200">
+            <a:pPr marL="432000" indent="-321840">
               <a:lnSpc>
                 <a:spcPct val="100000"/>
               </a:lnSpc>
@@ -6239,7 +6082,7 @@
             </a:endParaRPr>
           </a:p>
           <a:p>
-            <a:pPr marL="432000" indent="-322200">
+            <a:pPr marL="432000" indent="-321840">
               <a:lnSpc>
                 <a:spcPct val="100000"/>
               </a:lnSpc>
@@ -6268,7 +6111,7 @@
             </a:endParaRPr>
           </a:p>
           <a:p>
-            <a:pPr marL="432000" indent="-322200">
+            <a:pPr marL="432000" indent="-321840">
               <a:lnSpc>
                 <a:spcPct val="100000"/>
               </a:lnSpc>
@@ -6337,7 +6180,7 @@
         <p:spPr>
           <a:xfrm>
             <a:off x="504000" y="576000"/>
-            <a:ext cx="7198200" cy="718200"/>
+            <a:ext cx="7197840" cy="717840"/>
           </a:xfrm>
           <a:prstGeom prst="rect">
             <a:avLst/>
@@ -6363,7 +6206,7 @@
         <p:spPr>
           <a:xfrm>
             <a:off x="504000" y="1800000"/>
-            <a:ext cx="9070200" cy="4382640"/>
+            <a:ext cx="9069840" cy="4382280"/>
           </a:xfrm>
           <a:prstGeom prst="rect">
             <a:avLst/>
@@ -6384,7 +6227,7 @@
             <a:normAutofit/>
           </a:bodyPr>
           <a:p>
-            <a:pPr marL="432000" indent="-322200">
+            <a:pPr marL="432000" indent="-321840">
               <a:lnSpc>
                 <a:spcPct val="100000"/>
               </a:lnSpc>
@@ -6426,7 +6269,7 @@
             </a:endParaRPr>
           </a:p>
           <a:p>
-            <a:pPr marL="432000" indent="-322200">
+            <a:pPr marL="432000" indent="-321840">
               <a:lnSpc>
                 <a:spcPct val="100000"/>
               </a:lnSpc>
@@ -6455,7 +6298,7 @@
             </a:endParaRPr>
           </a:p>
           <a:p>
-            <a:pPr marL="432000" indent="-322200">
+            <a:pPr marL="432000" indent="-321840">
               <a:lnSpc>
                 <a:spcPct val="100000"/>
               </a:lnSpc>
@@ -6484,7 +6327,7 @@
             </a:endParaRPr>
           </a:p>
           <a:p>
-            <a:pPr marL="432000" indent="-322200">
+            <a:pPr marL="432000" indent="-321840">
               <a:lnSpc>
                 <a:spcPct val="100000"/>
               </a:lnSpc>
@@ -6513,7 +6356,7 @@
             </a:endParaRPr>
           </a:p>
           <a:p>
-            <a:pPr marL="432000" indent="-322200">
+            <a:pPr marL="432000" indent="-321840">
               <a:lnSpc>
                 <a:spcPct val="100000"/>
               </a:lnSpc>
@@ -6582,7 +6425,7 @@
         <p:spPr>
           <a:xfrm>
             <a:off x="504000" y="304920"/>
-            <a:ext cx="7198200" cy="1260720"/>
+            <a:ext cx="7197840" cy="1260360"/>
           </a:xfrm>
           <a:prstGeom prst="rect">
             <a:avLst/>
@@ -6608,7 +6451,7 @@
         <p:spPr>
           <a:xfrm>
             <a:off x="548640" y="2194560"/>
-            <a:ext cx="8868240" cy="2832840"/>
+            <a:ext cx="8867880" cy="2832840"/>
           </a:xfrm>
           <a:prstGeom prst="rect">
             <a:avLst/>
@@ -6819,7 +6662,7 @@
         <p:spPr>
           <a:xfrm>
             <a:off x="504000" y="304920"/>
-            <a:ext cx="7198200" cy="1260720"/>
+            <a:ext cx="7197840" cy="1260360"/>
           </a:xfrm>
           <a:prstGeom prst="rect">
             <a:avLst/>
@@ -6845,7 +6688,7 @@
         <p:spPr>
           <a:xfrm>
             <a:off x="548640" y="1828800"/>
-            <a:ext cx="8960040" cy="3655800"/>
+            <a:ext cx="8959680" cy="3655800"/>
           </a:xfrm>
           <a:prstGeom prst="rect">
             <a:avLst/>
@@ -7050,7 +6893,7 @@
         <p:spPr>
           <a:xfrm>
             <a:off x="789120" y="5760720"/>
-            <a:ext cx="3233160" cy="749880"/>
+            <a:ext cx="3232800" cy="749520"/>
           </a:xfrm>
           <a:prstGeom prst="rect">
             <a:avLst/>
@@ -7073,7 +6916,7 @@
         <p:spPr>
           <a:xfrm>
             <a:off x="4910400" y="5714640"/>
-            <a:ext cx="2952360" cy="789480"/>
+            <a:ext cx="2952000" cy="789120"/>
           </a:xfrm>
           <a:prstGeom prst="rect">
             <a:avLst/>
@@ -7122,7 +6965,7 @@
         <p:spPr>
           <a:xfrm>
             <a:off x="457200" y="1554480"/>
-            <a:ext cx="9142920" cy="3930120"/>
+            <a:ext cx="9142560" cy="3930120"/>
           </a:xfrm>
           <a:prstGeom prst="rect">
             <a:avLst/>
@@ -7317,7 +7160,7 @@
         <p:spPr>
           <a:xfrm>
             <a:off x="1653840" y="5946120"/>
-            <a:ext cx="4380120" cy="938160"/>
+            <a:ext cx="4379760" cy="937800"/>
           </a:xfrm>
           <a:prstGeom prst="rect">
             <a:avLst/>
@@ -7366,7 +7209,7 @@
         <p:spPr>
           <a:xfrm>
             <a:off x="457200" y="1554480"/>
-            <a:ext cx="9051480" cy="2832840"/>
+            <a:ext cx="9051120" cy="2832840"/>
           </a:xfrm>
           <a:prstGeom prst="rect">
             <a:avLst/>
@@ -7531,7 +7374,7 @@
         <p:spPr>
           <a:xfrm>
             <a:off x="585720" y="4744080"/>
-            <a:ext cx="8831520" cy="1655640"/>
+            <a:ext cx="8831160" cy="1655280"/>
           </a:xfrm>
           <a:prstGeom prst="rect">
             <a:avLst/>
@@ -7580,7 +7423,7 @@
         <p:spPr>
           <a:xfrm>
             <a:off x="640080" y="1554480"/>
-            <a:ext cx="8960040" cy="1735560"/>
+            <a:ext cx="8959680" cy="1735560"/>
           </a:xfrm>
           <a:prstGeom prst="rect">
             <a:avLst/>
